--- a/Slides/Lesson 7.1-7.3 Invariants Combined.pptx
+++ b/Slides/Lesson 7.1-7.3 Invariants Combined.pptx
@@ -5,73 +5,80 @@
     <p:sldMasterId id="2147483661" r:id="rId1"/>
   </p:sldMasterIdLst>
   <p:notesMasterIdLst>
-    <p:notesMasterId r:id="rId61"/>
+    <p:notesMasterId r:id="rId68"/>
   </p:notesMasterIdLst>
   <p:sldIdLst>
     <p:sldId id="257" r:id="rId2"/>
     <p:sldId id="258" r:id="rId3"/>
     <p:sldId id="259" r:id="rId4"/>
     <p:sldId id="362" r:id="rId5"/>
-    <p:sldId id="311" r:id="rId6"/>
-    <p:sldId id="263" r:id="rId7"/>
-    <p:sldId id="264" r:id="rId8"/>
-    <p:sldId id="272" r:id="rId9"/>
-    <p:sldId id="273" r:id="rId10"/>
-    <p:sldId id="274" r:id="rId11"/>
-    <p:sldId id="268" r:id="rId12"/>
-    <p:sldId id="271" r:id="rId13"/>
-    <p:sldId id="312" r:id="rId14"/>
-    <p:sldId id="313" r:id="rId15"/>
-    <p:sldId id="314" r:id="rId16"/>
-    <p:sldId id="315" r:id="rId17"/>
-    <p:sldId id="318" r:id="rId18"/>
-    <p:sldId id="319" r:id="rId19"/>
-    <p:sldId id="320" r:id="rId20"/>
-    <p:sldId id="317" r:id="rId21"/>
-    <p:sldId id="321" r:id="rId22"/>
-    <p:sldId id="323" r:id="rId23"/>
-    <p:sldId id="324" r:id="rId24"/>
-    <p:sldId id="322" r:id="rId25"/>
-    <p:sldId id="325" r:id="rId26"/>
-    <p:sldId id="326" r:id="rId27"/>
-    <p:sldId id="328" r:id="rId28"/>
-    <p:sldId id="330" r:id="rId29"/>
-    <p:sldId id="331" r:id="rId30"/>
-    <p:sldId id="332" r:id="rId31"/>
-    <p:sldId id="333" r:id="rId32"/>
-    <p:sldId id="334" r:id="rId33"/>
-    <p:sldId id="335" r:id="rId34"/>
-    <p:sldId id="336" r:id="rId35"/>
-    <p:sldId id="337" r:id="rId36"/>
-    <p:sldId id="338" r:id="rId37"/>
-    <p:sldId id="339" r:id="rId38"/>
-    <p:sldId id="340" r:id="rId39"/>
-    <p:sldId id="341" r:id="rId40"/>
-    <p:sldId id="342" r:id="rId41"/>
-    <p:sldId id="343" r:id="rId42"/>
-    <p:sldId id="344" r:id="rId43"/>
-    <p:sldId id="345" r:id="rId44"/>
-    <p:sldId id="346" r:id="rId45"/>
-    <p:sldId id="347" r:id="rId46"/>
-    <p:sldId id="348" r:id="rId47"/>
-    <p:sldId id="349" r:id="rId48"/>
-    <p:sldId id="350" r:id="rId49"/>
-    <p:sldId id="351" r:id="rId50"/>
-    <p:sldId id="352" r:id="rId51"/>
-    <p:sldId id="353" r:id="rId52"/>
-    <p:sldId id="354" r:id="rId53"/>
-    <p:sldId id="355" r:id="rId54"/>
-    <p:sldId id="356" r:id="rId55"/>
-    <p:sldId id="357" r:id="rId56"/>
-    <p:sldId id="358" r:id="rId57"/>
-    <p:sldId id="359" r:id="rId58"/>
-    <p:sldId id="360" r:id="rId59"/>
-    <p:sldId id="361" r:id="rId60"/>
+    <p:sldId id="365" r:id="rId6"/>
+    <p:sldId id="367" r:id="rId7"/>
+    <p:sldId id="364" r:id="rId8"/>
+    <p:sldId id="368" r:id="rId9"/>
+    <p:sldId id="370" r:id="rId10"/>
+    <p:sldId id="363" r:id="rId11"/>
+    <p:sldId id="371" r:id="rId12"/>
+    <p:sldId id="372" r:id="rId13"/>
+    <p:sldId id="311" r:id="rId14"/>
+    <p:sldId id="263" r:id="rId15"/>
+    <p:sldId id="264" r:id="rId16"/>
+    <p:sldId id="272" r:id="rId17"/>
+    <p:sldId id="273" r:id="rId18"/>
+    <p:sldId id="274" r:id="rId19"/>
+    <p:sldId id="268" r:id="rId20"/>
+    <p:sldId id="271" r:id="rId21"/>
+    <p:sldId id="312" r:id="rId22"/>
+    <p:sldId id="313" r:id="rId23"/>
+    <p:sldId id="314" r:id="rId24"/>
+    <p:sldId id="315" r:id="rId25"/>
+    <p:sldId id="318" r:id="rId26"/>
+    <p:sldId id="319" r:id="rId27"/>
+    <p:sldId id="320" r:id="rId28"/>
+    <p:sldId id="317" r:id="rId29"/>
+    <p:sldId id="321" r:id="rId30"/>
+    <p:sldId id="322" r:id="rId31"/>
+    <p:sldId id="325" r:id="rId32"/>
+    <p:sldId id="326" r:id="rId33"/>
+    <p:sldId id="328" r:id="rId34"/>
+    <p:sldId id="330" r:id="rId35"/>
+    <p:sldId id="331" r:id="rId36"/>
+    <p:sldId id="332" r:id="rId37"/>
+    <p:sldId id="333" r:id="rId38"/>
+    <p:sldId id="334" r:id="rId39"/>
+    <p:sldId id="335" r:id="rId40"/>
+    <p:sldId id="336" r:id="rId41"/>
+    <p:sldId id="337" r:id="rId42"/>
+    <p:sldId id="338" r:id="rId43"/>
+    <p:sldId id="339" r:id="rId44"/>
+    <p:sldId id="340" r:id="rId45"/>
+    <p:sldId id="341" r:id="rId46"/>
+    <p:sldId id="342" r:id="rId47"/>
+    <p:sldId id="343" r:id="rId48"/>
+    <p:sldId id="344" r:id="rId49"/>
+    <p:sldId id="369" r:id="rId50"/>
+    <p:sldId id="345" r:id="rId51"/>
+    <p:sldId id="346" r:id="rId52"/>
+    <p:sldId id="347" r:id="rId53"/>
+    <p:sldId id="348" r:id="rId54"/>
+    <p:sldId id="349" r:id="rId55"/>
+    <p:sldId id="350" r:id="rId56"/>
+    <p:sldId id="351" r:id="rId57"/>
+    <p:sldId id="352" r:id="rId58"/>
+    <p:sldId id="353" r:id="rId59"/>
+    <p:sldId id="354" r:id="rId60"/>
+    <p:sldId id="355" r:id="rId61"/>
+    <p:sldId id="356" r:id="rId62"/>
+    <p:sldId id="357" r:id="rId63"/>
+    <p:sldId id="358" r:id="rId64"/>
+    <p:sldId id="359" r:id="rId65"/>
+    <p:sldId id="360" r:id="rId66"/>
+    <p:sldId id="361" r:id="rId67"/>
   </p:sldIdLst>
   <p:sldSz cx="9144000" cy="6858000" type="screen4x3"/>
   <p:notesSz cx="6858000" cy="9144000"/>
   <p:custDataLst>
-    <p:tags r:id="rId62"/>
+    <p:tags r:id="rId69"/>
   </p:custDataLst>
   <p:defaultTextStyle>
     <a:defPPr>
@@ -177,6 +184,18 @@
             <p14:sldId id="258"/>
             <p14:sldId id="259"/>
             <p14:sldId id="362"/>
+            <p14:sldId id="365"/>
+            <p14:sldId id="367"/>
+            <p14:sldId id="364"/>
+            <p14:sldId id="368"/>
+            <p14:sldId id="370"/>
+            <p14:sldId id="363"/>
+            <p14:sldId id="371"/>
+            <p14:sldId id="372"/>
+          </p14:sldIdLst>
+        </p14:section>
+        <p14:section name="Untitled Section" id="{F6D8DB7E-1023-44A1-8D69-E7D04D4D2ED4}">
+          <p14:sldIdLst>
             <p14:sldId id="311"/>
             <p14:sldId id="263"/>
             <p14:sldId id="264"/>
@@ -194,8 +213,6 @@
             <p14:sldId id="320"/>
             <p14:sldId id="317"/>
             <p14:sldId id="321"/>
-            <p14:sldId id="323"/>
-            <p14:sldId id="324"/>
             <p14:sldId id="322"/>
             <p14:sldId id="325"/>
             <p14:sldId id="326"/>
@@ -219,6 +236,7 @@
             <p14:sldId id="342"/>
             <p14:sldId id="343"/>
             <p14:sldId id="344"/>
+            <p14:sldId id="369"/>
           </p14:sldIdLst>
         </p14:section>
         <p14:section name="Untitled Section" id="{AE1F41E7-1E7F-4FB8-98C9-7040BCD6F63E}">
@@ -249,7 +267,7 @@
     </p:ext>
     <p:ext uri="{EFAFB233-063F-42B5-8137-9DF3F51BA10A}">
       <p15:sldGuideLst xmlns:p15="http://schemas.microsoft.com/office/powerpoint/2012/main">
-        <p15:guide id="1" orient="horz" pos="2160">
+        <p15:guide id="1" orient="horz" pos="1008" userDrawn="1">
           <p15:clr>
             <a:srgbClr val="A4A3A4"/>
           </p15:clr>
@@ -5447,7 +5465,7 @@
           <a:p>
             <a:fld id="{CA5085ED-56B4-45A6-801A-98AC77E76501}" type="datetimeFigureOut">
               <a:rPr lang="en-US" smtClean="0"/>
-              <a:t>9/19/2017</a:t>
+              <a:t>9/24/2017</a:t>
             </a:fld>
             <a:endParaRPr lang="en-US"/>
           </a:p>
@@ -5839,8 +5857,13 @@
         </p:nvSpPr>
         <p:spPr/>
         <p:txBody>
-          <a:bodyPr/>
-          <a:lstStyle/>
+          <a:bodyPr>
+            <a:normAutofit/>
+          </a:bodyPr>
+          <a:lstStyle/>
+          <a:p>
+            <a:endParaRPr lang="en-US" dirty="0"/>
+          </a:p>
           <a:p>
             <a:endParaRPr lang="en-US" dirty="0"/>
           </a:p>
@@ -5861,9 +5884,10 @@
           <a:bodyPr/>
           <a:lstStyle/>
           <a:p>
-            <a:fld id="{A28484B4-7F93-45CD-84A0-E7476B171D3B}" type="slidenum">
+            <a:fld id="{6048B3DE-E9CD-4720-84B6-E24D30E64DE7}" type="slidenum">
               <a:rPr lang="en-US" smtClean="0"/>
-              <a:t>46</a:t>
+              <a:pPr/>
+              <a:t>50</a:t>
             </a:fld>
             <a:endParaRPr lang="en-US"/>
           </a:p>
@@ -5872,7 +5896,7 @@
     </p:spTree>
     <p:extLst>
       <p:ext uri="{BB962C8B-B14F-4D97-AF65-F5344CB8AC3E}">
-        <p14:creationId xmlns:p14="http://schemas.microsoft.com/office/powerpoint/2010/main" val="2271270259"/>
+        <p14:creationId xmlns:p14="http://schemas.microsoft.com/office/powerpoint/2010/main" val="182562649"/>
       </p:ext>
     </p:extLst>
   </p:cSld>
@@ -5947,7 +5971,91 @@
           <a:p>
             <a:fld id="{A28484B4-7F93-45CD-84A0-E7476B171D3B}" type="slidenum">
               <a:rPr lang="en-US" smtClean="0"/>
-              <a:t>57</a:t>
+              <a:t>53</a:t>
+            </a:fld>
+            <a:endParaRPr lang="en-US"/>
+          </a:p>
+        </p:txBody>
+      </p:sp>
+    </p:spTree>
+    <p:extLst>
+      <p:ext uri="{BB962C8B-B14F-4D97-AF65-F5344CB8AC3E}">
+        <p14:creationId xmlns:p14="http://schemas.microsoft.com/office/powerpoint/2010/main" val="2271270259"/>
+      </p:ext>
+    </p:extLst>
+  </p:cSld>
+  <p:clrMapOvr>
+    <a:masterClrMapping/>
+  </p:clrMapOvr>
+</p:notes>
+</file>
+
+<file path=ppt/notesSlides/notesSlide12.xml><?xml version="1.0" encoding="utf-8"?>
+<p:notes xmlns:a="http://schemas.openxmlformats.org/drawingml/2006/main" xmlns:r="http://schemas.openxmlformats.org/officeDocument/2006/relationships" xmlns:p="http://schemas.openxmlformats.org/presentationml/2006/main">
+  <p:cSld>
+    <p:spTree>
+      <p:nvGrpSpPr>
+        <p:cNvPr id="1" name=""/>
+        <p:cNvGrpSpPr/>
+        <p:nvPr/>
+      </p:nvGrpSpPr>
+      <p:grpSpPr>
+        <a:xfrm>
+          <a:off x="0" y="0"/>
+          <a:ext cx="0" cy="0"/>
+          <a:chOff x="0" y="0"/>
+          <a:chExt cx="0" cy="0"/>
+        </a:xfrm>
+      </p:grpSpPr>
+      <p:sp>
+        <p:nvSpPr>
+          <p:cNvPr id="2" name="Slide Image Placeholder 1"/>
+          <p:cNvSpPr>
+            <a:spLocks noGrp="1" noRot="1" noChangeAspect="1"/>
+          </p:cNvSpPr>
+          <p:nvPr>
+            <p:ph type="sldImg"/>
+          </p:nvPr>
+        </p:nvSpPr>
+        <p:spPr/>
+      </p:sp>
+      <p:sp>
+        <p:nvSpPr>
+          <p:cNvPr id="3" name="Notes Placeholder 2"/>
+          <p:cNvSpPr>
+            <a:spLocks noGrp="1"/>
+          </p:cNvSpPr>
+          <p:nvPr>
+            <p:ph type="body" idx="1"/>
+          </p:nvPr>
+        </p:nvSpPr>
+        <p:spPr/>
+        <p:txBody>
+          <a:bodyPr/>
+          <a:lstStyle/>
+          <a:p>
+            <a:endParaRPr lang="en-US" dirty="0"/>
+          </a:p>
+        </p:txBody>
+      </p:sp>
+      <p:sp>
+        <p:nvSpPr>
+          <p:cNvPr id="4" name="Slide Number Placeholder 3"/>
+          <p:cNvSpPr>
+            <a:spLocks noGrp="1"/>
+          </p:cNvSpPr>
+          <p:nvPr>
+            <p:ph type="sldNum" sz="quarter" idx="10"/>
+          </p:nvPr>
+        </p:nvSpPr>
+        <p:spPr/>
+        <p:txBody>
+          <a:bodyPr/>
+          <a:lstStyle/>
+          <a:p>
+            <a:fld id="{A28484B4-7F93-45CD-84A0-E7476B171D3B}" type="slidenum">
+              <a:rPr lang="en-US" smtClean="0"/>
+              <a:t>64</a:t>
             </a:fld>
             <a:endParaRPr lang="en-US"/>
           </a:p>
@@ -6029,10 +6137,9 @@
           <a:bodyPr/>
           <a:lstStyle/>
           <a:p>
-            <a:fld id="{85E423A9-C257-460A-A8ED-9083CE03CE3B}" type="slidenum">
+            <a:fld id="{A883872C-8A4C-45D2-AF62-240BF2DAD4C3}" type="slidenum">
               <a:rPr lang="en-US" smtClean="0"/>
-              <a:pPr/>
-              <a:t>15</a:t>
+              <a:t>13</a:t>
             </a:fld>
             <a:endParaRPr lang="en-US"/>
           </a:p>
@@ -6041,7 +6148,7 @@
     </p:spTree>
     <p:extLst>
       <p:ext uri="{BB962C8B-B14F-4D97-AF65-F5344CB8AC3E}">
-        <p14:creationId xmlns:p14="http://schemas.microsoft.com/office/powerpoint/2010/main" val="69900849"/>
+        <p14:creationId xmlns:p14="http://schemas.microsoft.com/office/powerpoint/2010/main" val="3350694216"/>
       </p:ext>
     </p:extLst>
   </p:cSld>
@@ -6095,7 +6202,7 @@
           <a:bodyPr/>
           <a:lstStyle/>
           <a:p>
-            <a:endParaRPr lang="en-US"/>
+            <a:endParaRPr lang="en-US" dirty="0"/>
           </a:p>
         </p:txBody>
       </p:sp>
@@ -6114,9 +6221,10 @@
           <a:bodyPr/>
           <a:lstStyle/>
           <a:p>
-            <a:fld id="{A883872C-8A4C-45D2-AF62-240BF2DAD4C3}" type="slidenum">
+            <a:fld id="{85E423A9-C257-460A-A8ED-9083CE03CE3B}" type="slidenum">
               <a:rPr lang="en-US" smtClean="0"/>
-              <a:t>28</a:t>
+              <a:pPr/>
+              <a:t>23</a:t>
             </a:fld>
             <a:endParaRPr lang="en-US"/>
           </a:p>
@@ -6125,7 +6233,7 @@
     </p:spTree>
     <p:extLst>
       <p:ext uri="{BB962C8B-B14F-4D97-AF65-F5344CB8AC3E}">
-        <p14:creationId xmlns:p14="http://schemas.microsoft.com/office/powerpoint/2010/main" val="2195058373"/>
+        <p14:creationId xmlns:p14="http://schemas.microsoft.com/office/powerpoint/2010/main" val="69900849"/>
       </p:ext>
     </p:extLst>
   </p:cSld>
@@ -6179,7 +6287,7 @@
           <a:bodyPr/>
           <a:lstStyle/>
           <a:p>
-            <a:endParaRPr lang="en-US" dirty="0"/>
+            <a:endParaRPr lang="en-US"/>
           </a:p>
         </p:txBody>
       </p:sp>
@@ -6198,10 +6306,9 @@
           <a:bodyPr/>
           <a:lstStyle/>
           <a:p>
-            <a:fld id="{85E423A9-C257-460A-A8ED-9083CE03CE3B}" type="slidenum">
+            <a:fld id="{A883872C-8A4C-45D2-AF62-240BF2DAD4C3}" type="slidenum">
               <a:rPr lang="en-US" smtClean="0"/>
-              <a:pPr/>
-              <a:t>32</a:t>
+              <a:t>34</a:t>
             </a:fld>
             <a:endParaRPr lang="en-US"/>
           </a:p>
@@ -6210,7 +6317,7 @@
     </p:spTree>
     <p:extLst>
       <p:ext uri="{BB962C8B-B14F-4D97-AF65-F5344CB8AC3E}">
-        <p14:creationId xmlns:p14="http://schemas.microsoft.com/office/powerpoint/2010/main" val="2167275834"/>
+        <p14:creationId xmlns:p14="http://schemas.microsoft.com/office/powerpoint/2010/main" val="2195058373"/>
       </p:ext>
     </p:extLst>
   </p:cSld>
@@ -6286,7 +6393,7 @@
             <a:fld id="{85E423A9-C257-460A-A8ED-9083CE03CE3B}" type="slidenum">
               <a:rPr lang="en-US" smtClean="0"/>
               <a:pPr/>
-              <a:t>35</a:t>
+              <a:t>38</a:t>
             </a:fld>
             <a:endParaRPr lang="en-US"/>
           </a:p>
@@ -6295,7 +6402,7 @@
     </p:spTree>
     <p:extLst>
       <p:ext uri="{BB962C8B-B14F-4D97-AF65-F5344CB8AC3E}">
-        <p14:creationId xmlns:p14="http://schemas.microsoft.com/office/powerpoint/2010/main" val="3832213817"/>
+        <p14:creationId xmlns:p14="http://schemas.microsoft.com/office/powerpoint/2010/main" val="2167275834"/>
       </p:ext>
     </p:extLst>
   </p:cSld>
@@ -6371,7 +6478,7 @@
             <a:fld id="{85E423A9-C257-460A-A8ED-9083CE03CE3B}" type="slidenum">
               <a:rPr lang="en-US" smtClean="0"/>
               <a:pPr/>
-              <a:t>38</a:t>
+              <a:t>41</a:t>
             </a:fld>
             <a:endParaRPr lang="en-US"/>
           </a:p>
@@ -6380,7 +6487,7 @@
     </p:spTree>
     <p:extLst>
       <p:ext uri="{BB962C8B-B14F-4D97-AF65-F5344CB8AC3E}">
-        <p14:creationId xmlns:p14="http://schemas.microsoft.com/office/powerpoint/2010/main" val="393432766"/>
+        <p14:creationId xmlns:p14="http://schemas.microsoft.com/office/powerpoint/2010/main" val="3832213817"/>
       </p:ext>
     </p:extLst>
   </p:cSld>
@@ -6456,7 +6563,7 @@
             <a:fld id="{85E423A9-C257-460A-A8ED-9083CE03CE3B}" type="slidenum">
               <a:rPr lang="en-US" smtClean="0"/>
               <a:pPr/>
-              <a:t>39</a:t>
+              <a:t>44</a:t>
             </a:fld>
             <a:endParaRPr lang="en-US"/>
           </a:p>
@@ -6465,7 +6572,7 @@
     </p:spTree>
     <p:extLst>
       <p:ext uri="{BB962C8B-B14F-4D97-AF65-F5344CB8AC3E}">
-        <p14:creationId xmlns:p14="http://schemas.microsoft.com/office/powerpoint/2010/main" val="4014414283"/>
+        <p14:creationId xmlns:p14="http://schemas.microsoft.com/office/powerpoint/2010/main" val="393432766"/>
       </p:ext>
     </p:extLst>
   </p:cSld>
@@ -6519,15 +6626,7 @@
           <a:bodyPr/>
           <a:lstStyle/>
           <a:p>
-            <a:endParaRPr lang="en-US" sz="1200" kern="1200" dirty="0">
-              <a:solidFill>
-                <a:schemeClr val="tx1"/>
-              </a:solidFill>
-              <a:effectLst/>
-              <a:latin typeface="+mn-lt"/>
-              <a:ea typeface="+mn-ea"/>
-              <a:cs typeface="+mn-cs"/>
-            </a:endParaRPr>
+            <a:endParaRPr lang="en-US" dirty="0"/>
           </a:p>
         </p:txBody>
       </p:sp>
@@ -6549,7 +6648,7 @@
             <a:fld id="{85E423A9-C257-460A-A8ED-9083CE03CE3B}" type="slidenum">
               <a:rPr lang="en-US" smtClean="0"/>
               <a:pPr/>
-              <a:t>40</a:t>
+              <a:t>45</a:t>
             </a:fld>
             <a:endParaRPr lang="en-US"/>
           </a:p>
@@ -6558,7 +6657,7 @@
     </p:spTree>
     <p:extLst>
       <p:ext uri="{BB962C8B-B14F-4D97-AF65-F5344CB8AC3E}">
-        <p14:creationId xmlns:p14="http://schemas.microsoft.com/office/powerpoint/2010/main" val="2717204127"/>
+        <p14:creationId xmlns:p14="http://schemas.microsoft.com/office/powerpoint/2010/main" val="4014414283"/>
       </p:ext>
     </p:extLst>
   </p:cSld>
@@ -6609,15 +6708,18 @@
         </p:nvSpPr>
         <p:spPr/>
         <p:txBody>
-          <a:bodyPr>
-            <a:normAutofit/>
-          </a:bodyPr>
-          <a:lstStyle/>
-          <a:p>
-            <a:endParaRPr lang="en-US" dirty="0"/>
-          </a:p>
-          <a:p>
-            <a:endParaRPr lang="en-US" dirty="0"/>
+          <a:bodyPr/>
+          <a:lstStyle/>
+          <a:p>
+            <a:endParaRPr lang="en-US" sz="1200" kern="1200" dirty="0">
+              <a:solidFill>
+                <a:schemeClr val="tx1"/>
+              </a:solidFill>
+              <a:effectLst/>
+              <a:latin typeface="+mn-lt"/>
+              <a:ea typeface="+mn-ea"/>
+              <a:cs typeface="+mn-cs"/>
+            </a:endParaRPr>
           </a:p>
         </p:txBody>
       </p:sp>
@@ -6636,10 +6738,10 @@
           <a:bodyPr/>
           <a:lstStyle/>
           <a:p>
-            <a:fld id="{6048B3DE-E9CD-4720-84B6-E24D30E64DE7}" type="slidenum">
+            <a:fld id="{85E423A9-C257-460A-A8ED-9083CE03CE3B}" type="slidenum">
               <a:rPr lang="en-US" smtClean="0"/>
               <a:pPr/>
-              <a:t>43</a:t>
+              <a:t>46</a:t>
             </a:fld>
             <a:endParaRPr lang="en-US"/>
           </a:p>
@@ -6648,7 +6750,7 @@
     </p:spTree>
     <p:extLst>
       <p:ext uri="{BB962C8B-B14F-4D97-AF65-F5344CB8AC3E}">
-        <p14:creationId xmlns:p14="http://schemas.microsoft.com/office/powerpoint/2010/main" val="182562649"/>
+        <p14:creationId xmlns:p14="http://schemas.microsoft.com/office/powerpoint/2010/main" val="2717204127"/>
       </p:ext>
     </p:extLst>
   </p:cSld>
@@ -6837,7 +6939,7 @@
           <a:p>
             <a:fld id="{2F1F79F5-7BEC-496A-AFC7-876E38F64D71}" type="datetime1">
               <a:rPr lang="en-US" smtClean="0"/>
-              <a:t>9/19/2017</a:t>
+              <a:t>9/24/2017</a:t>
             </a:fld>
             <a:endParaRPr lang="en-US"/>
           </a:p>
@@ -6932,7 +7034,7 @@
           <a:p>
             <a:fld id="{0A05703A-7669-4FEA-9056-25299B4D29D4}" type="datetime1">
               <a:rPr lang="en-US" smtClean="0"/>
-              <a:t>9/19/2017</a:t>
+              <a:t>9/24/2017</a:t>
             </a:fld>
             <a:endParaRPr lang="en-US"/>
           </a:p>
@@ -7207,7 +7309,7 @@
           <a:p>
             <a:fld id="{6E5077B5-BB57-49DB-88CA-226A139E5C01}" type="datetime1">
               <a:rPr lang="en-US" smtClean="0"/>
-              <a:t>9/19/2017</a:t>
+              <a:t>9/24/2017</a:t>
             </a:fld>
             <a:endParaRPr lang="en-US"/>
           </a:p>
@@ -7459,7 +7561,7 @@
           <a:p>
             <a:fld id="{C48D9447-CBD6-49A1-89FD-8512A8CF8999}" type="datetime1">
               <a:rPr lang="en-US" smtClean="0"/>
-              <a:t>9/19/2017</a:t>
+              <a:t>9/24/2017</a:t>
             </a:fld>
             <a:endParaRPr lang="en-US"/>
           </a:p>
@@ -7627,7 +7729,7 @@
           <a:p>
             <a:fld id="{A3639A2A-823D-48B7-9ACE-7FAF42870BA9}" type="datetime1">
               <a:rPr lang="en-US" smtClean="0"/>
-              <a:t>9/19/2017</a:t>
+              <a:t>9/24/2017</a:t>
             </a:fld>
             <a:endParaRPr lang="en-US"/>
           </a:p>
@@ -7805,7 +7907,7 @@
           <a:p>
             <a:fld id="{ED1B6996-82E9-463C-972C-7B56056E426C}" type="datetime1">
               <a:rPr lang="en-US" smtClean="0"/>
-              <a:t>9/19/2017</a:t>
+              <a:t>9/24/2017</a:t>
             </a:fld>
             <a:endParaRPr lang="en-US"/>
           </a:p>
@@ -7979,7 +8081,7 @@
           <a:p>
             <a:fld id="{E22ED4DA-448D-4BB1-B935-CC112220207B}" type="datetime1">
               <a:rPr lang="en-US" smtClean="0"/>
-              <a:t>9/19/2017</a:t>
+              <a:t>9/24/2017</a:t>
             </a:fld>
             <a:endParaRPr lang="en-US"/>
           </a:p>
@@ -8152,7 +8254,7 @@
           <a:p>
             <a:fld id="{E22ED4DA-448D-4BB1-B935-CC112220207B}" type="datetime1">
               <a:rPr lang="en-US" smtClean="0"/>
-              <a:t>9/19/2017</a:t>
+              <a:t>9/24/2017</a:t>
             </a:fld>
             <a:endParaRPr lang="en-US"/>
           </a:p>
@@ -8412,7 +8514,7 @@
           <a:p>
             <a:fld id="{FF5D65A6-AB94-4435-B0B7-3743215FA46C}" type="datetime1">
               <a:rPr lang="en-US" smtClean="0"/>
-              <a:t>9/19/2017</a:t>
+              <a:t>9/24/2017</a:t>
             </a:fld>
             <a:endParaRPr lang="en-US"/>
           </a:p>
@@ -8588,7 +8690,7 @@
           <a:p>
             <a:fld id="{FF5D65A6-AB94-4435-B0B7-3743215FA46C}" type="datetime1">
               <a:rPr lang="en-US" smtClean="0"/>
-              <a:t>9/19/2017</a:t>
+              <a:t>9/24/2017</a:t>
             </a:fld>
             <a:endParaRPr lang="en-US"/>
           </a:p>
@@ -8882,7 +8984,7 @@
           <a:p>
             <a:fld id="{7C193DC4-6EF0-48C9-B29C-616106A645E1}" type="datetime1">
               <a:rPr lang="en-US" smtClean="0"/>
-              <a:t>9/19/2017</a:t>
+              <a:t>9/24/2017</a:t>
             </a:fld>
             <a:endParaRPr lang="en-US"/>
           </a:p>
@@ -9167,7 +9269,7 @@
           <a:p>
             <a:fld id="{5D1846AD-9252-4647-9435-4C2AC365653A}" type="datetime1">
               <a:rPr lang="en-US" smtClean="0"/>
-              <a:t>9/19/2017</a:t>
+              <a:t>9/24/2017</a:t>
             </a:fld>
             <a:endParaRPr lang="en-US"/>
           </a:p>
@@ -9586,7 +9688,7 @@
           <a:p>
             <a:fld id="{CE56DC10-3561-4063-A6AF-C1CC7A41040A}" type="datetime1">
               <a:rPr lang="en-US" smtClean="0"/>
-              <a:t>9/19/2017</a:t>
+              <a:t>9/24/2017</a:t>
             </a:fld>
             <a:endParaRPr lang="en-US"/>
           </a:p>
@@ -9703,7 +9805,7 @@
           <a:p>
             <a:fld id="{2F7B77F5-1464-4F6B-92A8-64FC8A508293}" type="datetime1">
               <a:rPr lang="en-US" smtClean="0"/>
-              <a:t>9/19/2017</a:t>
+              <a:t>9/24/2017</a:t>
             </a:fld>
             <a:endParaRPr lang="en-US"/>
           </a:p>
@@ -9926,7 +10028,7 @@
           <a:p>
             <a:fld id="{02B3F677-983B-48DB-ADFD-63FE6CBC7FB2}" type="datetime1">
               <a:rPr lang="en-US" smtClean="0"/>
-              <a:t>9/19/2017</a:t>
+              <a:t>9/24/2017</a:t>
             </a:fld>
             <a:endParaRPr lang="en-US"/>
           </a:p>
@@ -10550,7 +10652,7 @@
           <a:p>
             <a:r>
               <a:rPr lang="en-US" dirty="0"/>
-              <a:t>number-list-from-3</a:t>
+              <a:t>Whose responsibility is it?</a:t>
             </a:r>
           </a:p>
         </p:txBody>
@@ -10567,12 +10669,636 @@
         </p:nvSpPr>
         <p:spPr/>
         <p:txBody>
+          <a:bodyPr/>
+          <a:lstStyle/>
+          <a:p>
+            <a:r>
+              <a:rPr lang="en-US" dirty="0"/>
+              <a:t>The invariant, along with the contract, sets down the assumptions that each function makes about the arguments that it processes</a:t>
+            </a:r>
+          </a:p>
+          <a:p>
+            <a:r>
+              <a:rPr lang="en-US" dirty="0"/>
+              <a:t>It is up to each caller of the function to make sure that the invariant is true at every call.</a:t>
+            </a:r>
+          </a:p>
+          <a:p>
+            <a:r>
+              <a:rPr lang="en-US" dirty="0"/>
+              <a:t>The function gets to assume that the invariant is true.</a:t>
+            </a:r>
+          </a:p>
+          <a:p>
+            <a:endParaRPr lang="en-US" dirty="0"/>
+          </a:p>
+        </p:txBody>
+      </p:sp>
+      <p:sp>
+        <p:nvSpPr>
+          <p:cNvPr id="4" name="Slide Number Placeholder 3"/>
+          <p:cNvSpPr>
+            <a:spLocks noGrp="1"/>
+          </p:cNvSpPr>
+          <p:nvPr>
+            <p:ph type="sldNum" sz="quarter" idx="12"/>
+          </p:nvPr>
+        </p:nvSpPr>
+        <p:spPr/>
+        <p:txBody>
+          <a:bodyPr/>
+          <a:lstStyle/>
+          <a:p>
+            <a:fld id="{4FF46DE1-096B-4EDD-A00F-DA0292705DA0}" type="slidenum">
+              <a:rPr lang="en-US" smtClean="0"/>
+              <a:t>10</a:t>
+            </a:fld>
+            <a:endParaRPr lang="en-US"/>
+          </a:p>
+        </p:txBody>
+      </p:sp>
+    </p:spTree>
+    <p:extLst>
+      <p:ext uri="{BB962C8B-B14F-4D97-AF65-F5344CB8AC3E}">
+        <p14:creationId xmlns:p14="http://schemas.microsoft.com/office/powerpoint/2010/main" val="3096118324"/>
+      </p:ext>
+    </p:extLst>
+  </p:cSld>
+  <p:clrMapOvr>
+    <a:masterClrMapping/>
+  </p:clrMapOvr>
+</p:sld>
+</file>
+
+<file path=ppt/slides/slide11.xml><?xml version="1.0" encoding="utf-8"?>
+<p:sld xmlns:a="http://schemas.openxmlformats.org/drawingml/2006/main" xmlns:r="http://schemas.openxmlformats.org/officeDocument/2006/relationships" xmlns:p="http://schemas.openxmlformats.org/presentationml/2006/main">
+  <p:cSld>
+    <p:spTree>
+      <p:nvGrpSpPr>
+        <p:cNvPr id="1" name=""/>
+        <p:cNvGrpSpPr/>
+        <p:nvPr/>
+      </p:nvGrpSpPr>
+      <p:grpSpPr>
+        <a:xfrm>
+          <a:off x="0" y="0"/>
+          <a:ext cx="0" cy="0"/>
+          <a:chOff x="0" y="0"/>
+          <a:chExt cx="0" cy="0"/>
+        </a:xfrm>
+      </p:grpSpPr>
+      <p:sp>
+        <p:nvSpPr>
+          <p:cNvPr id="2" name="Title 1"/>
+          <p:cNvSpPr>
+            <a:spLocks noGrp="1"/>
+          </p:cNvSpPr>
+          <p:nvPr>
+            <p:ph type="title"/>
+          </p:nvPr>
+        </p:nvSpPr>
+        <p:spPr/>
+        <p:txBody>
+          <a:bodyPr/>
+          <a:lstStyle/>
+          <a:p>
+            <a:r>
+              <a:rPr lang="en-US" dirty="0"/>
+              <a:t>This isn't completely new:</a:t>
+            </a:r>
+          </a:p>
+        </p:txBody>
+      </p:sp>
+      <p:sp>
+        <p:nvSpPr>
+          <p:cNvPr id="5" name="Content Placeholder 4"/>
+          <p:cNvSpPr>
+            <a:spLocks noGrp="1"/>
+          </p:cNvSpPr>
+          <p:nvPr>
+            <p:ph idx="1"/>
+          </p:nvPr>
+        </p:nvSpPr>
+        <p:spPr/>
+        <p:txBody>
           <a:bodyPr>
+            <a:normAutofit/>
+          </a:bodyPr>
+          <a:lstStyle/>
+          <a:p>
+            <a:r>
+              <a:rPr lang="en-US" sz="2800" b="0" dirty="0">
+                <a:latin typeface="+mj-lt"/>
+              </a:rPr>
+              <a:t>Here are some examples of </a:t>
+            </a:r>
+            <a:r>
+              <a:rPr lang="en-US" sz="2800" dirty="0">
+                <a:latin typeface="+mj-lt"/>
+              </a:rPr>
+              <a:t>WHERE</a:t>
+            </a:r>
+            <a:r>
+              <a:rPr lang="en-US" sz="2800" b="0" dirty="0">
+                <a:latin typeface="+mj-lt"/>
+              </a:rPr>
+              <a:t> clauses that we've seen (or might have seen) before:</a:t>
+            </a:r>
+          </a:p>
+          <a:p>
+            <a:endParaRPr lang="en-US" sz="2800" dirty="0"/>
+          </a:p>
+          <a:p>
+            <a:r>
+              <a:rPr lang="en-US" sz="2800" dirty="0"/>
+              <a:t>-- A Ring is a (make-ring Real Real)</a:t>
+            </a:r>
+          </a:p>
+          <a:p>
+            <a:r>
+              <a:rPr lang="en-US" sz="2800" dirty="0"/>
+              <a:t>   WHERE inner &lt; outer</a:t>
+            </a:r>
+          </a:p>
+          <a:p>
+            <a:endParaRPr lang="en-US" sz="2800" dirty="0"/>
+          </a:p>
+          <a:p>
+            <a:r>
+              <a:rPr lang="en-US" sz="2800" dirty="0"/>
+              <a:t>-- An </a:t>
+            </a:r>
+            <a:r>
+              <a:rPr lang="en-US" sz="2800" dirty="0" err="1"/>
+              <a:t>TelephoneBook</a:t>
+            </a:r>
+            <a:r>
+              <a:rPr lang="en-US" sz="2800" dirty="0"/>
+              <a:t> is a </a:t>
+            </a:r>
+            <a:r>
+              <a:rPr lang="en-US" sz="2800" dirty="0" err="1"/>
+              <a:t>ListOfEntries</a:t>
+            </a:r>
+            <a:endParaRPr lang="en-US" sz="2800" dirty="0"/>
+          </a:p>
+          <a:p>
+            <a:r>
+              <a:rPr lang="en-US" sz="2800" dirty="0"/>
+              <a:t>   WHERE the entries are sorted by name</a:t>
+            </a:r>
+          </a:p>
+        </p:txBody>
+      </p:sp>
+      <p:sp>
+        <p:nvSpPr>
+          <p:cNvPr id="4" name="Slide Number Placeholder 3"/>
+          <p:cNvSpPr>
+            <a:spLocks noGrp="1"/>
+          </p:cNvSpPr>
+          <p:nvPr>
+            <p:ph type="sldNum" sz="quarter" idx="12"/>
+          </p:nvPr>
+        </p:nvSpPr>
+        <p:spPr/>
+        <p:txBody>
+          <a:bodyPr/>
+          <a:lstStyle/>
+          <a:p>
+            <a:fld id="{E4A74525-021D-496D-B39D-9668564A137C}" type="slidenum">
+              <a:rPr lang="en-US" smtClean="0"/>
+              <a:t>11</a:t>
+            </a:fld>
+            <a:endParaRPr lang="en-US"/>
+          </a:p>
+        </p:txBody>
+      </p:sp>
+    </p:spTree>
+    <p:extLst>
+      <p:ext uri="{BB962C8B-B14F-4D97-AF65-F5344CB8AC3E}">
+        <p14:creationId xmlns:p14="http://schemas.microsoft.com/office/powerpoint/2010/main" val="183055007"/>
+      </p:ext>
+    </p:extLst>
+  </p:cSld>
+  <p:clrMapOvr>
+    <a:masterClrMapping/>
+  </p:clrMapOvr>
+</p:sld>
+</file>
+
+<file path=ppt/slides/slide12.xml><?xml version="1.0" encoding="utf-8"?>
+<p:sld xmlns:a="http://schemas.openxmlformats.org/drawingml/2006/main" xmlns:r="http://schemas.openxmlformats.org/officeDocument/2006/relationships" xmlns:p="http://schemas.openxmlformats.org/presentationml/2006/main">
+  <p:cSld>
+    <p:spTree>
+      <p:nvGrpSpPr>
+        <p:cNvPr id="1" name=""/>
+        <p:cNvGrpSpPr/>
+        <p:nvPr/>
+      </p:nvGrpSpPr>
+      <p:grpSpPr>
+        <a:xfrm>
+          <a:off x="0" y="0"/>
+          <a:ext cx="0" cy="0"/>
+          <a:chOff x="0" y="0"/>
+          <a:chExt cx="0" cy="0"/>
+        </a:xfrm>
+      </p:grpSpPr>
+      <p:sp>
+        <p:nvSpPr>
+          <p:cNvPr id="2" name="Title 1"/>
+          <p:cNvSpPr>
+            <a:spLocks noGrp="1"/>
+          </p:cNvSpPr>
+          <p:nvPr>
+            <p:ph type="title"/>
+          </p:nvPr>
+        </p:nvSpPr>
+        <p:spPr/>
+        <p:txBody>
+          <a:bodyPr/>
+          <a:lstStyle/>
+          <a:p>
+            <a:r>
+              <a:rPr lang="en-US" dirty="0"/>
+              <a:t>More examples of </a:t>
+            </a:r>
+            <a:r>
+              <a:rPr lang="en-US" b="1" dirty="0"/>
+              <a:t>WHERE</a:t>
+            </a:r>
+            <a:r>
+              <a:rPr lang="en-US" dirty="0"/>
+              <a:t> clauses</a:t>
+            </a:r>
+          </a:p>
+        </p:txBody>
+      </p:sp>
+      <p:sp>
+        <p:nvSpPr>
+          <p:cNvPr id="3" name="Content Placeholder 2"/>
+          <p:cNvSpPr>
+            <a:spLocks noGrp="1"/>
+          </p:cNvSpPr>
+          <p:nvPr>
+            <p:ph idx="1"/>
+          </p:nvPr>
+        </p:nvSpPr>
+        <p:spPr/>
+        <p:txBody>
+          <a:bodyPr>
+            <a:normAutofit/>
+          </a:bodyPr>
+          <a:lstStyle/>
+          <a:p>
+            <a:pPr>
+              <a:spcBef>
+                <a:spcPts val="0"/>
+              </a:spcBef>
+            </a:pPr>
+            <a:r>
+              <a:rPr lang="en-US" sz="2000" dirty="0" err="1"/>
+              <a:t>unpaused</a:t>
+            </a:r>
+            <a:r>
+              <a:rPr lang="en-US" sz="2000" dirty="0"/>
+              <a:t>-world-after-tick </a:t>
+            </a:r>
+          </a:p>
+          <a:p>
+            <a:pPr>
+              <a:spcBef>
+                <a:spcPts val="0"/>
+              </a:spcBef>
+            </a:pPr>
+            <a:r>
+              <a:rPr lang="en-US" sz="2000" dirty="0"/>
+              <a:t>  : World -&gt; World</a:t>
+            </a:r>
+          </a:p>
+          <a:p>
+            <a:pPr>
+              <a:spcBef>
+                <a:spcPts val="0"/>
+              </a:spcBef>
+            </a:pPr>
+            <a:r>
+              <a:rPr lang="en-US" sz="2000" dirty="0"/>
+              <a:t>GIVEN: a World</a:t>
+            </a:r>
+          </a:p>
+          <a:p>
+            <a:pPr>
+              <a:spcBef>
+                <a:spcPts val="0"/>
+              </a:spcBef>
+            </a:pPr>
+            <a:r>
+              <a:rPr lang="en-US" sz="2000" dirty="0"/>
+              <a:t>WHERE: the world is not paused</a:t>
+            </a:r>
+          </a:p>
+          <a:p>
+            <a:pPr>
+              <a:spcBef>
+                <a:spcPts val="0"/>
+              </a:spcBef>
+            </a:pPr>
+            <a:r>
+              <a:rPr lang="en-US" sz="2000" dirty="0"/>
+              <a:t>RETURNS: the state of the world after the next tick</a:t>
+            </a:r>
+          </a:p>
+          <a:p>
+            <a:pPr>
+              <a:spcBef>
+                <a:spcPts val="0"/>
+              </a:spcBef>
+            </a:pPr>
+            <a:endParaRPr lang="en-US" sz="2000" dirty="0"/>
+          </a:p>
+          <a:p>
+            <a:pPr>
+              <a:spcBef>
+                <a:spcPts val="0"/>
+              </a:spcBef>
+            </a:pPr>
+            <a:r>
+              <a:rPr lang="en-US" sz="2000" dirty="0"/>
+              <a:t>ball-normal-motion-after-tick </a:t>
+            </a:r>
+          </a:p>
+          <a:p>
+            <a:pPr>
+              <a:spcBef>
+                <a:spcPts val="0"/>
+              </a:spcBef>
+            </a:pPr>
+            <a:r>
+              <a:rPr lang="en-US" sz="2000" dirty="0"/>
+              <a:t>  : Ball -&gt; Ball</a:t>
+            </a:r>
+          </a:p>
+          <a:p>
+            <a:pPr>
+              <a:spcBef>
+                <a:spcPts val="0"/>
+              </a:spcBef>
+            </a:pPr>
+            <a:r>
+              <a:rPr lang="en-US" sz="2000" dirty="0"/>
+              <a:t>GIVEN: a Ball</a:t>
+            </a:r>
+          </a:p>
+          <a:p>
+            <a:pPr>
+              <a:spcBef>
+                <a:spcPts val="0"/>
+              </a:spcBef>
+            </a:pPr>
+            <a:r>
+              <a:rPr lang="en-US" sz="2000" dirty="0"/>
+              <a:t>WHERE: we know the ball will not hit the wall on the next</a:t>
+            </a:r>
+          </a:p>
+          <a:p>
+            <a:pPr>
+              <a:spcBef>
+                <a:spcPts val="0"/>
+              </a:spcBef>
+            </a:pPr>
+            <a:r>
+              <a:rPr lang="en-US" sz="2000" dirty="0"/>
+              <a:t>       tick</a:t>
+            </a:r>
+          </a:p>
+          <a:p>
+            <a:pPr>
+              <a:spcBef>
+                <a:spcPts val="0"/>
+              </a:spcBef>
+            </a:pPr>
+            <a:r>
+              <a:rPr lang="en-US" sz="2000" dirty="0"/>
+              <a:t>RETURNS: the state of the ball after the next tick.</a:t>
+            </a:r>
+          </a:p>
+        </p:txBody>
+      </p:sp>
+      <p:sp>
+        <p:nvSpPr>
+          <p:cNvPr id="4" name="Slide Number Placeholder 3"/>
+          <p:cNvSpPr>
+            <a:spLocks noGrp="1"/>
+          </p:cNvSpPr>
+          <p:nvPr>
+            <p:ph type="sldNum" sz="quarter" idx="12"/>
+          </p:nvPr>
+        </p:nvSpPr>
+        <p:spPr/>
+        <p:txBody>
+          <a:bodyPr/>
+          <a:lstStyle/>
+          <a:p>
+            <a:fld id="{9F4492BD-6A9C-48FC-AC76-0B4FE11194A1}" type="slidenum">
+              <a:rPr lang="en-US" smtClean="0"/>
+              <a:pPr/>
+              <a:t>12</a:t>
+            </a:fld>
+            <a:endParaRPr lang="en-US"/>
+          </a:p>
+        </p:txBody>
+      </p:sp>
+      <p:sp>
+        <p:nvSpPr>
+          <p:cNvPr id="5" name="Rectangle 4"/>
+          <p:cNvSpPr/>
+          <p:nvPr/>
+        </p:nvSpPr>
+        <p:spPr>
+          <a:xfrm>
+            <a:off x="685800" y="5543396"/>
+            <a:ext cx="3810000" cy="990600"/>
+          </a:xfrm>
+          <a:prstGeom prst="rect">
+            <a:avLst/>
+          </a:prstGeom>
+          <a:solidFill>
+            <a:schemeClr val="accent3">
+              <a:lumMod val="40000"/>
+              <a:lumOff val="60000"/>
+            </a:schemeClr>
+          </a:solidFill>
+          <a:ln>
+            <a:noFill/>
+          </a:ln>
+        </p:spPr>
+        <p:style>
+          <a:lnRef idx="2">
+            <a:schemeClr val="accent1"/>
+          </a:lnRef>
+          <a:fillRef idx="1">
+            <a:schemeClr val="lt1"/>
+          </a:fillRef>
+          <a:effectRef idx="0">
+            <a:schemeClr val="accent1"/>
+          </a:effectRef>
+          <a:fontRef idx="minor">
+            <a:schemeClr val="dk1"/>
+          </a:fontRef>
+        </p:style>
+        <p:txBody>
+          <a:bodyPr rot="0" spcFirstLastPara="0" vertOverflow="overflow" horzOverflow="overflow" vert="horz" wrap="square" lIns="91440" tIns="45720" rIns="91440" bIns="45720" numCol="1" spcCol="0" rtlCol="0" fromWordArt="0" anchor="ctr" anchorCtr="0" forceAA="0" compatLnSpc="1">
+            <a:prstTxWarp prst="textNoShape">
+              <a:avLst/>
+            </a:prstTxWarp>
             <a:noAutofit/>
           </a:bodyPr>
           <a:lstStyle/>
           <a:p>
+            <a:pPr algn="ctr"/>
+            <a:r>
+              <a:rPr lang="en-US" dirty="0">
+                <a:solidFill>
+                  <a:schemeClr val="tx1"/>
+                </a:solidFill>
+              </a:rPr>
+              <a:t>In each case, it is the responsibility of the caller to make sure the invariant is satisfied before the function is called.</a:t>
+            </a:r>
+          </a:p>
+        </p:txBody>
+      </p:sp>
+      <p:sp>
+        <p:nvSpPr>
+          <p:cNvPr id="6" name="Rectangle 5"/>
+          <p:cNvSpPr/>
+          <p:nvPr/>
+        </p:nvSpPr>
+        <p:spPr>
+          <a:xfrm>
+            <a:off x="5105400" y="5543396"/>
+            <a:ext cx="3200400" cy="990600"/>
+          </a:xfrm>
+          <a:prstGeom prst="rect">
+            <a:avLst/>
+          </a:prstGeom>
+          <a:solidFill>
+            <a:schemeClr val="accent3">
+              <a:lumMod val="40000"/>
+              <a:lumOff val="60000"/>
+            </a:schemeClr>
+          </a:solidFill>
+          <a:ln>
+            <a:noFill/>
+          </a:ln>
+        </p:spPr>
+        <p:style>
+          <a:lnRef idx="2">
+            <a:schemeClr val="accent1"/>
+          </a:lnRef>
+          <a:fillRef idx="1">
+            <a:schemeClr val="lt1"/>
+          </a:fillRef>
+          <a:effectRef idx="0">
+            <a:schemeClr val="accent1"/>
+          </a:effectRef>
+          <a:fontRef idx="minor">
+            <a:schemeClr val="dk1"/>
+          </a:fontRef>
+        </p:style>
+        <p:txBody>
+          <a:bodyPr rot="0" spcFirstLastPara="0" vertOverflow="overflow" horzOverflow="overflow" vert="horz" wrap="square" lIns="91440" tIns="45720" rIns="91440" bIns="45720" numCol="1" spcCol="0" rtlCol="0" fromWordArt="0" anchor="ctr" anchorCtr="0" forceAA="0" compatLnSpc="1">
+            <a:prstTxWarp prst="textNoShape">
+              <a:avLst/>
+            </a:prstTxWarp>
+            <a:noAutofit/>
+          </a:bodyPr>
+          <a:lstStyle/>
+          <a:p>
+            <a:pPr algn="ctr"/>
+            <a:r>
+              <a:rPr lang="en-US" dirty="0">
+                <a:solidFill>
+                  <a:schemeClr val="tx1"/>
+                </a:solidFill>
+              </a:rPr>
+              <a:t>And conversely, the function gets to assume that the invariant is satisfied.</a:t>
+            </a:r>
+          </a:p>
+        </p:txBody>
+      </p:sp>
+    </p:spTree>
+    <p:extLst>
+      <p:ext uri="{BB962C8B-B14F-4D97-AF65-F5344CB8AC3E}">
+        <p14:creationId xmlns:p14="http://schemas.microsoft.com/office/powerpoint/2010/main" val="2687829161"/>
+      </p:ext>
+    </p:extLst>
+  </p:cSld>
+  <p:clrMapOvr>
+    <a:masterClrMapping/>
+  </p:clrMapOvr>
+</p:sld>
+</file>
+
+<file path=ppt/slides/slide13.xml><?xml version="1.0" encoding="utf-8"?>
+<p:sld xmlns:a="http://schemas.openxmlformats.org/drawingml/2006/main" xmlns:r="http://schemas.openxmlformats.org/officeDocument/2006/relationships" xmlns:p="http://schemas.openxmlformats.org/presentationml/2006/main">
+  <p:cSld>
+    <p:spTree>
+      <p:nvGrpSpPr>
+        <p:cNvPr id="1" name=""/>
+        <p:cNvGrpSpPr/>
+        <p:nvPr/>
+      </p:nvGrpSpPr>
+      <p:grpSpPr>
+        <a:xfrm>
+          <a:off x="0" y="0"/>
+          <a:ext cx="0" cy="0"/>
+          <a:chOff x="0" y="0"/>
+          <a:chExt cx="0" cy="0"/>
+        </a:xfrm>
+      </p:grpSpPr>
+      <p:sp>
+        <p:nvSpPr>
+          <p:cNvPr id="2" name="Title 1"/>
+          <p:cNvSpPr>
+            <a:spLocks noGrp="1"/>
+          </p:cNvSpPr>
+          <p:nvPr>
+            <p:ph type="title"/>
+          </p:nvPr>
+        </p:nvSpPr>
+        <p:spPr/>
+        <p:txBody>
+          <a:bodyPr/>
+          <a:lstStyle/>
+          <a:p>
+            <a:r>
+              <a:rPr lang="en-US" dirty="0"/>
+              <a:t>Example 1: number-list</a:t>
+            </a:r>
+          </a:p>
+        </p:txBody>
+      </p:sp>
+      <p:sp>
+        <p:nvSpPr>
+          <p:cNvPr id="3" name="Content Placeholder 2"/>
+          <p:cNvSpPr>
+            <a:spLocks noGrp="1"/>
+          </p:cNvSpPr>
+          <p:nvPr>
+            <p:ph idx="1"/>
+          </p:nvPr>
+        </p:nvSpPr>
+        <p:spPr/>
+        <p:txBody>
+          <a:bodyPr>
+            <a:normAutofit/>
+          </a:bodyPr>
+          <a:lstStyle/>
+          <a:p>
             <a:pPr>
+              <a:spcBef>
+                <a:spcPts val="0"/>
+              </a:spcBef>
               <a:buNone/>
             </a:pPr>
             <a:r>
@@ -10580,40 +11306,14 @@
                 <a:latin typeface="Consolas" pitchFamily="49" charset="0"/>
                 <a:cs typeface="Consolas" pitchFamily="49" charset="0"/>
               </a:rPr>
-              <a:t>(define (number-list-from-3 </a:t>
+              <a:t>number-list : XList -&gt; </a:t>
             </a:r>
             <a:r>
               <a:rPr lang="en-US" sz="2400" b="1" dirty="0" err="1">
                 <a:latin typeface="Consolas" pitchFamily="49" charset="0"/>
                 <a:cs typeface="Consolas" pitchFamily="49" charset="0"/>
               </a:rPr>
-              <a:t>lst</a:t>
-            </a:r>
-            <a:r>
-              <a:rPr lang="en-US" sz="2400" b="1" dirty="0">
-                <a:latin typeface="Consolas" pitchFamily="49" charset="0"/>
-                <a:cs typeface="Consolas" pitchFamily="49" charset="0"/>
-              </a:rPr>
-              <a:t>)</a:t>
-            </a:r>
-          </a:p>
-          <a:p>
-            <a:pPr>
-              <a:buNone/>
-            </a:pPr>
-            <a:r>
-              <a:rPr lang="en-US" sz="2400" b="1" dirty="0">
-                <a:latin typeface="Consolas" pitchFamily="49" charset="0"/>
-                <a:cs typeface="Consolas" pitchFamily="49" charset="0"/>
-              </a:rPr>
-              <a:t>  (</a:t>
-            </a:r>
-            <a:r>
-              <a:rPr lang="en-US" sz="2400" b="1" dirty="0" err="1">
-                <a:latin typeface="Consolas" pitchFamily="49" charset="0"/>
-                <a:cs typeface="Consolas" pitchFamily="49" charset="0"/>
-              </a:rPr>
-              <a:t>cond</a:t>
+              <a:t>NumberedXList</a:t>
             </a:r>
             <a:endParaRPr lang="en-US" sz="2400" b="1" dirty="0">
               <a:latin typeface="Consolas" pitchFamily="49" charset="0"/>
@@ -10622,6 +11322,9 @@
           </a:p>
           <a:p>
             <a:pPr>
+              <a:spcBef>
+                <a:spcPts val="0"/>
+              </a:spcBef>
               <a:buNone/>
             </a:pPr>
             <a:r>
@@ -10629,34 +11332,47 @@
                 <a:latin typeface="Consolas" pitchFamily="49" charset="0"/>
                 <a:cs typeface="Consolas" pitchFamily="49" charset="0"/>
               </a:rPr>
-              <a:t>    [(empty? </a:t>
-            </a:r>
-            <a:r>
-              <a:rPr lang="en-US" sz="2400" b="1" dirty="0" err="1">
-                <a:latin typeface="Consolas" pitchFamily="49" charset="0"/>
-                <a:cs typeface="Consolas" pitchFamily="49" charset="0"/>
-              </a:rPr>
-              <a:t>lst</a:t>
-            </a:r>
+              <a:t>RETURNS: a list like the original, but with the</a:t>
+            </a:r>
+          </a:p>
+          <a:p>
+            <a:pPr>
+              <a:spcBef>
+                <a:spcPts val="0"/>
+              </a:spcBef>
+              <a:buNone/>
+            </a:pPr>
             <a:r>
               <a:rPr lang="en-US" sz="2400" b="1" dirty="0">
                 <a:latin typeface="Consolas" pitchFamily="49" charset="0"/>
                 <a:cs typeface="Consolas" pitchFamily="49" charset="0"/>
               </a:rPr>
-              <a:t>) empty]</a:t>
+              <a:t>   elements numbered consecutively, starting</a:t>
+            </a:r>
+          </a:p>
+          <a:p>
+            <a:pPr>
+              <a:spcBef>
+                <a:spcPts val="0"/>
+              </a:spcBef>
+              <a:buNone/>
+            </a:pPr>
+            <a:r>
+              <a:rPr lang="en-US" sz="2400" b="1" dirty="0">
+                <a:latin typeface="Consolas" pitchFamily="49" charset="0"/>
+                <a:cs typeface="Consolas" pitchFamily="49" charset="0"/>
+              </a:rPr>
+              <a:t>   from 1</a:t>
             </a:r>
           </a:p>
           <a:p>
             <a:pPr>
               <a:buNone/>
             </a:pPr>
-            <a:r>
-              <a:rPr lang="en-US" sz="2400" b="1" dirty="0">
-                <a:latin typeface="Consolas" pitchFamily="49" charset="0"/>
-                <a:cs typeface="Consolas" pitchFamily="49" charset="0"/>
-              </a:rPr>
-              <a:t>    [else (cons</a:t>
-            </a:r>
+            <a:endParaRPr lang="en-US" sz="2400" b="1" dirty="0">
+              <a:latin typeface="Consolas" pitchFamily="49" charset="0"/>
+              <a:cs typeface="Consolas" pitchFamily="49" charset="0"/>
+            </a:endParaRPr>
           </a:p>
           <a:p>
             <a:pPr>
@@ -10667,21 +11383,7 @@
                 <a:latin typeface="Consolas" pitchFamily="49" charset="0"/>
                 <a:cs typeface="Consolas" pitchFamily="49" charset="0"/>
               </a:rPr>
-              <a:t>            (list 2 (first </a:t>
-            </a:r>
-            <a:r>
-              <a:rPr lang="en-US" sz="2400" b="1" dirty="0" err="1">
-                <a:latin typeface="Consolas" pitchFamily="49" charset="0"/>
-                <a:cs typeface="Consolas" pitchFamily="49" charset="0"/>
-              </a:rPr>
-              <a:t>lst</a:t>
-            </a:r>
-            <a:r>
-              <a:rPr lang="en-US" sz="2400" b="1" dirty="0">
-                <a:latin typeface="Consolas" pitchFamily="49" charset="0"/>
-                <a:cs typeface="Consolas" pitchFamily="49" charset="0"/>
-              </a:rPr>
-              <a:t>))</a:t>
+              <a:t>(number-list (list 22 44 33)) </a:t>
             </a:r>
           </a:p>
           <a:p>
@@ -10693,7 +11395,7 @@
                 <a:latin typeface="Consolas" pitchFamily="49" charset="0"/>
                 <a:cs typeface="Consolas" pitchFamily="49" charset="0"/>
               </a:rPr>
-              <a:t>            (number-list-from-4</a:t>
+              <a:t>  = (list (list 1 22) (list 2 44) (list 3 33))</a:t>
             </a:r>
           </a:p>
           <a:p>
@@ -10705,7 +11407,697 @@
                 <a:latin typeface="Consolas" pitchFamily="49" charset="0"/>
                 <a:cs typeface="Consolas" pitchFamily="49" charset="0"/>
               </a:rPr>
-              <a:t>              (rest </a:t>
+              <a:t>(number-list    (list 44 33)) </a:t>
+            </a:r>
+          </a:p>
+          <a:p>
+            <a:pPr>
+              <a:buNone/>
+            </a:pPr>
+            <a:r>
+              <a:rPr lang="en-US" sz="2400" b="1" dirty="0">
+                <a:latin typeface="Consolas" pitchFamily="49" charset="0"/>
+                <a:cs typeface="Consolas" pitchFamily="49" charset="0"/>
+              </a:rPr>
+              <a:t>  = (list (list 1 44) (list 2 33))</a:t>
+            </a:r>
+          </a:p>
+        </p:txBody>
+      </p:sp>
+      <p:sp>
+        <p:nvSpPr>
+          <p:cNvPr id="4" name="Slide Number Placeholder 3"/>
+          <p:cNvSpPr>
+            <a:spLocks noGrp="1"/>
+          </p:cNvSpPr>
+          <p:nvPr>
+            <p:ph type="sldNum" sz="quarter" idx="12"/>
+          </p:nvPr>
+        </p:nvSpPr>
+        <p:spPr/>
+        <p:txBody>
+          <a:bodyPr/>
+          <a:lstStyle/>
+          <a:p>
+            <a:fld id="{E4A74525-021D-496D-B39D-9668564A137C}" type="slidenum">
+              <a:rPr lang="en-US" smtClean="0"/>
+              <a:t>13</a:t>
+            </a:fld>
+            <a:endParaRPr lang="en-US"/>
+          </a:p>
+        </p:txBody>
+      </p:sp>
+      <p:sp>
+        <p:nvSpPr>
+          <p:cNvPr id="5" name="Rectangle 4"/>
+          <p:cNvSpPr/>
+          <p:nvPr/>
+        </p:nvSpPr>
+        <p:spPr>
+          <a:xfrm>
+            <a:off x="5486399" y="5867400"/>
+            <a:ext cx="3293125" cy="838200"/>
+          </a:xfrm>
+          <a:prstGeom prst="rect">
+            <a:avLst/>
+          </a:prstGeom>
+          <a:solidFill>
+            <a:schemeClr val="accent3">
+              <a:lumMod val="40000"/>
+              <a:lumOff val="60000"/>
+            </a:schemeClr>
+          </a:solidFill>
+          <a:ln>
+            <a:noFill/>
+          </a:ln>
+        </p:spPr>
+        <p:style>
+          <a:lnRef idx="2">
+            <a:schemeClr val="accent1"/>
+          </a:lnRef>
+          <a:fillRef idx="1">
+            <a:schemeClr val="lt1"/>
+          </a:fillRef>
+          <a:effectRef idx="0">
+            <a:schemeClr val="accent1"/>
+          </a:effectRef>
+          <a:fontRef idx="minor">
+            <a:schemeClr val="dk1"/>
+          </a:fontRef>
+        </p:style>
+        <p:txBody>
+          <a:bodyPr rot="0" spcFirstLastPara="0" vertOverflow="overflow" horzOverflow="overflow" vert="horz" wrap="square" lIns="91440" tIns="45720" rIns="91440" bIns="45720" numCol="1" spcCol="0" rtlCol="0" fromWordArt="0" anchor="ctr" anchorCtr="0" forceAA="0" compatLnSpc="1">
+            <a:prstTxWarp prst="textNoShape">
+              <a:avLst/>
+            </a:prstTxWarp>
+            <a:noAutofit/>
+          </a:bodyPr>
+          <a:lstStyle/>
+          <a:p>
+            <a:pPr>
+              <a:defRPr/>
+            </a:pPr>
+            <a:r>
+              <a:rPr lang="en-US" dirty="0">
+                <a:solidFill>
+                  <a:schemeClr val="tx1"/>
+                </a:solidFill>
+              </a:rPr>
+              <a:t>Here's an example of a problem that's hard using structural decomposition.</a:t>
+            </a:r>
+          </a:p>
+        </p:txBody>
+      </p:sp>
+    </p:spTree>
+    <p:extLst>
+      <p:ext uri="{BB962C8B-B14F-4D97-AF65-F5344CB8AC3E}">
+        <p14:creationId xmlns:p14="http://schemas.microsoft.com/office/powerpoint/2010/main" val="2090482319"/>
+      </p:ext>
+    </p:extLst>
+  </p:cSld>
+  <p:clrMapOvr>
+    <a:masterClrMapping/>
+  </p:clrMapOvr>
+</p:sld>
+</file>
+
+<file path=ppt/slides/slide14.xml><?xml version="1.0" encoding="utf-8"?>
+<p:sld xmlns:a="http://schemas.openxmlformats.org/drawingml/2006/main" xmlns:r="http://schemas.openxmlformats.org/officeDocument/2006/relationships" xmlns:p="http://schemas.openxmlformats.org/presentationml/2006/main">
+  <p:cSld>
+    <p:spTree>
+      <p:nvGrpSpPr>
+        <p:cNvPr id="1" name=""/>
+        <p:cNvGrpSpPr/>
+        <p:nvPr/>
+      </p:nvGrpSpPr>
+      <p:grpSpPr>
+        <a:xfrm>
+          <a:off x="0" y="0"/>
+          <a:ext cx="0" cy="0"/>
+          <a:chOff x="0" y="0"/>
+          <a:chExt cx="0" cy="0"/>
+        </a:xfrm>
+      </p:grpSpPr>
+      <p:sp>
+        <p:nvSpPr>
+          <p:cNvPr id="2" name="Title 1"/>
+          <p:cNvSpPr>
+            <a:spLocks noGrp="1"/>
+          </p:cNvSpPr>
+          <p:nvPr>
+            <p:ph type="title"/>
+          </p:nvPr>
+        </p:nvSpPr>
+        <p:spPr/>
+        <p:txBody>
+          <a:bodyPr/>
+          <a:lstStyle/>
+          <a:p>
+            <a:r>
+              <a:rPr lang="en-US" dirty="0"/>
+              <a:t>Example 1: number-list</a:t>
+            </a:r>
+          </a:p>
+        </p:txBody>
+      </p:sp>
+      <p:sp>
+        <p:nvSpPr>
+          <p:cNvPr id="3" name="Content Placeholder 2"/>
+          <p:cNvSpPr>
+            <a:spLocks noGrp="1"/>
+          </p:cNvSpPr>
+          <p:nvPr>
+            <p:ph idx="1"/>
+          </p:nvPr>
+        </p:nvSpPr>
+        <p:spPr/>
+        <p:txBody>
+          <a:bodyPr>
+            <a:normAutofit/>
+          </a:bodyPr>
+          <a:lstStyle/>
+          <a:p>
+            <a:pPr>
+              <a:buNone/>
+            </a:pPr>
+            <a:r>
+              <a:rPr lang="en-US" sz="2400" b="1" dirty="0">
+                <a:latin typeface="Consolas" pitchFamily="49" charset="0"/>
+                <a:cs typeface="Consolas" pitchFamily="49" charset="0"/>
+              </a:rPr>
+              <a:t>A </a:t>
+            </a:r>
+            <a:r>
+              <a:rPr lang="en-US" sz="2400" b="1" dirty="0" err="1">
+                <a:latin typeface="Consolas" pitchFamily="49" charset="0"/>
+                <a:cs typeface="Consolas" pitchFamily="49" charset="0"/>
+              </a:rPr>
+              <a:t>NumberedX</a:t>
+            </a:r>
+            <a:r>
+              <a:rPr lang="en-US" sz="2400" b="1" dirty="0">
+                <a:latin typeface="Consolas" pitchFamily="49" charset="0"/>
+                <a:cs typeface="Consolas" pitchFamily="49" charset="0"/>
+              </a:rPr>
+              <a:t>       is a (list </a:t>
+            </a:r>
+            <a:r>
+              <a:rPr lang="en-US" sz="2400" b="1" dirty="0" err="1">
+                <a:latin typeface="Consolas" pitchFamily="49" charset="0"/>
+                <a:cs typeface="Consolas" pitchFamily="49" charset="0"/>
+              </a:rPr>
+              <a:t>Int</a:t>
+            </a:r>
+            <a:r>
+              <a:rPr lang="en-US" sz="2400" b="1" dirty="0">
+                <a:latin typeface="Consolas" pitchFamily="49" charset="0"/>
+                <a:cs typeface="Consolas" pitchFamily="49" charset="0"/>
+              </a:rPr>
+              <a:t> X)</a:t>
+            </a:r>
+          </a:p>
+          <a:p>
+            <a:pPr>
+              <a:buNone/>
+            </a:pPr>
+            <a:r>
+              <a:rPr lang="en-US" sz="2400" b="1" dirty="0">
+                <a:latin typeface="Consolas" pitchFamily="49" charset="0"/>
+                <a:cs typeface="Consolas" pitchFamily="49" charset="0"/>
+              </a:rPr>
+              <a:t>A </a:t>
+            </a:r>
+            <a:r>
+              <a:rPr lang="en-US" sz="2400" b="1" dirty="0" err="1">
+                <a:latin typeface="Consolas" pitchFamily="49" charset="0"/>
+                <a:cs typeface="Consolas" pitchFamily="49" charset="0"/>
+              </a:rPr>
+              <a:t>NumberedXList</a:t>
+            </a:r>
+            <a:r>
+              <a:rPr lang="en-US" sz="2400" b="1" dirty="0">
+                <a:latin typeface="Consolas" pitchFamily="49" charset="0"/>
+                <a:cs typeface="Consolas" pitchFamily="49" charset="0"/>
+              </a:rPr>
+              <a:t> is a list of </a:t>
+            </a:r>
+            <a:r>
+              <a:rPr lang="en-US" sz="2400" b="1" dirty="0" err="1">
+                <a:latin typeface="Consolas" pitchFamily="49" charset="0"/>
+                <a:cs typeface="Consolas" pitchFamily="49" charset="0"/>
+              </a:rPr>
+              <a:t>NumberedX</a:t>
+            </a:r>
+            <a:endParaRPr lang="en-US" sz="2400" b="1" dirty="0">
+              <a:latin typeface="Consolas" pitchFamily="49" charset="0"/>
+              <a:cs typeface="Consolas" pitchFamily="49" charset="0"/>
+            </a:endParaRPr>
+          </a:p>
+          <a:p>
+            <a:pPr>
+              <a:buNone/>
+            </a:pPr>
+            <a:endParaRPr lang="en-US" sz="2400" b="1" dirty="0">
+              <a:latin typeface="Consolas" pitchFamily="49" charset="0"/>
+              <a:cs typeface="Consolas" pitchFamily="49" charset="0"/>
+            </a:endParaRPr>
+          </a:p>
+          <a:p>
+            <a:pPr>
+              <a:buNone/>
+            </a:pPr>
+            <a:r>
+              <a:rPr lang="en-US" sz="2400" b="1" dirty="0">
+                <a:latin typeface="Consolas" pitchFamily="49" charset="0"/>
+                <a:cs typeface="Consolas" pitchFamily="49" charset="0"/>
+              </a:rPr>
+              <a:t>Example:</a:t>
+            </a:r>
+          </a:p>
+          <a:p>
+            <a:pPr>
+              <a:buNone/>
+            </a:pPr>
+            <a:r>
+              <a:rPr lang="en-US" sz="2400" b="1" dirty="0">
+                <a:latin typeface="Consolas" pitchFamily="49" charset="0"/>
+                <a:cs typeface="Consolas" pitchFamily="49" charset="0"/>
+              </a:rPr>
+              <a:t>(list 14 "</a:t>
+            </a:r>
+            <a:r>
+              <a:rPr lang="en-US" sz="2400" b="1" dirty="0" err="1">
+                <a:latin typeface="Consolas" pitchFamily="49" charset="0"/>
+                <a:cs typeface="Consolas" pitchFamily="49" charset="0"/>
+              </a:rPr>
+              <a:t>abc</a:t>
+            </a:r>
+            <a:r>
+              <a:rPr lang="en-US" sz="2400" b="1" dirty="0">
+                <a:latin typeface="Consolas" pitchFamily="49" charset="0"/>
+                <a:cs typeface="Consolas" pitchFamily="49" charset="0"/>
+              </a:rPr>
+              <a:t>") is a </a:t>
+            </a:r>
+            <a:r>
+              <a:rPr lang="en-US" sz="2400" b="1" dirty="0" err="1">
+                <a:latin typeface="Consolas" pitchFamily="49" charset="0"/>
+                <a:cs typeface="Consolas" pitchFamily="49" charset="0"/>
+              </a:rPr>
+              <a:t>NumberedString</a:t>
+            </a:r>
+            <a:endParaRPr lang="en-US" sz="2400" b="1" dirty="0">
+              <a:latin typeface="Consolas" pitchFamily="49" charset="0"/>
+              <a:cs typeface="Consolas" pitchFamily="49" charset="0"/>
+            </a:endParaRPr>
+          </a:p>
+          <a:p>
+            <a:pPr>
+              <a:buNone/>
+            </a:pPr>
+            <a:r>
+              <a:rPr lang="en-US" sz="2400" b="1" dirty="0">
+                <a:latin typeface="Consolas" pitchFamily="49" charset="0"/>
+                <a:cs typeface="Consolas" pitchFamily="49" charset="0"/>
+              </a:rPr>
+              <a:t>(list 36 "u")   is a </a:t>
+            </a:r>
+            <a:r>
+              <a:rPr lang="en-US" sz="2400" b="1" dirty="0" err="1">
+                <a:latin typeface="Consolas" pitchFamily="49" charset="0"/>
+                <a:cs typeface="Consolas" pitchFamily="49" charset="0"/>
+              </a:rPr>
+              <a:t>NumberedString</a:t>
+            </a:r>
+            <a:endParaRPr lang="en-US" sz="2400" b="1" dirty="0">
+              <a:latin typeface="Consolas" pitchFamily="49" charset="0"/>
+              <a:cs typeface="Consolas" pitchFamily="49" charset="0"/>
+            </a:endParaRPr>
+          </a:p>
+          <a:p>
+            <a:pPr>
+              <a:buNone/>
+            </a:pPr>
+            <a:r>
+              <a:rPr lang="en-US" sz="2400" b="1" dirty="0">
+                <a:latin typeface="Consolas" pitchFamily="49" charset="0"/>
+                <a:cs typeface="Consolas" pitchFamily="49" charset="0"/>
+              </a:rPr>
+              <a:t>(list</a:t>
+            </a:r>
+          </a:p>
+          <a:p>
+            <a:pPr>
+              <a:buNone/>
+            </a:pPr>
+            <a:r>
+              <a:rPr lang="en-US" sz="2400" b="1" dirty="0">
+                <a:latin typeface="Consolas" pitchFamily="49" charset="0"/>
+                <a:cs typeface="Consolas" pitchFamily="49" charset="0"/>
+              </a:rPr>
+              <a:t>  (list 14 "</a:t>
+            </a:r>
+            <a:r>
+              <a:rPr lang="en-US" sz="2400" b="1" dirty="0" err="1">
+                <a:latin typeface="Consolas" pitchFamily="49" charset="0"/>
+                <a:cs typeface="Consolas" pitchFamily="49" charset="0"/>
+              </a:rPr>
+              <a:t>abc</a:t>
+            </a:r>
+            <a:r>
+              <a:rPr lang="en-US" sz="2400" b="1" dirty="0">
+                <a:latin typeface="Consolas" pitchFamily="49" charset="0"/>
+                <a:cs typeface="Consolas" pitchFamily="49" charset="0"/>
+              </a:rPr>
+              <a:t>")</a:t>
+            </a:r>
+          </a:p>
+          <a:p>
+            <a:pPr>
+              <a:buNone/>
+            </a:pPr>
+            <a:r>
+              <a:rPr lang="en-US" sz="2400" b="1" dirty="0">
+                <a:latin typeface="Consolas" pitchFamily="49" charset="0"/>
+                <a:cs typeface="Consolas" pitchFamily="49" charset="0"/>
+              </a:rPr>
+              <a:t>  (list 36 "u")</a:t>
+            </a:r>
+          </a:p>
+          <a:p>
+            <a:pPr>
+              <a:buNone/>
+            </a:pPr>
+            <a:r>
+              <a:rPr lang="en-US" sz="2400" b="1" dirty="0">
+                <a:latin typeface="Consolas" pitchFamily="49" charset="0"/>
+                <a:cs typeface="Consolas" pitchFamily="49" charset="0"/>
+              </a:rPr>
+              <a:t>  (list 14 "</a:t>
+            </a:r>
+            <a:r>
+              <a:rPr lang="en-US" sz="2400" b="1" dirty="0" err="1">
+                <a:latin typeface="Consolas" pitchFamily="49" charset="0"/>
+                <a:cs typeface="Consolas" pitchFamily="49" charset="0"/>
+              </a:rPr>
+              <a:t>abc</a:t>
+            </a:r>
+            <a:r>
+              <a:rPr lang="en-US" sz="2400" b="1" dirty="0">
+                <a:latin typeface="Consolas" pitchFamily="49" charset="0"/>
+                <a:cs typeface="Consolas" pitchFamily="49" charset="0"/>
+              </a:rPr>
+              <a:t>"))   is a </a:t>
+            </a:r>
+            <a:r>
+              <a:rPr lang="en-US" sz="2400" b="1" dirty="0" err="1">
+                <a:latin typeface="Consolas" pitchFamily="49" charset="0"/>
+                <a:cs typeface="Consolas" pitchFamily="49" charset="0"/>
+              </a:rPr>
+              <a:t>NumberedStringList</a:t>
+            </a:r>
+            <a:endParaRPr lang="en-US" sz="2400" b="1" dirty="0">
+              <a:latin typeface="Consolas" pitchFamily="49" charset="0"/>
+              <a:cs typeface="Consolas" pitchFamily="49" charset="0"/>
+            </a:endParaRPr>
+          </a:p>
+        </p:txBody>
+      </p:sp>
+      <p:sp>
+        <p:nvSpPr>
+          <p:cNvPr id="4" name="Slide Number Placeholder 3"/>
+          <p:cNvSpPr>
+            <a:spLocks noGrp="1"/>
+          </p:cNvSpPr>
+          <p:nvPr>
+            <p:ph type="sldNum" sz="quarter" idx="12"/>
+          </p:nvPr>
+        </p:nvSpPr>
+        <p:spPr/>
+        <p:txBody>
+          <a:bodyPr/>
+          <a:lstStyle/>
+          <a:p>
+            <a:fld id="{E4A74525-021D-496D-B39D-9668564A137C}" type="slidenum">
+              <a:rPr lang="en-US" smtClean="0"/>
+              <a:t>14</a:t>
+            </a:fld>
+            <a:endParaRPr lang="en-US"/>
+          </a:p>
+        </p:txBody>
+      </p:sp>
+      <p:sp>
+        <p:nvSpPr>
+          <p:cNvPr id="5" name="Rectangle 4"/>
+          <p:cNvSpPr/>
+          <p:nvPr/>
+        </p:nvSpPr>
+        <p:spPr>
+          <a:xfrm>
+            <a:off x="6781800" y="2971800"/>
+            <a:ext cx="1981200" cy="1219200"/>
+          </a:xfrm>
+          <a:prstGeom prst="rect">
+            <a:avLst/>
+          </a:prstGeom>
+          <a:solidFill>
+            <a:schemeClr val="accent3">
+              <a:lumMod val="40000"/>
+              <a:lumOff val="60000"/>
+            </a:schemeClr>
+          </a:solidFill>
+          <a:ln>
+            <a:noFill/>
+          </a:ln>
+        </p:spPr>
+        <p:style>
+          <a:lnRef idx="2">
+            <a:schemeClr val="accent1"/>
+          </a:lnRef>
+          <a:fillRef idx="1">
+            <a:schemeClr val="lt1"/>
+          </a:fillRef>
+          <a:effectRef idx="0">
+            <a:schemeClr val="accent1"/>
+          </a:effectRef>
+          <a:fontRef idx="minor">
+            <a:schemeClr val="dk1"/>
+          </a:fontRef>
+        </p:style>
+        <p:txBody>
+          <a:bodyPr rot="0" spcFirstLastPara="0" vertOverflow="overflow" horzOverflow="overflow" vert="horz" wrap="square" lIns="91440" tIns="45720" rIns="91440" bIns="45720" numCol="1" spcCol="0" rtlCol="0" fromWordArt="0" anchor="ctr" anchorCtr="0" forceAA="0" compatLnSpc="1">
+            <a:prstTxWarp prst="textNoShape">
+              <a:avLst/>
+            </a:prstTxWarp>
+            <a:noAutofit/>
+          </a:bodyPr>
+          <a:lstStyle/>
+          <a:p>
+            <a:pPr algn="ctr"/>
+            <a:r>
+              <a:rPr lang="en-US" sz="2000" dirty="0">
+                <a:solidFill>
+                  <a:schemeClr val="tx1"/>
+                </a:solidFill>
+              </a:rPr>
+              <a:t>Here are the data definitions for this problem </a:t>
+            </a:r>
+          </a:p>
+        </p:txBody>
+      </p:sp>
+    </p:spTree>
+    <p:extLst>
+      <p:ext uri="{BB962C8B-B14F-4D97-AF65-F5344CB8AC3E}">
+        <p14:creationId xmlns:p14="http://schemas.microsoft.com/office/powerpoint/2010/main" val="190432346"/>
+      </p:ext>
+    </p:extLst>
+  </p:cSld>
+  <p:clrMapOvr>
+    <a:masterClrMapping/>
+  </p:clrMapOvr>
+</p:sld>
+</file>
+
+<file path=ppt/slides/slide15.xml><?xml version="1.0" encoding="utf-8"?>
+<p:sld xmlns:a="http://schemas.openxmlformats.org/drawingml/2006/main" xmlns:r="http://schemas.openxmlformats.org/officeDocument/2006/relationships" xmlns:p="http://schemas.openxmlformats.org/presentationml/2006/main">
+  <p:cSld>
+    <p:spTree>
+      <p:nvGrpSpPr>
+        <p:cNvPr id="1" name=""/>
+        <p:cNvGrpSpPr/>
+        <p:nvPr/>
+      </p:nvGrpSpPr>
+      <p:grpSpPr>
+        <a:xfrm>
+          <a:off x="0" y="0"/>
+          <a:ext cx="0" cy="0"/>
+          <a:chOff x="0" y="0"/>
+          <a:chExt cx="0" cy="0"/>
+        </a:xfrm>
+      </p:grpSpPr>
+      <p:sp>
+        <p:nvSpPr>
+          <p:cNvPr id="2" name="Title 1"/>
+          <p:cNvSpPr>
+            <a:spLocks noGrp="1"/>
+          </p:cNvSpPr>
+          <p:nvPr>
+            <p:ph type="title"/>
+          </p:nvPr>
+        </p:nvSpPr>
+        <p:spPr/>
+        <p:txBody>
+          <a:bodyPr>
+            <a:normAutofit fontScale="90000"/>
+          </a:bodyPr>
+          <a:lstStyle/>
+          <a:p>
+            <a:r>
+              <a:rPr lang="en-US" dirty="0"/>
+              <a:t>Let's try using the template for XList</a:t>
+            </a:r>
+          </a:p>
+        </p:txBody>
+      </p:sp>
+      <p:sp>
+        <p:nvSpPr>
+          <p:cNvPr id="3" name="Content Placeholder 2"/>
+          <p:cNvSpPr>
+            <a:spLocks noGrp="1"/>
+          </p:cNvSpPr>
+          <p:nvPr>
+            <p:ph idx="1"/>
+          </p:nvPr>
+        </p:nvSpPr>
+        <p:spPr/>
+        <p:txBody>
+          <a:bodyPr>
+            <a:noAutofit/>
+          </a:bodyPr>
+          <a:lstStyle/>
+          <a:p>
+            <a:pPr>
+              <a:buNone/>
+            </a:pPr>
+            <a:r>
+              <a:rPr lang="en-US" sz="2400" b="1" dirty="0">
+                <a:latin typeface="Consolas" pitchFamily="49" charset="0"/>
+                <a:cs typeface="Consolas" pitchFamily="49" charset="0"/>
+              </a:rPr>
+              <a:t>(define (number-list </a:t>
+            </a:r>
+            <a:r>
+              <a:rPr lang="en-US" sz="2400" b="1" dirty="0" err="1">
+                <a:latin typeface="Consolas" pitchFamily="49" charset="0"/>
+                <a:cs typeface="Consolas" pitchFamily="49" charset="0"/>
+              </a:rPr>
+              <a:t>lst</a:t>
+            </a:r>
+            <a:r>
+              <a:rPr lang="en-US" sz="2400" b="1" dirty="0">
+                <a:latin typeface="Consolas" pitchFamily="49" charset="0"/>
+                <a:cs typeface="Consolas" pitchFamily="49" charset="0"/>
+              </a:rPr>
+              <a:t>)</a:t>
+            </a:r>
+          </a:p>
+          <a:p>
+            <a:pPr>
+              <a:buNone/>
+            </a:pPr>
+            <a:r>
+              <a:rPr lang="en-US" sz="2400" b="1" dirty="0">
+                <a:latin typeface="Consolas" pitchFamily="49" charset="0"/>
+                <a:cs typeface="Consolas" pitchFamily="49" charset="0"/>
+              </a:rPr>
+              <a:t>  (</a:t>
+            </a:r>
+            <a:r>
+              <a:rPr lang="en-US" sz="2400" b="1" dirty="0" err="1">
+                <a:latin typeface="Consolas" pitchFamily="49" charset="0"/>
+                <a:cs typeface="Consolas" pitchFamily="49" charset="0"/>
+              </a:rPr>
+              <a:t>cond</a:t>
+            </a:r>
+            <a:endParaRPr lang="en-US" sz="2400" b="1" dirty="0">
+              <a:latin typeface="Consolas" pitchFamily="49" charset="0"/>
+              <a:cs typeface="Consolas" pitchFamily="49" charset="0"/>
+            </a:endParaRPr>
+          </a:p>
+          <a:p>
+            <a:pPr>
+              <a:buNone/>
+            </a:pPr>
+            <a:r>
+              <a:rPr lang="en-US" sz="2400" b="1" dirty="0">
+                <a:latin typeface="Consolas" pitchFamily="49" charset="0"/>
+                <a:cs typeface="Consolas" pitchFamily="49" charset="0"/>
+              </a:rPr>
+              <a:t>    [(empty? </a:t>
+            </a:r>
+            <a:r>
+              <a:rPr lang="en-US" sz="2400" b="1" dirty="0" err="1">
+                <a:latin typeface="Consolas" pitchFamily="49" charset="0"/>
+                <a:cs typeface="Consolas" pitchFamily="49" charset="0"/>
+              </a:rPr>
+              <a:t>lst</a:t>
+            </a:r>
+            <a:r>
+              <a:rPr lang="en-US" sz="2400" b="1" dirty="0">
+                <a:latin typeface="Consolas" pitchFamily="49" charset="0"/>
+                <a:cs typeface="Consolas" pitchFamily="49" charset="0"/>
+              </a:rPr>
+              <a:t>) empty]</a:t>
+            </a:r>
+          </a:p>
+          <a:p>
+            <a:pPr>
+              <a:buNone/>
+            </a:pPr>
+            <a:r>
+              <a:rPr lang="en-US" sz="2400" b="1" dirty="0">
+                <a:latin typeface="Consolas" pitchFamily="49" charset="0"/>
+                <a:cs typeface="Consolas" pitchFamily="49" charset="0"/>
+              </a:rPr>
+              <a:t>    [else (cons</a:t>
+            </a:r>
+          </a:p>
+          <a:p>
+            <a:pPr>
+              <a:buNone/>
+            </a:pPr>
+            <a:r>
+              <a:rPr lang="en-US" sz="2400" b="1" dirty="0">
+                <a:latin typeface="Consolas" pitchFamily="49" charset="0"/>
+                <a:cs typeface="Consolas" pitchFamily="49" charset="0"/>
+              </a:rPr>
+              <a:t>            (list 1 (first </a:t>
+            </a:r>
+            <a:r>
+              <a:rPr lang="en-US" sz="2400" b="1" dirty="0" err="1">
+                <a:latin typeface="Consolas" pitchFamily="49" charset="0"/>
+                <a:cs typeface="Consolas" pitchFamily="49" charset="0"/>
+              </a:rPr>
+              <a:t>lst</a:t>
+            </a:r>
+            <a:r>
+              <a:rPr lang="en-US" sz="2400" b="1" dirty="0">
+                <a:latin typeface="Consolas" pitchFamily="49" charset="0"/>
+                <a:cs typeface="Consolas" pitchFamily="49" charset="0"/>
+              </a:rPr>
+              <a:t>))</a:t>
+            </a:r>
+          </a:p>
+          <a:p>
+            <a:pPr>
+              <a:buNone/>
+            </a:pPr>
+            <a:r>
+              <a:rPr lang="en-US" sz="2400" b="1" dirty="0">
+                <a:latin typeface="Consolas" pitchFamily="49" charset="0"/>
+                <a:cs typeface="Consolas" pitchFamily="49" charset="0"/>
+              </a:rPr>
+              <a:t>            (number-list (rest </a:t>
             </a:r>
             <a:r>
               <a:rPr lang="en-US" sz="2400" b="1" dirty="0" err="1">
@@ -10744,6 +12136,526 @@
       </p:sp>
       <p:sp>
         <p:nvSpPr>
+          <p:cNvPr id="6" name="Slide Number Placeholder 5"/>
+          <p:cNvSpPr>
+            <a:spLocks noGrp="1"/>
+          </p:cNvSpPr>
+          <p:nvPr>
+            <p:ph type="sldNum" sz="quarter" idx="12"/>
+          </p:nvPr>
+        </p:nvSpPr>
+        <p:spPr/>
+        <p:txBody>
+          <a:bodyPr/>
+          <a:lstStyle/>
+          <a:p>
+            <a:fld id="{E4A74525-021D-496D-B39D-9668564A137C}" type="slidenum">
+              <a:rPr lang="en-US" smtClean="0"/>
+              <a:t>15</a:t>
+            </a:fld>
+            <a:endParaRPr lang="en-US"/>
+          </a:p>
+        </p:txBody>
+      </p:sp>
+      <p:sp>
+        <p:nvSpPr>
+          <p:cNvPr id="4" name="Rectangle 3"/>
+          <p:cNvSpPr/>
+          <p:nvPr/>
+        </p:nvSpPr>
+        <p:spPr>
+          <a:xfrm>
+            <a:off x="2590800" y="4495800"/>
+            <a:ext cx="3657600" cy="914400"/>
+          </a:xfrm>
+          <a:prstGeom prst="rect">
+            <a:avLst/>
+          </a:prstGeom>
+          <a:solidFill>
+            <a:schemeClr val="accent3">
+              <a:lumMod val="40000"/>
+              <a:lumOff val="60000"/>
+            </a:schemeClr>
+          </a:solidFill>
+          <a:ln>
+            <a:noFill/>
+          </a:ln>
+        </p:spPr>
+        <p:style>
+          <a:lnRef idx="2">
+            <a:schemeClr val="accent1"/>
+          </a:lnRef>
+          <a:fillRef idx="1">
+            <a:schemeClr val="lt1"/>
+          </a:fillRef>
+          <a:effectRef idx="0">
+            <a:schemeClr val="accent1"/>
+          </a:effectRef>
+          <a:fontRef idx="minor">
+            <a:schemeClr val="dk1"/>
+          </a:fontRef>
+        </p:style>
+        <p:txBody>
+          <a:bodyPr rot="0" spcFirstLastPara="0" vertOverflow="overflow" horzOverflow="overflow" vert="horz" wrap="square" lIns="91440" tIns="45720" rIns="91440" bIns="45720" numCol="1" spcCol="0" rtlCol="0" fromWordArt="0" anchor="ctr" anchorCtr="0" forceAA="0" compatLnSpc="1">
+            <a:prstTxWarp prst="textNoShape">
+              <a:avLst/>
+            </a:prstTxWarp>
+            <a:noAutofit/>
+          </a:bodyPr>
+          <a:lstStyle/>
+          <a:p>
+            <a:pPr algn="ctr"/>
+            <a:r>
+              <a:rPr lang="en-US" dirty="0">
+                <a:solidFill>
+                  <a:schemeClr val="tx1"/>
+                </a:solidFill>
+              </a:rPr>
+              <a:t>Well, that's clearly wrong!  What could work?</a:t>
+            </a:r>
+          </a:p>
+        </p:txBody>
+      </p:sp>
+      <p:sp>
+        <p:nvSpPr>
+          <p:cNvPr id="5" name="Rectangle 4"/>
+          <p:cNvSpPr/>
+          <p:nvPr/>
+        </p:nvSpPr>
+        <p:spPr>
+          <a:xfrm>
+            <a:off x="3200400" y="5715000"/>
+            <a:ext cx="4343400" cy="914400"/>
+          </a:xfrm>
+          <a:prstGeom prst="rect">
+            <a:avLst/>
+          </a:prstGeom>
+          <a:solidFill>
+            <a:schemeClr val="accent3">
+              <a:lumMod val="40000"/>
+              <a:lumOff val="60000"/>
+            </a:schemeClr>
+          </a:solidFill>
+          <a:ln>
+            <a:noFill/>
+          </a:ln>
+        </p:spPr>
+        <p:style>
+          <a:lnRef idx="2">
+            <a:schemeClr val="accent1"/>
+          </a:lnRef>
+          <a:fillRef idx="1">
+            <a:schemeClr val="lt1"/>
+          </a:fillRef>
+          <a:effectRef idx="0">
+            <a:schemeClr val="accent1"/>
+          </a:effectRef>
+          <a:fontRef idx="minor">
+            <a:schemeClr val="dk1"/>
+          </a:fontRef>
+        </p:style>
+        <p:txBody>
+          <a:bodyPr rot="0" spcFirstLastPara="0" vertOverflow="overflow" horzOverflow="overflow" vert="horz" wrap="square" lIns="91440" tIns="45720" rIns="91440" bIns="45720" numCol="1" spcCol="0" rtlCol="0" fromWordArt="0" anchor="ctr" anchorCtr="0" forceAA="0" compatLnSpc="1">
+            <a:prstTxWarp prst="textNoShape">
+              <a:avLst/>
+            </a:prstTxWarp>
+            <a:noAutofit/>
+          </a:bodyPr>
+          <a:lstStyle/>
+          <a:p>
+            <a:pPr algn="ctr"/>
+            <a:r>
+              <a:rPr lang="en-US" dirty="0">
+                <a:solidFill>
+                  <a:schemeClr val="tx1"/>
+                </a:solidFill>
+              </a:rPr>
+              <a:t>We need a help function, to number the rest of the list starting from 2</a:t>
+            </a:r>
+          </a:p>
+        </p:txBody>
+      </p:sp>
+    </p:spTree>
+    <p:extLst>
+      <p:ext uri="{BB962C8B-B14F-4D97-AF65-F5344CB8AC3E}">
+        <p14:creationId xmlns:p14="http://schemas.microsoft.com/office/powerpoint/2010/main" val="2997494628"/>
+      </p:ext>
+    </p:extLst>
+  </p:cSld>
+  <p:clrMapOvr>
+    <a:masterClrMapping/>
+  </p:clrMapOvr>
+  <p:timing>
+    <p:tnLst>
+      <p:par>
+        <p:cTn id="1" dur="indefinite" restart="never" nodeType="tmRoot">
+          <p:childTnLst>
+            <p:seq concurrent="1" nextAc="seek">
+              <p:cTn id="2" dur="indefinite" nodeType="mainSeq">
+                <p:childTnLst>
+                  <p:par>
+                    <p:cTn id="3" fill="hold">
+                      <p:stCondLst>
+                        <p:cond delay="indefinite"/>
+                      </p:stCondLst>
+                      <p:childTnLst>
+                        <p:par>
+                          <p:cTn id="4" fill="hold">
+                            <p:stCondLst>
+                              <p:cond delay="0"/>
+                            </p:stCondLst>
+                            <p:childTnLst>
+                              <p:par>
+                                <p:cTn id="5" presetID="10" presetClass="entr" presetSubtype="0" fill="hold" grpId="0" nodeType="clickEffect">
+                                  <p:stCondLst>
+                                    <p:cond delay="0"/>
+                                  </p:stCondLst>
+                                  <p:childTnLst>
+                                    <p:set>
+                                      <p:cBhvr>
+                                        <p:cTn id="6" dur="1" fill="hold">
+                                          <p:stCondLst>
+                                            <p:cond delay="0"/>
+                                          </p:stCondLst>
+                                        </p:cTn>
+                                        <p:tgtEl>
+                                          <p:spTgt spid="4"/>
+                                        </p:tgtEl>
+                                        <p:attrNameLst>
+                                          <p:attrName>style.visibility</p:attrName>
+                                        </p:attrNameLst>
+                                      </p:cBhvr>
+                                      <p:to>
+                                        <p:strVal val="visible"/>
+                                      </p:to>
+                                    </p:set>
+                                    <p:animEffect transition="in" filter="fade">
+                                      <p:cBhvr>
+                                        <p:cTn id="7" dur="500"/>
+                                        <p:tgtEl>
+                                          <p:spTgt spid="4"/>
+                                        </p:tgtEl>
+                                      </p:cBhvr>
+                                    </p:animEffect>
+                                  </p:childTnLst>
+                                </p:cTn>
+                              </p:par>
+                            </p:childTnLst>
+                          </p:cTn>
+                        </p:par>
+                      </p:childTnLst>
+                    </p:cTn>
+                  </p:par>
+                  <p:par>
+                    <p:cTn id="8" fill="hold">
+                      <p:stCondLst>
+                        <p:cond delay="indefinite"/>
+                      </p:stCondLst>
+                      <p:childTnLst>
+                        <p:par>
+                          <p:cTn id="9" fill="hold">
+                            <p:stCondLst>
+                              <p:cond delay="0"/>
+                            </p:stCondLst>
+                            <p:childTnLst>
+                              <p:par>
+                                <p:cTn id="10" presetID="10" presetClass="entr" presetSubtype="0" fill="hold" grpId="0" nodeType="clickEffect">
+                                  <p:stCondLst>
+                                    <p:cond delay="0"/>
+                                  </p:stCondLst>
+                                  <p:childTnLst>
+                                    <p:set>
+                                      <p:cBhvr>
+                                        <p:cTn id="11" dur="1" fill="hold">
+                                          <p:stCondLst>
+                                            <p:cond delay="0"/>
+                                          </p:stCondLst>
+                                        </p:cTn>
+                                        <p:tgtEl>
+                                          <p:spTgt spid="5"/>
+                                        </p:tgtEl>
+                                        <p:attrNameLst>
+                                          <p:attrName>style.visibility</p:attrName>
+                                        </p:attrNameLst>
+                                      </p:cBhvr>
+                                      <p:to>
+                                        <p:strVal val="visible"/>
+                                      </p:to>
+                                    </p:set>
+                                    <p:animEffect transition="in" filter="fade">
+                                      <p:cBhvr>
+                                        <p:cTn id="12" dur="500"/>
+                                        <p:tgtEl>
+                                          <p:spTgt spid="5"/>
+                                        </p:tgtEl>
+                                      </p:cBhvr>
+                                    </p:animEffect>
+                                  </p:childTnLst>
+                                </p:cTn>
+                              </p:par>
+                            </p:childTnLst>
+                          </p:cTn>
+                        </p:par>
+                      </p:childTnLst>
+                    </p:cTn>
+                  </p:par>
+                </p:childTnLst>
+              </p:cTn>
+              <p:prevCondLst>
+                <p:cond evt="onPrev" delay="0">
+                  <p:tgtEl>
+                    <p:sldTgt/>
+                  </p:tgtEl>
+                </p:cond>
+              </p:prevCondLst>
+              <p:nextCondLst>
+                <p:cond evt="onNext" delay="0">
+                  <p:tgtEl>
+                    <p:sldTgt/>
+                  </p:tgtEl>
+                </p:cond>
+              </p:nextCondLst>
+            </p:seq>
+          </p:childTnLst>
+        </p:cTn>
+      </p:par>
+    </p:tnLst>
+    <p:bldLst>
+      <p:bldP spid="4" grpId="0" animBg="1"/>
+      <p:bldP spid="5" grpId="0" animBg="1"/>
+    </p:bldLst>
+  </p:timing>
+</p:sld>
+</file>
+
+<file path=ppt/slides/slide16.xml><?xml version="1.0" encoding="utf-8"?>
+<p:sld xmlns:a="http://schemas.openxmlformats.org/drawingml/2006/main" xmlns:r="http://schemas.openxmlformats.org/officeDocument/2006/relationships" xmlns:p="http://schemas.openxmlformats.org/presentationml/2006/main">
+  <p:cSld>
+    <p:spTree>
+      <p:nvGrpSpPr>
+        <p:cNvPr id="1" name=""/>
+        <p:cNvGrpSpPr/>
+        <p:nvPr/>
+      </p:nvGrpSpPr>
+      <p:grpSpPr>
+        <a:xfrm>
+          <a:off x="0" y="0"/>
+          <a:ext cx="0" cy="0"/>
+          <a:chOff x="0" y="0"/>
+          <a:chExt cx="0" cy="0"/>
+        </a:xfrm>
+      </p:grpSpPr>
+      <p:sp>
+        <p:nvSpPr>
+          <p:cNvPr id="2" name="Title 1"/>
+          <p:cNvSpPr>
+            <a:spLocks noGrp="1"/>
+          </p:cNvSpPr>
+          <p:nvPr>
+            <p:ph type="title"/>
+          </p:nvPr>
+        </p:nvSpPr>
+        <p:spPr/>
+        <p:txBody>
+          <a:bodyPr/>
+          <a:lstStyle/>
+          <a:p>
+            <a:r>
+              <a:rPr lang="en-US" dirty="0"/>
+              <a:t>Try #2</a:t>
+            </a:r>
+          </a:p>
+        </p:txBody>
+      </p:sp>
+      <p:sp>
+        <p:nvSpPr>
+          <p:cNvPr id="3" name="Content Placeholder 2"/>
+          <p:cNvSpPr>
+            <a:spLocks noGrp="1"/>
+          </p:cNvSpPr>
+          <p:nvPr>
+            <p:ph idx="1"/>
+          </p:nvPr>
+        </p:nvSpPr>
+        <p:spPr/>
+        <p:txBody>
+          <a:bodyPr>
+            <a:noAutofit/>
+          </a:bodyPr>
+          <a:lstStyle/>
+          <a:p>
+            <a:pPr>
+              <a:buNone/>
+            </a:pPr>
+            <a:r>
+              <a:rPr lang="en-US" sz="2400" b="1" dirty="0">
+                <a:latin typeface="Consolas" pitchFamily="49" charset="0"/>
+                <a:cs typeface="Consolas" pitchFamily="49" charset="0"/>
+              </a:rPr>
+              <a:t>(define (number-list </a:t>
+            </a:r>
+            <a:r>
+              <a:rPr lang="en-US" sz="2400" b="1" dirty="0" err="1">
+                <a:latin typeface="Consolas" pitchFamily="49" charset="0"/>
+                <a:cs typeface="Consolas" pitchFamily="49" charset="0"/>
+              </a:rPr>
+              <a:t>lst</a:t>
+            </a:r>
+            <a:r>
+              <a:rPr lang="en-US" sz="2400" b="1" dirty="0">
+                <a:latin typeface="Consolas" pitchFamily="49" charset="0"/>
+                <a:cs typeface="Consolas" pitchFamily="49" charset="0"/>
+              </a:rPr>
+              <a:t>)</a:t>
+            </a:r>
+          </a:p>
+          <a:p>
+            <a:pPr>
+              <a:buNone/>
+            </a:pPr>
+            <a:r>
+              <a:rPr lang="en-US" sz="2400" b="1" dirty="0">
+                <a:latin typeface="Consolas" pitchFamily="49" charset="0"/>
+                <a:cs typeface="Consolas" pitchFamily="49" charset="0"/>
+              </a:rPr>
+              <a:t>  (</a:t>
+            </a:r>
+            <a:r>
+              <a:rPr lang="en-US" sz="2400" b="1" dirty="0" err="1">
+                <a:latin typeface="Consolas" pitchFamily="49" charset="0"/>
+                <a:cs typeface="Consolas" pitchFamily="49" charset="0"/>
+              </a:rPr>
+              <a:t>cond</a:t>
+            </a:r>
+            <a:endParaRPr lang="en-US" sz="2400" b="1" dirty="0">
+              <a:latin typeface="Consolas" pitchFamily="49" charset="0"/>
+              <a:cs typeface="Consolas" pitchFamily="49" charset="0"/>
+            </a:endParaRPr>
+          </a:p>
+          <a:p>
+            <a:pPr>
+              <a:buNone/>
+            </a:pPr>
+            <a:r>
+              <a:rPr lang="en-US" sz="2400" b="1" dirty="0">
+                <a:latin typeface="Consolas" pitchFamily="49" charset="0"/>
+                <a:cs typeface="Consolas" pitchFamily="49" charset="0"/>
+              </a:rPr>
+              <a:t>    [(empty? </a:t>
+            </a:r>
+            <a:r>
+              <a:rPr lang="en-US" sz="2400" b="1" dirty="0" err="1">
+                <a:latin typeface="Consolas" pitchFamily="49" charset="0"/>
+                <a:cs typeface="Consolas" pitchFamily="49" charset="0"/>
+              </a:rPr>
+              <a:t>lst</a:t>
+            </a:r>
+            <a:r>
+              <a:rPr lang="en-US" sz="2400" b="1" dirty="0">
+                <a:latin typeface="Consolas" pitchFamily="49" charset="0"/>
+                <a:cs typeface="Consolas" pitchFamily="49" charset="0"/>
+              </a:rPr>
+              <a:t>) empty]</a:t>
+            </a:r>
+          </a:p>
+          <a:p>
+            <a:pPr>
+              <a:buNone/>
+            </a:pPr>
+            <a:r>
+              <a:rPr lang="en-US" sz="2400" b="1" dirty="0">
+                <a:latin typeface="Consolas" pitchFamily="49" charset="0"/>
+                <a:cs typeface="Consolas" pitchFamily="49" charset="0"/>
+              </a:rPr>
+              <a:t>    [else (cons</a:t>
+            </a:r>
+          </a:p>
+          <a:p>
+            <a:pPr>
+              <a:buNone/>
+            </a:pPr>
+            <a:r>
+              <a:rPr lang="en-US" sz="2400" b="1" dirty="0">
+                <a:latin typeface="Consolas" pitchFamily="49" charset="0"/>
+                <a:cs typeface="Consolas" pitchFamily="49" charset="0"/>
+              </a:rPr>
+              <a:t>            (list 1 (first </a:t>
+            </a:r>
+            <a:r>
+              <a:rPr lang="en-US" sz="2400" b="1" dirty="0" err="1">
+                <a:latin typeface="Consolas" pitchFamily="49" charset="0"/>
+                <a:cs typeface="Consolas" pitchFamily="49" charset="0"/>
+              </a:rPr>
+              <a:t>lst</a:t>
+            </a:r>
+            <a:r>
+              <a:rPr lang="en-US" sz="2400" b="1" dirty="0">
+                <a:latin typeface="Consolas" pitchFamily="49" charset="0"/>
+                <a:cs typeface="Consolas" pitchFamily="49" charset="0"/>
+              </a:rPr>
+              <a:t>))</a:t>
+            </a:r>
+          </a:p>
+          <a:p>
+            <a:pPr>
+              <a:buNone/>
+            </a:pPr>
+            <a:r>
+              <a:rPr lang="en-US" sz="2400" b="1" dirty="0">
+                <a:latin typeface="Consolas" pitchFamily="49" charset="0"/>
+                <a:cs typeface="Consolas" pitchFamily="49" charset="0"/>
+              </a:rPr>
+              <a:t>            (number-list-from-2</a:t>
+            </a:r>
+          </a:p>
+          <a:p>
+            <a:pPr>
+              <a:buNone/>
+            </a:pPr>
+            <a:r>
+              <a:rPr lang="en-US" sz="2400" b="1" dirty="0">
+                <a:latin typeface="Consolas" pitchFamily="49" charset="0"/>
+                <a:cs typeface="Consolas" pitchFamily="49" charset="0"/>
+              </a:rPr>
+              <a:t>              (rest </a:t>
+            </a:r>
+            <a:r>
+              <a:rPr lang="en-US" sz="2400" b="1" dirty="0" err="1">
+                <a:latin typeface="Consolas" pitchFamily="49" charset="0"/>
+                <a:cs typeface="Consolas" pitchFamily="49" charset="0"/>
+              </a:rPr>
+              <a:t>lst</a:t>
+            </a:r>
+            <a:r>
+              <a:rPr lang="en-US" sz="2400" b="1" dirty="0">
+                <a:latin typeface="Consolas" pitchFamily="49" charset="0"/>
+                <a:cs typeface="Consolas" pitchFamily="49" charset="0"/>
+              </a:rPr>
+              <a:t>)))]))</a:t>
+            </a:r>
+          </a:p>
+          <a:p>
+            <a:pPr>
+              <a:buNone/>
+            </a:pPr>
+            <a:endParaRPr lang="en-US" sz="2400" b="1" dirty="0">
+              <a:latin typeface="Courier New" pitchFamily="49" charset="0"/>
+              <a:cs typeface="Courier New" pitchFamily="49" charset="0"/>
+            </a:endParaRPr>
+          </a:p>
+          <a:p>
+            <a:pPr>
+              <a:buNone/>
+            </a:pPr>
+            <a:endParaRPr lang="en-US" sz="2400" b="1" dirty="0">
+              <a:latin typeface="Courier New" pitchFamily="49" charset="0"/>
+              <a:cs typeface="Courier New" pitchFamily="49" charset="0"/>
+            </a:endParaRPr>
+          </a:p>
+        </p:txBody>
+      </p:sp>
+      <p:sp>
+        <p:nvSpPr>
           <p:cNvPr id="4" name="Slide Number Placeholder 3"/>
           <p:cNvSpPr>
             <a:spLocks noGrp="1"/>
@@ -10759,7 +12671,7 @@
           <a:p>
             <a:fld id="{E4A74525-021D-496D-B39D-9668564A137C}" type="slidenum">
               <a:rPr lang="en-US" smtClean="0"/>
-              <a:t>10</a:t>
+              <a:t>16</a:t>
             </a:fld>
             <a:endParaRPr lang="en-US"/>
           </a:p>
@@ -10819,20 +12731,23 @@
                   <a:schemeClr val="tx1"/>
                 </a:solidFill>
               </a:rPr>
-              <a:t>You should be able to guess where this is going...</a:t>
-            </a:r>
-            <a:endParaRPr lang="en-US" b="1" dirty="0">
-              <a:solidFill>
-                <a:schemeClr val="tx1"/>
-              </a:solidFill>
-            </a:endParaRPr>
+              <a:t>Well, this looks promising.  All we have to do now is write </a:t>
+            </a:r>
+            <a:r>
+              <a:rPr lang="en-US" b="1" dirty="0">
+                <a:solidFill>
+                  <a:schemeClr val="tx1"/>
+                </a:solidFill>
+              </a:rPr>
+              <a:t>number-list-from-2</a:t>
+            </a:r>
           </a:p>
         </p:txBody>
       </p:sp>
     </p:spTree>
     <p:extLst>
       <p:ext uri="{BB962C8B-B14F-4D97-AF65-F5344CB8AC3E}">
-        <p14:creationId xmlns:p14="http://schemas.microsoft.com/office/powerpoint/2010/main" val="410447606"/>
+        <p14:creationId xmlns:p14="http://schemas.microsoft.com/office/powerpoint/2010/main" val="941270927"/>
       </p:ext>
     </p:extLst>
   </p:cSld>
@@ -10842,7 +12757,7 @@
 </p:sld>
 </file>
 
-<file path=ppt/slides/slide11.xml><?xml version="1.0" encoding="utf-8"?>
+<file path=ppt/slides/slide17.xml><?xml version="1.0" encoding="utf-8"?>
 <p:sld xmlns:a="http://schemas.openxmlformats.org/drawingml/2006/main" xmlns:r="http://schemas.openxmlformats.org/officeDocument/2006/relationships" xmlns:p="http://schemas.openxmlformats.org/presentationml/2006/main">
   <p:cSld>
     <p:spTree>
@@ -10876,7 +12791,7 @@
           <a:p>
             <a:r>
               <a:rPr lang="en-US" dirty="0"/>
-              <a:t>Let’s generalize!</a:t>
+              <a:t>number-list-from-2</a:t>
             </a:r>
           </a:p>
         </p:txBody>
@@ -10894,282 +12809,176 @@
         <p:spPr/>
         <p:txBody>
           <a:bodyPr>
-            <a:normAutofit fontScale="92500" lnSpcReduction="20000"/>
+            <a:noAutofit/>
           </a:bodyPr>
           <a:lstStyle/>
           <a:p>
-            <a:pPr marL="0" indent="0">
+            <a:pPr>
               <a:buNone/>
             </a:pPr>
             <a:r>
-              <a:rPr lang="en-US" dirty="0">
-                <a:cs typeface="Consolas" pitchFamily="49" charset="0"/>
-              </a:rPr>
-              <a:t>Add an extra parameter for the current number.</a:t>
-            </a:r>
-          </a:p>
-          <a:p>
-            <a:pPr marL="0" indent="0">
+              <a:rPr lang="en-US" sz="2400" b="1" dirty="0">
+                <a:latin typeface="Consolas" pitchFamily="49" charset="0"/>
+                <a:cs typeface="Consolas" pitchFamily="49" charset="0"/>
+              </a:rPr>
+              <a:t>(define (number-list-from-2 </a:t>
+            </a:r>
+            <a:r>
+              <a:rPr lang="en-US" sz="2400" b="1" dirty="0" err="1">
+                <a:latin typeface="Consolas" pitchFamily="49" charset="0"/>
+                <a:cs typeface="Consolas" pitchFamily="49" charset="0"/>
+              </a:rPr>
+              <a:t>lst</a:t>
+            </a:r>
+            <a:r>
+              <a:rPr lang="en-US" sz="2400" b="1" dirty="0">
+                <a:latin typeface="Consolas" pitchFamily="49" charset="0"/>
+                <a:cs typeface="Consolas" pitchFamily="49" charset="0"/>
+              </a:rPr>
+              <a:t>)</a:t>
+            </a:r>
+          </a:p>
+          <a:p>
+            <a:pPr>
               <a:buNone/>
             </a:pPr>
             <a:r>
-              <a:rPr lang="en-US" sz="2000" b="1" dirty="0">
-                <a:latin typeface="Consolas" pitchFamily="49" charset="0"/>
-                <a:cs typeface="Consolas" pitchFamily="49" charset="0"/>
-              </a:rPr>
-              <a:t>;; number-list-from : XList </a:t>
-            </a:r>
-            <a:r>
-              <a:rPr lang="en-US" sz="2000" b="1" dirty="0" err="1">
-                <a:latin typeface="Consolas" pitchFamily="49" charset="0"/>
-                <a:cs typeface="Consolas" pitchFamily="49" charset="0"/>
-              </a:rPr>
-              <a:t>NonNegInt</a:t>
-            </a:r>
-            <a:r>
-              <a:rPr lang="en-US" sz="2000" b="1" dirty="0">
-                <a:latin typeface="Consolas" pitchFamily="49" charset="0"/>
-                <a:cs typeface="Consolas" pitchFamily="49" charset="0"/>
-              </a:rPr>
-              <a:t>-&gt; </a:t>
-            </a:r>
-            <a:r>
-              <a:rPr lang="en-US" sz="2000" b="1" dirty="0" err="1">
-                <a:latin typeface="Consolas" pitchFamily="49" charset="0"/>
-                <a:cs typeface="Consolas" pitchFamily="49" charset="0"/>
-              </a:rPr>
-              <a:t>NumberedXList</a:t>
-            </a:r>
-            <a:endParaRPr lang="en-US" sz="2000" b="1" dirty="0">
+              <a:rPr lang="en-US" sz="2400" b="1" dirty="0">
+                <a:latin typeface="Consolas" pitchFamily="49" charset="0"/>
+                <a:cs typeface="Consolas" pitchFamily="49" charset="0"/>
+              </a:rPr>
+              <a:t>  (</a:t>
+            </a:r>
+            <a:r>
+              <a:rPr lang="en-US" sz="2400" b="1" dirty="0" err="1">
+                <a:latin typeface="Consolas" pitchFamily="49" charset="0"/>
+                <a:cs typeface="Consolas" pitchFamily="49" charset="0"/>
+              </a:rPr>
+              <a:t>cond</a:t>
+            </a:r>
+            <a:endParaRPr lang="en-US" sz="2400" b="1" dirty="0">
               <a:latin typeface="Consolas" pitchFamily="49" charset="0"/>
               <a:cs typeface="Consolas" pitchFamily="49" charset="0"/>
             </a:endParaRPr>
           </a:p>
           <a:p>
-            <a:pPr marL="0" indent="0">
+            <a:pPr>
               <a:buNone/>
             </a:pPr>
             <a:r>
-              <a:rPr lang="en-US" sz="2000" b="1" dirty="0">
-                <a:latin typeface="Consolas" pitchFamily="49" charset="0"/>
-                <a:cs typeface="Consolas" pitchFamily="49" charset="0"/>
-              </a:rPr>
-              <a:t>;; EXAMPLE: (number-list-from (list 88 77) 2) </a:t>
-            </a:r>
-          </a:p>
-          <a:p>
-            <a:pPr marL="0" indent="0">
+              <a:rPr lang="en-US" sz="2400" b="1" dirty="0">
+                <a:latin typeface="Consolas" pitchFamily="49" charset="0"/>
+                <a:cs typeface="Consolas" pitchFamily="49" charset="0"/>
+              </a:rPr>
+              <a:t>    [(empty? </a:t>
+            </a:r>
+            <a:r>
+              <a:rPr lang="en-US" sz="2400" b="1" dirty="0" err="1">
+                <a:latin typeface="Consolas" pitchFamily="49" charset="0"/>
+                <a:cs typeface="Consolas" pitchFamily="49" charset="0"/>
+              </a:rPr>
+              <a:t>lst</a:t>
+            </a:r>
+            <a:r>
+              <a:rPr lang="en-US" sz="2400" b="1" dirty="0">
+                <a:latin typeface="Consolas" pitchFamily="49" charset="0"/>
+                <a:cs typeface="Consolas" pitchFamily="49" charset="0"/>
+              </a:rPr>
+              <a:t>) empty]</a:t>
+            </a:r>
+          </a:p>
+          <a:p>
+            <a:pPr>
               <a:buNone/>
             </a:pPr>
             <a:r>
-              <a:rPr lang="en-US" sz="2000" b="1" dirty="0">
-                <a:latin typeface="Consolas" pitchFamily="49" charset="0"/>
-                <a:cs typeface="Consolas" pitchFamily="49" charset="0"/>
-              </a:rPr>
-              <a:t>;;          = (list (list 2 88) (list 3 77))</a:t>
-            </a:r>
-          </a:p>
-          <a:p>
-            <a:pPr marL="0" indent="0">
+              <a:rPr lang="en-US" sz="2400" b="1" dirty="0">
+                <a:latin typeface="Consolas" pitchFamily="49" charset="0"/>
+                <a:cs typeface="Consolas" pitchFamily="49" charset="0"/>
+              </a:rPr>
+              <a:t>    [else (cons</a:t>
+            </a:r>
+          </a:p>
+          <a:p>
+            <a:pPr>
               <a:buNone/>
             </a:pPr>
-            <a:endParaRPr lang="en-US" sz="2000" b="1" dirty="0">
-              <a:latin typeface="Consolas" pitchFamily="49" charset="0"/>
-              <a:cs typeface="Consolas" pitchFamily="49" charset="0"/>
-            </a:endParaRPr>
-          </a:p>
-          <a:p>
-            <a:pPr marL="0" indent="0">
-              <a:spcBef>
-                <a:spcPts val="0"/>
-              </a:spcBef>
+            <a:r>
+              <a:rPr lang="en-US" sz="2400" b="1" dirty="0">
+                <a:latin typeface="Consolas" pitchFamily="49" charset="0"/>
+                <a:cs typeface="Consolas" pitchFamily="49" charset="0"/>
+              </a:rPr>
+              <a:t>            (list 2 (first </a:t>
+            </a:r>
+            <a:r>
+              <a:rPr lang="en-US" sz="2400" b="1" dirty="0" err="1">
+                <a:latin typeface="Consolas" pitchFamily="49" charset="0"/>
+                <a:cs typeface="Consolas" pitchFamily="49" charset="0"/>
+              </a:rPr>
+              <a:t>lst</a:t>
+            </a:r>
+            <a:r>
+              <a:rPr lang="en-US" sz="2400" b="1" dirty="0">
+                <a:latin typeface="Consolas" pitchFamily="49" charset="0"/>
+                <a:cs typeface="Consolas" pitchFamily="49" charset="0"/>
+              </a:rPr>
+              <a:t>))</a:t>
+            </a:r>
+          </a:p>
+          <a:p>
+            <a:pPr>
               <a:buNone/>
             </a:pPr>
             <a:r>
-              <a:rPr lang="en-US" sz="2000" b="1" dirty="0">
-                <a:latin typeface="Consolas" pitchFamily="49" charset="0"/>
-                <a:cs typeface="Consolas" pitchFamily="49" charset="0"/>
-              </a:rPr>
-              <a:t>;; STRATEGY: Use observer template for XList on </a:t>
-            </a:r>
-            <a:r>
-              <a:rPr lang="en-US" sz="2000" b="1" dirty="0" err="1">
-                <a:latin typeface="Consolas" pitchFamily="49" charset="0"/>
-                <a:cs typeface="Consolas" pitchFamily="49" charset="0"/>
-              </a:rPr>
-              <a:t>lst</a:t>
-            </a:r>
-            <a:endParaRPr lang="en-US" sz="2000" b="1" dirty="0">
-              <a:latin typeface="Consolas" pitchFamily="49" charset="0"/>
-              <a:cs typeface="Consolas" pitchFamily="49" charset="0"/>
-            </a:endParaRPr>
-          </a:p>
-          <a:p>
-            <a:pPr marL="0" indent="0">
+              <a:rPr lang="en-US" sz="2400" b="1" dirty="0">
+                <a:latin typeface="Consolas" pitchFamily="49" charset="0"/>
+                <a:cs typeface="Consolas" pitchFamily="49" charset="0"/>
+              </a:rPr>
+              <a:t>            (number-list-from-3</a:t>
+            </a:r>
+          </a:p>
+          <a:p>
+            <a:pPr>
               <a:buNone/>
             </a:pPr>
             <a:r>
-              <a:rPr lang="en-US" sz="2000" b="1" dirty="0">
-                <a:latin typeface="Consolas" pitchFamily="49" charset="0"/>
-                <a:cs typeface="Consolas" pitchFamily="49" charset="0"/>
-              </a:rPr>
-              <a:t>(define (number-list-from </a:t>
-            </a:r>
-            <a:r>
-              <a:rPr lang="en-US" sz="2000" b="1" dirty="0" err="1">
+              <a:rPr lang="en-US" sz="2400" b="1" dirty="0">
+                <a:latin typeface="Consolas" pitchFamily="49" charset="0"/>
+                <a:cs typeface="Consolas" pitchFamily="49" charset="0"/>
+              </a:rPr>
+              <a:t>              (rest </a:t>
+            </a:r>
+            <a:r>
+              <a:rPr lang="en-US" sz="2400" b="1" dirty="0" err="1">
                 <a:latin typeface="Consolas" pitchFamily="49" charset="0"/>
                 <a:cs typeface="Consolas" pitchFamily="49" charset="0"/>
               </a:rPr>
               <a:t>lst</a:t>
             </a:r>
             <a:r>
-              <a:rPr lang="en-US" sz="2000" b="1" dirty="0">
-                <a:latin typeface="Consolas" pitchFamily="49" charset="0"/>
-                <a:cs typeface="Consolas" pitchFamily="49" charset="0"/>
-              </a:rPr>
-              <a:t> n)</a:t>
-            </a:r>
-          </a:p>
-          <a:p>
-            <a:pPr marL="0" indent="0">
+              <a:rPr lang="en-US" sz="2400" b="1" dirty="0">
+                <a:latin typeface="Consolas" pitchFamily="49" charset="0"/>
+                <a:cs typeface="Consolas" pitchFamily="49" charset="0"/>
+              </a:rPr>
+              <a:t>)))]))</a:t>
+            </a:r>
+          </a:p>
+          <a:p>
+            <a:pPr>
               <a:buNone/>
             </a:pPr>
-            <a:r>
-              <a:rPr lang="en-US" sz="2000" b="1" dirty="0">
-                <a:latin typeface="Consolas" pitchFamily="49" charset="0"/>
-                <a:cs typeface="Consolas" pitchFamily="49" charset="0"/>
-              </a:rPr>
-              <a:t>  (cond</a:t>
-            </a:r>
-          </a:p>
-          <a:p>
-            <a:pPr marL="0" indent="0">
+            <a:endParaRPr lang="en-US" sz="2400" b="1" dirty="0">
+              <a:latin typeface="Courier New" pitchFamily="49" charset="0"/>
+              <a:cs typeface="Courier New" pitchFamily="49" charset="0"/>
+            </a:endParaRPr>
+          </a:p>
+          <a:p>
+            <a:pPr>
               <a:buNone/>
             </a:pPr>
-            <a:r>
-              <a:rPr lang="en-US" sz="2000" b="1" dirty="0">
-                <a:latin typeface="Consolas" pitchFamily="49" charset="0"/>
-                <a:cs typeface="Consolas" pitchFamily="49" charset="0"/>
-              </a:rPr>
-              <a:t>    [(empty? </a:t>
-            </a:r>
-            <a:r>
-              <a:rPr lang="en-US" sz="2000" b="1" dirty="0" err="1">
-                <a:latin typeface="Consolas" pitchFamily="49" charset="0"/>
-                <a:cs typeface="Consolas" pitchFamily="49" charset="0"/>
-              </a:rPr>
-              <a:t>lst</a:t>
-            </a:r>
-            <a:r>
-              <a:rPr lang="en-US" sz="2000" b="1" dirty="0">
-                <a:latin typeface="Consolas" pitchFamily="49" charset="0"/>
-                <a:cs typeface="Consolas" pitchFamily="49" charset="0"/>
-              </a:rPr>
-              <a:t>) empty]</a:t>
-            </a:r>
-          </a:p>
-          <a:p>
-            <a:pPr marL="0" indent="0">
-              <a:buNone/>
-            </a:pPr>
-            <a:r>
-              <a:rPr lang="en-US" sz="2000" b="1" dirty="0">
-                <a:latin typeface="Consolas" pitchFamily="49" charset="0"/>
-                <a:cs typeface="Consolas" pitchFamily="49" charset="0"/>
-              </a:rPr>
-              <a:t>    [else</a:t>
-            </a:r>
-          </a:p>
-          <a:p>
-            <a:pPr marL="0" indent="0">
-              <a:buNone/>
-            </a:pPr>
-            <a:r>
-              <a:rPr lang="en-US" sz="2000" b="1" dirty="0">
-                <a:latin typeface="Consolas" pitchFamily="49" charset="0"/>
-                <a:cs typeface="Consolas" pitchFamily="49" charset="0"/>
-              </a:rPr>
-              <a:t>      (cons</a:t>
-            </a:r>
-          </a:p>
-          <a:p>
-            <a:pPr marL="0" indent="0">
-              <a:buNone/>
-            </a:pPr>
-            <a:r>
-              <a:rPr lang="en-US" sz="2000" b="1" dirty="0">
-                <a:latin typeface="Consolas" pitchFamily="49" charset="0"/>
-                <a:cs typeface="Consolas" pitchFamily="49" charset="0"/>
-              </a:rPr>
-              <a:t>        (list n (first </a:t>
-            </a:r>
-            <a:r>
-              <a:rPr lang="en-US" sz="2000" b="1" dirty="0" err="1">
-                <a:latin typeface="Consolas" pitchFamily="49" charset="0"/>
-                <a:cs typeface="Consolas" pitchFamily="49" charset="0"/>
-              </a:rPr>
-              <a:t>lst</a:t>
-            </a:r>
-            <a:r>
-              <a:rPr lang="en-US" sz="2000" b="1" dirty="0">
-                <a:latin typeface="Consolas" pitchFamily="49" charset="0"/>
-                <a:cs typeface="Consolas" pitchFamily="49" charset="0"/>
-              </a:rPr>
-              <a:t>))</a:t>
-            </a:r>
-          </a:p>
-          <a:p>
-            <a:pPr marL="0" indent="0">
-              <a:buNone/>
-            </a:pPr>
-            <a:r>
-              <a:rPr lang="en-US" sz="2000" b="1" dirty="0">
-                <a:latin typeface="Consolas" pitchFamily="49" charset="0"/>
-                <a:cs typeface="Consolas" pitchFamily="49" charset="0"/>
-              </a:rPr>
-              <a:t>        (number-list-from</a:t>
-            </a:r>
-          </a:p>
-          <a:p>
-            <a:pPr marL="0" indent="0">
-              <a:buNone/>
-            </a:pPr>
-            <a:r>
-              <a:rPr lang="en-US" sz="2000" b="1" dirty="0">
-                <a:latin typeface="Consolas" pitchFamily="49" charset="0"/>
-                <a:cs typeface="Consolas" pitchFamily="49" charset="0"/>
-              </a:rPr>
-              <a:t>          (rest </a:t>
-            </a:r>
-            <a:r>
-              <a:rPr lang="en-US" sz="2000" b="1" dirty="0" err="1">
-                <a:latin typeface="Consolas" pitchFamily="49" charset="0"/>
-                <a:cs typeface="Consolas" pitchFamily="49" charset="0"/>
-              </a:rPr>
-              <a:t>lst</a:t>
-            </a:r>
-            <a:r>
-              <a:rPr lang="en-US" sz="2000" b="1" dirty="0">
-                <a:latin typeface="Consolas" pitchFamily="49" charset="0"/>
-                <a:cs typeface="Consolas" pitchFamily="49" charset="0"/>
-              </a:rPr>
-              <a:t>)</a:t>
-            </a:r>
-          </a:p>
-          <a:p>
-            <a:pPr marL="0" indent="0">
-              <a:buNone/>
-            </a:pPr>
-            <a:r>
-              <a:rPr lang="en-US" sz="2000" b="1" dirty="0">
-                <a:latin typeface="Consolas" pitchFamily="49" charset="0"/>
-                <a:cs typeface="Consolas" pitchFamily="49" charset="0"/>
-              </a:rPr>
-              <a:t>          (+ n 1)))]))</a:t>
-            </a:r>
-            <a:endParaRPr lang="en-US" sz="2000" b="1" dirty="0">
-              <a:latin typeface="Consolas" pitchFamily="49" charset="0"/>
-              <a:cs typeface="Consolas" pitchFamily="49" charset="0"/>
+            <a:endParaRPr lang="en-US" sz="2400" b="1" dirty="0">
+              <a:latin typeface="Courier New" pitchFamily="49" charset="0"/>
+              <a:cs typeface="Courier New" pitchFamily="49" charset="0"/>
             </a:endParaRPr>
           </a:p>
         </p:txBody>
@@ -11191,16 +13000,83 @@
           <a:p>
             <a:fld id="{E4A74525-021D-496D-B39D-9668564A137C}" type="slidenum">
               <a:rPr lang="en-US" smtClean="0"/>
-              <a:t>11</a:t>
+              <a:t>17</a:t>
             </a:fld>
             <a:endParaRPr lang="en-US"/>
+          </a:p>
+        </p:txBody>
+      </p:sp>
+      <p:sp>
+        <p:nvSpPr>
+          <p:cNvPr id="5" name="Rectangle 4"/>
+          <p:cNvSpPr/>
+          <p:nvPr/>
+        </p:nvSpPr>
+        <p:spPr>
+          <a:xfrm>
+            <a:off x="2286000" y="5029200"/>
+            <a:ext cx="5105400" cy="762000"/>
+          </a:xfrm>
+          <a:prstGeom prst="rect">
+            <a:avLst/>
+          </a:prstGeom>
+          <a:solidFill>
+            <a:schemeClr val="accent3">
+              <a:lumMod val="40000"/>
+              <a:lumOff val="60000"/>
+            </a:schemeClr>
+          </a:solidFill>
+          <a:ln>
+            <a:noFill/>
+          </a:ln>
+        </p:spPr>
+        <p:style>
+          <a:lnRef idx="2">
+            <a:schemeClr val="accent1"/>
+          </a:lnRef>
+          <a:fillRef idx="1">
+            <a:schemeClr val="lt1"/>
+          </a:fillRef>
+          <a:effectRef idx="0">
+            <a:schemeClr val="accent1"/>
+          </a:effectRef>
+          <a:fontRef idx="minor">
+            <a:schemeClr val="dk1"/>
+          </a:fontRef>
+        </p:style>
+        <p:txBody>
+          <a:bodyPr rot="0" spcFirstLastPara="0" vertOverflow="overflow" horzOverflow="overflow" vert="horz" wrap="square" lIns="91440" tIns="45720" rIns="91440" bIns="45720" numCol="1" spcCol="0" rtlCol="0" fromWordArt="0" anchor="ctr" anchorCtr="0" forceAA="0" compatLnSpc="1">
+            <a:prstTxWarp prst="textNoShape">
+              <a:avLst/>
+            </a:prstTxWarp>
+            <a:noAutofit/>
+          </a:bodyPr>
+          <a:lstStyle/>
+          <a:p>
+            <a:pPr algn="ctr"/>
+            <a:r>
+              <a:rPr lang="en-US" dirty="0">
+                <a:solidFill>
+                  <a:schemeClr val="tx1"/>
+                </a:solidFill>
+              </a:rPr>
+              <a:t>Oh, dear.  Now we have to write </a:t>
+            </a:r>
+            <a:r>
+              <a:rPr lang="en-US" b="1" dirty="0">
+                <a:solidFill>
+                  <a:schemeClr val="tx1"/>
+                </a:solidFill>
+              </a:rPr>
+              <a:t>number-list-from-3</a:t>
+            </a:r>
           </a:p>
         </p:txBody>
       </p:sp>
     </p:spTree>
     <p:extLst>
       <p:ext uri="{BB962C8B-B14F-4D97-AF65-F5344CB8AC3E}">
-        <p14:creationId xmlns:p14="http://schemas.microsoft.com/office/powerpoint/2010/main" val="3931178643"/>
+        <p14:creationId xmlns:p14="http://schemas.microsoft.com/office/powerpoint/2010/main" val="2799957348"/>
       </p:ext>
     </p:extLst>
   </p:cSld>
@@ -11210,7 +13086,7 @@
 </p:sld>
 </file>
 
-<file path=ppt/slides/slide12.xml><?xml version="1.0" encoding="utf-8"?>
+<file path=ppt/slides/slide18.xml><?xml version="1.0" encoding="utf-8"?>
 <p:sld xmlns:a="http://schemas.openxmlformats.org/drawingml/2006/main" xmlns:r="http://schemas.openxmlformats.org/officeDocument/2006/relationships" xmlns:p="http://schemas.openxmlformats.org/presentationml/2006/main">
   <p:cSld>
     <p:spTree>
@@ -11239,14 +13115,12 @@
         </p:nvSpPr>
         <p:spPr/>
         <p:txBody>
-          <a:bodyPr>
-            <a:normAutofit/>
-          </a:bodyPr>
+          <a:bodyPr/>
           <a:lstStyle/>
           <a:p>
             <a:r>
               <a:rPr lang="en-US" dirty="0"/>
-              <a:t>And we can recover the original</a:t>
+              <a:t>number-list-from-3</a:t>
             </a:r>
           </a:p>
         </p:txBody>
@@ -11261,108 +13135,180 @@
             <p:ph idx="1"/>
           </p:nvPr>
         </p:nvSpPr>
-        <p:spPr>
-          <a:xfrm>
-            <a:off x="457200" y="1600200"/>
-            <a:ext cx="8229600" cy="4525963"/>
-          </a:xfrm>
-        </p:spPr>
-        <p:txBody>
-          <a:bodyPr/>
-          <a:lstStyle/>
-          <a:p>
-            <a:pPr marL="0" indent="0">
-              <a:spcBef>
-                <a:spcPts val="0"/>
-              </a:spcBef>
+        <p:spPr/>
+        <p:txBody>
+          <a:bodyPr>
+            <a:noAutofit/>
+          </a:bodyPr>
+          <a:lstStyle/>
+          <a:p>
+            <a:pPr>
               <a:buNone/>
             </a:pPr>
             <a:r>
-              <a:rPr lang="en-US" b="1" dirty="0">
-                <a:latin typeface="Consolas" pitchFamily="49" charset="0"/>
-                <a:cs typeface="Consolas" pitchFamily="49" charset="0"/>
-              </a:rPr>
-              <a:t>;; STRATEGY: </a:t>
-            </a:r>
-          </a:p>
-          <a:p>
-            <a:pPr marL="0" indent="0">
-              <a:spcBef>
-                <a:spcPts val="0"/>
-              </a:spcBef>
+              <a:rPr lang="en-US" sz="2400" b="1" dirty="0">
+                <a:latin typeface="Consolas" pitchFamily="49" charset="0"/>
+                <a:cs typeface="Consolas" pitchFamily="49" charset="0"/>
+              </a:rPr>
+              <a:t>(define (number-list-from-3 </a:t>
+            </a:r>
+            <a:r>
+              <a:rPr lang="en-US" sz="2400" b="1" dirty="0" err="1">
+                <a:latin typeface="Consolas" pitchFamily="49" charset="0"/>
+                <a:cs typeface="Consolas" pitchFamily="49" charset="0"/>
+              </a:rPr>
+              <a:t>lst</a:t>
+            </a:r>
+            <a:r>
+              <a:rPr lang="en-US" sz="2400" b="1" dirty="0">
+                <a:latin typeface="Consolas" pitchFamily="49" charset="0"/>
+                <a:cs typeface="Consolas" pitchFamily="49" charset="0"/>
+              </a:rPr>
+              <a:t>)</a:t>
+            </a:r>
+          </a:p>
+          <a:p>
+            <a:pPr>
               <a:buNone/>
             </a:pPr>
             <a:r>
-              <a:rPr lang="en-US" b="1" dirty="0">
-                <a:latin typeface="Consolas" pitchFamily="49" charset="0"/>
-                <a:cs typeface="Consolas" pitchFamily="49" charset="0"/>
-              </a:rPr>
-              <a:t>;; Call a more general function</a:t>
-            </a:r>
-          </a:p>
-          <a:p>
-            <a:pPr marL="0" indent="0">
-              <a:spcBef>
-                <a:spcPts val="0"/>
-              </a:spcBef>
-              <a:buNone/>
-            </a:pPr>
-            <a:endParaRPr lang="en-US" b="1" dirty="0">
+              <a:rPr lang="en-US" sz="2400" b="1" dirty="0">
+                <a:latin typeface="Consolas" pitchFamily="49" charset="0"/>
+                <a:cs typeface="Consolas" pitchFamily="49" charset="0"/>
+              </a:rPr>
+              <a:t>  (</a:t>
+            </a:r>
+            <a:r>
+              <a:rPr lang="en-US" sz="2400" b="1" dirty="0" err="1">
+                <a:latin typeface="Consolas" pitchFamily="49" charset="0"/>
+                <a:cs typeface="Consolas" pitchFamily="49" charset="0"/>
+              </a:rPr>
+              <a:t>cond</a:t>
+            </a:r>
+            <a:endParaRPr lang="en-US" sz="2400" b="1" dirty="0">
               <a:latin typeface="Consolas" pitchFamily="49" charset="0"/>
               <a:cs typeface="Consolas" pitchFamily="49" charset="0"/>
             </a:endParaRPr>
           </a:p>
           <a:p>
-            <a:pPr marL="0" indent="0">
+            <a:pPr>
               <a:buNone/>
             </a:pPr>
             <a:r>
-              <a:rPr lang="en-US" b="1" dirty="0">
-                <a:latin typeface="Consolas" pitchFamily="49" charset="0"/>
-                <a:cs typeface="Consolas" pitchFamily="49" charset="0"/>
-              </a:rPr>
-              <a:t>(define (number-list </a:t>
-            </a:r>
-            <a:r>
-              <a:rPr lang="en-US" b="1" dirty="0" err="1">
+              <a:rPr lang="en-US" sz="2400" b="1" dirty="0">
+                <a:latin typeface="Consolas" pitchFamily="49" charset="0"/>
+                <a:cs typeface="Consolas" pitchFamily="49" charset="0"/>
+              </a:rPr>
+              <a:t>    [(empty? </a:t>
+            </a:r>
+            <a:r>
+              <a:rPr lang="en-US" sz="2400" b="1" dirty="0" err="1">
                 <a:latin typeface="Consolas" pitchFamily="49" charset="0"/>
                 <a:cs typeface="Consolas" pitchFamily="49" charset="0"/>
               </a:rPr>
               <a:t>lst</a:t>
             </a:r>
             <a:r>
-              <a:rPr lang="en-US" b="1" dirty="0">
-                <a:latin typeface="Consolas" pitchFamily="49" charset="0"/>
-                <a:cs typeface="Consolas" pitchFamily="49" charset="0"/>
-              </a:rPr>
-              <a:t>)</a:t>
-            </a:r>
-          </a:p>
-          <a:p>
-            <a:pPr marL="0" indent="0">
+              <a:rPr lang="en-US" sz="2400" b="1" dirty="0">
+                <a:latin typeface="Consolas" pitchFamily="49" charset="0"/>
+                <a:cs typeface="Consolas" pitchFamily="49" charset="0"/>
+              </a:rPr>
+              <a:t>) empty]</a:t>
+            </a:r>
+          </a:p>
+          <a:p>
+            <a:pPr>
               <a:buNone/>
             </a:pPr>
             <a:r>
-              <a:rPr lang="en-US" b="1" dirty="0">
-                <a:latin typeface="Consolas" pitchFamily="49" charset="0"/>
-                <a:cs typeface="Consolas" pitchFamily="49" charset="0"/>
-              </a:rPr>
-              <a:t>  (number-list-from </a:t>
-            </a:r>
-            <a:r>
-              <a:rPr lang="en-US" b="1" dirty="0" err="1">
+              <a:rPr lang="en-US" sz="2400" b="1" dirty="0">
+                <a:latin typeface="Consolas" pitchFamily="49" charset="0"/>
+                <a:cs typeface="Consolas" pitchFamily="49" charset="0"/>
+              </a:rPr>
+              <a:t>    [else (cons</a:t>
+            </a:r>
+          </a:p>
+          <a:p>
+            <a:pPr>
+              <a:buNone/>
+            </a:pPr>
+            <a:r>
+              <a:rPr lang="en-US" sz="2400" b="1" dirty="0">
+                <a:latin typeface="Consolas" pitchFamily="49" charset="0"/>
+                <a:cs typeface="Consolas" pitchFamily="49" charset="0"/>
+              </a:rPr>
+              <a:t>            (list 2 (first </a:t>
+            </a:r>
+            <a:r>
+              <a:rPr lang="en-US" sz="2400" b="1" dirty="0" err="1">
                 <a:latin typeface="Consolas" pitchFamily="49" charset="0"/>
                 <a:cs typeface="Consolas" pitchFamily="49" charset="0"/>
               </a:rPr>
               <a:t>lst</a:t>
             </a:r>
             <a:r>
-              <a:rPr lang="en-US" b="1" dirty="0">
-                <a:latin typeface="Consolas" pitchFamily="49" charset="0"/>
-                <a:cs typeface="Consolas" pitchFamily="49" charset="0"/>
-              </a:rPr>
-              <a:t> 1))</a:t>
-            </a:r>
+              <a:rPr lang="en-US" sz="2400" b="1" dirty="0">
+                <a:latin typeface="Consolas" pitchFamily="49" charset="0"/>
+                <a:cs typeface="Consolas" pitchFamily="49" charset="0"/>
+              </a:rPr>
+              <a:t>))</a:t>
+            </a:r>
+          </a:p>
+          <a:p>
+            <a:pPr>
+              <a:buNone/>
+            </a:pPr>
+            <a:r>
+              <a:rPr lang="en-US" sz="2400" b="1" dirty="0">
+                <a:latin typeface="Consolas" pitchFamily="49" charset="0"/>
+                <a:cs typeface="Consolas" pitchFamily="49" charset="0"/>
+              </a:rPr>
+              <a:t>            (number-list-from-4</a:t>
+            </a:r>
+          </a:p>
+          <a:p>
+            <a:pPr>
+              <a:buNone/>
+            </a:pPr>
+            <a:r>
+              <a:rPr lang="en-US" sz="2400" b="1" dirty="0">
+                <a:latin typeface="Consolas" pitchFamily="49" charset="0"/>
+                <a:cs typeface="Consolas" pitchFamily="49" charset="0"/>
+              </a:rPr>
+              <a:t>              (rest </a:t>
+            </a:r>
+            <a:r>
+              <a:rPr lang="en-US" sz="2400" b="1" dirty="0" err="1">
+                <a:latin typeface="Consolas" pitchFamily="49" charset="0"/>
+                <a:cs typeface="Consolas" pitchFamily="49" charset="0"/>
+              </a:rPr>
+              <a:t>lst</a:t>
+            </a:r>
+            <a:r>
+              <a:rPr lang="en-US" sz="2400" b="1" dirty="0">
+                <a:latin typeface="Consolas" pitchFamily="49" charset="0"/>
+                <a:cs typeface="Consolas" pitchFamily="49" charset="0"/>
+              </a:rPr>
+              <a:t>)))]))</a:t>
+            </a:r>
+          </a:p>
+          <a:p>
+            <a:pPr>
+              <a:buNone/>
+            </a:pPr>
+            <a:endParaRPr lang="en-US" sz="2400" b="1" dirty="0">
+              <a:latin typeface="Courier New" pitchFamily="49" charset="0"/>
+              <a:cs typeface="Courier New" pitchFamily="49" charset="0"/>
+            </a:endParaRPr>
+          </a:p>
+          <a:p>
+            <a:pPr>
+              <a:buNone/>
+            </a:pPr>
+            <a:endParaRPr lang="en-US" sz="2400" b="1" dirty="0">
+              <a:latin typeface="Courier New" pitchFamily="49" charset="0"/>
+              <a:cs typeface="Courier New" pitchFamily="49" charset="0"/>
+            </a:endParaRPr>
           </a:p>
         </p:txBody>
       </p:sp>
@@ -11383,16 +13329,80 @@
           <a:p>
             <a:fld id="{E4A74525-021D-496D-B39D-9668564A137C}" type="slidenum">
               <a:rPr lang="en-US" smtClean="0"/>
-              <a:t>12</a:t>
+              <a:t>18</a:t>
             </a:fld>
             <a:endParaRPr lang="en-US"/>
+          </a:p>
+        </p:txBody>
+      </p:sp>
+      <p:sp>
+        <p:nvSpPr>
+          <p:cNvPr id="5" name="Rectangle 4"/>
+          <p:cNvSpPr/>
+          <p:nvPr/>
+        </p:nvSpPr>
+        <p:spPr>
+          <a:xfrm>
+            <a:off x="2286000" y="5029200"/>
+            <a:ext cx="5105400" cy="762000"/>
+          </a:xfrm>
+          <a:prstGeom prst="rect">
+            <a:avLst/>
+          </a:prstGeom>
+          <a:solidFill>
+            <a:schemeClr val="accent3">
+              <a:lumMod val="40000"/>
+              <a:lumOff val="60000"/>
+            </a:schemeClr>
+          </a:solidFill>
+          <a:ln>
+            <a:noFill/>
+          </a:ln>
+        </p:spPr>
+        <p:style>
+          <a:lnRef idx="2">
+            <a:schemeClr val="accent1"/>
+          </a:lnRef>
+          <a:fillRef idx="1">
+            <a:schemeClr val="lt1"/>
+          </a:fillRef>
+          <a:effectRef idx="0">
+            <a:schemeClr val="accent1"/>
+          </a:effectRef>
+          <a:fontRef idx="minor">
+            <a:schemeClr val="dk1"/>
+          </a:fontRef>
+        </p:style>
+        <p:txBody>
+          <a:bodyPr rot="0" spcFirstLastPara="0" vertOverflow="overflow" horzOverflow="overflow" vert="horz" wrap="square" lIns="91440" tIns="45720" rIns="91440" bIns="45720" numCol="1" spcCol="0" rtlCol="0" fromWordArt="0" anchor="ctr" anchorCtr="0" forceAA="0" compatLnSpc="1">
+            <a:prstTxWarp prst="textNoShape">
+              <a:avLst/>
+            </a:prstTxWarp>
+            <a:noAutofit/>
+          </a:bodyPr>
+          <a:lstStyle/>
+          <a:p>
+            <a:pPr algn="ctr"/>
+            <a:r>
+              <a:rPr lang="en-US" dirty="0">
+                <a:solidFill>
+                  <a:schemeClr val="tx1"/>
+                </a:solidFill>
+              </a:rPr>
+              <a:t>You should be able to guess where this is going...</a:t>
+            </a:r>
+            <a:endParaRPr lang="en-US" b="1" dirty="0">
+              <a:solidFill>
+                <a:schemeClr val="tx1"/>
+              </a:solidFill>
+            </a:endParaRPr>
           </a:p>
         </p:txBody>
       </p:sp>
     </p:spTree>
     <p:extLst>
       <p:ext uri="{BB962C8B-B14F-4D97-AF65-F5344CB8AC3E}">
-        <p14:creationId xmlns:p14="http://schemas.microsoft.com/office/powerpoint/2010/main" val="2954975863"/>
+        <p14:creationId xmlns:p14="http://schemas.microsoft.com/office/powerpoint/2010/main" val="410447606"/>
       </p:ext>
     </p:extLst>
   </p:cSld>
@@ -11402,7 +13412,7 @@
 </p:sld>
 </file>
 
-<file path=ppt/slides/slide13.xml><?xml version="1.0" encoding="utf-8"?>
+<file path=ppt/slides/slide19.xml><?xml version="1.0" encoding="utf-8"?>
 <p:sld xmlns:a="http://schemas.openxmlformats.org/drawingml/2006/main" xmlns:r="http://schemas.openxmlformats.org/officeDocument/2006/relationships" xmlns:p="http://schemas.openxmlformats.org/presentationml/2006/main">
   <p:cSld>
     <p:spTree>
@@ -11421,7 +13431,7 @@
       </p:grpSpPr>
       <p:sp>
         <p:nvSpPr>
-          <p:cNvPr id="4" name="Title 3"/>
+          <p:cNvPr id="2" name="Title 1"/>
           <p:cNvSpPr>
             <a:spLocks noGrp="1"/>
           </p:cNvSpPr>
@@ -11431,14 +13441,12 @@
         </p:nvSpPr>
         <p:spPr/>
         <p:txBody>
-          <a:bodyPr>
-            <a:normAutofit/>
-          </a:bodyPr>
+          <a:bodyPr/>
           <a:lstStyle/>
           <a:p>
             <a:r>
               <a:rPr lang="en-US" dirty="0"/>
-              <a:t>We still need a purpose statement</a:t>
+              <a:t>Let’s generalize!</a:t>
             </a:r>
           </a:p>
         </p:txBody>
@@ -11455,27 +13463,286 @@
         </p:nvSpPr>
         <p:spPr/>
         <p:txBody>
-          <a:bodyPr/>
-          <a:lstStyle/>
-          <a:p>
-            <a:r>
-              <a:rPr lang="en-US" dirty="0"/>
-              <a:t>Let's look at </a:t>
-            </a:r>
-            <a:r>
-              <a:rPr lang="en-US" b="1" dirty="0"/>
-              <a:t>number-list</a:t>
-            </a:r>
-            <a:r>
-              <a:rPr lang="en-US" dirty="0"/>
-              <a:t> again, in a different way that may give us some more insight.</a:t>
-            </a:r>
-          </a:p>
-        </p:txBody>
-      </p:sp>
-      <p:sp>
-        <p:nvSpPr>
-          <p:cNvPr id="2" name="Slide Number Placeholder 1"/>
+          <a:bodyPr>
+            <a:normAutofit fontScale="92500" lnSpcReduction="20000"/>
+          </a:bodyPr>
+          <a:lstStyle/>
+          <a:p>
+            <a:pPr marL="0" indent="0">
+              <a:buNone/>
+            </a:pPr>
+            <a:r>
+              <a:rPr lang="en-US" dirty="0">
+                <a:cs typeface="Consolas" pitchFamily="49" charset="0"/>
+              </a:rPr>
+              <a:t>Add an extra parameter for the current number.</a:t>
+            </a:r>
+          </a:p>
+          <a:p>
+            <a:pPr marL="0" indent="0">
+              <a:buNone/>
+            </a:pPr>
+            <a:r>
+              <a:rPr lang="en-US" sz="2000" b="1" dirty="0">
+                <a:latin typeface="Consolas" pitchFamily="49" charset="0"/>
+                <a:cs typeface="Consolas" pitchFamily="49" charset="0"/>
+              </a:rPr>
+              <a:t>;; number-list-from : XList </a:t>
+            </a:r>
+            <a:r>
+              <a:rPr lang="en-US" sz="2000" b="1" dirty="0" err="1">
+                <a:latin typeface="Consolas" pitchFamily="49" charset="0"/>
+                <a:cs typeface="Consolas" pitchFamily="49" charset="0"/>
+              </a:rPr>
+              <a:t>NonNegInt</a:t>
+            </a:r>
+            <a:r>
+              <a:rPr lang="en-US" sz="2000" b="1" dirty="0">
+                <a:latin typeface="Consolas" pitchFamily="49" charset="0"/>
+                <a:cs typeface="Consolas" pitchFamily="49" charset="0"/>
+              </a:rPr>
+              <a:t>-&gt; </a:t>
+            </a:r>
+            <a:r>
+              <a:rPr lang="en-US" sz="2000" b="1" dirty="0" err="1">
+                <a:latin typeface="Consolas" pitchFamily="49" charset="0"/>
+                <a:cs typeface="Consolas" pitchFamily="49" charset="0"/>
+              </a:rPr>
+              <a:t>NumberedXList</a:t>
+            </a:r>
+            <a:endParaRPr lang="en-US" sz="2000" b="1" dirty="0">
+              <a:latin typeface="Consolas" pitchFamily="49" charset="0"/>
+              <a:cs typeface="Consolas" pitchFamily="49" charset="0"/>
+            </a:endParaRPr>
+          </a:p>
+          <a:p>
+            <a:pPr marL="0" indent="0">
+              <a:buNone/>
+            </a:pPr>
+            <a:r>
+              <a:rPr lang="en-US" sz="2000" b="1" dirty="0">
+                <a:latin typeface="Consolas" pitchFamily="49" charset="0"/>
+                <a:cs typeface="Consolas" pitchFamily="49" charset="0"/>
+              </a:rPr>
+              <a:t>;; EXAMPLE: (number-list-from (list 88 77) 2) </a:t>
+            </a:r>
+          </a:p>
+          <a:p>
+            <a:pPr marL="0" indent="0">
+              <a:buNone/>
+            </a:pPr>
+            <a:r>
+              <a:rPr lang="en-US" sz="2000" b="1" dirty="0">
+                <a:latin typeface="Consolas" pitchFamily="49" charset="0"/>
+                <a:cs typeface="Consolas" pitchFamily="49" charset="0"/>
+              </a:rPr>
+              <a:t>;;          = (list (list 2 88) (list 3 77))</a:t>
+            </a:r>
+          </a:p>
+          <a:p>
+            <a:pPr marL="0" indent="0">
+              <a:buNone/>
+            </a:pPr>
+            <a:endParaRPr lang="en-US" sz="2000" b="1" dirty="0">
+              <a:latin typeface="Consolas" pitchFamily="49" charset="0"/>
+              <a:cs typeface="Consolas" pitchFamily="49" charset="0"/>
+            </a:endParaRPr>
+          </a:p>
+          <a:p>
+            <a:pPr marL="0" indent="0">
+              <a:spcBef>
+                <a:spcPts val="0"/>
+              </a:spcBef>
+              <a:buNone/>
+            </a:pPr>
+            <a:r>
+              <a:rPr lang="en-US" sz="2000" b="1" dirty="0">
+                <a:latin typeface="Consolas" pitchFamily="49" charset="0"/>
+                <a:cs typeface="Consolas" pitchFamily="49" charset="0"/>
+              </a:rPr>
+              <a:t>;; STRATEGY: Use observer template for XList on </a:t>
+            </a:r>
+            <a:r>
+              <a:rPr lang="en-US" sz="2000" b="1" dirty="0" err="1">
+                <a:latin typeface="Consolas" pitchFamily="49" charset="0"/>
+                <a:cs typeface="Consolas" pitchFamily="49" charset="0"/>
+              </a:rPr>
+              <a:t>lst</a:t>
+            </a:r>
+            <a:endParaRPr lang="en-US" sz="2000" b="1" dirty="0">
+              <a:latin typeface="Consolas" pitchFamily="49" charset="0"/>
+              <a:cs typeface="Consolas" pitchFamily="49" charset="0"/>
+            </a:endParaRPr>
+          </a:p>
+          <a:p>
+            <a:pPr marL="0" indent="0">
+              <a:buNone/>
+            </a:pPr>
+            <a:r>
+              <a:rPr lang="en-US" sz="2000" b="1" dirty="0">
+                <a:latin typeface="Consolas" pitchFamily="49" charset="0"/>
+                <a:cs typeface="Consolas" pitchFamily="49" charset="0"/>
+              </a:rPr>
+              <a:t>(define (number-list-from </a:t>
+            </a:r>
+            <a:r>
+              <a:rPr lang="en-US" sz="2000" b="1" dirty="0" err="1">
+                <a:latin typeface="Consolas" pitchFamily="49" charset="0"/>
+                <a:cs typeface="Consolas" pitchFamily="49" charset="0"/>
+              </a:rPr>
+              <a:t>lst</a:t>
+            </a:r>
+            <a:r>
+              <a:rPr lang="en-US" sz="2000" b="1" dirty="0">
+                <a:latin typeface="Consolas" pitchFamily="49" charset="0"/>
+                <a:cs typeface="Consolas" pitchFamily="49" charset="0"/>
+              </a:rPr>
+              <a:t> n)</a:t>
+            </a:r>
+          </a:p>
+          <a:p>
+            <a:pPr marL="0" indent="0">
+              <a:buNone/>
+            </a:pPr>
+            <a:r>
+              <a:rPr lang="en-US" sz="2000" b="1" dirty="0">
+                <a:latin typeface="Consolas" pitchFamily="49" charset="0"/>
+                <a:cs typeface="Consolas" pitchFamily="49" charset="0"/>
+              </a:rPr>
+              <a:t>  (cond</a:t>
+            </a:r>
+          </a:p>
+          <a:p>
+            <a:pPr marL="0" indent="0">
+              <a:buNone/>
+            </a:pPr>
+            <a:r>
+              <a:rPr lang="en-US" sz="2000" b="1" dirty="0">
+                <a:latin typeface="Consolas" pitchFamily="49" charset="0"/>
+                <a:cs typeface="Consolas" pitchFamily="49" charset="0"/>
+              </a:rPr>
+              <a:t>    [(empty? </a:t>
+            </a:r>
+            <a:r>
+              <a:rPr lang="en-US" sz="2000" b="1" dirty="0" err="1">
+                <a:latin typeface="Consolas" pitchFamily="49" charset="0"/>
+                <a:cs typeface="Consolas" pitchFamily="49" charset="0"/>
+              </a:rPr>
+              <a:t>lst</a:t>
+            </a:r>
+            <a:r>
+              <a:rPr lang="en-US" sz="2000" b="1" dirty="0">
+                <a:latin typeface="Consolas" pitchFamily="49" charset="0"/>
+                <a:cs typeface="Consolas" pitchFamily="49" charset="0"/>
+              </a:rPr>
+              <a:t>) empty]</a:t>
+            </a:r>
+          </a:p>
+          <a:p>
+            <a:pPr marL="0" indent="0">
+              <a:buNone/>
+            </a:pPr>
+            <a:r>
+              <a:rPr lang="en-US" sz="2000" b="1" dirty="0">
+                <a:latin typeface="Consolas" pitchFamily="49" charset="0"/>
+                <a:cs typeface="Consolas" pitchFamily="49" charset="0"/>
+              </a:rPr>
+              <a:t>    [else</a:t>
+            </a:r>
+          </a:p>
+          <a:p>
+            <a:pPr marL="0" indent="0">
+              <a:buNone/>
+            </a:pPr>
+            <a:r>
+              <a:rPr lang="en-US" sz="2000" b="1" dirty="0">
+                <a:latin typeface="Consolas" pitchFamily="49" charset="0"/>
+                <a:cs typeface="Consolas" pitchFamily="49" charset="0"/>
+              </a:rPr>
+              <a:t>      (cons</a:t>
+            </a:r>
+          </a:p>
+          <a:p>
+            <a:pPr marL="0" indent="0">
+              <a:buNone/>
+            </a:pPr>
+            <a:r>
+              <a:rPr lang="en-US" sz="2000" b="1" dirty="0">
+                <a:latin typeface="Consolas" pitchFamily="49" charset="0"/>
+                <a:cs typeface="Consolas" pitchFamily="49" charset="0"/>
+              </a:rPr>
+              <a:t>        (list n (first </a:t>
+            </a:r>
+            <a:r>
+              <a:rPr lang="en-US" sz="2000" b="1" dirty="0" err="1">
+                <a:latin typeface="Consolas" pitchFamily="49" charset="0"/>
+                <a:cs typeface="Consolas" pitchFamily="49" charset="0"/>
+              </a:rPr>
+              <a:t>lst</a:t>
+            </a:r>
+            <a:r>
+              <a:rPr lang="en-US" sz="2000" b="1" dirty="0">
+                <a:latin typeface="Consolas" pitchFamily="49" charset="0"/>
+                <a:cs typeface="Consolas" pitchFamily="49" charset="0"/>
+              </a:rPr>
+              <a:t>))</a:t>
+            </a:r>
+          </a:p>
+          <a:p>
+            <a:pPr marL="0" indent="0">
+              <a:buNone/>
+            </a:pPr>
+            <a:r>
+              <a:rPr lang="en-US" sz="2000" b="1" dirty="0">
+                <a:latin typeface="Consolas" pitchFamily="49" charset="0"/>
+                <a:cs typeface="Consolas" pitchFamily="49" charset="0"/>
+              </a:rPr>
+              <a:t>        (number-list-from</a:t>
+            </a:r>
+          </a:p>
+          <a:p>
+            <a:pPr marL="0" indent="0">
+              <a:buNone/>
+            </a:pPr>
+            <a:r>
+              <a:rPr lang="en-US" sz="2000" b="1" dirty="0">
+                <a:latin typeface="Consolas" pitchFamily="49" charset="0"/>
+                <a:cs typeface="Consolas" pitchFamily="49" charset="0"/>
+              </a:rPr>
+              <a:t>          (rest </a:t>
+            </a:r>
+            <a:r>
+              <a:rPr lang="en-US" sz="2000" b="1" dirty="0" err="1">
+                <a:latin typeface="Consolas" pitchFamily="49" charset="0"/>
+                <a:cs typeface="Consolas" pitchFamily="49" charset="0"/>
+              </a:rPr>
+              <a:t>lst</a:t>
+            </a:r>
+            <a:r>
+              <a:rPr lang="en-US" sz="2000" b="1" dirty="0">
+                <a:latin typeface="Consolas" pitchFamily="49" charset="0"/>
+                <a:cs typeface="Consolas" pitchFamily="49" charset="0"/>
+              </a:rPr>
+              <a:t>)</a:t>
+            </a:r>
+          </a:p>
+          <a:p>
+            <a:pPr marL="0" indent="0">
+              <a:buNone/>
+            </a:pPr>
+            <a:r>
+              <a:rPr lang="en-US" sz="2000" b="1" dirty="0">
+                <a:latin typeface="Consolas" pitchFamily="49" charset="0"/>
+                <a:cs typeface="Consolas" pitchFamily="49" charset="0"/>
+              </a:rPr>
+              <a:t>          (+ n 1)))]))</a:t>
+            </a:r>
+          </a:p>
+        </p:txBody>
+      </p:sp>
+      <p:sp>
+        <p:nvSpPr>
+          <p:cNvPr id="4" name="Slide Number Placeholder 3"/>
           <p:cNvSpPr>
             <a:spLocks noGrp="1"/>
           </p:cNvSpPr>
@@ -11488,31 +13755,18 @@
           <a:bodyPr/>
           <a:lstStyle/>
           <a:p>
-            <a:fld id="{9F4492BD-6A9C-48FC-AC76-0B4FE11194A1}" type="slidenum">
-              <a:rPr lang="en-US" smtClean="0">
-                <a:solidFill>
-                  <a:prstClr val="black">
-                    <a:tint val="75000"/>
-                  </a:prstClr>
-                </a:solidFill>
-              </a:rPr>
-              <a:pPr/>
-              <a:t>13</a:t>
+            <a:fld id="{E4A74525-021D-496D-B39D-9668564A137C}" type="slidenum">
+              <a:rPr lang="en-US" smtClean="0"/>
+              <a:t>19</a:t>
             </a:fld>
-            <a:endParaRPr lang="en-US">
-              <a:solidFill>
-                <a:prstClr val="black">
-                  <a:tint val="75000"/>
-                </a:prstClr>
-              </a:solidFill>
-            </a:endParaRPr>
+            <a:endParaRPr lang="en-US"/>
           </a:p>
         </p:txBody>
       </p:sp>
     </p:spTree>
     <p:extLst>
       <p:ext uri="{BB962C8B-B14F-4D97-AF65-F5344CB8AC3E}">
-        <p14:creationId xmlns:p14="http://schemas.microsoft.com/office/powerpoint/2010/main" val="2283774953"/>
+        <p14:creationId xmlns:p14="http://schemas.microsoft.com/office/powerpoint/2010/main" val="3931178643"/>
       </p:ext>
     </p:extLst>
   </p:cSld>
@@ -11522,7 +13776,7 @@
 </p:sld>
 </file>
 
-<file path=ppt/slides/slide14.xml><?xml version="1.0" encoding="utf-8"?>
+<file path=ppt/slides/slide2.xml><?xml version="1.0" encoding="utf-8"?>
 <p:sld xmlns:a="http://schemas.openxmlformats.org/drawingml/2006/main" xmlns:r="http://schemas.openxmlformats.org/officeDocument/2006/relationships" xmlns:p="http://schemas.openxmlformats.org/presentationml/2006/main">
   <p:cSld>
     <p:spTree>
@@ -11556,7 +13810,7 @@
           <a:p>
             <a:r>
               <a:rPr lang="en-US" dirty="0"/>
-              <a:t>Let’s watch this work</a:t>
+              <a:t>Module Introduction</a:t>
             </a:r>
           </a:p>
         </p:txBody>
@@ -11571,264 +13825,46 @@
             <p:ph idx="1"/>
           </p:nvPr>
         </p:nvSpPr>
-        <p:spPr>
-          <a:xfrm>
-            <a:off x="457200" y="1600200"/>
-            <a:ext cx="8229600" cy="5257800"/>
-          </a:xfrm>
-        </p:spPr>
+        <p:spPr/>
         <p:txBody>
           <a:bodyPr>
-            <a:normAutofit fontScale="70000" lnSpcReduction="20000"/>
+            <a:normAutofit/>
           </a:bodyPr>
           <a:lstStyle/>
           <a:p>
-            <a:pPr marL="0" indent="0">
-              <a:buNone/>
-            </a:pPr>
-            <a:r>
-              <a:rPr lang="en-US" b="1" dirty="0">
-                <a:latin typeface="Consolas" pitchFamily="49" charset="0"/>
-                <a:cs typeface="Consolas" pitchFamily="49" charset="0"/>
-              </a:rPr>
-              <a:t>(number-list (list 11 22 33))</a:t>
-            </a:r>
-          </a:p>
-          <a:p>
-            <a:pPr marL="0" indent="0">
-              <a:buNone/>
-            </a:pPr>
-            <a:r>
-              <a:rPr lang="en-US" b="1" dirty="0">
-                <a:latin typeface="Consolas" pitchFamily="49" charset="0"/>
-                <a:cs typeface="Consolas" pitchFamily="49" charset="0"/>
-              </a:rPr>
-              <a:t>= (number-list-from </a:t>
-            </a:r>
-            <a:r>
-              <a:rPr lang="en-US" b="1" dirty="0">
+            <a:r>
+              <a:rPr lang="en-US" dirty="0"/>
+              <a:t>We introduce </a:t>
+            </a:r>
+            <a:r>
+              <a:rPr lang="en-US" i="1" dirty="0">
                 <a:solidFill>
                   <a:srgbClr val="FF0000"/>
                 </a:solidFill>
-                <a:latin typeface="Consolas" pitchFamily="49" charset="0"/>
-                <a:cs typeface="Consolas" pitchFamily="49" charset="0"/>
-              </a:rPr>
-              <a:t>(list 11 22 33) 1</a:t>
-            </a:r>
-            <a:r>
-              <a:rPr lang="en-US" b="1" dirty="0">
-                <a:latin typeface="Consolas" pitchFamily="49" charset="0"/>
-                <a:cs typeface="Consolas" pitchFamily="49" charset="0"/>
-              </a:rPr>
-              <a:t>)</a:t>
-            </a:r>
-          </a:p>
-          <a:p>
-            <a:pPr marL="0" indent="0">
-              <a:buNone/>
-            </a:pPr>
-            <a:r>
-              <a:rPr lang="en-US" b="1" dirty="0">
-                <a:latin typeface="Consolas" pitchFamily="49" charset="0"/>
-                <a:cs typeface="Consolas" pitchFamily="49" charset="0"/>
-              </a:rPr>
-              <a:t>= (cons (list 1 11)</a:t>
-            </a:r>
-          </a:p>
-          <a:p>
-            <a:pPr marL="0" indent="0">
-              <a:buNone/>
-            </a:pPr>
-            <a:r>
-              <a:rPr lang="en-US" b="1" dirty="0">
-                <a:latin typeface="Consolas" pitchFamily="49" charset="0"/>
-                <a:cs typeface="Consolas" pitchFamily="49" charset="0"/>
-              </a:rPr>
-              <a:t>    (number-list-from </a:t>
-            </a:r>
-            <a:r>
-              <a:rPr lang="en-US" b="1" dirty="0">
+              </a:rPr>
+              <a:t>invariants</a:t>
+            </a:r>
+            <a:r>
+              <a:rPr lang="en-US" dirty="0">
                 <a:solidFill>
                   <a:srgbClr val="FF0000"/>
                 </a:solidFill>
-                <a:latin typeface="Consolas" pitchFamily="49" charset="0"/>
-                <a:cs typeface="Consolas" pitchFamily="49" charset="0"/>
-              </a:rPr>
-              <a:t>(list 22 33) 2</a:t>
-            </a:r>
-            <a:r>
-              <a:rPr lang="en-US" b="1" dirty="0">
-                <a:latin typeface="Consolas" pitchFamily="49" charset="0"/>
-                <a:cs typeface="Consolas" pitchFamily="49" charset="0"/>
-              </a:rPr>
-              <a:t>)</a:t>
-            </a:r>
-          </a:p>
-          <a:p>
-            <a:pPr marL="0" indent="0">
-              <a:buNone/>
-            </a:pPr>
-            <a:r>
-              <a:rPr lang="en-US" b="1" dirty="0">
-                <a:latin typeface="Consolas" pitchFamily="49" charset="0"/>
-                <a:cs typeface="Consolas" pitchFamily="49" charset="0"/>
-              </a:rPr>
-              <a:t>= (cons (list 1 11)</a:t>
-            </a:r>
-          </a:p>
-          <a:p>
-            <a:pPr marL="0" indent="0">
-              <a:buNone/>
-            </a:pPr>
-            <a:r>
-              <a:rPr lang="en-US" b="1" dirty="0">
-                <a:latin typeface="Consolas" pitchFamily="49" charset="0"/>
-                <a:cs typeface="Consolas" pitchFamily="49" charset="0"/>
-              </a:rPr>
-              <a:t>    (cons (list 2 22)</a:t>
-            </a:r>
-          </a:p>
-          <a:p>
-            <a:pPr marL="0" indent="0">
-              <a:buNone/>
-            </a:pPr>
-            <a:r>
-              <a:rPr lang="en-US" b="1" dirty="0">
-                <a:latin typeface="Consolas" pitchFamily="49" charset="0"/>
-                <a:cs typeface="Consolas" pitchFamily="49" charset="0"/>
-              </a:rPr>
-              <a:t>      (number-list-from </a:t>
-            </a:r>
-            <a:r>
-              <a:rPr lang="en-US" b="1" dirty="0">
-                <a:solidFill>
-                  <a:srgbClr val="FF0000"/>
-                </a:solidFill>
-                <a:latin typeface="Consolas" pitchFamily="49" charset="0"/>
-                <a:cs typeface="Consolas" pitchFamily="49" charset="0"/>
-              </a:rPr>
-              <a:t>(list 33) 3</a:t>
-            </a:r>
-            <a:r>
-              <a:rPr lang="en-US" b="1" dirty="0">
-                <a:latin typeface="Consolas" pitchFamily="49" charset="0"/>
-                <a:cs typeface="Consolas" pitchFamily="49" charset="0"/>
-              </a:rPr>
-              <a:t>)))</a:t>
-            </a:r>
-          </a:p>
-          <a:p>
-            <a:pPr marL="0" indent="0">
-              <a:buNone/>
-            </a:pPr>
-            <a:r>
-              <a:rPr lang="en-US" b="1" dirty="0">
-                <a:latin typeface="Consolas" pitchFamily="49" charset="0"/>
-                <a:cs typeface="Consolas" pitchFamily="49" charset="0"/>
-              </a:rPr>
-              <a:t>= (cons (list 1 11)</a:t>
-            </a:r>
-          </a:p>
-          <a:p>
-            <a:pPr marL="0" indent="0">
-              <a:buNone/>
-            </a:pPr>
-            <a:r>
-              <a:rPr lang="en-US" b="1" dirty="0">
-                <a:latin typeface="Consolas" pitchFamily="49" charset="0"/>
-                <a:cs typeface="Consolas" pitchFamily="49" charset="0"/>
-              </a:rPr>
-              <a:t>    (cons (list 2 22)</a:t>
-            </a:r>
-          </a:p>
-          <a:p>
-            <a:pPr marL="0" indent="0">
-              <a:buNone/>
-            </a:pPr>
-            <a:r>
-              <a:rPr lang="en-US" b="1" dirty="0">
-                <a:latin typeface="Consolas" pitchFamily="49" charset="0"/>
-                <a:cs typeface="Consolas" pitchFamily="49" charset="0"/>
-              </a:rPr>
-              <a:t>      (cons (list 3 33)</a:t>
-            </a:r>
-          </a:p>
-          <a:p>
-            <a:pPr marL="0" indent="0">
-              <a:buNone/>
-            </a:pPr>
-            <a:r>
-              <a:rPr lang="en-US" b="1" dirty="0">
-                <a:latin typeface="Consolas" pitchFamily="49" charset="0"/>
-                <a:cs typeface="Consolas" pitchFamily="49" charset="0"/>
-              </a:rPr>
-              <a:t>        (number-list-from </a:t>
-            </a:r>
-            <a:r>
-              <a:rPr lang="en-US" b="1" dirty="0">
-                <a:solidFill>
-                  <a:srgbClr val="FF0000"/>
-                </a:solidFill>
-                <a:latin typeface="Consolas" pitchFamily="49" charset="0"/>
-                <a:cs typeface="Consolas" pitchFamily="49" charset="0"/>
-              </a:rPr>
-              <a:t>empty 4</a:t>
-            </a:r>
-            <a:r>
-              <a:rPr lang="en-US" b="1" dirty="0">
-                <a:latin typeface="Consolas" pitchFamily="49" charset="0"/>
-                <a:cs typeface="Consolas" pitchFamily="49" charset="0"/>
-              </a:rPr>
-              <a:t>)))</a:t>
-            </a:r>
-          </a:p>
-          <a:p>
-            <a:pPr marL="0" indent="0">
-              <a:buNone/>
-            </a:pPr>
-            <a:r>
-              <a:rPr lang="en-US" b="1" dirty="0">
-                <a:latin typeface="Consolas" pitchFamily="49" charset="0"/>
-                <a:cs typeface="Consolas" pitchFamily="49" charset="0"/>
-              </a:rPr>
-              <a:t>= (cons (list 1 11)</a:t>
-            </a:r>
-          </a:p>
-          <a:p>
-            <a:pPr marL="0" indent="0">
-              <a:buNone/>
-            </a:pPr>
-            <a:r>
-              <a:rPr lang="en-US" b="1" dirty="0">
-                <a:latin typeface="Consolas" pitchFamily="49" charset="0"/>
-                <a:cs typeface="Consolas" pitchFamily="49" charset="0"/>
-              </a:rPr>
-              <a:t>    (cons (list 2 22)</a:t>
-            </a:r>
-          </a:p>
-          <a:p>
-            <a:pPr marL="0" indent="0">
-              <a:buNone/>
-            </a:pPr>
-            <a:r>
-              <a:rPr lang="en-US" b="1" dirty="0">
-                <a:latin typeface="Consolas" pitchFamily="49" charset="0"/>
-                <a:cs typeface="Consolas" pitchFamily="49" charset="0"/>
-              </a:rPr>
-              <a:t>      (cons (list 3 33)</a:t>
-            </a:r>
-          </a:p>
-          <a:p>
-            <a:pPr marL="0" indent="0">
-              <a:buNone/>
-            </a:pPr>
-            <a:r>
-              <a:rPr lang="en-US" b="1" dirty="0">
-                <a:latin typeface="Consolas" pitchFamily="49" charset="0"/>
-                <a:cs typeface="Consolas" pitchFamily="49" charset="0"/>
-              </a:rPr>
-              <a:t>        empty)))</a:t>
-            </a:r>
+              </a:rPr>
+              <a:t> </a:t>
+            </a:r>
+            <a:r>
+              <a:rPr lang="en-US" dirty="0"/>
+              <a:t>as a way of recording the assumptions that a function makes about its arguments.</a:t>
+            </a:r>
+          </a:p>
+          <a:p>
+            <a:r>
+              <a:rPr lang="en-US" dirty="0"/>
+              <a:t>Invariants divide the responsibility for guaranteeing the truth of these assumptions between the function and its callers.</a:t>
+            </a:r>
+          </a:p>
+          <a:p>
+            <a:endParaRPr lang="en-US" dirty="0"/>
           </a:p>
         </p:txBody>
       </p:sp>
@@ -11847,6 +13883,305 @@
           <a:bodyPr/>
           <a:lstStyle/>
           <a:p>
+            <a:fld id="{E4A74525-021D-496D-B39D-9668564A137C}" type="slidenum">
+              <a:rPr lang="en-US" smtClean="0"/>
+              <a:t>2</a:t>
+            </a:fld>
+            <a:endParaRPr lang="en-US"/>
+          </a:p>
+        </p:txBody>
+      </p:sp>
+    </p:spTree>
+    <p:extLst>
+      <p:ext uri="{BB962C8B-B14F-4D97-AF65-F5344CB8AC3E}">
+        <p14:creationId xmlns:p14="http://schemas.microsoft.com/office/powerpoint/2010/main" val="200566574"/>
+      </p:ext>
+    </p:extLst>
+  </p:cSld>
+  <p:clrMapOvr>
+    <a:masterClrMapping/>
+  </p:clrMapOvr>
+</p:sld>
+</file>
+
+<file path=ppt/slides/slide20.xml><?xml version="1.0" encoding="utf-8"?>
+<p:sld xmlns:a="http://schemas.openxmlformats.org/drawingml/2006/main" xmlns:r="http://schemas.openxmlformats.org/officeDocument/2006/relationships" xmlns:p="http://schemas.openxmlformats.org/presentationml/2006/main">
+  <p:cSld>
+    <p:spTree>
+      <p:nvGrpSpPr>
+        <p:cNvPr id="1" name=""/>
+        <p:cNvGrpSpPr/>
+        <p:nvPr/>
+      </p:nvGrpSpPr>
+      <p:grpSpPr>
+        <a:xfrm>
+          <a:off x="0" y="0"/>
+          <a:ext cx="0" cy="0"/>
+          <a:chOff x="0" y="0"/>
+          <a:chExt cx="0" cy="0"/>
+        </a:xfrm>
+      </p:grpSpPr>
+      <p:sp>
+        <p:nvSpPr>
+          <p:cNvPr id="2" name="Title 1"/>
+          <p:cNvSpPr>
+            <a:spLocks noGrp="1"/>
+          </p:cNvSpPr>
+          <p:nvPr>
+            <p:ph type="title"/>
+          </p:nvPr>
+        </p:nvSpPr>
+        <p:spPr/>
+        <p:txBody>
+          <a:bodyPr>
+            <a:normAutofit/>
+          </a:bodyPr>
+          <a:lstStyle/>
+          <a:p>
+            <a:r>
+              <a:rPr lang="en-US" dirty="0"/>
+              <a:t>And we can recover the original</a:t>
+            </a:r>
+          </a:p>
+        </p:txBody>
+      </p:sp>
+      <p:sp>
+        <p:nvSpPr>
+          <p:cNvPr id="3" name="Content Placeholder 2"/>
+          <p:cNvSpPr>
+            <a:spLocks noGrp="1"/>
+          </p:cNvSpPr>
+          <p:nvPr>
+            <p:ph idx="1"/>
+          </p:nvPr>
+        </p:nvSpPr>
+        <p:spPr>
+          <a:xfrm>
+            <a:off x="457200" y="1600200"/>
+            <a:ext cx="8229600" cy="4525963"/>
+          </a:xfrm>
+        </p:spPr>
+        <p:txBody>
+          <a:bodyPr/>
+          <a:lstStyle/>
+          <a:p>
+            <a:pPr marL="0" indent="0">
+              <a:spcBef>
+                <a:spcPts val="0"/>
+              </a:spcBef>
+              <a:buNone/>
+            </a:pPr>
+            <a:r>
+              <a:rPr lang="en-US" b="1" dirty="0">
+                <a:latin typeface="Consolas" pitchFamily="49" charset="0"/>
+                <a:cs typeface="Consolas" pitchFamily="49" charset="0"/>
+              </a:rPr>
+              <a:t>;; STRATEGY: </a:t>
+            </a:r>
+          </a:p>
+          <a:p>
+            <a:pPr marL="0" indent="0">
+              <a:spcBef>
+                <a:spcPts val="0"/>
+              </a:spcBef>
+              <a:buNone/>
+            </a:pPr>
+            <a:r>
+              <a:rPr lang="en-US" b="1" dirty="0">
+                <a:latin typeface="Consolas" pitchFamily="49" charset="0"/>
+                <a:cs typeface="Consolas" pitchFamily="49" charset="0"/>
+              </a:rPr>
+              <a:t>;; Call a more general function</a:t>
+            </a:r>
+          </a:p>
+          <a:p>
+            <a:pPr marL="0" indent="0">
+              <a:spcBef>
+                <a:spcPts val="0"/>
+              </a:spcBef>
+              <a:buNone/>
+            </a:pPr>
+            <a:endParaRPr lang="en-US" b="1" dirty="0">
+              <a:latin typeface="Consolas" pitchFamily="49" charset="0"/>
+              <a:cs typeface="Consolas" pitchFamily="49" charset="0"/>
+            </a:endParaRPr>
+          </a:p>
+          <a:p>
+            <a:pPr marL="0" indent="0">
+              <a:buNone/>
+            </a:pPr>
+            <a:r>
+              <a:rPr lang="en-US" b="1" dirty="0">
+                <a:latin typeface="Consolas" pitchFamily="49" charset="0"/>
+                <a:cs typeface="Consolas" pitchFamily="49" charset="0"/>
+              </a:rPr>
+              <a:t>(define (number-list </a:t>
+            </a:r>
+            <a:r>
+              <a:rPr lang="en-US" b="1" dirty="0" err="1">
+                <a:latin typeface="Consolas" pitchFamily="49" charset="0"/>
+                <a:cs typeface="Consolas" pitchFamily="49" charset="0"/>
+              </a:rPr>
+              <a:t>lst</a:t>
+            </a:r>
+            <a:r>
+              <a:rPr lang="en-US" b="1" dirty="0">
+                <a:latin typeface="Consolas" pitchFamily="49" charset="0"/>
+                <a:cs typeface="Consolas" pitchFamily="49" charset="0"/>
+              </a:rPr>
+              <a:t>)</a:t>
+            </a:r>
+          </a:p>
+          <a:p>
+            <a:pPr marL="0" indent="0">
+              <a:buNone/>
+            </a:pPr>
+            <a:r>
+              <a:rPr lang="en-US" b="1" dirty="0">
+                <a:latin typeface="Consolas" pitchFamily="49" charset="0"/>
+                <a:cs typeface="Consolas" pitchFamily="49" charset="0"/>
+              </a:rPr>
+              <a:t>  (number-list-from </a:t>
+            </a:r>
+            <a:r>
+              <a:rPr lang="en-US" b="1" dirty="0" err="1">
+                <a:latin typeface="Consolas" pitchFamily="49" charset="0"/>
+                <a:cs typeface="Consolas" pitchFamily="49" charset="0"/>
+              </a:rPr>
+              <a:t>lst</a:t>
+            </a:r>
+            <a:r>
+              <a:rPr lang="en-US" b="1" dirty="0">
+                <a:latin typeface="Consolas" pitchFamily="49" charset="0"/>
+                <a:cs typeface="Consolas" pitchFamily="49" charset="0"/>
+              </a:rPr>
+              <a:t> 1))</a:t>
+            </a:r>
+          </a:p>
+        </p:txBody>
+      </p:sp>
+      <p:sp>
+        <p:nvSpPr>
+          <p:cNvPr id="4" name="Slide Number Placeholder 3"/>
+          <p:cNvSpPr>
+            <a:spLocks noGrp="1"/>
+          </p:cNvSpPr>
+          <p:nvPr>
+            <p:ph type="sldNum" sz="quarter" idx="12"/>
+          </p:nvPr>
+        </p:nvSpPr>
+        <p:spPr/>
+        <p:txBody>
+          <a:bodyPr/>
+          <a:lstStyle/>
+          <a:p>
+            <a:fld id="{E4A74525-021D-496D-B39D-9668564A137C}" type="slidenum">
+              <a:rPr lang="en-US" smtClean="0"/>
+              <a:t>20</a:t>
+            </a:fld>
+            <a:endParaRPr lang="en-US"/>
+          </a:p>
+        </p:txBody>
+      </p:sp>
+    </p:spTree>
+    <p:extLst>
+      <p:ext uri="{BB962C8B-B14F-4D97-AF65-F5344CB8AC3E}">
+        <p14:creationId xmlns:p14="http://schemas.microsoft.com/office/powerpoint/2010/main" val="2954975863"/>
+      </p:ext>
+    </p:extLst>
+  </p:cSld>
+  <p:clrMapOvr>
+    <a:masterClrMapping/>
+  </p:clrMapOvr>
+</p:sld>
+</file>
+
+<file path=ppt/slides/slide21.xml><?xml version="1.0" encoding="utf-8"?>
+<p:sld xmlns:a="http://schemas.openxmlformats.org/drawingml/2006/main" xmlns:r="http://schemas.openxmlformats.org/officeDocument/2006/relationships" xmlns:p="http://schemas.openxmlformats.org/presentationml/2006/main">
+  <p:cSld>
+    <p:spTree>
+      <p:nvGrpSpPr>
+        <p:cNvPr id="1" name=""/>
+        <p:cNvGrpSpPr/>
+        <p:nvPr/>
+      </p:nvGrpSpPr>
+      <p:grpSpPr>
+        <a:xfrm>
+          <a:off x="0" y="0"/>
+          <a:ext cx="0" cy="0"/>
+          <a:chOff x="0" y="0"/>
+          <a:chExt cx="0" cy="0"/>
+        </a:xfrm>
+      </p:grpSpPr>
+      <p:sp>
+        <p:nvSpPr>
+          <p:cNvPr id="4" name="Title 3"/>
+          <p:cNvSpPr>
+            <a:spLocks noGrp="1"/>
+          </p:cNvSpPr>
+          <p:nvPr>
+            <p:ph type="title"/>
+          </p:nvPr>
+        </p:nvSpPr>
+        <p:spPr/>
+        <p:txBody>
+          <a:bodyPr>
+            <a:normAutofit/>
+          </a:bodyPr>
+          <a:lstStyle/>
+          <a:p>
+            <a:r>
+              <a:rPr lang="en-US" dirty="0"/>
+              <a:t>We still need a purpose statement</a:t>
+            </a:r>
+          </a:p>
+        </p:txBody>
+      </p:sp>
+      <p:sp>
+        <p:nvSpPr>
+          <p:cNvPr id="3" name="Content Placeholder 2"/>
+          <p:cNvSpPr>
+            <a:spLocks noGrp="1"/>
+          </p:cNvSpPr>
+          <p:nvPr>
+            <p:ph idx="1"/>
+          </p:nvPr>
+        </p:nvSpPr>
+        <p:spPr/>
+        <p:txBody>
+          <a:bodyPr/>
+          <a:lstStyle/>
+          <a:p>
+            <a:r>
+              <a:rPr lang="en-US" dirty="0"/>
+              <a:t>Let's look at </a:t>
+            </a:r>
+            <a:r>
+              <a:rPr lang="en-US" b="1" dirty="0"/>
+              <a:t>number-list</a:t>
+            </a:r>
+            <a:r>
+              <a:rPr lang="en-US" dirty="0"/>
+              <a:t> again, in a different way that may give us some more insight.</a:t>
+            </a:r>
+          </a:p>
+        </p:txBody>
+      </p:sp>
+      <p:sp>
+        <p:nvSpPr>
+          <p:cNvPr id="2" name="Slide Number Placeholder 1"/>
+          <p:cNvSpPr>
+            <a:spLocks noGrp="1"/>
+          </p:cNvSpPr>
+          <p:nvPr>
+            <p:ph type="sldNum" sz="quarter" idx="12"/>
+          </p:nvPr>
+        </p:nvSpPr>
+        <p:spPr/>
+        <p:txBody>
+          <a:bodyPr/>
+          <a:lstStyle/>
+          <a:p>
             <a:fld id="{9F4492BD-6A9C-48FC-AC76-0B4FE11194A1}" type="slidenum">
               <a:rPr lang="en-US" smtClean="0">
                 <a:solidFill>
@@ -11856,7 +14191,366 @@
                 </a:solidFill>
               </a:rPr>
               <a:pPr/>
-              <a:t>14</a:t>
+              <a:t>21</a:t>
+            </a:fld>
+            <a:endParaRPr lang="en-US">
+              <a:solidFill>
+                <a:prstClr val="black">
+                  <a:tint val="75000"/>
+                </a:prstClr>
+              </a:solidFill>
+            </a:endParaRPr>
+          </a:p>
+        </p:txBody>
+      </p:sp>
+    </p:spTree>
+    <p:extLst>
+      <p:ext uri="{BB962C8B-B14F-4D97-AF65-F5344CB8AC3E}">
+        <p14:creationId xmlns:p14="http://schemas.microsoft.com/office/powerpoint/2010/main" val="2283774953"/>
+      </p:ext>
+    </p:extLst>
+  </p:cSld>
+  <p:clrMapOvr>
+    <a:masterClrMapping/>
+  </p:clrMapOvr>
+</p:sld>
+</file>
+
+<file path=ppt/slides/slide22.xml><?xml version="1.0" encoding="utf-8"?>
+<p:sld xmlns:a="http://schemas.openxmlformats.org/drawingml/2006/main" xmlns:r="http://schemas.openxmlformats.org/officeDocument/2006/relationships" xmlns:p="http://schemas.openxmlformats.org/presentationml/2006/main">
+  <p:cSld>
+    <p:spTree>
+      <p:nvGrpSpPr>
+        <p:cNvPr id="1" name=""/>
+        <p:cNvGrpSpPr/>
+        <p:nvPr/>
+      </p:nvGrpSpPr>
+      <p:grpSpPr>
+        <a:xfrm>
+          <a:off x="0" y="0"/>
+          <a:ext cx="0" cy="0"/>
+          <a:chOff x="0" y="0"/>
+          <a:chExt cx="0" cy="0"/>
+        </a:xfrm>
+      </p:grpSpPr>
+      <p:sp>
+        <p:nvSpPr>
+          <p:cNvPr id="2" name="Title 1"/>
+          <p:cNvSpPr>
+            <a:spLocks noGrp="1"/>
+          </p:cNvSpPr>
+          <p:nvPr>
+            <p:ph type="title"/>
+          </p:nvPr>
+        </p:nvSpPr>
+        <p:spPr/>
+        <p:txBody>
+          <a:bodyPr/>
+          <a:lstStyle/>
+          <a:p>
+            <a:r>
+              <a:rPr lang="en-US" dirty="0"/>
+              <a:t>Let’s watch this work</a:t>
+            </a:r>
+          </a:p>
+        </p:txBody>
+      </p:sp>
+      <p:sp>
+        <p:nvSpPr>
+          <p:cNvPr id="3" name="Content Placeholder 2"/>
+          <p:cNvSpPr>
+            <a:spLocks noGrp="1"/>
+          </p:cNvSpPr>
+          <p:nvPr>
+            <p:ph idx="1"/>
+          </p:nvPr>
+        </p:nvSpPr>
+        <p:spPr>
+          <a:xfrm>
+            <a:off x="457200" y="1600200"/>
+            <a:ext cx="8229600" cy="5257800"/>
+          </a:xfrm>
+        </p:spPr>
+        <p:txBody>
+          <a:bodyPr>
+            <a:normAutofit fontScale="70000" lnSpcReduction="20000"/>
+          </a:bodyPr>
+          <a:lstStyle/>
+          <a:p>
+            <a:pPr marL="0" indent="0">
+              <a:buNone/>
+            </a:pPr>
+            <a:r>
+              <a:rPr lang="en-US" b="1" dirty="0">
+                <a:latin typeface="Consolas" pitchFamily="49" charset="0"/>
+                <a:cs typeface="Consolas" pitchFamily="49" charset="0"/>
+              </a:rPr>
+              <a:t>(number-list (list 11 22 33))</a:t>
+            </a:r>
+          </a:p>
+          <a:p>
+            <a:pPr marL="0" indent="0">
+              <a:buNone/>
+            </a:pPr>
+            <a:r>
+              <a:rPr lang="en-US" b="1" dirty="0">
+                <a:latin typeface="Consolas" pitchFamily="49" charset="0"/>
+                <a:cs typeface="Consolas" pitchFamily="49" charset="0"/>
+              </a:rPr>
+              <a:t>= (number-list-from </a:t>
+            </a:r>
+            <a:r>
+              <a:rPr lang="en-US" b="1" dirty="0">
+                <a:solidFill>
+                  <a:srgbClr val="FF0000"/>
+                </a:solidFill>
+                <a:latin typeface="Consolas" pitchFamily="49" charset="0"/>
+                <a:cs typeface="Consolas" pitchFamily="49" charset="0"/>
+              </a:rPr>
+              <a:t>(list 11 22 33) 1</a:t>
+            </a:r>
+            <a:r>
+              <a:rPr lang="en-US" b="1" dirty="0">
+                <a:latin typeface="Consolas" pitchFamily="49" charset="0"/>
+                <a:cs typeface="Consolas" pitchFamily="49" charset="0"/>
+              </a:rPr>
+              <a:t>)</a:t>
+            </a:r>
+          </a:p>
+          <a:p>
+            <a:pPr marL="0" indent="0">
+              <a:buNone/>
+            </a:pPr>
+            <a:r>
+              <a:rPr lang="en-US" b="1" dirty="0">
+                <a:latin typeface="Consolas" pitchFamily="49" charset="0"/>
+                <a:cs typeface="Consolas" pitchFamily="49" charset="0"/>
+              </a:rPr>
+              <a:t>= (cons (list 1 11)</a:t>
+            </a:r>
+          </a:p>
+          <a:p>
+            <a:pPr marL="0" indent="0">
+              <a:buNone/>
+            </a:pPr>
+            <a:r>
+              <a:rPr lang="en-US" b="1" dirty="0">
+                <a:latin typeface="Consolas" pitchFamily="49" charset="0"/>
+                <a:cs typeface="Consolas" pitchFamily="49" charset="0"/>
+              </a:rPr>
+              <a:t>    (number-list-from </a:t>
+            </a:r>
+            <a:r>
+              <a:rPr lang="en-US" b="1" dirty="0">
+                <a:solidFill>
+                  <a:srgbClr val="FF0000"/>
+                </a:solidFill>
+                <a:latin typeface="Consolas" pitchFamily="49" charset="0"/>
+                <a:cs typeface="Consolas" pitchFamily="49" charset="0"/>
+              </a:rPr>
+              <a:t>(list 22 33) 2</a:t>
+            </a:r>
+            <a:r>
+              <a:rPr lang="en-US" b="1" dirty="0">
+                <a:latin typeface="Consolas" pitchFamily="49" charset="0"/>
+                <a:cs typeface="Consolas" pitchFamily="49" charset="0"/>
+              </a:rPr>
+              <a:t>)</a:t>
+            </a:r>
+          </a:p>
+          <a:p>
+            <a:pPr marL="0" indent="0">
+              <a:buNone/>
+            </a:pPr>
+            <a:r>
+              <a:rPr lang="en-US" b="1" dirty="0">
+                <a:latin typeface="Consolas" pitchFamily="49" charset="0"/>
+                <a:cs typeface="Consolas" pitchFamily="49" charset="0"/>
+              </a:rPr>
+              <a:t>= (cons (list 1 11)</a:t>
+            </a:r>
+          </a:p>
+          <a:p>
+            <a:pPr marL="0" indent="0">
+              <a:buNone/>
+            </a:pPr>
+            <a:r>
+              <a:rPr lang="en-US" b="1" dirty="0">
+                <a:latin typeface="Consolas" pitchFamily="49" charset="0"/>
+                <a:cs typeface="Consolas" pitchFamily="49" charset="0"/>
+              </a:rPr>
+              <a:t>    (cons (list 2 22)</a:t>
+            </a:r>
+          </a:p>
+          <a:p>
+            <a:pPr marL="0" indent="0">
+              <a:buNone/>
+            </a:pPr>
+            <a:r>
+              <a:rPr lang="en-US" b="1" dirty="0">
+                <a:latin typeface="Consolas" pitchFamily="49" charset="0"/>
+                <a:cs typeface="Consolas" pitchFamily="49" charset="0"/>
+              </a:rPr>
+              <a:t>      (number-list-from </a:t>
+            </a:r>
+            <a:r>
+              <a:rPr lang="en-US" b="1" dirty="0">
+                <a:solidFill>
+                  <a:srgbClr val="FF0000"/>
+                </a:solidFill>
+                <a:latin typeface="Consolas" pitchFamily="49" charset="0"/>
+                <a:cs typeface="Consolas" pitchFamily="49" charset="0"/>
+              </a:rPr>
+              <a:t>(list 33) 3</a:t>
+            </a:r>
+            <a:r>
+              <a:rPr lang="en-US" b="1" dirty="0">
+                <a:latin typeface="Consolas" pitchFamily="49" charset="0"/>
+                <a:cs typeface="Consolas" pitchFamily="49" charset="0"/>
+              </a:rPr>
+              <a:t>)))</a:t>
+            </a:r>
+          </a:p>
+          <a:p>
+            <a:pPr marL="0" indent="0">
+              <a:buNone/>
+            </a:pPr>
+            <a:r>
+              <a:rPr lang="en-US" b="1" dirty="0">
+                <a:latin typeface="Consolas" pitchFamily="49" charset="0"/>
+                <a:cs typeface="Consolas" pitchFamily="49" charset="0"/>
+              </a:rPr>
+              <a:t>= (cons (list 1 11)</a:t>
+            </a:r>
+          </a:p>
+          <a:p>
+            <a:pPr marL="0" indent="0">
+              <a:buNone/>
+            </a:pPr>
+            <a:r>
+              <a:rPr lang="en-US" b="1" dirty="0">
+                <a:latin typeface="Consolas" pitchFamily="49" charset="0"/>
+                <a:cs typeface="Consolas" pitchFamily="49" charset="0"/>
+              </a:rPr>
+              <a:t>    (cons (list 2 22)</a:t>
+            </a:r>
+          </a:p>
+          <a:p>
+            <a:pPr marL="0" indent="0">
+              <a:buNone/>
+            </a:pPr>
+            <a:r>
+              <a:rPr lang="en-US" b="1" dirty="0">
+                <a:latin typeface="Consolas" pitchFamily="49" charset="0"/>
+                <a:cs typeface="Consolas" pitchFamily="49" charset="0"/>
+              </a:rPr>
+              <a:t>      (cons (list 3 33)</a:t>
+            </a:r>
+          </a:p>
+          <a:p>
+            <a:pPr marL="0" indent="0">
+              <a:buNone/>
+            </a:pPr>
+            <a:r>
+              <a:rPr lang="en-US" b="1" dirty="0">
+                <a:latin typeface="Consolas" pitchFamily="49" charset="0"/>
+                <a:cs typeface="Consolas" pitchFamily="49" charset="0"/>
+              </a:rPr>
+              <a:t>        (number-list-from </a:t>
+            </a:r>
+            <a:r>
+              <a:rPr lang="en-US" b="1" dirty="0">
+                <a:solidFill>
+                  <a:srgbClr val="FF0000"/>
+                </a:solidFill>
+                <a:latin typeface="Consolas" pitchFamily="49" charset="0"/>
+                <a:cs typeface="Consolas" pitchFamily="49" charset="0"/>
+              </a:rPr>
+              <a:t>empty 4</a:t>
+            </a:r>
+            <a:r>
+              <a:rPr lang="en-US" b="1" dirty="0">
+                <a:latin typeface="Consolas" pitchFamily="49" charset="0"/>
+                <a:cs typeface="Consolas" pitchFamily="49" charset="0"/>
+              </a:rPr>
+              <a:t>)))</a:t>
+            </a:r>
+          </a:p>
+          <a:p>
+            <a:pPr marL="0" indent="0">
+              <a:buNone/>
+            </a:pPr>
+            <a:r>
+              <a:rPr lang="en-US" b="1" dirty="0">
+                <a:latin typeface="Consolas" pitchFamily="49" charset="0"/>
+                <a:cs typeface="Consolas" pitchFamily="49" charset="0"/>
+              </a:rPr>
+              <a:t>= (cons (list 1 11)</a:t>
+            </a:r>
+          </a:p>
+          <a:p>
+            <a:pPr marL="0" indent="0">
+              <a:buNone/>
+            </a:pPr>
+            <a:r>
+              <a:rPr lang="en-US" b="1" dirty="0">
+                <a:latin typeface="Consolas" pitchFamily="49" charset="0"/>
+                <a:cs typeface="Consolas" pitchFamily="49" charset="0"/>
+              </a:rPr>
+              <a:t>    (cons (list 2 22)</a:t>
+            </a:r>
+          </a:p>
+          <a:p>
+            <a:pPr marL="0" indent="0">
+              <a:buNone/>
+            </a:pPr>
+            <a:r>
+              <a:rPr lang="en-US" b="1" dirty="0">
+                <a:latin typeface="Consolas" pitchFamily="49" charset="0"/>
+                <a:cs typeface="Consolas" pitchFamily="49" charset="0"/>
+              </a:rPr>
+              <a:t>      (cons (list 3 33)</a:t>
+            </a:r>
+          </a:p>
+          <a:p>
+            <a:pPr marL="0" indent="0">
+              <a:buNone/>
+            </a:pPr>
+            <a:r>
+              <a:rPr lang="en-US" b="1" dirty="0">
+                <a:latin typeface="Consolas" pitchFamily="49" charset="0"/>
+                <a:cs typeface="Consolas" pitchFamily="49" charset="0"/>
+              </a:rPr>
+              <a:t>        empty)))</a:t>
+            </a:r>
+          </a:p>
+        </p:txBody>
+      </p:sp>
+      <p:sp>
+        <p:nvSpPr>
+          <p:cNvPr id="4" name="Slide Number Placeholder 3"/>
+          <p:cNvSpPr>
+            <a:spLocks noGrp="1"/>
+          </p:cNvSpPr>
+          <p:nvPr>
+            <p:ph type="sldNum" sz="quarter" idx="12"/>
+          </p:nvPr>
+        </p:nvSpPr>
+        <p:spPr/>
+        <p:txBody>
+          <a:bodyPr/>
+          <a:lstStyle/>
+          <a:p>
+            <a:fld id="{9F4492BD-6A9C-48FC-AC76-0B4FE11194A1}" type="slidenum">
+              <a:rPr lang="en-US" smtClean="0">
+                <a:solidFill>
+                  <a:prstClr val="black">
+                    <a:tint val="75000"/>
+                  </a:prstClr>
+                </a:solidFill>
+              </a:rPr>
+              <a:pPr/>
+              <a:t>22</a:t>
             </a:fld>
             <a:endParaRPr lang="en-US">
               <a:solidFill>
@@ -11990,7 +14684,7 @@
 </p:sld>
 </file>
 
-<file path=ppt/slides/slide15.xml><?xml version="1.0" encoding="utf-8"?>
+<file path=ppt/slides/slide23.xml><?xml version="1.0" encoding="utf-8"?>
 <p:sld xmlns:a="http://schemas.openxmlformats.org/drawingml/2006/main" xmlns:r="http://schemas.openxmlformats.org/officeDocument/2006/relationships" xmlns:p="http://schemas.openxmlformats.org/presentationml/2006/main">
   <p:cSld>
     <p:spTree>
@@ -12159,7 +14853,7 @@
                 </a:solidFill>
               </a:rPr>
               <a:pPr/>
-              <a:t>15</a:t>
+              <a:t>23</a:t>
             </a:fld>
             <a:endParaRPr lang="en-US">
               <a:solidFill>
@@ -12184,7 +14878,7 @@
 </p:sld>
 </file>
 
-<file path=ppt/slides/slide16.xml><?xml version="1.0" encoding="utf-8"?>
+<file path=ppt/slides/slide24.xml><?xml version="1.0" encoding="utf-8"?>
 <p:sld xmlns:a="http://schemas.openxmlformats.org/drawingml/2006/main" xmlns:r="http://schemas.openxmlformats.org/officeDocument/2006/relationships" xmlns:p="http://schemas.openxmlformats.org/presentationml/2006/main">
   <p:cSld>
     <p:spTree>
@@ -12387,7 +15081,7 @@
             <a:fld id="{9F4492BD-6A9C-48FC-AC76-0B4FE11194A1}" type="slidenum">
               <a:rPr lang="en-US" smtClean="0"/>
               <a:pPr/>
-              <a:t>16</a:t>
+              <a:t>24</a:t>
             </a:fld>
             <a:endParaRPr lang="en-US"/>
           </a:p>
@@ -12655,7 +15349,7 @@
 </p:sld>
 </file>
 
-<file path=ppt/slides/slide17.xml><?xml version="1.0" encoding="utf-8"?>
+<file path=ppt/slides/slide25.xml><?xml version="1.0" encoding="utf-8"?>
 <p:sld xmlns:a="http://schemas.openxmlformats.org/drawingml/2006/main" xmlns:r="http://schemas.openxmlformats.org/officeDocument/2006/relationships" xmlns:p="http://schemas.openxmlformats.org/presentationml/2006/main">
   <p:cSld>
     <p:spTree>
@@ -12754,7 +15448,7 @@
                 </a:solidFill>
               </a:rPr>
               <a:pPr/>
-              <a:t>17</a:t>
+              <a:t>25</a:t>
             </a:fld>
             <a:endParaRPr lang="en-US">
               <a:solidFill>
@@ -12779,7 +15473,7 @@
 </p:sld>
 </file>
 
-<file path=ppt/slides/slide18.xml><?xml version="1.0" encoding="utf-8"?>
+<file path=ppt/slides/slide26.xml><?xml version="1.0" encoding="utf-8"?>
 <p:sld xmlns:a="http://schemas.openxmlformats.org/drawingml/2006/main" xmlns:r="http://schemas.openxmlformats.org/officeDocument/2006/relationships" xmlns:p="http://schemas.openxmlformats.org/presentationml/2006/main">
   <p:cSld>
     <p:spTree>
@@ -13123,7 +15817,7 @@
                 </a:solidFill>
               </a:rPr>
               <a:pPr/>
-              <a:t>18</a:t>
+              <a:t>26</a:t>
             </a:fld>
             <a:endParaRPr lang="en-US">
               <a:solidFill>
@@ -13588,7 +16282,7 @@
 </p:sld>
 </file>
 
-<file path=ppt/slides/slide19.xml><?xml version="1.0" encoding="utf-8"?>
+<file path=ppt/slides/slide27.xml><?xml version="1.0" encoding="utf-8"?>
 <p:sld xmlns:a="http://schemas.openxmlformats.org/drawingml/2006/main" xmlns:r="http://schemas.openxmlformats.org/officeDocument/2006/relationships" xmlns:p="http://schemas.openxmlformats.org/presentationml/2006/main">
   <p:cSld>
     <p:spTree>
@@ -13753,7 +16447,7 @@
                 </a:solidFill>
               </a:rPr>
               <a:pPr/>
-              <a:t>19</a:t>
+              <a:t>27</a:t>
             </a:fld>
             <a:endParaRPr lang="en-US">
               <a:solidFill>
@@ -13778,7 +16472,7 @@
 </p:sld>
 </file>
 
-<file path=ppt/slides/slide2.xml><?xml version="1.0" encoding="utf-8"?>
+<file path=ppt/slides/slide28.xml><?xml version="1.0" encoding="utf-8"?>
 <p:sld xmlns:a="http://schemas.openxmlformats.org/drawingml/2006/main" xmlns:r="http://schemas.openxmlformats.org/officeDocument/2006/relationships" xmlns:p="http://schemas.openxmlformats.org/presentationml/2006/main">
   <p:cSld>
     <p:spTree>
@@ -13797,134 +16491,6 @@
       </p:grpSpPr>
       <p:sp>
         <p:nvSpPr>
-          <p:cNvPr id="2" name="Title 1"/>
-          <p:cNvSpPr>
-            <a:spLocks noGrp="1"/>
-          </p:cNvSpPr>
-          <p:nvPr>
-            <p:ph type="title"/>
-          </p:nvPr>
-        </p:nvSpPr>
-        <p:spPr/>
-        <p:txBody>
-          <a:bodyPr/>
-          <a:lstStyle/>
-          <a:p>
-            <a:r>
-              <a:rPr lang="en-US" dirty="0"/>
-              <a:t>Module Introduction</a:t>
-            </a:r>
-          </a:p>
-        </p:txBody>
-      </p:sp>
-      <p:sp>
-        <p:nvSpPr>
-          <p:cNvPr id="3" name="Content Placeholder 2"/>
-          <p:cNvSpPr>
-            <a:spLocks noGrp="1"/>
-          </p:cNvSpPr>
-          <p:nvPr>
-            <p:ph idx="1"/>
-          </p:nvPr>
-        </p:nvSpPr>
-        <p:spPr/>
-        <p:txBody>
-          <a:bodyPr>
-            <a:normAutofit/>
-          </a:bodyPr>
-          <a:lstStyle/>
-          <a:p>
-            <a:r>
-              <a:rPr lang="en-US" dirty="0"/>
-              <a:t>We introduce </a:t>
-            </a:r>
-            <a:r>
-              <a:rPr lang="en-US" i="1" dirty="0">
-                <a:solidFill>
-                  <a:srgbClr val="FF0000"/>
-                </a:solidFill>
-              </a:rPr>
-              <a:t>invariants</a:t>
-            </a:r>
-            <a:r>
-              <a:rPr lang="en-US" dirty="0">
-                <a:solidFill>
-                  <a:srgbClr val="FF0000"/>
-                </a:solidFill>
-              </a:rPr>
-              <a:t> </a:t>
-            </a:r>
-            <a:r>
-              <a:rPr lang="en-US" dirty="0"/>
-              <a:t>as a way of recording the assumptions that a function makes about its arguments.</a:t>
-            </a:r>
-          </a:p>
-          <a:p>
-            <a:r>
-              <a:rPr lang="en-US" dirty="0"/>
-              <a:t>Invariants divide the responsibility for guaranteeing the truth of these assumptions between the function and its callers.</a:t>
-            </a:r>
-          </a:p>
-          <a:p>
-            <a:endParaRPr lang="en-US" dirty="0"/>
-          </a:p>
-        </p:txBody>
-      </p:sp>
-      <p:sp>
-        <p:nvSpPr>
-          <p:cNvPr id="4" name="Slide Number Placeholder 3"/>
-          <p:cNvSpPr>
-            <a:spLocks noGrp="1"/>
-          </p:cNvSpPr>
-          <p:nvPr>
-            <p:ph type="sldNum" sz="quarter" idx="12"/>
-          </p:nvPr>
-        </p:nvSpPr>
-        <p:spPr/>
-        <p:txBody>
-          <a:bodyPr/>
-          <a:lstStyle/>
-          <a:p>
-            <a:fld id="{E4A74525-021D-496D-B39D-9668564A137C}" type="slidenum">
-              <a:rPr lang="en-US" smtClean="0"/>
-              <a:t>2</a:t>
-            </a:fld>
-            <a:endParaRPr lang="en-US"/>
-          </a:p>
-        </p:txBody>
-      </p:sp>
-    </p:spTree>
-    <p:extLst>
-      <p:ext uri="{BB962C8B-B14F-4D97-AF65-F5344CB8AC3E}">
-        <p14:creationId xmlns:p14="http://schemas.microsoft.com/office/powerpoint/2010/main" val="200566574"/>
-      </p:ext>
-    </p:extLst>
-  </p:cSld>
-  <p:clrMapOvr>
-    <a:masterClrMapping/>
-  </p:clrMapOvr>
-</p:sld>
-</file>
-
-<file path=ppt/slides/slide20.xml><?xml version="1.0" encoding="utf-8"?>
-<p:sld xmlns:a="http://schemas.openxmlformats.org/drawingml/2006/main" xmlns:r="http://schemas.openxmlformats.org/officeDocument/2006/relationships" xmlns:p="http://schemas.openxmlformats.org/presentationml/2006/main">
-  <p:cSld>
-    <p:spTree>
-      <p:nvGrpSpPr>
-        <p:cNvPr id="1" name=""/>
-        <p:cNvGrpSpPr/>
-        <p:nvPr/>
-      </p:nvGrpSpPr>
-      <p:grpSpPr>
-        <a:xfrm>
-          <a:off x="0" y="0"/>
-          <a:ext cx="0" cy="0"/>
-          <a:chOff x="0" y="0"/>
-          <a:chExt cx="0" cy="0"/>
-        </a:xfrm>
-      </p:grpSpPr>
-      <p:sp>
-        <p:nvSpPr>
           <p:cNvPr id="6" name="Title 5"/>
           <p:cNvSpPr>
             <a:spLocks noGrp="1"/>
@@ -14078,7 +16644,7 @@
                 </a:solidFill>
               </a:rPr>
               <a:pPr/>
-              <a:t>20</a:t>
+              <a:t>28</a:t>
             </a:fld>
             <a:endParaRPr lang="en-US">
               <a:solidFill>
@@ -14471,7 +17037,7 @@
 </p:sld>
 </file>
 
-<file path=ppt/slides/slide21.xml><?xml version="1.0" encoding="utf-8"?>
+<file path=ppt/slides/slide29.xml><?xml version="1.0" encoding="utf-8"?>
 <p:sld xmlns:a="http://schemas.openxmlformats.org/drawingml/2006/main" xmlns:r="http://schemas.openxmlformats.org/officeDocument/2006/relationships" xmlns:p="http://schemas.openxmlformats.org/presentationml/2006/main">
   <p:cSld>
     <p:spTree>
@@ -14585,7 +17151,7 @@
                 </a:solidFill>
               </a:rPr>
               <a:pPr/>
-              <a:t>21</a:t>
+              <a:t>29</a:t>
             </a:fld>
             <a:endParaRPr lang="en-US">
               <a:solidFill>
@@ -14669,7 +17235,7 @@
 </p:sld>
 </file>
 
-<file path=ppt/slides/slide22.xml><?xml version="1.0" encoding="utf-8"?>
+<file path=ppt/slides/slide3.xml><?xml version="1.0" encoding="utf-8"?>
 <p:sld xmlns:a="http://schemas.openxmlformats.org/drawingml/2006/main" xmlns:r="http://schemas.openxmlformats.org/officeDocument/2006/relationships" xmlns:p="http://schemas.openxmlformats.org/presentationml/2006/main">
   <p:cSld>
     <p:spTree>
@@ -14703,14 +17269,14 @@
           <a:p>
             <a:r>
               <a:rPr lang="en-US" dirty="0"/>
-              <a:t>This isn't completely new:</a:t>
-            </a:r>
-          </a:p>
-        </p:txBody>
-      </p:sp>
-      <p:sp>
-        <p:nvSpPr>
-          <p:cNvPr id="5" name="Content Placeholder 4"/>
+              <a:t>Learning Outcomes for this Module</a:t>
+            </a:r>
+          </a:p>
+        </p:txBody>
+      </p:sp>
+      <p:sp>
+        <p:nvSpPr>
+          <p:cNvPr id="3" name="Content Placeholder 2"/>
           <p:cNvSpPr>
             <a:spLocks noGrp="1"/>
           </p:cNvSpPr>
@@ -14726,65 +17292,29 @@
           <a:lstStyle/>
           <a:p>
             <a:r>
-              <a:rPr lang="en-US" sz="2800" b="0" dirty="0">
-                <a:latin typeface="+mj-lt"/>
-              </a:rPr>
-              <a:t>Here are some examples of </a:t>
-            </a:r>
-            <a:r>
-              <a:rPr lang="en-US" sz="2800" dirty="0">
-                <a:latin typeface="+mj-lt"/>
-              </a:rPr>
-              <a:t>WHERE</a:t>
-            </a:r>
-            <a:r>
-              <a:rPr lang="en-US" sz="2800" b="0" dirty="0">
-                <a:latin typeface="+mj-lt"/>
-              </a:rPr>
-              <a:t> clauses that we've seen (or might have seen) before:</a:t>
-            </a:r>
-          </a:p>
-          <a:p>
-            <a:endParaRPr lang="en-US" sz="2800" dirty="0"/>
-          </a:p>
-          <a:p>
-            <a:r>
-              <a:rPr lang="en-US" sz="2800" dirty="0"/>
-              <a:t>-- A Ring is a (make-ring Real Real)</a:t>
-            </a:r>
-          </a:p>
-          <a:p>
-            <a:r>
-              <a:rPr lang="en-US" sz="2800" dirty="0"/>
-              <a:t>   WHERE inner &lt; outer</a:t>
-            </a:r>
-          </a:p>
-          <a:p>
-            <a:endParaRPr lang="en-US" sz="2800" dirty="0"/>
-          </a:p>
-          <a:p>
-            <a:r>
-              <a:rPr lang="en-US" sz="2800" dirty="0"/>
-              <a:t>-- An </a:t>
-            </a:r>
-            <a:r>
-              <a:rPr lang="en-US" sz="2800" dirty="0" err="1"/>
-              <a:t>TelephoneBook</a:t>
-            </a:r>
-            <a:r>
-              <a:rPr lang="en-US" sz="2800" dirty="0"/>
-              <a:t> is a </a:t>
-            </a:r>
-            <a:r>
-              <a:rPr lang="en-US" sz="2800" dirty="0" err="1"/>
-              <a:t>ListOfEntries</a:t>
-            </a:r>
-            <a:endParaRPr lang="en-US" sz="2800" dirty="0"/>
-          </a:p>
-          <a:p>
-            <a:r>
-              <a:rPr lang="en-US" sz="2800" dirty="0"/>
-              <a:t>   WHERE the entries are sorted by name</a:t>
+              <a:rPr lang="en-US" dirty="0"/>
+              <a:t>At the end of this module, you should be able to</a:t>
+            </a:r>
+          </a:p>
+          <a:p>
+            <a:pPr lvl="1"/>
+            <a:r>
+              <a:rPr lang="en-US" dirty="0"/>
+              <a:t>Determine from the purpose statement of a function whether an invariant is necessary.</a:t>
+            </a:r>
+          </a:p>
+          <a:p>
+            <a:pPr lvl="1"/>
+            <a:r>
+              <a:rPr lang="en-US" dirty="0"/>
+              <a:t>write invariants to document the assumptions that a function makes about its arguments.</a:t>
+            </a:r>
+          </a:p>
+          <a:p>
+            <a:pPr lvl="1"/>
+            <a:r>
+              <a:rPr lang="en-US" dirty="0"/>
+              <a:t>explain how invariants divide responsibility between a function and its callers.</a:t>
             </a:r>
           </a:p>
         </p:txBody>
@@ -14806,7 +17336,7 @@
           <a:p>
             <a:fld id="{E4A74525-021D-496D-B39D-9668564A137C}" type="slidenum">
               <a:rPr lang="en-US" smtClean="0"/>
-              <a:t>22</a:t>
+              <a:t>3</a:t>
             </a:fld>
             <a:endParaRPr lang="en-US"/>
           </a:p>
@@ -14815,7 +17345,7 @@
     </p:spTree>
     <p:extLst>
       <p:ext uri="{BB962C8B-B14F-4D97-AF65-F5344CB8AC3E}">
-        <p14:creationId xmlns:p14="http://schemas.microsoft.com/office/powerpoint/2010/main" val="3443609043"/>
+        <p14:creationId xmlns:p14="http://schemas.microsoft.com/office/powerpoint/2010/main" val="4181156219"/>
       </p:ext>
     </p:extLst>
   </p:cSld>
@@ -14825,7 +17355,7 @@
 </p:sld>
 </file>
 
-<file path=ppt/slides/slide23.xml><?xml version="1.0" encoding="utf-8"?>
+<file path=ppt/slides/slide30.xml><?xml version="1.0" encoding="utf-8"?>
 <p:sld xmlns:a="http://schemas.openxmlformats.org/drawingml/2006/main" xmlns:r="http://schemas.openxmlformats.org/officeDocument/2006/relationships" xmlns:p="http://schemas.openxmlformats.org/presentationml/2006/main">
   <p:cSld>
     <p:spTree>
@@ -14854,359 +17384,6 @@
         </p:nvSpPr>
         <p:spPr/>
         <p:txBody>
-          <a:bodyPr/>
-          <a:lstStyle/>
-          <a:p>
-            <a:r>
-              <a:rPr lang="en-US" dirty="0"/>
-              <a:t>More examples of </a:t>
-            </a:r>
-            <a:r>
-              <a:rPr lang="en-US" b="1" dirty="0"/>
-              <a:t>WHERE</a:t>
-            </a:r>
-            <a:r>
-              <a:rPr lang="en-US" dirty="0"/>
-              <a:t> clauses</a:t>
-            </a:r>
-          </a:p>
-        </p:txBody>
-      </p:sp>
-      <p:sp>
-        <p:nvSpPr>
-          <p:cNvPr id="3" name="Content Placeholder 2"/>
-          <p:cNvSpPr>
-            <a:spLocks noGrp="1"/>
-          </p:cNvSpPr>
-          <p:nvPr>
-            <p:ph idx="1"/>
-          </p:nvPr>
-        </p:nvSpPr>
-        <p:spPr/>
-        <p:txBody>
-          <a:bodyPr>
-            <a:normAutofit/>
-          </a:bodyPr>
-          <a:lstStyle/>
-          <a:p>
-            <a:pPr>
-              <a:spcBef>
-                <a:spcPts val="0"/>
-              </a:spcBef>
-            </a:pPr>
-            <a:r>
-              <a:rPr lang="en-US" sz="2000" dirty="0" err="1"/>
-              <a:t>unpaused</a:t>
-            </a:r>
-            <a:r>
-              <a:rPr lang="en-US" sz="2000" dirty="0"/>
-              <a:t>-world-after-tick </a:t>
-            </a:r>
-          </a:p>
-          <a:p>
-            <a:pPr>
-              <a:spcBef>
-                <a:spcPts val="0"/>
-              </a:spcBef>
-            </a:pPr>
-            <a:r>
-              <a:rPr lang="en-US" sz="2000" dirty="0"/>
-              <a:t>  : World -&gt; World</a:t>
-            </a:r>
-          </a:p>
-          <a:p>
-            <a:pPr>
-              <a:spcBef>
-                <a:spcPts val="0"/>
-              </a:spcBef>
-            </a:pPr>
-            <a:r>
-              <a:rPr lang="en-US" sz="2000" dirty="0"/>
-              <a:t>GIVEN: a World</a:t>
-            </a:r>
-          </a:p>
-          <a:p>
-            <a:pPr>
-              <a:spcBef>
-                <a:spcPts val="0"/>
-              </a:spcBef>
-            </a:pPr>
-            <a:r>
-              <a:rPr lang="en-US" sz="2000" dirty="0"/>
-              <a:t>WHERE: the world is not paused</a:t>
-            </a:r>
-          </a:p>
-          <a:p>
-            <a:pPr>
-              <a:spcBef>
-                <a:spcPts val="0"/>
-              </a:spcBef>
-            </a:pPr>
-            <a:r>
-              <a:rPr lang="en-US" sz="2000" dirty="0"/>
-              <a:t>RETURNS: the state of the world after the next tick</a:t>
-            </a:r>
-          </a:p>
-          <a:p>
-            <a:pPr>
-              <a:spcBef>
-                <a:spcPts val="0"/>
-              </a:spcBef>
-            </a:pPr>
-            <a:endParaRPr lang="en-US" sz="2000" dirty="0"/>
-          </a:p>
-          <a:p>
-            <a:pPr>
-              <a:spcBef>
-                <a:spcPts val="0"/>
-              </a:spcBef>
-            </a:pPr>
-            <a:r>
-              <a:rPr lang="en-US" sz="2000" dirty="0"/>
-              <a:t>ball-normal-motion-after-tick </a:t>
-            </a:r>
-          </a:p>
-          <a:p>
-            <a:pPr>
-              <a:spcBef>
-                <a:spcPts val="0"/>
-              </a:spcBef>
-            </a:pPr>
-            <a:r>
-              <a:rPr lang="en-US" sz="2000" dirty="0"/>
-              <a:t>  : Ball -&gt; Ball</a:t>
-            </a:r>
-          </a:p>
-          <a:p>
-            <a:pPr>
-              <a:spcBef>
-                <a:spcPts val="0"/>
-              </a:spcBef>
-            </a:pPr>
-            <a:r>
-              <a:rPr lang="en-US" sz="2000" dirty="0"/>
-              <a:t>GIVEN: a Ball</a:t>
-            </a:r>
-          </a:p>
-          <a:p>
-            <a:pPr>
-              <a:spcBef>
-                <a:spcPts val="0"/>
-              </a:spcBef>
-            </a:pPr>
-            <a:r>
-              <a:rPr lang="en-US" sz="2000" dirty="0"/>
-              <a:t>WHERE: we know the ball will not hit the wall on the next</a:t>
-            </a:r>
-          </a:p>
-          <a:p>
-            <a:pPr>
-              <a:spcBef>
-                <a:spcPts val="0"/>
-              </a:spcBef>
-            </a:pPr>
-            <a:r>
-              <a:rPr lang="en-US" sz="2000" dirty="0"/>
-              <a:t>       tick</a:t>
-            </a:r>
-          </a:p>
-          <a:p>
-            <a:pPr>
-              <a:spcBef>
-                <a:spcPts val="0"/>
-              </a:spcBef>
-            </a:pPr>
-            <a:r>
-              <a:rPr lang="en-US" sz="2000" dirty="0"/>
-              <a:t>RETURNS: the state of the ball after the next tick.</a:t>
-            </a:r>
-          </a:p>
-        </p:txBody>
-      </p:sp>
-      <p:sp>
-        <p:nvSpPr>
-          <p:cNvPr id="4" name="Slide Number Placeholder 3"/>
-          <p:cNvSpPr>
-            <a:spLocks noGrp="1"/>
-          </p:cNvSpPr>
-          <p:nvPr>
-            <p:ph type="sldNum" sz="quarter" idx="12"/>
-          </p:nvPr>
-        </p:nvSpPr>
-        <p:spPr/>
-        <p:txBody>
-          <a:bodyPr/>
-          <a:lstStyle/>
-          <a:p>
-            <a:fld id="{9F4492BD-6A9C-48FC-AC76-0B4FE11194A1}" type="slidenum">
-              <a:rPr lang="en-US" smtClean="0"/>
-              <a:pPr/>
-              <a:t>23</a:t>
-            </a:fld>
-            <a:endParaRPr lang="en-US"/>
-          </a:p>
-        </p:txBody>
-      </p:sp>
-      <p:sp>
-        <p:nvSpPr>
-          <p:cNvPr id="5" name="Rectangle 4"/>
-          <p:cNvSpPr/>
-          <p:nvPr/>
-        </p:nvSpPr>
-        <p:spPr>
-          <a:xfrm>
-            <a:off x="685800" y="5543396"/>
-            <a:ext cx="3810000" cy="990600"/>
-          </a:xfrm>
-          <a:prstGeom prst="rect">
-            <a:avLst/>
-          </a:prstGeom>
-          <a:solidFill>
-            <a:schemeClr val="accent3">
-              <a:lumMod val="40000"/>
-              <a:lumOff val="60000"/>
-            </a:schemeClr>
-          </a:solidFill>
-          <a:ln>
-            <a:noFill/>
-          </a:ln>
-        </p:spPr>
-        <p:style>
-          <a:lnRef idx="2">
-            <a:schemeClr val="accent1"/>
-          </a:lnRef>
-          <a:fillRef idx="1">
-            <a:schemeClr val="lt1"/>
-          </a:fillRef>
-          <a:effectRef idx="0">
-            <a:schemeClr val="accent1"/>
-          </a:effectRef>
-          <a:fontRef idx="minor">
-            <a:schemeClr val="dk1"/>
-          </a:fontRef>
-        </p:style>
-        <p:txBody>
-          <a:bodyPr rot="0" spcFirstLastPara="0" vertOverflow="overflow" horzOverflow="overflow" vert="horz" wrap="square" lIns="91440" tIns="45720" rIns="91440" bIns="45720" numCol="1" spcCol="0" rtlCol="0" fromWordArt="0" anchor="ctr" anchorCtr="0" forceAA="0" compatLnSpc="1">
-            <a:prstTxWarp prst="textNoShape">
-              <a:avLst/>
-            </a:prstTxWarp>
-            <a:noAutofit/>
-          </a:bodyPr>
-          <a:lstStyle/>
-          <a:p>
-            <a:pPr algn="ctr"/>
-            <a:r>
-              <a:rPr lang="en-US" dirty="0">
-                <a:solidFill>
-                  <a:schemeClr val="tx1"/>
-                </a:solidFill>
-              </a:rPr>
-              <a:t>In each case, it is the responsibility of the caller to make sure the invariant is satisfied before the function is called.</a:t>
-            </a:r>
-          </a:p>
-        </p:txBody>
-      </p:sp>
-      <p:sp>
-        <p:nvSpPr>
-          <p:cNvPr id="6" name="Rectangle 5"/>
-          <p:cNvSpPr/>
-          <p:nvPr/>
-        </p:nvSpPr>
-        <p:spPr>
-          <a:xfrm>
-            <a:off x="5105400" y="5543396"/>
-            <a:ext cx="3200400" cy="990600"/>
-          </a:xfrm>
-          <a:prstGeom prst="rect">
-            <a:avLst/>
-          </a:prstGeom>
-          <a:solidFill>
-            <a:schemeClr val="accent3">
-              <a:lumMod val="40000"/>
-              <a:lumOff val="60000"/>
-            </a:schemeClr>
-          </a:solidFill>
-          <a:ln>
-            <a:noFill/>
-          </a:ln>
-        </p:spPr>
-        <p:style>
-          <a:lnRef idx="2">
-            <a:schemeClr val="accent1"/>
-          </a:lnRef>
-          <a:fillRef idx="1">
-            <a:schemeClr val="lt1"/>
-          </a:fillRef>
-          <a:effectRef idx="0">
-            <a:schemeClr val="accent1"/>
-          </a:effectRef>
-          <a:fontRef idx="minor">
-            <a:schemeClr val="dk1"/>
-          </a:fontRef>
-        </p:style>
-        <p:txBody>
-          <a:bodyPr rot="0" spcFirstLastPara="0" vertOverflow="overflow" horzOverflow="overflow" vert="horz" wrap="square" lIns="91440" tIns="45720" rIns="91440" bIns="45720" numCol="1" spcCol="0" rtlCol="0" fromWordArt="0" anchor="ctr" anchorCtr="0" forceAA="0" compatLnSpc="1">
-            <a:prstTxWarp prst="textNoShape">
-              <a:avLst/>
-            </a:prstTxWarp>
-            <a:noAutofit/>
-          </a:bodyPr>
-          <a:lstStyle/>
-          <a:p>
-            <a:pPr algn="ctr"/>
-            <a:r>
-              <a:rPr lang="en-US" dirty="0">
-                <a:solidFill>
-                  <a:schemeClr val="tx1"/>
-                </a:solidFill>
-              </a:rPr>
-              <a:t>And conversely, the function gets to assume that the invariant is satisfied.</a:t>
-            </a:r>
-          </a:p>
-        </p:txBody>
-      </p:sp>
-    </p:spTree>
-    <p:extLst>
-      <p:ext uri="{BB962C8B-B14F-4D97-AF65-F5344CB8AC3E}">
-        <p14:creationId xmlns:p14="http://schemas.microsoft.com/office/powerpoint/2010/main" val="3298560305"/>
-      </p:ext>
-    </p:extLst>
-  </p:cSld>
-  <p:clrMapOvr>
-    <a:masterClrMapping/>
-  </p:clrMapOvr>
-</p:sld>
-</file>
-
-<file path=ppt/slides/slide24.xml><?xml version="1.0" encoding="utf-8"?>
-<p:sld xmlns:a="http://schemas.openxmlformats.org/drawingml/2006/main" xmlns:r="http://schemas.openxmlformats.org/officeDocument/2006/relationships" xmlns:p="http://schemas.openxmlformats.org/presentationml/2006/main">
-  <p:cSld>
-    <p:spTree>
-      <p:nvGrpSpPr>
-        <p:cNvPr id="1" name=""/>
-        <p:cNvGrpSpPr/>
-        <p:nvPr/>
-      </p:nvGrpSpPr>
-      <p:grpSpPr>
-        <a:xfrm>
-          <a:off x="0" y="0"/>
-          <a:ext cx="0" cy="0"/>
-          <a:chOff x="0" y="0"/>
-          <a:chExt cx="0" cy="0"/>
-        </a:xfrm>
-      </p:grpSpPr>
-      <p:sp>
-        <p:nvSpPr>
-          <p:cNvPr id="2" name="Title 1"/>
-          <p:cNvSpPr>
-            <a:spLocks noGrp="1"/>
-          </p:cNvSpPr>
-          <p:nvPr>
-            <p:ph type="title"/>
-          </p:nvPr>
-        </p:nvSpPr>
-        <p:spPr/>
-        <p:txBody>
           <a:bodyPr>
             <a:normAutofit/>
           </a:bodyPr>
@@ -15243,7 +17420,7 @@
                 </a:solidFill>
               </a:rPr>
               <a:pPr/>
-              <a:t>24</a:t>
+              <a:t>30</a:t>
             </a:fld>
             <a:endParaRPr lang="en-US">
               <a:solidFill>
@@ -15449,7 +17626,7 @@
 </p:sld>
 </file>
 
-<file path=ppt/slides/slide25.xml><?xml version="1.0" encoding="utf-8"?>
+<file path=ppt/slides/slide31.xml><?xml version="1.0" encoding="utf-8"?>
 <p:sld xmlns:a="http://schemas.openxmlformats.org/drawingml/2006/main" xmlns:r="http://schemas.openxmlformats.org/officeDocument/2006/relationships" xmlns:p="http://schemas.openxmlformats.org/presentationml/2006/main">
   <p:cSld>
     <p:spTree>
@@ -15514,7 +17691,7 @@
                 </a:solidFill>
               </a:rPr>
               <a:pPr/>
-              <a:t>25</a:t>
+              <a:t>31</a:t>
             </a:fld>
             <a:endParaRPr lang="en-US">
               <a:solidFill>
@@ -16871,7 +19048,7 @@
 </p:sld>
 </file>
 
-<file path=ppt/slides/slide26.xml><?xml version="1.0" encoding="utf-8"?>
+<file path=ppt/slides/slide32.xml><?xml version="1.0" encoding="utf-8"?>
 <p:sld xmlns:a="http://schemas.openxmlformats.org/drawingml/2006/main" xmlns:r="http://schemas.openxmlformats.org/officeDocument/2006/relationships" xmlns:p="http://schemas.openxmlformats.org/presentationml/2006/main">
   <p:cSld>
     <p:spTree>
@@ -16969,7 +19146,7 @@
           <a:p>
             <a:fld id="{E4A74525-021D-496D-B39D-9668564A137C}" type="slidenum">
               <a:rPr lang="en-US" smtClean="0"/>
-              <a:t>26</a:t>
+              <a:t>32</a:t>
             </a:fld>
             <a:endParaRPr lang="en-US"/>
           </a:p>
@@ -16988,7 +19165,7 @@
 </p:sld>
 </file>
 
-<file path=ppt/slides/slide27.xml><?xml version="1.0" encoding="utf-8"?>
+<file path=ppt/slides/slide33.xml><?xml version="1.0" encoding="utf-8"?>
 <p:sld xmlns:a="http://schemas.openxmlformats.org/drawingml/2006/main" xmlns:r="http://schemas.openxmlformats.org/officeDocument/2006/relationships" xmlns:p="http://schemas.openxmlformats.org/presentationml/2006/main">
   <p:cSld>
     <p:spTree>
@@ -17076,7 +19253,7 @@
           <a:p>
             <a:fld id="{E4A74525-021D-496D-B39D-9668564A137C}" type="slidenum">
               <a:rPr lang="en-US" smtClean="0"/>
-              <a:t>27</a:t>
+              <a:t>33</a:t>
             </a:fld>
             <a:endParaRPr lang="en-US"/>
           </a:p>
@@ -17095,7 +19272,7 @@
 </p:sld>
 </file>
 
-<file path=ppt/slides/slide28.xml><?xml version="1.0" encoding="utf-8"?>
+<file path=ppt/slides/slide34.xml><?xml version="1.0" encoding="utf-8"?>
 <p:sld xmlns:a="http://schemas.openxmlformats.org/drawingml/2006/main" xmlns:r="http://schemas.openxmlformats.org/officeDocument/2006/relationships" xmlns:p="http://schemas.openxmlformats.org/presentationml/2006/main">
   <p:cSld>
     <p:spTree>
@@ -17190,7 +19367,7 @@
           <a:p>
             <a:fld id="{E4A74525-021D-496D-B39D-9668564A137C}" type="slidenum">
               <a:rPr lang="en-US" smtClean="0"/>
-              <a:t>28</a:t>
+              <a:t>34</a:t>
             </a:fld>
             <a:endParaRPr lang="en-US"/>
           </a:p>
@@ -17417,7 +19594,7 @@
 </p:sld>
 </file>
 
-<file path=ppt/slides/slide29.xml><?xml version="1.0" encoding="utf-8"?>
+<file path=ppt/slides/slide35.xml><?xml version="1.0" encoding="utf-8"?>
 <p:sld xmlns:a="http://schemas.openxmlformats.org/drawingml/2006/main" xmlns:r="http://schemas.openxmlformats.org/officeDocument/2006/relationships" xmlns:p="http://schemas.openxmlformats.org/presentationml/2006/main">
   <p:cSld>
     <p:spTree>
@@ -17506,7 +19683,7 @@
           <a:p>
             <a:fld id="{E4A74525-021D-496D-B39D-9668564A137C}" type="slidenum">
               <a:rPr lang="en-US" smtClean="0"/>
-              <a:t>29</a:t>
+              <a:t>35</a:t>
             </a:fld>
             <a:endParaRPr lang="en-US"/>
           </a:p>
@@ -17525,7 +19702,7 @@
 </p:sld>
 </file>
 
-<file path=ppt/slides/slide3.xml><?xml version="1.0" encoding="utf-8"?>
+<file path=ppt/slides/slide36.xml><?xml version="1.0" encoding="utf-8"?>
 <p:sld xmlns:a="http://schemas.openxmlformats.org/drawingml/2006/main" xmlns:r="http://schemas.openxmlformats.org/officeDocument/2006/relationships" xmlns:p="http://schemas.openxmlformats.org/presentationml/2006/main">
   <p:cSld>
     <p:spTree>
@@ -17559,7 +19736,7 @@
           <a:p>
             <a:r>
               <a:rPr lang="en-US" dirty="0"/>
-              <a:t>Learning Outcomes for this Module</a:t>
+              <a:t>Example 2: mark-depth</a:t>
             </a:r>
           </a:p>
         </p:txBody>
@@ -17581,126 +19758,6 @@
           </a:bodyPr>
           <a:lstStyle/>
           <a:p>
-            <a:r>
-              <a:rPr lang="en-US" dirty="0"/>
-              <a:t>At the end of this module, you should be able to</a:t>
-            </a:r>
-          </a:p>
-          <a:p>
-            <a:pPr lvl="1"/>
-            <a:r>
-              <a:rPr lang="en-US" dirty="0"/>
-              <a:t>Determine from the purpose statement of a function whether an invariant is necessary.</a:t>
-            </a:r>
-          </a:p>
-          <a:p>
-            <a:pPr lvl="1"/>
-            <a:r>
-              <a:rPr lang="en-US" dirty="0"/>
-              <a:t>write invariants to document the assumptions that a function makes about its arguments.</a:t>
-            </a:r>
-          </a:p>
-          <a:p>
-            <a:pPr lvl="1"/>
-            <a:r>
-              <a:rPr lang="en-US" dirty="0"/>
-              <a:t>explain how invariants divide responsibility between a function and its callers.</a:t>
-            </a:r>
-          </a:p>
-        </p:txBody>
-      </p:sp>
-      <p:sp>
-        <p:nvSpPr>
-          <p:cNvPr id="4" name="Slide Number Placeholder 3"/>
-          <p:cNvSpPr>
-            <a:spLocks noGrp="1"/>
-          </p:cNvSpPr>
-          <p:nvPr>
-            <p:ph type="sldNum" sz="quarter" idx="12"/>
-          </p:nvPr>
-        </p:nvSpPr>
-        <p:spPr/>
-        <p:txBody>
-          <a:bodyPr/>
-          <a:lstStyle/>
-          <a:p>
-            <a:fld id="{E4A74525-021D-496D-B39D-9668564A137C}" type="slidenum">
-              <a:rPr lang="en-US" smtClean="0"/>
-              <a:t>3</a:t>
-            </a:fld>
-            <a:endParaRPr lang="en-US"/>
-          </a:p>
-        </p:txBody>
-      </p:sp>
-    </p:spTree>
-    <p:extLst>
-      <p:ext uri="{BB962C8B-B14F-4D97-AF65-F5344CB8AC3E}">
-        <p14:creationId xmlns:p14="http://schemas.microsoft.com/office/powerpoint/2010/main" val="4181156219"/>
-      </p:ext>
-    </p:extLst>
-  </p:cSld>
-  <p:clrMapOvr>
-    <a:masterClrMapping/>
-  </p:clrMapOvr>
-</p:sld>
-</file>
-
-<file path=ppt/slides/slide30.xml><?xml version="1.0" encoding="utf-8"?>
-<p:sld xmlns:a="http://schemas.openxmlformats.org/drawingml/2006/main" xmlns:r="http://schemas.openxmlformats.org/officeDocument/2006/relationships" xmlns:p="http://schemas.openxmlformats.org/presentationml/2006/main">
-  <p:cSld>
-    <p:spTree>
-      <p:nvGrpSpPr>
-        <p:cNvPr id="1" name=""/>
-        <p:cNvGrpSpPr/>
-        <p:nvPr/>
-      </p:nvGrpSpPr>
-      <p:grpSpPr>
-        <a:xfrm>
-          <a:off x="0" y="0"/>
-          <a:ext cx="0" cy="0"/>
-          <a:chOff x="0" y="0"/>
-          <a:chExt cx="0" cy="0"/>
-        </a:xfrm>
-      </p:grpSpPr>
-      <p:sp>
-        <p:nvSpPr>
-          <p:cNvPr id="2" name="Title 1"/>
-          <p:cNvSpPr>
-            <a:spLocks noGrp="1"/>
-          </p:cNvSpPr>
-          <p:nvPr>
-            <p:ph type="title"/>
-          </p:nvPr>
-        </p:nvSpPr>
-        <p:spPr/>
-        <p:txBody>
-          <a:bodyPr/>
-          <a:lstStyle/>
-          <a:p>
-            <a:r>
-              <a:rPr lang="en-US" dirty="0"/>
-              <a:t>Example 2: mark-depth</a:t>
-            </a:r>
-          </a:p>
-        </p:txBody>
-      </p:sp>
-      <p:sp>
-        <p:nvSpPr>
-          <p:cNvPr id="3" name="Content Placeholder 2"/>
-          <p:cNvSpPr>
-            <a:spLocks noGrp="1"/>
-          </p:cNvSpPr>
-          <p:nvPr>
-            <p:ph idx="1"/>
-          </p:nvPr>
-        </p:nvSpPr>
-        <p:spPr/>
-        <p:txBody>
-          <a:bodyPr>
-            <a:normAutofit/>
-          </a:bodyPr>
-          <a:lstStyle/>
-          <a:p>
             <a:pPr>
               <a:buNone/>
             </a:pPr>
@@ -17869,7 +19926,7 @@
           <a:p>
             <a:fld id="{E4A74525-021D-496D-B39D-9668564A137C}" type="slidenum">
               <a:rPr lang="en-US" smtClean="0"/>
-              <a:t>30</a:t>
+              <a:t>36</a:t>
             </a:fld>
             <a:endParaRPr lang="en-US"/>
           </a:p>
@@ -17995,7 +20052,7 @@
 </p:sld>
 </file>
 
-<file path=ppt/slides/slide31.xml><?xml version="1.0" encoding="utf-8"?>
+<file path=ppt/slides/slide37.xml><?xml version="1.0" encoding="utf-8"?>
 <p:sld xmlns:a="http://schemas.openxmlformats.org/drawingml/2006/main" xmlns:r="http://schemas.openxmlformats.org/officeDocument/2006/relationships" xmlns:p="http://schemas.openxmlformats.org/presentationml/2006/main">
   <p:cSld>
     <p:spTree>
@@ -18153,7 +20210,7 @@
           <a:p>
             <a:fld id="{E4A74525-021D-496D-B39D-9668564A137C}" type="slidenum">
               <a:rPr lang="en-US" smtClean="0"/>
-              <a:t>31</a:t>
+              <a:t>37</a:t>
             </a:fld>
             <a:endParaRPr lang="en-US"/>
           </a:p>
@@ -18172,7 +20229,7 @@
 </p:sld>
 </file>
 
-<file path=ppt/slides/slide32.xml><?xml version="1.0" encoding="utf-8"?>
+<file path=ppt/slides/slide38.xml><?xml version="1.0" encoding="utf-8"?>
 <p:sld xmlns:a="http://schemas.openxmlformats.org/drawingml/2006/main" xmlns:r="http://schemas.openxmlformats.org/officeDocument/2006/relationships" xmlns:p="http://schemas.openxmlformats.org/presentationml/2006/main">
   <p:cSld>
     <p:spTree>
@@ -18228,7 +20285,7 @@
           <a:p>
             <a:fld id="{E4A74525-021D-496D-B39D-9668564A137C}" type="slidenum">
               <a:rPr lang="en-US" smtClean="0"/>
-              <a:t>32</a:t>
+              <a:t>38</a:t>
             </a:fld>
             <a:endParaRPr lang="en-US"/>
           </a:p>
@@ -19799,7 +21856,7 @@
 </p:sld>
 </file>
 
-<file path=ppt/slides/slide33.xml><?xml version="1.0" encoding="utf-8"?>
+<file path=ppt/slides/slide39.xml><?xml version="1.0" encoding="utf-8"?>
 <p:sld xmlns:a="http://schemas.openxmlformats.org/drawingml/2006/main" xmlns:r="http://schemas.openxmlformats.org/officeDocument/2006/relationships" xmlns:p="http://schemas.openxmlformats.org/presentationml/2006/main">
   <p:cSld>
     <p:spTree>
@@ -20071,7 +22128,7 @@
           <a:p>
             <a:fld id="{E4A74525-021D-496D-B39D-9668564A137C}" type="slidenum">
               <a:rPr lang="en-US" smtClean="0"/>
-              <a:t>33</a:t>
+              <a:t>39</a:t>
             </a:fld>
             <a:endParaRPr lang="en-US"/>
           </a:p>
@@ -20165,7 +22222,7 @@
 </p:sld>
 </file>
 
-<file path=ppt/slides/slide34.xml><?xml version="1.0" encoding="utf-8"?>
+<file path=ppt/slides/slide4.xml><?xml version="1.0" encoding="utf-8"?>
 <p:sld xmlns:a="http://schemas.openxmlformats.org/drawingml/2006/main" xmlns:r="http://schemas.openxmlformats.org/officeDocument/2006/relationships" xmlns:p="http://schemas.openxmlformats.org/presentationml/2006/main">
   <p:cSld>
     <p:spTree>
@@ -20199,6 +22256,103 @@
           <a:p>
             <a:r>
               <a:rPr lang="en-US" dirty="0"/>
+              <a:t>Module 07</a:t>
+            </a:r>
+          </a:p>
+        </p:txBody>
+      </p:sp>
+      <p:sp>
+        <p:nvSpPr>
+          <p:cNvPr id="3" name="Slide Number Placeholder 2"/>
+          <p:cNvSpPr>
+            <a:spLocks noGrp="1"/>
+          </p:cNvSpPr>
+          <p:nvPr>
+            <p:ph type="sldNum" sz="quarter" idx="12"/>
+          </p:nvPr>
+        </p:nvSpPr>
+        <p:spPr/>
+        <p:txBody>
+          <a:bodyPr/>
+          <a:lstStyle/>
+          <a:p>
+            <a:fld id="{2AF3B5EA-18B6-4040-9F78-6052AF49C681}" type="slidenum">
+              <a:rPr lang="en-US" smtClean="0"/>
+              <a:t>4</a:t>
+            </a:fld>
+            <a:endParaRPr lang="en-US"/>
+          </a:p>
+        </p:txBody>
+      </p:sp>
+      <p:graphicFrame>
+        <p:nvGraphicFramePr>
+          <p:cNvPr id="6" name="Diagram 5"/>
+          <p:cNvGraphicFramePr/>
+          <p:nvPr>
+            <p:extLst>
+              <p:ext uri="{D42A27DB-BD31-4B8C-83A1-F6EECF244321}">
+                <p14:modId xmlns:p14="http://schemas.microsoft.com/office/powerpoint/2010/main" val="3957966568"/>
+              </p:ext>
+            </p:extLst>
+          </p:nvPr>
+        </p:nvGraphicFramePr>
+        <p:xfrm>
+          <a:off x="1524000" y="1727994"/>
+          <a:ext cx="6096000" cy="4520406"/>
+        </p:xfrm>
+        <a:graphic>
+          <a:graphicData uri="http://schemas.openxmlformats.org/drawingml/2006/diagram">
+            <dgm:relIds xmlns:dgm="http://schemas.openxmlformats.org/drawingml/2006/diagram" xmlns:r="http://schemas.openxmlformats.org/officeDocument/2006/relationships" r:dm="rId2" r:lo="rId3" r:qs="rId4" r:cs="rId5"/>
+          </a:graphicData>
+        </a:graphic>
+      </p:graphicFrame>
+    </p:spTree>
+    <p:extLst>
+      <p:ext uri="{BB962C8B-B14F-4D97-AF65-F5344CB8AC3E}">
+        <p14:creationId xmlns:p14="http://schemas.microsoft.com/office/powerpoint/2010/main" val="1123379836"/>
+      </p:ext>
+    </p:extLst>
+  </p:cSld>
+  <p:clrMapOvr>
+    <a:masterClrMapping/>
+  </p:clrMapOvr>
+</p:sld>
+</file>
+
+<file path=ppt/slides/slide40.xml><?xml version="1.0" encoding="utf-8"?>
+<p:sld xmlns:a="http://schemas.openxmlformats.org/drawingml/2006/main" xmlns:r="http://schemas.openxmlformats.org/officeDocument/2006/relationships" xmlns:p="http://schemas.openxmlformats.org/presentationml/2006/main">
+  <p:cSld>
+    <p:spTree>
+      <p:nvGrpSpPr>
+        <p:cNvPr id="1" name=""/>
+        <p:cNvGrpSpPr/>
+        <p:nvPr/>
+      </p:nvGrpSpPr>
+      <p:grpSpPr>
+        <a:xfrm>
+          <a:off x="0" y="0"/>
+          <a:ext cx="0" cy="0"/>
+          <a:chOff x="0" y="0"/>
+          <a:chExt cx="0" cy="0"/>
+        </a:xfrm>
+      </p:grpSpPr>
+      <p:sp>
+        <p:nvSpPr>
+          <p:cNvPr id="2" name="Title 1"/>
+          <p:cNvSpPr>
+            <a:spLocks noGrp="1"/>
+          </p:cNvSpPr>
+          <p:nvPr>
+            <p:ph type="title"/>
+          </p:nvPr>
+        </p:nvSpPr>
+        <p:spPr/>
+        <p:txBody>
+          <a:bodyPr/>
+          <a:lstStyle/>
+          <a:p>
+            <a:r>
+              <a:rPr lang="en-US" dirty="0"/>
               <a:t>Filling in the template</a:t>
             </a:r>
           </a:p>
@@ -20387,7 +22541,7 @@
           <a:p>
             <a:fld id="{E4A74525-021D-496D-B39D-9668564A137C}" type="slidenum">
               <a:rPr lang="en-US" smtClean="0"/>
-              <a:t>34</a:t>
+              <a:t>40</a:t>
             </a:fld>
             <a:endParaRPr lang="en-US"/>
           </a:p>
@@ -20537,7 +22691,7 @@
 </p:sld>
 </file>
 
-<file path=ppt/slides/slide35.xml><?xml version="1.0" encoding="utf-8"?>
+<file path=ppt/slides/slide41.xml><?xml version="1.0" encoding="utf-8"?>
 <p:sld xmlns:a="http://schemas.openxmlformats.org/drawingml/2006/main" xmlns:r="http://schemas.openxmlformats.org/officeDocument/2006/relationships" xmlns:p="http://schemas.openxmlformats.org/presentationml/2006/main">
   <p:cSld>
     <p:spTree>
@@ -21085,7 +23239,7 @@
                 </a:solidFill>
               </a:rPr>
               <a:pPr/>
-              <a:t>35</a:t>
+              <a:t>41</a:t>
             </a:fld>
             <a:endParaRPr lang="en-US">
               <a:solidFill>
@@ -21998,7 +24152,7 @@
 </p:sld>
 </file>
 
-<file path=ppt/slides/slide36.xml><?xml version="1.0" encoding="utf-8"?>
+<file path=ppt/slides/slide42.xml><?xml version="1.0" encoding="utf-8"?>
 <p:sld xmlns:a="http://schemas.openxmlformats.org/drawingml/2006/main" xmlns:r="http://schemas.openxmlformats.org/officeDocument/2006/relationships" xmlns:p="http://schemas.openxmlformats.org/presentationml/2006/main">
   <p:cSld>
     <p:spTree>
@@ -22158,7 +24312,7 @@
                 </a:solidFill>
               </a:rPr>
               <a:pPr/>
-              <a:t>36</a:t>
+              <a:t>42</a:t>
             </a:fld>
             <a:endParaRPr lang="en-US">
               <a:solidFill>
@@ -22272,7 +24426,7 @@
 </p:sld>
 </file>
 
-<file path=ppt/slides/slide37.xml><?xml version="1.0" encoding="utf-8"?>
+<file path=ppt/slides/slide43.xml><?xml version="1.0" encoding="utf-8"?>
 <p:sld xmlns:a="http://schemas.openxmlformats.org/drawingml/2006/main" xmlns:r="http://schemas.openxmlformats.org/officeDocument/2006/relationships" xmlns:p="http://schemas.openxmlformats.org/presentationml/2006/main">
   <p:cSld>
     <p:spTree>
@@ -22384,7 +24538,7 @@
                 </a:solidFill>
               </a:rPr>
               <a:pPr/>
-              <a:t>37</a:t>
+              <a:t>43</a:t>
             </a:fld>
             <a:endParaRPr lang="en-US">
               <a:solidFill>
@@ -22409,7 +24563,7 @@
 </p:sld>
 </file>
 
-<file path=ppt/slides/slide38.xml><?xml version="1.0" encoding="utf-8"?>
+<file path=ppt/slides/slide44.xml><?xml version="1.0" encoding="utf-8"?>
 <p:sld xmlns:a="http://schemas.openxmlformats.org/drawingml/2006/main" xmlns:r="http://schemas.openxmlformats.org/officeDocument/2006/relationships" xmlns:p="http://schemas.openxmlformats.org/presentationml/2006/main">
   <p:cSld>
     <p:spTree>
@@ -22932,7 +25086,7 @@
                 </a:solidFill>
               </a:rPr>
               <a:pPr/>
-              <a:t>38</a:t>
+              <a:t>44</a:t>
             </a:fld>
             <a:endParaRPr lang="en-US">
               <a:solidFill>
@@ -23321,7 +25475,7 @@
 </p:sld>
 </file>
 
-<file path=ppt/slides/slide39.xml><?xml version="1.0" encoding="utf-8"?>
+<file path=ppt/slides/slide45.xml><?xml version="1.0" encoding="utf-8"?>
 <p:sld xmlns:a="http://schemas.openxmlformats.org/drawingml/2006/main" xmlns:r="http://schemas.openxmlformats.org/officeDocument/2006/relationships" xmlns:p="http://schemas.openxmlformats.org/presentationml/2006/main">
   <p:cSld>
     <p:spTree>
@@ -23828,7 +25982,7 @@
                 </a:solidFill>
               </a:rPr>
               <a:pPr/>
-              <a:t>39</a:t>
+              <a:t>45</a:t>
             </a:fld>
             <a:endParaRPr lang="en-US">
               <a:solidFill>
@@ -24122,7 +26276,7 @@
 </p:sld>
 </file>
 
-<file path=ppt/slides/slide4.xml><?xml version="1.0" encoding="utf-8"?>
+<file path=ppt/slides/slide46.xml><?xml version="1.0" encoding="utf-8"?>
 <p:sld xmlns:a="http://schemas.openxmlformats.org/drawingml/2006/main" xmlns:r="http://schemas.openxmlformats.org/officeDocument/2006/relationships" xmlns:p="http://schemas.openxmlformats.org/presentationml/2006/main">
   <p:cSld>
     <p:spTree>
@@ -24151,103 +26305,6 @@
         </p:nvSpPr>
         <p:spPr/>
         <p:txBody>
-          <a:bodyPr/>
-          <a:lstStyle/>
-          <a:p>
-            <a:r>
-              <a:rPr lang="en-US" dirty="0"/>
-              <a:t>Module 07</a:t>
-            </a:r>
-          </a:p>
-        </p:txBody>
-      </p:sp>
-      <p:sp>
-        <p:nvSpPr>
-          <p:cNvPr id="3" name="Slide Number Placeholder 2"/>
-          <p:cNvSpPr>
-            <a:spLocks noGrp="1"/>
-          </p:cNvSpPr>
-          <p:nvPr>
-            <p:ph type="sldNum" sz="quarter" idx="12"/>
-          </p:nvPr>
-        </p:nvSpPr>
-        <p:spPr/>
-        <p:txBody>
-          <a:bodyPr/>
-          <a:lstStyle/>
-          <a:p>
-            <a:fld id="{2AF3B5EA-18B6-4040-9F78-6052AF49C681}" type="slidenum">
-              <a:rPr lang="en-US" smtClean="0"/>
-              <a:t>4</a:t>
-            </a:fld>
-            <a:endParaRPr lang="en-US"/>
-          </a:p>
-        </p:txBody>
-      </p:sp>
-      <p:graphicFrame>
-        <p:nvGraphicFramePr>
-          <p:cNvPr id="6" name="Diagram 5"/>
-          <p:cNvGraphicFramePr/>
-          <p:nvPr>
-            <p:extLst>
-              <p:ext uri="{D42A27DB-BD31-4B8C-83A1-F6EECF244321}">
-                <p14:modId xmlns:p14="http://schemas.microsoft.com/office/powerpoint/2010/main" val="3957966568"/>
-              </p:ext>
-            </p:extLst>
-          </p:nvPr>
-        </p:nvGraphicFramePr>
-        <p:xfrm>
-          <a:off x="1524000" y="1727994"/>
-          <a:ext cx="6096000" cy="4520406"/>
-        </p:xfrm>
-        <a:graphic>
-          <a:graphicData uri="http://schemas.openxmlformats.org/drawingml/2006/diagram">
-            <dgm:relIds xmlns:dgm="http://schemas.openxmlformats.org/drawingml/2006/diagram" xmlns:r="http://schemas.openxmlformats.org/officeDocument/2006/relationships" r:dm="rId2" r:lo="rId3" r:qs="rId4" r:cs="rId5"/>
-          </a:graphicData>
-        </a:graphic>
-      </p:graphicFrame>
-    </p:spTree>
-    <p:extLst>
-      <p:ext uri="{BB962C8B-B14F-4D97-AF65-F5344CB8AC3E}">
-        <p14:creationId xmlns:p14="http://schemas.microsoft.com/office/powerpoint/2010/main" val="1123379836"/>
-      </p:ext>
-    </p:extLst>
-  </p:cSld>
-  <p:clrMapOvr>
-    <a:masterClrMapping/>
-  </p:clrMapOvr>
-</p:sld>
-</file>
-
-<file path=ppt/slides/slide40.xml><?xml version="1.0" encoding="utf-8"?>
-<p:sld xmlns:a="http://schemas.openxmlformats.org/drawingml/2006/main" xmlns:r="http://schemas.openxmlformats.org/officeDocument/2006/relationships" xmlns:p="http://schemas.openxmlformats.org/presentationml/2006/main">
-  <p:cSld>
-    <p:spTree>
-      <p:nvGrpSpPr>
-        <p:cNvPr id="1" name=""/>
-        <p:cNvGrpSpPr/>
-        <p:nvPr/>
-      </p:nvGrpSpPr>
-      <p:grpSpPr>
-        <a:xfrm>
-          <a:off x="0" y="0"/>
-          <a:ext cx="0" cy="0"/>
-          <a:chOff x="0" y="0"/>
-          <a:chExt cx="0" cy="0"/>
-        </a:xfrm>
-      </p:grpSpPr>
-      <p:sp>
-        <p:nvSpPr>
-          <p:cNvPr id="2" name="Title 1"/>
-          <p:cNvSpPr>
-            <a:spLocks noGrp="1"/>
-          </p:cNvSpPr>
-          <p:nvPr>
-            <p:ph type="title"/>
-          </p:nvPr>
-        </p:nvSpPr>
-        <p:spPr/>
-        <p:txBody>
           <a:bodyPr>
             <a:normAutofit fontScale="90000"/>
           </a:bodyPr>
@@ -24453,7 +26510,7 @@
                 </a:solidFill>
               </a:rPr>
               <a:pPr/>
-              <a:t>40</a:t>
+              <a:t>46</a:t>
             </a:fld>
             <a:endParaRPr lang="en-US">
               <a:solidFill>
@@ -24678,7 +26735,7 @@
 </p:sld>
 </file>
 
-<file path=ppt/slides/slide41.xml><?xml version="1.0" encoding="utf-8"?>
+<file path=ppt/slides/slide47.xml><?xml version="1.0" encoding="utf-8"?>
 <p:sld xmlns:a="http://schemas.openxmlformats.org/drawingml/2006/main" xmlns:r="http://schemas.openxmlformats.org/officeDocument/2006/relationships" xmlns:p="http://schemas.openxmlformats.org/presentationml/2006/main">
   <p:cSld>
     <p:spTree>
@@ -24805,7 +26862,7 @@
                 </a:solidFill>
               </a:rPr>
               <a:pPr/>
-              <a:t>41</a:t>
+              <a:t>47</a:t>
             </a:fld>
             <a:endParaRPr lang="en-US">
               <a:solidFill>
@@ -24830,7 +26887,7 @@
 </p:sld>
 </file>
 
-<file path=ppt/slides/slide42.xml><?xml version="1.0" encoding="utf-8"?>
+<file path=ppt/slides/slide48.xml><?xml version="1.0" encoding="utf-8"?>
 <p:sld xmlns:a="http://schemas.openxmlformats.org/drawingml/2006/main" xmlns:r="http://schemas.openxmlformats.org/officeDocument/2006/relationships" xmlns:p="http://schemas.openxmlformats.org/presentationml/2006/main">
   <p:cSld>
     <p:spTree>
@@ -24932,7 +26989,7 @@
                 </a:solidFill>
               </a:rPr>
               <a:pPr/>
-              <a:t>42</a:t>
+              <a:t>48</a:t>
             </a:fld>
             <a:endParaRPr lang="en-US">
               <a:solidFill>
@@ -24957,7 +27014,7 @@
 </p:sld>
 </file>
 
-<file path=ppt/slides/slide43.xml><?xml version="1.0" encoding="utf-8"?>
+<file path=ppt/slides/slide49.xml><?xml version="1.0" encoding="utf-8"?>
 <p:sld xmlns:a="http://schemas.openxmlformats.org/drawingml/2006/main" xmlns:r="http://schemas.openxmlformats.org/officeDocument/2006/relationships" xmlns:p="http://schemas.openxmlformats.org/presentationml/2006/main">
   <p:cSld>
     <p:spTree>
@@ -24976,6 +27033,607 @@
       </p:grpSpPr>
       <p:sp>
         <p:nvSpPr>
+          <p:cNvPr id="6" name="Content Placeholder 5"/>
+          <p:cNvSpPr>
+            <a:spLocks noGrp="1"/>
+          </p:cNvSpPr>
+          <p:nvPr>
+            <p:ph idx="1"/>
+          </p:nvPr>
+        </p:nvSpPr>
+        <p:spPr/>
+        <p:txBody>
+          <a:bodyPr/>
+          <a:lstStyle/>
+          <a:p>
+            <a:r>
+              <a:rPr lang="en-US" dirty="0"/>
+              <a:t>;; fact : </a:t>
+            </a:r>
+            <a:r>
+              <a:rPr lang="en-US" dirty="0" err="1"/>
+              <a:t>NonNegInt</a:t>
+            </a:r>
+            <a:r>
+              <a:rPr lang="en-US" dirty="0"/>
+              <a:t> -&gt; </a:t>
+            </a:r>
+            <a:r>
+              <a:rPr lang="en-US" dirty="0" err="1"/>
+              <a:t>NonNegInt</a:t>
+            </a:r>
+            <a:endParaRPr lang="en-US" dirty="0"/>
+          </a:p>
+          <a:p>
+            <a:r>
+              <a:rPr lang="en-US" dirty="0"/>
+              <a:t>;; GIVEN: a value n</a:t>
+            </a:r>
+          </a:p>
+          <a:p>
+            <a:r>
+              <a:rPr lang="en-US" dirty="0"/>
+              <a:t>;; RETURNS: the factorial of n</a:t>
+            </a:r>
+          </a:p>
+          <a:p>
+            <a:r>
+              <a:rPr lang="en-US" dirty="0"/>
+              <a:t>(define (fact n)</a:t>
+            </a:r>
+          </a:p>
+          <a:p>
+            <a:r>
+              <a:rPr lang="en-US" dirty="0"/>
+              <a:t>  (if (zero? n) 1</a:t>
+            </a:r>
+          </a:p>
+          <a:p>
+            <a:r>
+              <a:rPr lang="en-US" dirty="0"/>
+              <a:t>      (* n (fact (- n 1)))))</a:t>
+            </a:r>
+          </a:p>
+        </p:txBody>
+      </p:sp>
+      <p:sp>
+        <p:nvSpPr>
+          <p:cNvPr id="5" name="Title 4"/>
+          <p:cNvSpPr>
+            <a:spLocks noGrp="1"/>
+          </p:cNvSpPr>
+          <p:nvPr>
+            <p:ph type="title"/>
+          </p:nvPr>
+        </p:nvSpPr>
+        <p:spPr/>
+        <p:txBody>
+          <a:bodyPr/>
+          <a:lstStyle/>
+          <a:p>
+            <a:r>
+              <a:rPr lang="en-US" dirty="0"/>
+              <a:t>Example</a:t>
+            </a:r>
+          </a:p>
+        </p:txBody>
+      </p:sp>
+      <p:sp>
+        <p:nvSpPr>
+          <p:cNvPr id="4" name="Slide Number Placeholder 3"/>
+          <p:cNvSpPr>
+            <a:spLocks noGrp="1"/>
+          </p:cNvSpPr>
+          <p:nvPr>
+            <p:ph type="sldNum" sz="quarter" idx="12"/>
+          </p:nvPr>
+        </p:nvSpPr>
+        <p:spPr/>
+        <p:txBody>
+          <a:bodyPr/>
+          <a:lstStyle/>
+          <a:p>
+            <a:fld id="{2AF3B5EA-18B6-4040-9F78-6052AF49C681}" type="slidenum">
+              <a:rPr lang="en-US" smtClean="0"/>
+              <a:t>49</a:t>
+            </a:fld>
+            <a:endParaRPr lang="en-US"/>
+          </a:p>
+        </p:txBody>
+      </p:sp>
+      <p:sp>
+        <p:nvSpPr>
+          <p:cNvPr id="7" name="TextBox 6"/>
+          <p:cNvSpPr txBox="1"/>
+          <p:nvPr/>
+        </p:nvSpPr>
+        <p:spPr>
+          <a:xfrm>
+            <a:off x="457200" y="5334000"/>
+            <a:ext cx="2895600" cy="923330"/>
+          </a:xfrm>
+          <a:prstGeom prst="rect">
+            <a:avLst/>
+          </a:prstGeom>
+          <a:solidFill>
+            <a:schemeClr val="accent1">
+              <a:lumMod val="20000"/>
+              <a:lumOff val="80000"/>
+            </a:schemeClr>
+          </a:solidFill>
+        </p:spPr>
+        <p:txBody>
+          <a:bodyPr wrap="square" rtlCol="0">
+            <a:spAutoFit/>
+          </a:bodyPr>
+          <a:lstStyle/>
+          <a:p>
+            <a:r>
+              <a:rPr lang="en-US" dirty="0"/>
+              <a:t>Every function that calls </a:t>
+            </a:r>
+            <a:r>
+              <a:rPr lang="en-US" b="1" dirty="0"/>
+              <a:t>fact</a:t>
+            </a:r>
+            <a:r>
+              <a:rPr lang="en-US" dirty="0"/>
+              <a:t> must call it with a non-negative integer.</a:t>
+            </a:r>
+          </a:p>
+        </p:txBody>
+      </p:sp>
+      <p:sp>
+        <p:nvSpPr>
+          <p:cNvPr id="8" name="TextBox 7"/>
+          <p:cNvSpPr txBox="1"/>
+          <p:nvPr/>
+        </p:nvSpPr>
+        <p:spPr>
+          <a:xfrm>
+            <a:off x="3657600" y="5334000"/>
+            <a:ext cx="3276600" cy="1200329"/>
+          </a:xfrm>
+          <a:prstGeom prst="rect">
+            <a:avLst/>
+          </a:prstGeom>
+          <a:solidFill>
+            <a:schemeClr val="accent1">
+              <a:lumMod val="20000"/>
+              <a:lumOff val="80000"/>
+            </a:schemeClr>
+          </a:solidFill>
+        </p:spPr>
+        <p:txBody>
+          <a:bodyPr wrap="square" rtlCol="0">
+            <a:spAutoFit/>
+          </a:bodyPr>
+          <a:lstStyle>
+            <a:defPPr>
+              <a:defRPr lang="en-US"/>
+            </a:defPPr>
+          </a:lstStyle>
+          <a:p>
+            <a:r>
+              <a:rPr lang="en-US" dirty="0"/>
+              <a:t>This includes the recursive call to fact.   If n is a </a:t>
+            </a:r>
+            <a:r>
+              <a:rPr lang="en-US" dirty="0" err="1"/>
+              <a:t>NonNegInt</a:t>
+            </a:r>
+            <a:r>
+              <a:rPr lang="en-US" dirty="0"/>
+              <a:t> and is not 0, then n-1 is also a </a:t>
+            </a:r>
+            <a:r>
+              <a:rPr lang="en-US" dirty="0" err="1"/>
+              <a:t>NonNegInt</a:t>
+            </a:r>
+            <a:r>
+              <a:rPr lang="en-US" dirty="0"/>
+              <a:t>.  So this call is OK.</a:t>
+            </a:r>
+          </a:p>
+        </p:txBody>
+      </p:sp>
+      <p:sp>
+        <p:nvSpPr>
+          <p:cNvPr id="9" name="TextBox 8"/>
+          <p:cNvSpPr txBox="1"/>
+          <p:nvPr/>
+        </p:nvSpPr>
+        <p:spPr>
+          <a:xfrm>
+            <a:off x="7048500" y="5333999"/>
+            <a:ext cx="1943100" cy="1477328"/>
+          </a:xfrm>
+          <a:prstGeom prst="rect">
+            <a:avLst/>
+          </a:prstGeom>
+          <a:solidFill>
+            <a:schemeClr val="accent1">
+              <a:lumMod val="20000"/>
+              <a:lumOff val="80000"/>
+            </a:schemeClr>
+          </a:solidFill>
+        </p:spPr>
+        <p:txBody>
+          <a:bodyPr wrap="square" rtlCol="0">
+            <a:spAutoFit/>
+          </a:bodyPr>
+          <a:lstStyle>
+            <a:defPPr>
+              <a:defRPr lang="en-US"/>
+            </a:defPPr>
+          </a:lstStyle>
+          <a:p>
+            <a:r>
+              <a:rPr lang="en-US" dirty="0"/>
+              <a:t>If we’d written n-2 here instead of n-1, this call could violate the contract.</a:t>
+            </a:r>
+          </a:p>
+        </p:txBody>
+      </p:sp>
+      <p:sp>
+        <p:nvSpPr>
+          <p:cNvPr id="10" name="Arrow: Right 9"/>
+          <p:cNvSpPr/>
+          <p:nvPr/>
+        </p:nvSpPr>
+        <p:spPr>
+          <a:xfrm rot="15037802">
+            <a:off x="2962863" y="3897725"/>
+            <a:ext cx="909193" cy="625157"/>
+          </a:xfrm>
+          <a:prstGeom prst="rightArrow">
+            <a:avLst/>
+          </a:prstGeom>
+          <a:solidFill>
+            <a:schemeClr val="accent3">
+              <a:lumMod val="40000"/>
+              <a:lumOff val="60000"/>
+              <a:alpha val="71000"/>
+            </a:schemeClr>
+          </a:solidFill>
+          <a:ln w="38100">
+            <a:solidFill>
+              <a:schemeClr val="accent1">
+                <a:lumMod val="60000"/>
+                <a:lumOff val="40000"/>
+              </a:schemeClr>
+            </a:solidFill>
+          </a:ln>
+        </p:spPr>
+        <p:style>
+          <a:lnRef idx="2">
+            <a:schemeClr val="accent1"/>
+          </a:lnRef>
+          <a:fillRef idx="1">
+            <a:schemeClr val="lt1"/>
+          </a:fillRef>
+          <a:effectRef idx="0">
+            <a:schemeClr val="accent1"/>
+          </a:effectRef>
+          <a:fontRef idx="minor">
+            <a:schemeClr val="dk1"/>
+          </a:fontRef>
+        </p:style>
+        <p:txBody>
+          <a:bodyPr rot="0" spcFirstLastPara="0" vertOverflow="overflow" horzOverflow="overflow" vert="horz" wrap="square" lIns="91440" tIns="45720" rIns="91440" bIns="45720" numCol="1" spcCol="0" rtlCol="0" fromWordArt="0" anchor="ctr" anchorCtr="0" forceAA="0" compatLnSpc="1">
+            <a:prstTxWarp prst="textNoShape">
+              <a:avLst/>
+            </a:prstTxWarp>
+            <a:noAutofit/>
+          </a:bodyPr>
+          <a:lstStyle/>
+          <a:p>
+            <a:pPr algn="ctr"/>
+            <a:endParaRPr lang="en-US" dirty="0">
+              <a:solidFill>
+                <a:schemeClr val="tx1"/>
+              </a:solidFill>
+            </a:endParaRPr>
+          </a:p>
+        </p:txBody>
+      </p:sp>
+    </p:spTree>
+    <p:extLst>
+      <p:ext uri="{BB962C8B-B14F-4D97-AF65-F5344CB8AC3E}">
+        <p14:creationId xmlns:p14="http://schemas.microsoft.com/office/powerpoint/2010/main" val="1493780058"/>
+      </p:ext>
+    </p:extLst>
+  </p:cSld>
+  <p:clrMapOvr>
+    <a:masterClrMapping/>
+  </p:clrMapOvr>
+  <p:timing>
+    <p:tnLst>
+      <p:par>
+        <p:cTn id="1" dur="indefinite" restart="never" nodeType="tmRoot">
+          <p:childTnLst>
+            <p:seq concurrent="1" nextAc="seek">
+              <p:cTn id="2" dur="indefinite" nodeType="mainSeq">
+                <p:childTnLst>
+                  <p:par>
+                    <p:cTn id="3" fill="hold">
+                      <p:stCondLst>
+                        <p:cond delay="indefinite"/>
+                      </p:stCondLst>
+                      <p:childTnLst>
+                        <p:par>
+                          <p:cTn id="4" fill="hold">
+                            <p:stCondLst>
+                              <p:cond delay="0"/>
+                            </p:stCondLst>
+                            <p:childTnLst>
+                              <p:par>
+                                <p:cTn id="5" presetID="1" presetClass="entr" presetSubtype="0" fill="hold" grpId="0" nodeType="clickEffect">
+                                  <p:stCondLst>
+                                    <p:cond delay="0"/>
+                                  </p:stCondLst>
+                                  <p:childTnLst>
+                                    <p:set>
+                                      <p:cBhvr>
+                                        <p:cTn id="6" dur="1" fill="hold">
+                                          <p:stCondLst>
+                                            <p:cond delay="0"/>
+                                          </p:stCondLst>
+                                        </p:cTn>
+                                        <p:tgtEl>
+                                          <p:spTgt spid="8"/>
+                                        </p:tgtEl>
+                                        <p:attrNameLst>
+                                          <p:attrName>style.visibility</p:attrName>
+                                        </p:attrNameLst>
+                                      </p:cBhvr>
+                                      <p:to>
+                                        <p:strVal val="visible"/>
+                                      </p:to>
+                                    </p:set>
+                                  </p:childTnLst>
+                                </p:cTn>
+                              </p:par>
+                              <p:par>
+                                <p:cTn id="7" presetID="10" presetClass="entr" presetSubtype="0" fill="hold" grpId="0" nodeType="withEffect">
+                                  <p:stCondLst>
+                                    <p:cond delay="0"/>
+                                  </p:stCondLst>
+                                  <p:childTnLst>
+                                    <p:set>
+                                      <p:cBhvr>
+                                        <p:cTn id="8" dur="1" fill="hold">
+                                          <p:stCondLst>
+                                            <p:cond delay="0"/>
+                                          </p:stCondLst>
+                                        </p:cTn>
+                                        <p:tgtEl>
+                                          <p:spTgt spid="10"/>
+                                        </p:tgtEl>
+                                        <p:attrNameLst>
+                                          <p:attrName>style.visibility</p:attrName>
+                                        </p:attrNameLst>
+                                      </p:cBhvr>
+                                      <p:to>
+                                        <p:strVal val="visible"/>
+                                      </p:to>
+                                    </p:set>
+                                    <p:animEffect transition="in" filter="fade">
+                                      <p:cBhvr>
+                                        <p:cTn id="9" dur="500"/>
+                                        <p:tgtEl>
+                                          <p:spTgt spid="10"/>
+                                        </p:tgtEl>
+                                      </p:cBhvr>
+                                    </p:animEffect>
+                                  </p:childTnLst>
+                                </p:cTn>
+                              </p:par>
+                            </p:childTnLst>
+                          </p:cTn>
+                        </p:par>
+                      </p:childTnLst>
+                    </p:cTn>
+                  </p:par>
+                  <p:par>
+                    <p:cTn id="10" fill="hold">
+                      <p:stCondLst>
+                        <p:cond delay="indefinite"/>
+                      </p:stCondLst>
+                      <p:childTnLst>
+                        <p:par>
+                          <p:cTn id="11" fill="hold">
+                            <p:stCondLst>
+                              <p:cond delay="0"/>
+                            </p:stCondLst>
+                            <p:childTnLst>
+                              <p:par>
+                                <p:cTn id="12" presetID="1" presetClass="entr" presetSubtype="0" fill="hold" grpId="0" nodeType="clickEffect">
+                                  <p:stCondLst>
+                                    <p:cond delay="0"/>
+                                  </p:stCondLst>
+                                  <p:childTnLst>
+                                    <p:set>
+                                      <p:cBhvr>
+                                        <p:cTn id="13" dur="1" fill="hold">
+                                          <p:stCondLst>
+                                            <p:cond delay="0"/>
+                                          </p:stCondLst>
+                                        </p:cTn>
+                                        <p:tgtEl>
+                                          <p:spTgt spid="9"/>
+                                        </p:tgtEl>
+                                        <p:attrNameLst>
+                                          <p:attrName>style.visibility</p:attrName>
+                                        </p:attrNameLst>
+                                      </p:cBhvr>
+                                      <p:to>
+                                        <p:strVal val="visible"/>
+                                      </p:to>
+                                    </p:set>
+                                  </p:childTnLst>
+                                </p:cTn>
+                              </p:par>
+                            </p:childTnLst>
+                          </p:cTn>
+                        </p:par>
+                      </p:childTnLst>
+                    </p:cTn>
+                  </p:par>
+                </p:childTnLst>
+              </p:cTn>
+              <p:prevCondLst>
+                <p:cond evt="onPrev" delay="0">
+                  <p:tgtEl>
+                    <p:sldTgt/>
+                  </p:tgtEl>
+                </p:cond>
+              </p:prevCondLst>
+              <p:nextCondLst>
+                <p:cond evt="onNext" delay="0">
+                  <p:tgtEl>
+                    <p:sldTgt/>
+                  </p:tgtEl>
+                </p:cond>
+              </p:nextCondLst>
+            </p:seq>
+          </p:childTnLst>
+        </p:cTn>
+      </p:par>
+    </p:tnLst>
+    <p:bldLst>
+      <p:bldP spid="8" grpId="0" animBg="1"/>
+      <p:bldP spid="9" grpId="0" animBg="1"/>
+      <p:bldP spid="10" grpId="0" animBg="1"/>
+    </p:bldLst>
+  </p:timing>
+</p:sld>
+</file>
+
+<file path=ppt/slides/slide5.xml><?xml version="1.0" encoding="utf-8"?>
+<p:sld xmlns:a="http://schemas.openxmlformats.org/drawingml/2006/main" xmlns:r="http://schemas.openxmlformats.org/officeDocument/2006/relationships" xmlns:p="http://schemas.openxmlformats.org/presentationml/2006/main">
+  <p:cSld>
+    <p:spTree>
+      <p:nvGrpSpPr>
+        <p:cNvPr id="1" name=""/>
+        <p:cNvGrpSpPr/>
+        <p:nvPr/>
+      </p:nvGrpSpPr>
+      <p:grpSpPr>
+        <a:xfrm>
+          <a:off x="0" y="0"/>
+          <a:ext cx="0" cy="0"/>
+          <a:chOff x="0" y="0"/>
+          <a:chExt cx="0" cy="0"/>
+        </a:xfrm>
+      </p:grpSpPr>
+      <p:sp>
+        <p:nvSpPr>
+          <p:cNvPr id="4" name="Title 3"/>
+          <p:cNvSpPr>
+            <a:spLocks noGrp="1"/>
+          </p:cNvSpPr>
+          <p:nvPr>
+            <p:ph type="title"/>
+          </p:nvPr>
+        </p:nvSpPr>
+        <p:spPr/>
+        <p:txBody>
+          <a:bodyPr>
+            <a:normAutofit/>
+          </a:bodyPr>
+          <a:lstStyle/>
+          <a:p>
+            <a:r>
+              <a:rPr lang="en-US" dirty="0"/>
+              <a:t>What does a contract mean?</a:t>
+            </a:r>
+          </a:p>
+        </p:txBody>
+      </p:sp>
+      <p:sp>
+        <p:nvSpPr>
+          <p:cNvPr id="5" name="Content Placeholder 4"/>
+          <p:cNvSpPr>
+            <a:spLocks noGrp="1"/>
+          </p:cNvSpPr>
+          <p:nvPr>
+            <p:ph idx="1"/>
+          </p:nvPr>
+        </p:nvSpPr>
+        <p:spPr/>
+        <p:txBody>
+          <a:bodyPr/>
+          <a:lstStyle/>
+          <a:p>
+            <a:r>
+              <a:rPr lang="en-US" dirty="0"/>
+              <a:t>A function always gets to assume that its arguments satisfy its contract.</a:t>
+            </a:r>
+          </a:p>
+          <a:p>
+            <a:r>
+              <a:rPr lang="en-US" dirty="0"/>
+              <a:t>It’s up to the callers of the function to guarantee that the function’s contract is satisfied at every call.</a:t>
+            </a:r>
+          </a:p>
+        </p:txBody>
+      </p:sp>
+      <p:sp>
+        <p:nvSpPr>
+          <p:cNvPr id="3" name="Slide Number Placeholder 2"/>
+          <p:cNvSpPr>
+            <a:spLocks noGrp="1"/>
+          </p:cNvSpPr>
+          <p:nvPr>
+            <p:ph type="sldNum" sz="quarter" idx="12"/>
+          </p:nvPr>
+        </p:nvSpPr>
+        <p:spPr/>
+        <p:txBody>
+          <a:bodyPr/>
+          <a:lstStyle/>
+          <a:p>
+            <a:fld id="{2AF3B5EA-18B6-4040-9F78-6052AF49C681}" type="slidenum">
+              <a:rPr lang="en-US" smtClean="0"/>
+              <a:t>5</a:t>
+            </a:fld>
+            <a:endParaRPr lang="en-US"/>
+          </a:p>
+        </p:txBody>
+      </p:sp>
+    </p:spTree>
+    <p:extLst>
+      <p:ext uri="{BB962C8B-B14F-4D97-AF65-F5344CB8AC3E}">
+        <p14:creationId xmlns:p14="http://schemas.microsoft.com/office/powerpoint/2010/main" val="1312168348"/>
+      </p:ext>
+    </p:extLst>
+  </p:cSld>
+  <p:clrMapOvr>
+    <a:masterClrMapping/>
+  </p:clrMapOvr>
+</p:sld>
+</file>
+
+<file path=ppt/slides/slide50.xml><?xml version="1.0" encoding="utf-8"?>
+<p:sld xmlns:a="http://schemas.openxmlformats.org/drawingml/2006/main" xmlns:r="http://schemas.openxmlformats.org/officeDocument/2006/relationships" xmlns:p="http://schemas.openxmlformats.org/presentationml/2006/main">
+  <p:cSld>
+    <p:spTree>
+      <p:nvGrpSpPr>
+        <p:cNvPr id="1" name=""/>
+        <p:cNvGrpSpPr/>
+        <p:nvPr/>
+      </p:nvGrpSpPr>
+      <p:grpSpPr>
+        <a:xfrm>
+          <a:off x="0" y="0"/>
+          <a:ext cx="0" cy="0"/>
+          <a:chOff x="0" y="0"/>
+          <a:chExt cx="0" cy="0"/>
+        </a:xfrm>
+      </p:grpSpPr>
+      <p:sp>
+        <p:nvSpPr>
           <p:cNvPr id="2" name="Title 1"/>
           <p:cNvSpPr>
             <a:spLocks noGrp="1"/>
@@ -25049,7 +27707,7 @@
           <a:p>
             <a:fld id="{4FF46DE1-096B-4EDD-A00F-DA0292705DA0}" type="slidenum">
               <a:rPr lang="en-US" smtClean="0"/>
-              <a:t>43</a:t>
+              <a:t>50</a:t>
             </a:fld>
             <a:endParaRPr lang="en-US"/>
           </a:p>
@@ -25240,7 +27898,7 @@
 </p:sld>
 </file>
 
-<file path=ppt/slides/slide44.xml><?xml version="1.0" encoding="utf-8"?>
+<file path=ppt/slides/slide51.xml><?xml version="1.0" encoding="utf-8"?>
 <p:sld xmlns:a="http://schemas.openxmlformats.org/drawingml/2006/main" xmlns:r="http://schemas.openxmlformats.org/officeDocument/2006/relationships" xmlns:p="http://schemas.openxmlformats.org/presentationml/2006/main">
   <p:cSld>
     <p:spTree>
@@ -25325,7 +27983,7 @@
           <a:p>
             <a:fld id="{4FF46DE1-096B-4EDD-A00F-DA0292705DA0}" type="slidenum">
               <a:rPr lang="en-US" smtClean="0"/>
-              <a:t>44</a:t>
+              <a:t>51</a:t>
             </a:fld>
             <a:endParaRPr lang="en-US"/>
           </a:p>
@@ -25344,7 +28002,7 @@
 </p:sld>
 </file>
 
-<file path=ppt/slides/slide45.xml><?xml version="1.0" encoding="utf-8"?>
+<file path=ppt/slides/slide52.xml><?xml version="1.0" encoding="utf-8"?>
 <p:sld xmlns:a="http://schemas.openxmlformats.org/drawingml/2006/main" xmlns:r="http://schemas.openxmlformats.org/officeDocument/2006/relationships" xmlns:p="http://schemas.openxmlformats.org/presentationml/2006/main">
   <p:cSld>
     <p:spTree>
@@ -25439,7 +28097,7 @@
           <a:p>
             <a:fld id="{4FF46DE1-096B-4EDD-A00F-DA0292705DA0}" type="slidenum">
               <a:rPr lang="en-US" smtClean="0"/>
-              <a:t>45</a:t>
+              <a:t>52</a:t>
             </a:fld>
             <a:endParaRPr lang="en-US"/>
           </a:p>
@@ -25458,7 +28116,7 @@
 </p:sld>
 </file>
 
-<file path=ppt/slides/slide46.xml><?xml version="1.0" encoding="utf-8"?>
+<file path=ppt/slides/slide53.xml><?xml version="1.0" encoding="utf-8"?>
 <p:sld xmlns:a="http://schemas.openxmlformats.org/drawingml/2006/main" xmlns:r="http://schemas.openxmlformats.org/officeDocument/2006/relationships" xmlns:p="http://schemas.openxmlformats.org/presentationml/2006/main">
   <p:cSld>
     <p:spTree>
@@ -25571,7 +28229,7 @@
           <a:p>
             <a:fld id="{4FF46DE1-096B-4EDD-A00F-DA0292705DA0}" type="slidenum">
               <a:rPr lang="en-US" smtClean="0"/>
-              <a:t>46</a:t>
+              <a:t>53</a:t>
             </a:fld>
             <a:endParaRPr lang="en-US"/>
           </a:p>
@@ -25590,7 +28248,7 @@
 </p:sld>
 </file>
 
-<file path=ppt/slides/slide47.xml><?xml version="1.0" encoding="utf-8"?>
+<file path=ppt/slides/slide54.xml><?xml version="1.0" encoding="utf-8"?>
 <p:sld xmlns:a="http://schemas.openxmlformats.org/drawingml/2006/main" xmlns:r="http://schemas.openxmlformats.org/officeDocument/2006/relationships" xmlns:p="http://schemas.openxmlformats.org/presentationml/2006/main">
   <p:cSld>
     <p:spTree>
@@ -25683,7 +28341,7 @@
           <a:p>
             <a:fld id="{4FF46DE1-096B-4EDD-A00F-DA0292705DA0}" type="slidenum">
               <a:rPr lang="en-US" smtClean="0"/>
-              <a:t>47</a:t>
+              <a:t>54</a:t>
             </a:fld>
             <a:endParaRPr lang="en-US"/>
           </a:p>
@@ -25702,7 +28360,7 @@
 </p:sld>
 </file>
 
-<file path=ppt/slides/slide48.xml><?xml version="1.0" encoding="utf-8"?>
+<file path=ppt/slides/slide55.xml><?xml version="1.0" encoding="utf-8"?>
 <p:sld xmlns:a="http://schemas.openxmlformats.org/drawingml/2006/main" xmlns:r="http://schemas.openxmlformats.org/officeDocument/2006/relationships" xmlns:p="http://schemas.openxmlformats.org/presentationml/2006/main">
   <p:cSld>
     <p:spTree>
@@ -25894,7 +28552,7 @@
           <a:p>
             <a:fld id="{4FF46DE1-096B-4EDD-A00F-DA0292705DA0}" type="slidenum">
               <a:rPr lang="en-US" smtClean="0"/>
-              <a:t>48</a:t>
+              <a:t>55</a:t>
             </a:fld>
             <a:endParaRPr lang="en-US"/>
           </a:p>
@@ -26232,7 +28890,7 @@
 </p:sld>
 </file>
 
-<file path=ppt/slides/slide49.xml><?xml version="1.0" encoding="utf-8"?>
+<file path=ppt/slides/slide56.xml><?xml version="1.0" encoding="utf-8"?>
 <p:sld xmlns:a="http://schemas.openxmlformats.org/drawingml/2006/main" xmlns:r="http://schemas.openxmlformats.org/officeDocument/2006/relationships" xmlns:p="http://schemas.openxmlformats.org/presentationml/2006/main">
   <p:cSld>
     <p:spTree>
@@ -26447,7 +29105,7 @@
           <a:p>
             <a:fld id="{4FF46DE1-096B-4EDD-A00F-DA0292705DA0}" type="slidenum">
               <a:rPr lang="en-US" smtClean="0"/>
-              <a:t>49</a:t>
+              <a:t>56</a:t>
             </a:fld>
             <a:endParaRPr lang="en-US"/>
           </a:p>
@@ -26599,7 +29257,7 @@
 </p:sld>
 </file>
 
-<file path=ppt/slides/slide5.xml><?xml version="1.0" encoding="utf-8"?>
+<file path=ppt/slides/slide57.xml><?xml version="1.0" encoding="utf-8"?>
 <p:sld xmlns:a="http://schemas.openxmlformats.org/drawingml/2006/main" xmlns:r="http://schemas.openxmlformats.org/officeDocument/2006/relationships" xmlns:p="http://schemas.openxmlformats.org/presentationml/2006/main">
   <p:cSld>
     <p:spTree>
@@ -26618,288 +29276,6 @@
       </p:grpSpPr>
       <p:sp>
         <p:nvSpPr>
-          <p:cNvPr id="2" name="Title 1"/>
-          <p:cNvSpPr>
-            <a:spLocks noGrp="1"/>
-          </p:cNvSpPr>
-          <p:nvPr>
-            <p:ph type="title"/>
-          </p:nvPr>
-        </p:nvSpPr>
-        <p:spPr/>
-        <p:txBody>
-          <a:bodyPr/>
-          <a:lstStyle/>
-          <a:p>
-            <a:r>
-              <a:rPr lang="en-US" dirty="0"/>
-              <a:t>Example 1: number-list</a:t>
-            </a:r>
-          </a:p>
-        </p:txBody>
-      </p:sp>
-      <p:sp>
-        <p:nvSpPr>
-          <p:cNvPr id="3" name="Content Placeholder 2"/>
-          <p:cNvSpPr>
-            <a:spLocks noGrp="1"/>
-          </p:cNvSpPr>
-          <p:nvPr>
-            <p:ph idx="1"/>
-          </p:nvPr>
-        </p:nvSpPr>
-        <p:spPr/>
-        <p:txBody>
-          <a:bodyPr>
-            <a:normAutofit/>
-          </a:bodyPr>
-          <a:lstStyle/>
-          <a:p>
-            <a:pPr>
-              <a:spcBef>
-                <a:spcPts val="0"/>
-              </a:spcBef>
-              <a:buNone/>
-            </a:pPr>
-            <a:r>
-              <a:rPr lang="en-US" sz="2400" b="1" dirty="0">
-                <a:latin typeface="Consolas" pitchFamily="49" charset="0"/>
-                <a:cs typeface="Consolas" pitchFamily="49" charset="0"/>
-              </a:rPr>
-              <a:t>number-list : XList -&gt; </a:t>
-            </a:r>
-            <a:r>
-              <a:rPr lang="en-US" sz="2400" b="1" dirty="0" err="1">
-                <a:latin typeface="Consolas" pitchFamily="49" charset="0"/>
-                <a:cs typeface="Consolas" pitchFamily="49" charset="0"/>
-              </a:rPr>
-              <a:t>NumberedXList</a:t>
-            </a:r>
-            <a:endParaRPr lang="en-US" sz="2400" b="1" dirty="0">
-              <a:latin typeface="Consolas" pitchFamily="49" charset="0"/>
-              <a:cs typeface="Consolas" pitchFamily="49" charset="0"/>
-            </a:endParaRPr>
-          </a:p>
-          <a:p>
-            <a:pPr>
-              <a:spcBef>
-                <a:spcPts val="0"/>
-              </a:spcBef>
-              <a:buNone/>
-            </a:pPr>
-            <a:r>
-              <a:rPr lang="en-US" sz="2400" b="1" dirty="0">
-                <a:latin typeface="Consolas" pitchFamily="49" charset="0"/>
-                <a:cs typeface="Consolas" pitchFamily="49" charset="0"/>
-              </a:rPr>
-              <a:t>RETURNS: a list like the original, but with the</a:t>
-            </a:r>
-          </a:p>
-          <a:p>
-            <a:pPr>
-              <a:spcBef>
-                <a:spcPts val="0"/>
-              </a:spcBef>
-              <a:buNone/>
-            </a:pPr>
-            <a:r>
-              <a:rPr lang="en-US" sz="2400" b="1" dirty="0">
-                <a:latin typeface="Consolas" pitchFamily="49" charset="0"/>
-                <a:cs typeface="Consolas" pitchFamily="49" charset="0"/>
-              </a:rPr>
-              <a:t>   elements numbered consecutively, starting</a:t>
-            </a:r>
-          </a:p>
-          <a:p>
-            <a:pPr>
-              <a:spcBef>
-                <a:spcPts val="0"/>
-              </a:spcBef>
-              <a:buNone/>
-            </a:pPr>
-            <a:r>
-              <a:rPr lang="en-US" sz="2400" b="1" dirty="0">
-                <a:latin typeface="Consolas" pitchFamily="49" charset="0"/>
-                <a:cs typeface="Consolas" pitchFamily="49" charset="0"/>
-              </a:rPr>
-              <a:t>   from 1</a:t>
-            </a:r>
-          </a:p>
-          <a:p>
-            <a:pPr>
-              <a:buNone/>
-            </a:pPr>
-            <a:endParaRPr lang="en-US" sz="2400" b="1" dirty="0">
-              <a:latin typeface="Consolas" pitchFamily="49" charset="0"/>
-              <a:cs typeface="Consolas" pitchFamily="49" charset="0"/>
-            </a:endParaRPr>
-          </a:p>
-          <a:p>
-            <a:pPr>
-              <a:buNone/>
-            </a:pPr>
-            <a:r>
-              <a:rPr lang="en-US" sz="2400" b="1" dirty="0">
-                <a:latin typeface="Consolas" pitchFamily="49" charset="0"/>
-                <a:cs typeface="Consolas" pitchFamily="49" charset="0"/>
-              </a:rPr>
-              <a:t>(number-list (list 22 44 33)) </a:t>
-            </a:r>
-          </a:p>
-          <a:p>
-            <a:pPr>
-              <a:buNone/>
-            </a:pPr>
-            <a:r>
-              <a:rPr lang="en-US" sz="2400" b="1" dirty="0">
-                <a:latin typeface="Consolas" pitchFamily="49" charset="0"/>
-                <a:cs typeface="Consolas" pitchFamily="49" charset="0"/>
-              </a:rPr>
-              <a:t>  = (list (list 1 22) (list 2 44) (list 3 33))</a:t>
-            </a:r>
-          </a:p>
-          <a:p>
-            <a:pPr>
-              <a:buNone/>
-            </a:pPr>
-            <a:r>
-              <a:rPr lang="en-US" sz="2400" b="1" dirty="0">
-                <a:latin typeface="Consolas" pitchFamily="49" charset="0"/>
-                <a:cs typeface="Consolas" pitchFamily="49" charset="0"/>
-              </a:rPr>
-              <a:t>(number-list    (list 44 33)) </a:t>
-            </a:r>
-          </a:p>
-          <a:p>
-            <a:pPr>
-              <a:buNone/>
-            </a:pPr>
-            <a:r>
-              <a:rPr lang="en-US" sz="2400" b="1" dirty="0">
-                <a:latin typeface="Consolas" pitchFamily="49" charset="0"/>
-                <a:cs typeface="Consolas" pitchFamily="49" charset="0"/>
-              </a:rPr>
-              <a:t>  = (list (list 1 44) (list 2 33))</a:t>
-            </a:r>
-          </a:p>
-        </p:txBody>
-      </p:sp>
-      <p:sp>
-        <p:nvSpPr>
-          <p:cNvPr id="4" name="Slide Number Placeholder 3"/>
-          <p:cNvSpPr>
-            <a:spLocks noGrp="1"/>
-          </p:cNvSpPr>
-          <p:nvPr>
-            <p:ph type="sldNum" sz="quarter" idx="12"/>
-          </p:nvPr>
-        </p:nvSpPr>
-        <p:spPr/>
-        <p:txBody>
-          <a:bodyPr/>
-          <a:lstStyle/>
-          <a:p>
-            <a:fld id="{E4A74525-021D-496D-B39D-9668564A137C}" type="slidenum">
-              <a:rPr lang="en-US" smtClean="0"/>
-              <a:t>5</a:t>
-            </a:fld>
-            <a:endParaRPr lang="en-US"/>
-          </a:p>
-        </p:txBody>
-      </p:sp>
-      <p:sp>
-        <p:nvSpPr>
-          <p:cNvPr id="5" name="Rectangle 4"/>
-          <p:cNvSpPr/>
-          <p:nvPr/>
-        </p:nvSpPr>
-        <p:spPr>
-          <a:xfrm>
-            <a:off x="5486399" y="5867400"/>
-            <a:ext cx="3293125" cy="838200"/>
-          </a:xfrm>
-          <a:prstGeom prst="rect">
-            <a:avLst/>
-          </a:prstGeom>
-          <a:solidFill>
-            <a:schemeClr val="accent3">
-              <a:lumMod val="40000"/>
-              <a:lumOff val="60000"/>
-            </a:schemeClr>
-          </a:solidFill>
-          <a:ln>
-            <a:noFill/>
-          </a:ln>
-        </p:spPr>
-        <p:style>
-          <a:lnRef idx="2">
-            <a:schemeClr val="accent1"/>
-          </a:lnRef>
-          <a:fillRef idx="1">
-            <a:schemeClr val="lt1"/>
-          </a:fillRef>
-          <a:effectRef idx="0">
-            <a:schemeClr val="accent1"/>
-          </a:effectRef>
-          <a:fontRef idx="minor">
-            <a:schemeClr val="dk1"/>
-          </a:fontRef>
-        </p:style>
-        <p:txBody>
-          <a:bodyPr rot="0" spcFirstLastPara="0" vertOverflow="overflow" horzOverflow="overflow" vert="horz" wrap="square" lIns="91440" tIns="45720" rIns="91440" bIns="45720" numCol="1" spcCol="0" rtlCol="0" fromWordArt="0" anchor="ctr" anchorCtr="0" forceAA="0" compatLnSpc="1">
-            <a:prstTxWarp prst="textNoShape">
-              <a:avLst/>
-            </a:prstTxWarp>
-            <a:noAutofit/>
-          </a:bodyPr>
-          <a:lstStyle/>
-          <a:p>
-            <a:pPr>
-              <a:defRPr/>
-            </a:pPr>
-            <a:r>
-              <a:rPr lang="en-US" dirty="0">
-                <a:solidFill>
-                  <a:schemeClr val="tx1"/>
-                </a:solidFill>
-              </a:rPr>
-              <a:t>Here's an example of a problem that's hard using structural decomposition.</a:t>
-            </a:r>
-          </a:p>
-        </p:txBody>
-      </p:sp>
-    </p:spTree>
-    <p:extLst>
-      <p:ext uri="{BB962C8B-B14F-4D97-AF65-F5344CB8AC3E}">
-        <p14:creationId xmlns:p14="http://schemas.microsoft.com/office/powerpoint/2010/main" val="2090482319"/>
-      </p:ext>
-    </p:extLst>
-  </p:cSld>
-  <p:clrMapOvr>
-    <a:masterClrMapping/>
-  </p:clrMapOvr>
-</p:sld>
-</file>
-
-<file path=ppt/slides/slide50.xml><?xml version="1.0" encoding="utf-8"?>
-<p:sld xmlns:a="http://schemas.openxmlformats.org/drawingml/2006/main" xmlns:r="http://schemas.openxmlformats.org/officeDocument/2006/relationships" xmlns:p="http://schemas.openxmlformats.org/presentationml/2006/main">
-  <p:cSld>
-    <p:spTree>
-      <p:nvGrpSpPr>
-        <p:cNvPr id="1" name=""/>
-        <p:cNvGrpSpPr/>
-        <p:nvPr/>
-      </p:nvGrpSpPr>
-      <p:grpSpPr>
-        <a:xfrm>
-          <a:off x="0" y="0"/>
-          <a:ext cx="0" cy="0"/>
-          <a:chOff x="0" y="0"/>
-          <a:chExt cx="0" cy="0"/>
-        </a:xfrm>
-      </p:grpSpPr>
-      <p:sp>
-        <p:nvSpPr>
           <p:cNvPr id="6" name="Title 5"/>
           <p:cNvSpPr>
             <a:spLocks noGrp="1"/>
@@ -27382,7 +29758,7 @@
           <a:p>
             <a:fld id="{4FF46DE1-096B-4EDD-A00F-DA0292705DA0}" type="slidenum">
               <a:rPr lang="en-US" smtClean="0"/>
-              <a:t>50</a:t>
+              <a:t>57</a:t>
             </a:fld>
             <a:endParaRPr lang="en-US"/>
           </a:p>
@@ -27724,7 +30100,7 @@
 </p:sld>
 </file>
 
-<file path=ppt/slides/slide51.xml><?xml version="1.0" encoding="utf-8"?>
+<file path=ppt/slides/slide58.xml><?xml version="1.0" encoding="utf-8"?>
 <p:sld xmlns:a="http://schemas.openxmlformats.org/drawingml/2006/main" xmlns:r="http://schemas.openxmlformats.org/officeDocument/2006/relationships" xmlns:p="http://schemas.openxmlformats.org/presentationml/2006/main">
   <p:cSld>
     <p:spTree>
@@ -27810,7 +30186,7 @@
           <a:p>
             <a:fld id="{4FF46DE1-096B-4EDD-A00F-DA0292705DA0}" type="slidenum">
               <a:rPr lang="en-US" smtClean="0"/>
-              <a:t>51</a:t>
+              <a:t>58</a:t>
             </a:fld>
             <a:endParaRPr lang="en-US"/>
           </a:p>
@@ -27829,7 +30205,7 @@
 </p:sld>
 </file>
 
-<file path=ppt/slides/slide52.xml><?xml version="1.0" encoding="utf-8"?>
+<file path=ppt/slides/slide59.xml><?xml version="1.0" encoding="utf-8"?>
 <p:sld xmlns:a="http://schemas.openxmlformats.org/drawingml/2006/main" xmlns:r="http://schemas.openxmlformats.org/officeDocument/2006/relationships" xmlns:p="http://schemas.openxmlformats.org/presentationml/2006/main">
   <p:cSld>
     <p:spTree>
@@ -27918,7 +30294,7 @@
           <a:p>
             <a:fld id="{4FF46DE1-096B-4EDD-A00F-DA0292705DA0}" type="slidenum">
               <a:rPr lang="en-US" smtClean="0"/>
-              <a:t>52</a:t>
+              <a:t>59</a:t>
             </a:fld>
             <a:endParaRPr lang="en-US"/>
           </a:p>
@@ -27937,7 +30313,7 @@
 </p:sld>
 </file>
 
-<file path=ppt/slides/slide53.xml><?xml version="1.0" encoding="utf-8"?>
+<file path=ppt/slides/slide6.xml><?xml version="1.0" encoding="utf-8"?>
 <p:sld xmlns:a="http://schemas.openxmlformats.org/drawingml/2006/main" xmlns:r="http://schemas.openxmlformats.org/officeDocument/2006/relationships" xmlns:p="http://schemas.openxmlformats.org/presentationml/2006/main">
   <p:cSld>
     <p:spTree>
@@ -27956,7 +30332,35 @@
       </p:grpSpPr>
       <p:sp>
         <p:nvSpPr>
-          <p:cNvPr id="2" name="Title 1"/>
+          <p:cNvPr id="6" name="Content Placeholder 5"/>
+          <p:cNvSpPr>
+            <a:spLocks noGrp="1"/>
+          </p:cNvSpPr>
+          <p:nvPr>
+            <p:ph idx="1"/>
+          </p:nvPr>
+        </p:nvSpPr>
+        <p:spPr/>
+        <p:txBody>
+          <a:bodyPr/>
+          <a:lstStyle/>
+          <a:p>
+            <a:r>
+              <a:rPr lang="en-US" dirty="0"/>
+              <a:t>Sometimes a function needs more information than is available in a contract.</a:t>
+            </a:r>
+          </a:p>
+          <a:p>
+            <a:r>
+              <a:rPr lang="en-US" dirty="0"/>
+              <a:t>We need to write down the additional information that the function needs.</a:t>
+            </a:r>
+          </a:p>
+        </p:txBody>
+      </p:sp>
+      <p:sp>
+        <p:nvSpPr>
+          <p:cNvPr id="5" name="Title 4"/>
           <p:cNvSpPr>
             <a:spLocks noGrp="1"/>
           </p:cNvSpPr>
@@ -27973,56 +30377,7 @@
           <a:p>
             <a:r>
               <a:rPr lang="en-US" dirty="0"/>
-              <a:t>What needs to be in my purpose statement?</a:t>
-            </a:r>
-          </a:p>
-        </p:txBody>
-      </p:sp>
-      <p:sp>
-        <p:nvSpPr>
-          <p:cNvPr id="3" name="Content Placeholder 2"/>
-          <p:cNvSpPr>
-            <a:spLocks noGrp="1"/>
-          </p:cNvSpPr>
-          <p:nvPr>
-            <p:ph idx="1"/>
-          </p:nvPr>
-        </p:nvSpPr>
-        <p:spPr/>
-        <p:txBody>
-          <a:bodyPr>
-            <a:noAutofit/>
-          </a:bodyPr>
-          <a:lstStyle/>
-          <a:p>
-            <a:r>
-              <a:rPr lang="en-US" sz="2400" dirty="0"/>
-              <a:t>The purpose statement must account for all the parameters.</a:t>
-            </a:r>
-          </a:p>
-          <a:p>
-            <a:pPr lvl="1"/>
-            <a:r>
-              <a:rPr lang="en-US" sz="2000" dirty="0"/>
-              <a:t>if it doesn't then either you are passing more parameters than you need, or there's something going on that you haven't described.</a:t>
-            </a:r>
-          </a:p>
-          <a:p>
-            <a:r>
-              <a:rPr lang="en-US" sz="2400" dirty="0"/>
-              <a:t>The RETURNS clause must describe the value returned by the function for all possible values of the parameters.</a:t>
-            </a:r>
-          </a:p>
-          <a:p>
-            <a:r>
-              <a:rPr lang="en-US" sz="2400" dirty="0"/>
-              <a:t>If the RETURNS clause describes the value returned by the function only for some values of the arguments or some combination of arguments, then that restriction must be stated in a WHERE clause.</a:t>
-            </a:r>
-          </a:p>
-          <a:p>
-            <a:r>
-              <a:rPr lang="en-US" sz="2400" dirty="0"/>
-              <a:t>It becomes the responsibility of the caller to guarantee that the restriction is satisfied.</a:t>
+              <a:t>Sometimes the contract isn’t enough</a:t>
             </a:r>
           </a:p>
         </p:txBody>
@@ -28042,18 +30397,52 @@
           <a:bodyPr/>
           <a:lstStyle/>
           <a:p>
-            <a:fld id="{4FF46DE1-096B-4EDD-A00F-DA0292705DA0}" type="slidenum">
+            <a:fld id="{2AF3B5EA-18B6-4040-9F78-6052AF49C681}" type="slidenum">
               <a:rPr lang="en-US" smtClean="0"/>
-              <a:t>53</a:t>
+              <a:t>6</a:t>
             </a:fld>
             <a:endParaRPr lang="en-US"/>
+          </a:p>
+        </p:txBody>
+      </p:sp>
+      <p:sp>
+        <p:nvSpPr>
+          <p:cNvPr id="7" name="TextBox 6"/>
+          <p:cNvSpPr txBox="1"/>
+          <p:nvPr/>
+        </p:nvSpPr>
+        <p:spPr>
+          <a:xfrm>
+            <a:off x="4824292" y="3962400"/>
+            <a:ext cx="3886200" cy="1200329"/>
+          </a:xfrm>
+          <a:prstGeom prst="rect">
+            <a:avLst/>
+          </a:prstGeom>
+          <a:solidFill>
+            <a:schemeClr val="accent1">
+              <a:lumMod val="20000"/>
+              <a:lumOff val="80000"/>
+            </a:schemeClr>
+          </a:solidFill>
+        </p:spPr>
+        <p:txBody>
+          <a:bodyPr wrap="square" rtlCol="0">
+            <a:spAutoFit/>
+          </a:bodyPr>
+          <a:lstStyle/>
+          <a:p>
+            <a:r>
+              <a:rPr lang="en-US" sz="2400" dirty="0"/>
+              <a:t>Remember: one of our goals is to get information out of your head and onto the page.</a:t>
+            </a:r>
           </a:p>
         </p:txBody>
       </p:sp>
     </p:spTree>
     <p:extLst>
       <p:ext uri="{BB962C8B-B14F-4D97-AF65-F5344CB8AC3E}">
-        <p14:creationId xmlns:p14="http://schemas.microsoft.com/office/powerpoint/2010/main" val="1327706209"/>
+        <p14:creationId xmlns:p14="http://schemas.microsoft.com/office/powerpoint/2010/main" val="3650027029"/>
       </p:ext>
     </p:extLst>
   </p:cSld>
@@ -28063,7 +30452,7 @@
 </p:sld>
 </file>
 
-<file path=ppt/slides/slide54.xml><?xml version="1.0" encoding="utf-8"?>
+<file path=ppt/slides/slide60.xml><?xml version="1.0" encoding="utf-8"?>
 <p:sld xmlns:a="http://schemas.openxmlformats.org/drawingml/2006/main" xmlns:r="http://schemas.openxmlformats.org/officeDocument/2006/relationships" xmlns:p="http://schemas.openxmlformats.org/presentationml/2006/main">
   <p:cSld>
     <p:spTree>
@@ -28092,6 +30481,132 @@
         </p:nvSpPr>
         <p:spPr/>
         <p:txBody>
+          <a:bodyPr>
+            <a:normAutofit fontScale="90000"/>
+          </a:bodyPr>
+          <a:lstStyle/>
+          <a:p>
+            <a:r>
+              <a:rPr lang="en-US" dirty="0"/>
+              <a:t>What needs to be in my purpose statement?</a:t>
+            </a:r>
+          </a:p>
+        </p:txBody>
+      </p:sp>
+      <p:sp>
+        <p:nvSpPr>
+          <p:cNvPr id="3" name="Content Placeholder 2"/>
+          <p:cNvSpPr>
+            <a:spLocks noGrp="1"/>
+          </p:cNvSpPr>
+          <p:nvPr>
+            <p:ph idx="1"/>
+          </p:nvPr>
+        </p:nvSpPr>
+        <p:spPr/>
+        <p:txBody>
+          <a:bodyPr>
+            <a:noAutofit/>
+          </a:bodyPr>
+          <a:lstStyle/>
+          <a:p>
+            <a:r>
+              <a:rPr lang="en-US" sz="2400" dirty="0"/>
+              <a:t>The purpose statement must account for all the parameters.</a:t>
+            </a:r>
+          </a:p>
+          <a:p>
+            <a:pPr lvl="1"/>
+            <a:r>
+              <a:rPr lang="en-US" sz="2000" dirty="0"/>
+              <a:t>if it doesn't then either you are passing more parameters than you need, or there's something going on that you haven't described.</a:t>
+            </a:r>
+          </a:p>
+          <a:p>
+            <a:r>
+              <a:rPr lang="en-US" sz="2400" dirty="0"/>
+              <a:t>The RETURNS clause must describe the value returned by the function for all possible values of the parameters.</a:t>
+            </a:r>
+          </a:p>
+          <a:p>
+            <a:r>
+              <a:rPr lang="en-US" sz="2400" dirty="0"/>
+              <a:t>If the RETURNS clause describes the value returned by the function only for some values of the arguments or some combination of arguments, then that restriction must be stated in a WHERE clause.</a:t>
+            </a:r>
+          </a:p>
+          <a:p>
+            <a:r>
+              <a:rPr lang="en-US" sz="2400" dirty="0"/>
+              <a:t>It becomes the responsibility of the caller to guarantee that the restriction is satisfied.</a:t>
+            </a:r>
+          </a:p>
+        </p:txBody>
+      </p:sp>
+      <p:sp>
+        <p:nvSpPr>
+          <p:cNvPr id="4" name="Slide Number Placeholder 3"/>
+          <p:cNvSpPr>
+            <a:spLocks noGrp="1"/>
+          </p:cNvSpPr>
+          <p:nvPr>
+            <p:ph type="sldNum" sz="quarter" idx="12"/>
+          </p:nvPr>
+        </p:nvSpPr>
+        <p:spPr/>
+        <p:txBody>
+          <a:bodyPr/>
+          <a:lstStyle/>
+          <a:p>
+            <a:fld id="{4FF46DE1-096B-4EDD-A00F-DA0292705DA0}" type="slidenum">
+              <a:rPr lang="en-US" smtClean="0"/>
+              <a:t>60</a:t>
+            </a:fld>
+            <a:endParaRPr lang="en-US"/>
+          </a:p>
+        </p:txBody>
+      </p:sp>
+    </p:spTree>
+    <p:extLst>
+      <p:ext uri="{BB962C8B-B14F-4D97-AF65-F5344CB8AC3E}">
+        <p14:creationId xmlns:p14="http://schemas.microsoft.com/office/powerpoint/2010/main" val="1327706209"/>
+      </p:ext>
+    </p:extLst>
+  </p:cSld>
+  <p:clrMapOvr>
+    <a:masterClrMapping/>
+  </p:clrMapOvr>
+</p:sld>
+</file>
+
+<file path=ppt/slides/slide61.xml><?xml version="1.0" encoding="utf-8"?>
+<p:sld xmlns:a="http://schemas.openxmlformats.org/drawingml/2006/main" xmlns:r="http://schemas.openxmlformats.org/officeDocument/2006/relationships" xmlns:p="http://schemas.openxmlformats.org/presentationml/2006/main">
+  <p:cSld>
+    <p:spTree>
+      <p:nvGrpSpPr>
+        <p:cNvPr id="1" name=""/>
+        <p:cNvGrpSpPr/>
+        <p:nvPr/>
+      </p:nvGrpSpPr>
+      <p:grpSpPr>
+        <a:xfrm>
+          <a:off x="0" y="0"/>
+          <a:ext cx="0" cy="0"/>
+          <a:chOff x="0" y="0"/>
+          <a:chExt cx="0" cy="0"/>
+        </a:xfrm>
+      </p:grpSpPr>
+      <p:sp>
+        <p:nvSpPr>
+          <p:cNvPr id="2" name="Title 1"/>
+          <p:cNvSpPr>
+            <a:spLocks noGrp="1"/>
+          </p:cNvSpPr>
+          <p:nvPr>
+            <p:ph type="title"/>
+          </p:nvPr>
+        </p:nvSpPr>
+        <p:spPr/>
+        <p:txBody>
           <a:bodyPr/>
           <a:lstStyle/>
           <a:p>
@@ -28294,7 +30809,7 @@
           <a:p>
             <a:fld id="{4FF46DE1-096B-4EDD-A00F-DA0292705DA0}" type="slidenum">
               <a:rPr lang="en-US" smtClean="0"/>
-              <a:t>54</a:t>
+              <a:t>61</a:t>
             </a:fld>
             <a:endParaRPr lang="en-US"/>
           </a:p>
@@ -28465,7 +30980,7 @@
 </p:sld>
 </file>
 
-<file path=ppt/slides/slide55.xml><?xml version="1.0" encoding="utf-8"?>
+<file path=ppt/slides/slide62.xml><?xml version="1.0" encoding="utf-8"?>
 <p:sld xmlns:a="http://schemas.openxmlformats.org/drawingml/2006/main" xmlns:r="http://schemas.openxmlformats.org/officeDocument/2006/relationships" xmlns:p="http://schemas.openxmlformats.org/presentationml/2006/main">
   <p:cSld>
     <p:spTree>
@@ -28739,7 +31254,7 @@
           <a:p>
             <a:fld id="{4FF46DE1-096B-4EDD-A00F-DA0292705DA0}" type="slidenum">
               <a:rPr lang="en-US" smtClean="0"/>
-              <a:t>55</a:t>
+              <a:t>62</a:t>
             </a:fld>
             <a:endParaRPr lang="en-US"/>
           </a:p>
@@ -28814,7 +31329,7 @@
 </p:sld>
 </file>
 
-<file path=ppt/slides/slide56.xml><?xml version="1.0" encoding="utf-8"?>
+<file path=ppt/slides/slide63.xml><?xml version="1.0" encoding="utf-8"?>
 <p:sld xmlns:a="http://schemas.openxmlformats.org/drawingml/2006/main" xmlns:r="http://schemas.openxmlformats.org/officeDocument/2006/relationships" xmlns:p="http://schemas.openxmlformats.org/presentationml/2006/main">
   <p:cSld>
     <p:spTree>
@@ -29006,7 +31521,7 @@
           <a:p>
             <a:fld id="{2AF3B5EA-18B6-4040-9F78-6052AF49C681}" type="slidenum">
               <a:rPr lang="en-US" smtClean="0"/>
-              <a:t>56</a:t>
+              <a:t>63</a:t>
             </a:fld>
             <a:endParaRPr lang="en-US"/>
           </a:p>
@@ -29025,7 +31540,7 @@
 </p:sld>
 </file>
 
-<file path=ppt/slides/slide57.xml><?xml version="1.0" encoding="utf-8"?>
+<file path=ppt/slides/slide64.xml><?xml version="1.0" encoding="utf-8"?>
 <p:sld xmlns:a="http://schemas.openxmlformats.org/drawingml/2006/main" xmlns:r="http://schemas.openxmlformats.org/officeDocument/2006/relationships" xmlns:p="http://schemas.openxmlformats.org/presentationml/2006/main">
   <p:cSld>
     <p:spTree>
@@ -29120,7 +31635,7 @@
           <a:p>
             <a:fld id="{4FF46DE1-096B-4EDD-A00F-DA0292705DA0}" type="slidenum">
               <a:rPr lang="en-US" smtClean="0"/>
-              <a:t>57</a:t>
+              <a:t>64</a:t>
             </a:fld>
             <a:endParaRPr lang="en-US"/>
           </a:p>
@@ -29139,7 +31654,7 @@
 </p:sld>
 </file>
 
-<file path=ppt/slides/slide58.xml><?xml version="1.0" encoding="utf-8"?>
+<file path=ppt/slides/slide65.xml><?xml version="1.0" encoding="utf-8"?>
 <p:sld xmlns:a="http://schemas.openxmlformats.org/drawingml/2006/main" xmlns:r="http://schemas.openxmlformats.org/officeDocument/2006/relationships" xmlns:p="http://schemas.openxmlformats.org/presentationml/2006/main">
   <p:cSld>
     <p:spTree>
@@ -29227,7 +31742,7 @@
           <a:p>
             <a:fld id="{4FF46DE1-096B-4EDD-A00F-DA0292705DA0}" type="slidenum">
               <a:rPr lang="en-US" smtClean="0"/>
-              <a:t>58</a:t>
+              <a:t>65</a:t>
             </a:fld>
             <a:endParaRPr lang="en-US"/>
           </a:p>
@@ -29246,7 +31761,7 @@
 </p:sld>
 </file>
 
-<file path=ppt/slides/slide59.xml><?xml version="1.0" encoding="utf-8"?>
+<file path=ppt/slides/slide66.xml><?xml version="1.0" encoding="utf-8"?>
 <p:sld xmlns:a="http://schemas.openxmlformats.org/drawingml/2006/main" xmlns:r="http://schemas.openxmlformats.org/officeDocument/2006/relationships" xmlns:p="http://schemas.openxmlformats.org/presentationml/2006/main">
   <p:cSld>
     <p:spTree>
@@ -29344,7 +31859,7 @@
           <a:p>
             <a:fld id="{4FF46DE1-096B-4EDD-A00F-DA0292705DA0}" type="slidenum">
               <a:rPr lang="en-US" smtClean="0"/>
-              <a:t>59</a:t>
+              <a:t>66</a:t>
             </a:fld>
             <a:endParaRPr lang="en-US"/>
           </a:p>
@@ -29354,403 +31869,6 @@
     <p:extLst>
       <p:ext uri="{BB962C8B-B14F-4D97-AF65-F5344CB8AC3E}">
         <p14:creationId xmlns:p14="http://schemas.microsoft.com/office/powerpoint/2010/main" val="1675089784"/>
-      </p:ext>
-    </p:extLst>
-  </p:cSld>
-  <p:clrMapOvr>
-    <a:masterClrMapping/>
-  </p:clrMapOvr>
-</p:sld>
-</file>
-
-<file path=ppt/slides/slide6.xml><?xml version="1.0" encoding="utf-8"?>
-<p:sld xmlns:a="http://schemas.openxmlformats.org/drawingml/2006/main" xmlns:r="http://schemas.openxmlformats.org/officeDocument/2006/relationships" xmlns:p="http://schemas.openxmlformats.org/presentationml/2006/main">
-  <p:cSld>
-    <p:spTree>
-      <p:nvGrpSpPr>
-        <p:cNvPr id="1" name=""/>
-        <p:cNvGrpSpPr/>
-        <p:nvPr/>
-      </p:nvGrpSpPr>
-      <p:grpSpPr>
-        <a:xfrm>
-          <a:off x="0" y="0"/>
-          <a:ext cx="0" cy="0"/>
-          <a:chOff x="0" y="0"/>
-          <a:chExt cx="0" cy="0"/>
-        </a:xfrm>
-      </p:grpSpPr>
-      <p:sp>
-        <p:nvSpPr>
-          <p:cNvPr id="2" name="Title 1"/>
-          <p:cNvSpPr>
-            <a:spLocks noGrp="1"/>
-          </p:cNvSpPr>
-          <p:nvPr>
-            <p:ph type="title"/>
-          </p:nvPr>
-        </p:nvSpPr>
-        <p:spPr/>
-        <p:txBody>
-          <a:bodyPr/>
-          <a:lstStyle/>
-          <a:p>
-            <a:r>
-              <a:rPr lang="en-US" dirty="0"/>
-              <a:t>Example 1: number-list</a:t>
-            </a:r>
-          </a:p>
-        </p:txBody>
-      </p:sp>
-      <p:sp>
-        <p:nvSpPr>
-          <p:cNvPr id="3" name="Content Placeholder 2"/>
-          <p:cNvSpPr>
-            <a:spLocks noGrp="1"/>
-          </p:cNvSpPr>
-          <p:nvPr>
-            <p:ph idx="1"/>
-          </p:nvPr>
-        </p:nvSpPr>
-        <p:spPr/>
-        <p:txBody>
-          <a:bodyPr>
-            <a:normAutofit/>
-          </a:bodyPr>
-          <a:lstStyle/>
-          <a:p>
-            <a:pPr>
-              <a:buNone/>
-            </a:pPr>
-            <a:r>
-              <a:rPr lang="en-US" sz="2400" b="1" dirty="0">
-                <a:latin typeface="Consolas" pitchFamily="49" charset="0"/>
-                <a:cs typeface="Consolas" pitchFamily="49" charset="0"/>
-              </a:rPr>
-              <a:t>A </a:t>
-            </a:r>
-            <a:r>
-              <a:rPr lang="en-US" sz="2400" b="1" dirty="0" err="1">
-                <a:latin typeface="Consolas" pitchFamily="49" charset="0"/>
-                <a:cs typeface="Consolas" pitchFamily="49" charset="0"/>
-              </a:rPr>
-              <a:t>NumberedX</a:t>
-            </a:r>
-            <a:r>
-              <a:rPr lang="en-US" sz="2400" b="1" dirty="0">
-                <a:latin typeface="Consolas" pitchFamily="49" charset="0"/>
-                <a:cs typeface="Consolas" pitchFamily="49" charset="0"/>
-              </a:rPr>
-              <a:t>       is a (list </a:t>
-            </a:r>
-            <a:r>
-              <a:rPr lang="en-US" sz="2400" b="1" dirty="0" err="1">
-                <a:latin typeface="Consolas" pitchFamily="49" charset="0"/>
-                <a:cs typeface="Consolas" pitchFamily="49" charset="0"/>
-              </a:rPr>
-              <a:t>Int</a:t>
-            </a:r>
-            <a:r>
-              <a:rPr lang="en-US" sz="2400" b="1" dirty="0">
-                <a:latin typeface="Consolas" pitchFamily="49" charset="0"/>
-                <a:cs typeface="Consolas" pitchFamily="49" charset="0"/>
-              </a:rPr>
-              <a:t> X)</a:t>
-            </a:r>
-          </a:p>
-          <a:p>
-            <a:pPr>
-              <a:buNone/>
-            </a:pPr>
-            <a:r>
-              <a:rPr lang="en-US" sz="2400" b="1" dirty="0">
-                <a:latin typeface="Consolas" pitchFamily="49" charset="0"/>
-                <a:cs typeface="Consolas" pitchFamily="49" charset="0"/>
-              </a:rPr>
-              <a:t>A </a:t>
-            </a:r>
-            <a:r>
-              <a:rPr lang="en-US" sz="2400" b="1" dirty="0" err="1">
-                <a:latin typeface="Consolas" pitchFamily="49" charset="0"/>
-                <a:cs typeface="Consolas" pitchFamily="49" charset="0"/>
-              </a:rPr>
-              <a:t>NumberedXList</a:t>
-            </a:r>
-            <a:r>
-              <a:rPr lang="en-US" sz="2400" b="1" dirty="0">
-                <a:latin typeface="Consolas" pitchFamily="49" charset="0"/>
-                <a:cs typeface="Consolas" pitchFamily="49" charset="0"/>
-              </a:rPr>
-              <a:t> is a list of </a:t>
-            </a:r>
-            <a:r>
-              <a:rPr lang="en-US" sz="2400" b="1" dirty="0" err="1">
-                <a:latin typeface="Consolas" pitchFamily="49" charset="0"/>
-                <a:cs typeface="Consolas" pitchFamily="49" charset="0"/>
-              </a:rPr>
-              <a:t>NumberedX</a:t>
-            </a:r>
-            <a:endParaRPr lang="en-US" sz="2400" b="1" dirty="0">
-              <a:latin typeface="Consolas" pitchFamily="49" charset="0"/>
-              <a:cs typeface="Consolas" pitchFamily="49" charset="0"/>
-            </a:endParaRPr>
-          </a:p>
-          <a:p>
-            <a:pPr>
-              <a:buNone/>
-            </a:pPr>
-            <a:endParaRPr lang="en-US" sz="2400" b="1" dirty="0">
-              <a:latin typeface="Consolas" pitchFamily="49" charset="0"/>
-              <a:cs typeface="Consolas" pitchFamily="49" charset="0"/>
-            </a:endParaRPr>
-          </a:p>
-          <a:p>
-            <a:pPr>
-              <a:buNone/>
-            </a:pPr>
-            <a:r>
-              <a:rPr lang="en-US" sz="2400" b="1" dirty="0">
-                <a:latin typeface="Consolas" pitchFamily="49" charset="0"/>
-                <a:cs typeface="Consolas" pitchFamily="49" charset="0"/>
-              </a:rPr>
-              <a:t>Example:</a:t>
-            </a:r>
-          </a:p>
-          <a:p>
-            <a:pPr>
-              <a:buNone/>
-            </a:pPr>
-            <a:r>
-              <a:rPr lang="en-US" sz="2400" b="1" dirty="0">
-                <a:latin typeface="Consolas" pitchFamily="49" charset="0"/>
-                <a:cs typeface="Consolas" pitchFamily="49" charset="0"/>
-              </a:rPr>
-              <a:t>(list 14 "</a:t>
-            </a:r>
-            <a:r>
-              <a:rPr lang="en-US" sz="2400" b="1" dirty="0" err="1">
-                <a:latin typeface="Consolas" pitchFamily="49" charset="0"/>
-                <a:cs typeface="Consolas" pitchFamily="49" charset="0"/>
-              </a:rPr>
-              <a:t>abc</a:t>
-            </a:r>
-            <a:r>
-              <a:rPr lang="en-US" sz="2400" b="1" dirty="0">
-                <a:latin typeface="Consolas" pitchFamily="49" charset="0"/>
-                <a:cs typeface="Consolas" pitchFamily="49" charset="0"/>
-              </a:rPr>
-              <a:t>") is a </a:t>
-            </a:r>
-            <a:r>
-              <a:rPr lang="en-US" sz="2400" b="1" dirty="0" err="1">
-                <a:latin typeface="Consolas" pitchFamily="49" charset="0"/>
-                <a:cs typeface="Consolas" pitchFamily="49" charset="0"/>
-              </a:rPr>
-              <a:t>NumberedString</a:t>
-            </a:r>
-            <a:endParaRPr lang="en-US" sz="2400" b="1" dirty="0">
-              <a:latin typeface="Consolas" pitchFamily="49" charset="0"/>
-              <a:cs typeface="Consolas" pitchFamily="49" charset="0"/>
-            </a:endParaRPr>
-          </a:p>
-          <a:p>
-            <a:pPr>
-              <a:buNone/>
-            </a:pPr>
-            <a:r>
-              <a:rPr lang="en-US" sz="2400" b="1" dirty="0">
-                <a:latin typeface="Consolas" pitchFamily="49" charset="0"/>
-                <a:cs typeface="Consolas" pitchFamily="49" charset="0"/>
-              </a:rPr>
-              <a:t>(list 36 "u")   is a </a:t>
-            </a:r>
-            <a:r>
-              <a:rPr lang="en-US" sz="2400" b="1" dirty="0" err="1">
-                <a:latin typeface="Consolas" pitchFamily="49" charset="0"/>
-                <a:cs typeface="Consolas" pitchFamily="49" charset="0"/>
-              </a:rPr>
-              <a:t>NumberedString</a:t>
-            </a:r>
-            <a:endParaRPr lang="en-US" sz="2400" b="1" dirty="0">
-              <a:latin typeface="Consolas" pitchFamily="49" charset="0"/>
-              <a:cs typeface="Consolas" pitchFamily="49" charset="0"/>
-            </a:endParaRPr>
-          </a:p>
-          <a:p>
-            <a:pPr>
-              <a:buNone/>
-            </a:pPr>
-            <a:r>
-              <a:rPr lang="en-US" sz="2400" b="1" dirty="0">
-                <a:latin typeface="Consolas" pitchFamily="49" charset="0"/>
-                <a:cs typeface="Consolas" pitchFamily="49" charset="0"/>
-              </a:rPr>
-              <a:t>(list</a:t>
-            </a:r>
-          </a:p>
-          <a:p>
-            <a:pPr>
-              <a:buNone/>
-            </a:pPr>
-            <a:r>
-              <a:rPr lang="en-US" sz="2400" b="1" dirty="0">
-                <a:latin typeface="Consolas" pitchFamily="49" charset="0"/>
-                <a:cs typeface="Consolas" pitchFamily="49" charset="0"/>
-              </a:rPr>
-              <a:t>  (list 14 "</a:t>
-            </a:r>
-            <a:r>
-              <a:rPr lang="en-US" sz="2400" b="1" dirty="0" err="1">
-                <a:latin typeface="Consolas" pitchFamily="49" charset="0"/>
-                <a:cs typeface="Consolas" pitchFamily="49" charset="0"/>
-              </a:rPr>
-              <a:t>abc</a:t>
-            </a:r>
-            <a:r>
-              <a:rPr lang="en-US" sz="2400" b="1" dirty="0">
-                <a:latin typeface="Consolas" pitchFamily="49" charset="0"/>
-                <a:cs typeface="Consolas" pitchFamily="49" charset="0"/>
-              </a:rPr>
-              <a:t>")</a:t>
-            </a:r>
-          </a:p>
-          <a:p>
-            <a:pPr>
-              <a:buNone/>
-            </a:pPr>
-            <a:r>
-              <a:rPr lang="en-US" sz="2400" b="1" dirty="0">
-                <a:latin typeface="Consolas" pitchFamily="49" charset="0"/>
-                <a:cs typeface="Consolas" pitchFamily="49" charset="0"/>
-              </a:rPr>
-              <a:t>  (list 36 "u")</a:t>
-            </a:r>
-          </a:p>
-          <a:p>
-            <a:pPr>
-              <a:buNone/>
-            </a:pPr>
-            <a:r>
-              <a:rPr lang="en-US" sz="2400" b="1" dirty="0">
-                <a:latin typeface="Consolas" pitchFamily="49" charset="0"/>
-                <a:cs typeface="Consolas" pitchFamily="49" charset="0"/>
-              </a:rPr>
-              <a:t>  (list 14 "</a:t>
-            </a:r>
-            <a:r>
-              <a:rPr lang="en-US" sz="2400" b="1" dirty="0" err="1">
-                <a:latin typeface="Consolas" pitchFamily="49" charset="0"/>
-                <a:cs typeface="Consolas" pitchFamily="49" charset="0"/>
-              </a:rPr>
-              <a:t>abc</a:t>
-            </a:r>
-            <a:r>
-              <a:rPr lang="en-US" sz="2400" b="1" dirty="0">
-                <a:latin typeface="Consolas" pitchFamily="49" charset="0"/>
-                <a:cs typeface="Consolas" pitchFamily="49" charset="0"/>
-              </a:rPr>
-              <a:t>"))   is a </a:t>
-            </a:r>
-            <a:r>
-              <a:rPr lang="en-US" sz="2400" b="1" dirty="0" err="1">
-                <a:latin typeface="Consolas" pitchFamily="49" charset="0"/>
-                <a:cs typeface="Consolas" pitchFamily="49" charset="0"/>
-              </a:rPr>
-              <a:t>NumberedStringList</a:t>
-            </a:r>
-            <a:endParaRPr lang="en-US" sz="2400" b="1" dirty="0">
-              <a:latin typeface="Consolas" pitchFamily="49" charset="0"/>
-              <a:cs typeface="Consolas" pitchFamily="49" charset="0"/>
-            </a:endParaRPr>
-          </a:p>
-        </p:txBody>
-      </p:sp>
-      <p:sp>
-        <p:nvSpPr>
-          <p:cNvPr id="4" name="Slide Number Placeholder 3"/>
-          <p:cNvSpPr>
-            <a:spLocks noGrp="1"/>
-          </p:cNvSpPr>
-          <p:nvPr>
-            <p:ph type="sldNum" sz="quarter" idx="12"/>
-          </p:nvPr>
-        </p:nvSpPr>
-        <p:spPr/>
-        <p:txBody>
-          <a:bodyPr/>
-          <a:lstStyle/>
-          <a:p>
-            <a:fld id="{E4A74525-021D-496D-B39D-9668564A137C}" type="slidenum">
-              <a:rPr lang="en-US" smtClean="0"/>
-              <a:t>6</a:t>
-            </a:fld>
-            <a:endParaRPr lang="en-US"/>
-          </a:p>
-        </p:txBody>
-      </p:sp>
-      <p:sp>
-        <p:nvSpPr>
-          <p:cNvPr id="5" name="Rectangle 4"/>
-          <p:cNvSpPr/>
-          <p:nvPr/>
-        </p:nvSpPr>
-        <p:spPr>
-          <a:xfrm>
-            <a:off x="6781800" y="2971800"/>
-            <a:ext cx="1981200" cy="1219200"/>
-          </a:xfrm>
-          <a:prstGeom prst="rect">
-            <a:avLst/>
-          </a:prstGeom>
-          <a:solidFill>
-            <a:schemeClr val="accent3">
-              <a:lumMod val="40000"/>
-              <a:lumOff val="60000"/>
-            </a:schemeClr>
-          </a:solidFill>
-          <a:ln>
-            <a:noFill/>
-          </a:ln>
-        </p:spPr>
-        <p:style>
-          <a:lnRef idx="2">
-            <a:schemeClr val="accent1"/>
-          </a:lnRef>
-          <a:fillRef idx="1">
-            <a:schemeClr val="lt1"/>
-          </a:fillRef>
-          <a:effectRef idx="0">
-            <a:schemeClr val="accent1"/>
-          </a:effectRef>
-          <a:fontRef idx="minor">
-            <a:schemeClr val="dk1"/>
-          </a:fontRef>
-        </p:style>
-        <p:txBody>
-          <a:bodyPr rot="0" spcFirstLastPara="0" vertOverflow="overflow" horzOverflow="overflow" vert="horz" wrap="square" lIns="91440" tIns="45720" rIns="91440" bIns="45720" numCol="1" spcCol="0" rtlCol="0" fromWordArt="0" anchor="ctr" anchorCtr="0" forceAA="0" compatLnSpc="1">
-            <a:prstTxWarp prst="textNoShape">
-              <a:avLst/>
-            </a:prstTxWarp>
-            <a:noAutofit/>
-          </a:bodyPr>
-          <a:lstStyle/>
-          <a:p>
-            <a:pPr algn="ctr"/>
-            <a:r>
-              <a:rPr lang="en-US" sz="2000" dirty="0">
-                <a:solidFill>
-                  <a:schemeClr val="tx1"/>
-                </a:solidFill>
-              </a:rPr>
-              <a:t>Here are the data definitions for this problem </a:t>
-            </a:r>
-          </a:p>
-        </p:txBody>
-      </p:sp>
-    </p:spTree>
-    <p:extLst>
-      <p:ext uri="{BB962C8B-B14F-4D97-AF65-F5344CB8AC3E}">
-        <p14:creationId xmlns:p14="http://schemas.microsoft.com/office/powerpoint/2010/main" val="190432346"/>
       </p:ext>
     </p:extLst>
   </p:cSld>
@@ -29779,6 +31897,99 @@
       </p:grpSpPr>
       <p:sp>
         <p:nvSpPr>
+          <p:cNvPr id="4" name="Content Placeholder 3"/>
+          <p:cNvSpPr>
+            <a:spLocks noGrp="1"/>
+          </p:cNvSpPr>
+          <p:nvPr>
+            <p:ph idx="1"/>
+          </p:nvPr>
+        </p:nvSpPr>
+        <p:spPr>
+          <a:xfrm>
+            <a:off x="457200" y="1600200"/>
+            <a:ext cx="8229600" cy="4525963"/>
+          </a:xfrm>
+        </p:spPr>
+        <p:txBody>
+          <a:bodyPr>
+            <a:normAutofit lnSpcReduction="10000"/>
+          </a:bodyPr>
+          <a:lstStyle/>
+          <a:p>
+            <a:r>
+              <a:rPr lang="en-US" sz="2800" dirty="0"/>
+              <a:t>;; ball-normal-motion : Ball -&gt; Ball</a:t>
+            </a:r>
+          </a:p>
+          <a:p>
+            <a:r>
+              <a:rPr lang="en-US" sz="2800" dirty="0"/>
+              <a:t>;; GIVEN: a Ball</a:t>
+            </a:r>
+          </a:p>
+          <a:p>
+            <a:r>
+              <a:rPr lang="en-US" sz="2800" dirty="0">
+                <a:solidFill>
+                  <a:srgbClr val="FF0000"/>
+                </a:solidFill>
+              </a:rPr>
+              <a:t> </a:t>
+            </a:r>
+          </a:p>
+          <a:p>
+            <a:r>
+              <a:rPr lang="en-US" sz="2800" dirty="0">
+                <a:solidFill>
+                  <a:srgbClr val="FF0000"/>
+                </a:solidFill>
+              </a:rPr>
+              <a:t> </a:t>
+            </a:r>
+          </a:p>
+          <a:p>
+            <a:r>
+              <a:rPr lang="en-US" sz="2800" dirty="0"/>
+              <a:t>;; RETURNS: the state of the ball after a</a:t>
+            </a:r>
+          </a:p>
+          <a:p>
+            <a:r>
+              <a:rPr lang="en-US" sz="2800" dirty="0"/>
+              <a:t>;; tick.</a:t>
+            </a:r>
+          </a:p>
+          <a:p>
+            <a:r>
+              <a:rPr lang="en-US" sz="2800" dirty="0"/>
+              <a:t>(define (ball-normal-motion b)</a:t>
+            </a:r>
+          </a:p>
+          <a:p>
+            <a:r>
+              <a:rPr lang="en-US" sz="2800" dirty="0"/>
+              <a:t>  (make-ball </a:t>
+            </a:r>
+          </a:p>
+          <a:p>
+            <a:r>
+              <a:rPr lang="en-US" sz="2800" dirty="0"/>
+              <a:t>    (+ (ball-x-</a:t>
+            </a:r>
+            <a:r>
+              <a:rPr lang="en-US" sz="2800" dirty="0" err="1"/>
+              <a:t>pos</a:t>
+            </a:r>
+            <a:r>
+              <a:rPr lang="en-US" sz="2800" dirty="0"/>
+              <a:t> b) BALLSPEED)))</a:t>
+            </a:r>
+          </a:p>
+        </p:txBody>
+      </p:sp>
+      <p:sp>
+        <p:nvSpPr>
           <p:cNvPr id="2" name="Title 1"/>
           <p:cNvSpPr>
             <a:spLocks noGrp="1"/>
@@ -29789,196 +32000,19 @@
         </p:nvSpPr>
         <p:spPr/>
         <p:txBody>
-          <a:bodyPr>
-            <a:normAutofit fontScale="90000"/>
-          </a:bodyPr>
+          <a:bodyPr/>
           <a:lstStyle/>
           <a:p>
             <a:r>
               <a:rPr lang="en-US" dirty="0"/>
-              <a:t>Let's try using the template for XList</a:t>
-            </a:r>
-          </a:p>
-        </p:txBody>
-      </p:sp>
-      <p:sp>
-        <p:nvSpPr>
-          <p:cNvPr id="3" name="Content Placeholder 2"/>
-          <p:cNvSpPr>
-            <a:spLocks noGrp="1"/>
-          </p:cNvSpPr>
-          <p:nvPr>
-            <p:ph idx="1"/>
-          </p:nvPr>
-        </p:nvSpPr>
-        <p:spPr/>
-        <p:txBody>
-          <a:bodyPr>
-            <a:noAutofit/>
-          </a:bodyPr>
-          <a:lstStyle/>
-          <a:p>
-            <a:pPr>
-              <a:buNone/>
-            </a:pPr>
-            <a:r>
-              <a:rPr lang="en-US" sz="2400" b="1" dirty="0">
-                <a:latin typeface="Consolas" pitchFamily="49" charset="0"/>
-                <a:cs typeface="Consolas" pitchFamily="49" charset="0"/>
-              </a:rPr>
-              <a:t>(define (number-list </a:t>
-            </a:r>
-            <a:r>
-              <a:rPr lang="en-US" sz="2400" b="1" dirty="0" err="1">
-                <a:latin typeface="Consolas" pitchFamily="49" charset="0"/>
-                <a:cs typeface="Consolas" pitchFamily="49" charset="0"/>
-              </a:rPr>
-              <a:t>lst</a:t>
-            </a:r>
-            <a:r>
-              <a:rPr lang="en-US" sz="2400" b="1" dirty="0">
-                <a:latin typeface="Consolas" pitchFamily="49" charset="0"/>
-                <a:cs typeface="Consolas" pitchFamily="49" charset="0"/>
-              </a:rPr>
-              <a:t>)</a:t>
-            </a:r>
-          </a:p>
-          <a:p>
-            <a:pPr>
-              <a:buNone/>
-            </a:pPr>
-            <a:r>
-              <a:rPr lang="en-US" sz="2400" b="1" dirty="0">
-                <a:latin typeface="Consolas" pitchFamily="49" charset="0"/>
-                <a:cs typeface="Consolas" pitchFamily="49" charset="0"/>
-              </a:rPr>
-              <a:t>  (</a:t>
-            </a:r>
-            <a:r>
-              <a:rPr lang="en-US" sz="2400" b="1" dirty="0" err="1">
-                <a:latin typeface="Consolas" pitchFamily="49" charset="0"/>
-                <a:cs typeface="Consolas" pitchFamily="49" charset="0"/>
-              </a:rPr>
-              <a:t>cond</a:t>
-            </a:r>
-            <a:endParaRPr lang="en-US" sz="2400" b="1" dirty="0">
-              <a:latin typeface="Consolas" pitchFamily="49" charset="0"/>
-              <a:cs typeface="Consolas" pitchFamily="49" charset="0"/>
-            </a:endParaRPr>
-          </a:p>
-          <a:p>
-            <a:pPr>
-              <a:buNone/>
-            </a:pPr>
-            <a:r>
-              <a:rPr lang="en-US" sz="2400" b="1" dirty="0">
-                <a:latin typeface="Consolas" pitchFamily="49" charset="0"/>
-                <a:cs typeface="Consolas" pitchFamily="49" charset="0"/>
-              </a:rPr>
-              <a:t>    [(empty? </a:t>
-            </a:r>
-            <a:r>
-              <a:rPr lang="en-US" sz="2400" b="1" dirty="0" err="1">
-                <a:latin typeface="Consolas" pitchFamily="49" charset="0"/>
-                <a:cs typeface="Consolas" pitchFamily="49" charset="0"/>
-              </a:rPr>
-              <a:t>lst</a:t>
-            </a:r>
-            <a:r>
-              <a:rPr lang="en-US" sz="2400" b="1" dirty="0">
-                <a:latin typeface="Consolas" pitchFamily="49" charset="0"/>
-                <a:cs typeface="Consolas" pitchFamily="49" charset="0"/>
-              </a:rPr>
-              <a:t>) empty]</a:t>
-            </a:r>
-          </a:p>
-          <a:p>
-            <a:pPr>
-              <a:buNone/>
-            </a:pPr>
-            <a:r>
-              <a:rPr lang="en-US" sz="2400" b="1" dirty="0">
-                <a:latin typeface="Consolas" pitchFamily="49" charset="0"/>
-                <a:cs typeface="Consolas" pitchFamily="49" charset="0"/>
-              </a:rPr>
-              <a:t>    [else (cons</a:t>
-            </a:r>
-          </a:p>
-          <a:p>
-            <a:pPr>
-              <a:buNone/>
-            </a:pPr>
-            <a:r>
-              <a:rPr lang="en-US" sz="2400" b="1" dirty="0">
-                <a:latin typeface="Consolas" pitchFamily="49" charset="0"/>
-                <a:cs typeface="Consolas" pitchFamily="49" charset="0"/>
-              </a:rPr>
-              <a:t>            (list 1 (first </a:t>
-            </a:r>
-            <a:r>
-              <a:rPr lang="en-US" sz="2400" b="1" dirty="0" err="1">
-                <a:latin typeface="Consolas" pitchFamily="49" charset="0"/>
-                <a:cs typeface="Consolas" pitchFamily="49" charset="0"/>
-              </a:rPr>
-              <a:t>lst</a:t>
-            </a:r>
-            <a:r>
-              <a:rPr lang="en-US" sz="2400" b="1" dirty="0">
-                <a:latin typeface="Consolas" pitchFamily="49" charset="0"/>
-                <a:cs typeface="Consolas" pitchFamily="49" charset="0"/>
-              </a:rPr>
-              <a:t>))</a:t>
-            </a:r>
-          </a:p>
-          <a:p>
-            <a:pPr>
-              <a:buNone/>
-            </a:pPr>
-            <a:r>
-              <a:rPr lang="en-US" sz="2400" b="1" dirty="0">
-                <a:latin typeface="Consolas" pitchFamily="49" charset="0"/>
-                <a:cs typeface="Consolas" pitchFamily="49" charset="0"/>
-              </a:rPr>
-              <a:t>            (number-list (rest </a:t>
-            </a:r>
-            <a:r>
-              <a:rPr lang="en-US" sz="2400" b="1" dirty="0" err="1">
-                <a:latin typeface="Consolas" pitchFamily="49" charset="0"/>
-                <a:cs typeface="Consolas" pitchFamily="49" charset="0"/>
-              </a:rPr>
-              <a:t>lst</a:t>
-            </a:r>
-            <a:r>
-              <a:rPr lang="en-US" sz="2400" b="1" dirty="0">
-                <a:latin typeface="Consolas" pitchFamily="49" charset="0"/>
-                <a:cs typeface="Consolas" pitchFamily="49" charset="0"/>
-              </a:rPr>
-              <a:t>)))]))</a:t>
-            </a:r>
-          </a:p>
-          <a:p>
-            <a:pPr>
-              <a:buNone/>
-            </a:pPr>
-            <a:endParaRPr lang="en-US" sz="2400" b="1" dirty="0">
-              <a:latin typeface="Courier New" pitchFamily="49" charset="0"/>
-              <a:cs typeface="Courier New" pitchFamily="49" charset="0"/>
-            </a:endParaRPr>
-          </a:p>
-          <a:p>
-            <a:pPr>
-              <a:buNone/>
-            </a:pPr>
-            <a:endParaRPr lang="en-US" sz="2400" b="1" dirty="0">
-              <a:latin typeface="Courier New" pitchFamily="49" charset="0"/>
-              <a:cs typeface="Courier New" pitchFamily="49" charset="0"/>
-            </a:endParaRPr>
-          </a:p>
-        </p:txBody>
-      </p:sp>
-      <p:sp>
-        <p:nvSpPr>
-          <p:cNvPr id="6" name="Slide Number Placeholder 5"/>
+              <a:t>Example </a:t>
+            </a:r>
+          </a:p>
+        </p:txBody>
+      </p:sp>
+      <p:sp>
+        <p:nvSpPr>
+          <p:cNvPr id="3" name="Slide Number Placeholder 2"/>
           <p:cNvSpPr>
             <a:spLocks noGrp="1"/>
           </p:cNvSpPr>
@@ -29991,7 +32025,7 @@
           <a:bodyPr/>
           <a:lstStyle/>
           <a:p>
-            <a:fld id="{E4A74525-021D-496D-B39D-9668564A137C}" type="slidenum">
+            <a:fld id="{4FF46DE1-096B-4EDD-A00F-DA0292705DA0}" type="slidenum">
               <a:rPr lang="en-US" smtClean="0"/>
               <a:t>7</a:t>
             </a:fld>
@@ -30001,118 +32035,102 @@
       </p:sp>
       <p:sp>
         <p:nvSpPr>
-          <p:cNvPr id="4" name="Rectangle 3"/>
-          <p:cNvSpPr/>
+          <p:cNvPr id="8" name="TextBox 7"/>
+          <p:cNvSpPr txBox="1"/>
           <p:nvPr/>
         </p:nvSpPr>
         <p:spPr>
           <a:xfrm>
-            <a:off x="2590800" y="4495800"/>
-            <a:ext cx="3657600" cy="914400"/>
+            <a:off x="5638800" y="384473"/>
+            <a:ext cx="3352800" cy="1200329"/>
           </a:xfrm>
           <a:prstGeom prst="rect">
             <a:avLst/>
           </a:prstGeom>
           <a:solidFill>
-            <a:schemeClr val="accent3">
-              <a:lumMod val="40000"/>
-              <a:lumOff val="60000"/>
+            <a:schemeClr val="accent1">
+              <a:lumMod val="20000"/>
+              <a:lumOff val="80000"/>
             </a:schemeClr>
           </a:solidFill>
-          <a:ln>
-            <a:noFill/>
-          </a:ln>
         </p:spPr>
-        <p:style>
-          <a:lnRef idx="2">
-            <a:schemeClr val="accent1"/>
-          </a:lnRef>
-          <a:fillRef idx="1">
-            <a:schemeClr val="lt1"/>
-          </a:fillRef>
-          <a:effectRef idx="0">
-            <a:schemeClr val="accent1"/>
-          </a:effectRef>
-          <a:fontRef idx="minor">
-            <a:schemeClr val="dk1"/>
-          </a:fontRef>
-        </p:style>
-        <p:txBody>
-          <a:bodyPr rot="0" spcFirstLastPara="0" vertOverflow="overflow" horzOverflow="overflow" vert="horz" wrap="square" lIns="91440" tIns="45720" rIns="91440" bIns="45720" numCol="1" spcCol="0" rtlCol="0" fromWordArt="0" anchor="ctr" anchorCtr="0" forceAA="0" compatLnSpc="1">
-            <a:prstTxWarp prst="textNoShape">
-              <a:avLst/>
-            </a:prstTxWarp>
-            <a:noAutofit/>
+        <p:txBody>
+          <a:bodyPr wrap="square" rtlCol="0">
+            <a:spAutoFit/>
           </a:bodyPr>
           <a:lstStyle/>
           <a:p>
-            <a:pPr algn="ctr"/>
-            <a:r>
-              <a:rPr lang="en-US" dirty="0">
-                <a:solidFill>
-                  <a:schemeClr val="tx1"/>
-                </a:solidFill>
-              </a:rPr>
-              <a:t>Well, that's clearly wrong!  What could work?</a:t>
-            </a:r>
-          </a:p>
-        </p:txBody>
-      </p:sp>
-      <p:sp>
-        <p:nvSpPr>
-          <p:cNvPr id="5" name="Rectangle 4"/>
-          <p:cNvSpPr/>
+            <a:r>
+              <a:rPr lang="en-US" dirty="0"/>
+              <a:t>Imagine a ball bouncing back and forth in a closed box in the x direction. We might write something like this: </a:t>
+            </a:r>
+          </a:p>
+        </p:txBody>
+      </p:sp>
+      <p:sp>
+        <p:nvSpPr>
+          <p:cNvPr id="9" name="TextBox 8"/>
+          <p:cNvSpPr txBox="1"/>
           <p:nvPr/>
         </p:nvSpPr>
         <p:spPr>
           <a:xfrm>
-            <a:off x="3200400" y="5715000"/>
-            <a:ext cx="4343400" cy="914400"/>
+            <a:off x="4267200" y="2133600"/>
+            <a:ext cx="4724400" cy="1200329"/>
           </a:xfrm>
           <a:prstGeom prst="rect">
             <a:avLst/>
           </a:prstGeom>
           <a:solidFill>
-            <a:schemeClr val="accent3">
-              <a:lumMod val="40000"/>
-              <a:lumOff val="60000"/>
+            <a:schemeClr val="accent1">
+              <a:lumMod val="20000"/>
+              <a:lumOff val="80000"/>
             </a:schemeClr>
           </a:solidFill>
-          <a:ln>
-            <a:noFill/>
-          </a:ln>
         </p:spPr>
-        <p:style>
-          <a:lnRef idx="2">
-            <a:schemeClr val="accent1"/>
-          </a:lnRef>
-          <a:fillRef idx="1">
-            <a:schemeClr val="lt1"/>
-          </a:fillRef>
-          <a:effectRef idx="0">
-            <a:schemeClr val="accent1"/>
-          </a:effectRef>
-          <a:fontRef idx="minor">
-            <a:schemeClr val="dk1"/>
-          </a:fontRef>
-        </p:style>
-        <p:txBody>
-          <a:bodyPr rot="0" spcFirstLastPara="0" vertOverflow="overflow" horzOverflow="overflow" vert="horz" wrap="square" lIns="91440" tIns="45720" rIns="91440" bIns="45720" numCol="1" spcCol="0" rtlCol="0" fromWordArt="0" anchor="ctr" anchorCtr="0" forceAA="0" compatLnSpc="1">
-            <a:prstTxWarp prst="textNoShape">
-              <a:avLst/>
-            </a:prstTxWarp>
-            <a:noAutofit/>
+        <p:txBody>
+          <a:bodyPr wrap="square" rtlCol="0">
+            <a:spAutoFit/>
           </a:bodyPr>
           <a:lstStyle/>
           <a:p>
-            <a:pPr algn="ctr"/>
-            <a:r>
-              <a:rPr lang="en-US" dirty="0">
-                <a:solidFill>
-                  <a:schemeClr val="tx1"/>
-                </a:solidFill>
-              </a:rPr>
-              <a:t>We need a help function, to number the rest of the list starting from 2</a:t>
+            <a:r>
+              <a:rPr lang="en-US" dirty="0"/>
+              <a:t>But if the ball is about to bounce off the wall, this code does NOT return the correct state of the ball after the next tick– it doesn’t account for the bouncing.</a:t>
+            </a:r>
+          </a:p>
+        </p:txBody>
+      </p:sp>
+      <p:sp>
+        <p:nvSpPr>
+          <p:cNvPr id="10" name="TextBox 9"/>
+          <p:cNvSpPr txBox="1"/>
+          <p:nvPr/>
+        </p:nvSpPr>
+        <p:spPr>
+          <a:xfrm>
+            <a:off x="4343400" y="5847060"/>
+            <a:ext cx="4064854" cy="923330"/>
+          </a:xfrm>
+          <a:prstGeom prst="rect">
+            <a:avLst/>
+          </a:prstGeom>
+          <a:solidFill>
+            <a:schemeClr val="accent1">
+              <a:lumMod val="20000"/>
+              <a:lumOff val="80000"/>
+            </a:schemeClr>
+          </a:solidFill>
+        </p:spPr>
+        <p:txBody>
+          <a:bodyPr wrap="square" rtlCol="0">
+            <a:spAutoFit/>
+          </a:bodyPr>
+          <a:lstStyle/>
+          <a:p>
+            <a:r>
+              <a:rPr lang="en-US" dirty="0"/>
+              <a:t>This function only fulfills its purpose statement if it is given a ball that doesn’t bounce on the next tick.</a:t>
             </a:r>
           </a:p>
         </p:txBody>
@@ -30120,7 +32138,7 @@
     </p:spTree>
     <p:extLst>
       <p:ext uri="{BB962C8B-B14F-4D97-AF65-F5344CB8AC3E}">
-        <p14:creationId xmlns:p14="http://schemas.microsoft.com/office/powerpoint/2010/main" val="2997494628"/>
+        <p14:creationId xmlns:p14="http://schemas.microsoft.com/office/powerpoint/2010/main" val="2080827926"/>
       </p:ext>
     </p:extLst>
   </p:cSld>
@@ -30148,7 +32166,7 @@
                             </p:stCondLst>
                             <p:childTnLst>
                               <p:par>
-                                <p:cTn id="5" presetID="10" presetClass="entr" presetSubtype="0" fill="hold" grpId="0" nodeType="clickEffect">
+                                <p:cTn id="5" presetID="1" presetClass="entr" presetSubtype="0" fill="hold" grpId="0" nodeType="clickEffect">
                                   <p:stCondLst>
                                     <p:cond delay="0"/>
                                   </p:stCondLst>
@@ -30161,7 +32179,7 @@
                                           </p:stCondLst>
                                         </p:cTn>
                                         <p:tgtEl>
-                                          <p:spTgt spid="4"/>
+                                          <p:spTgt spid="9"/>
                                         </p:tgtEl>
                                         <p:attrNameLst>
                                           <p:attrName>style.visibility</p:attrName>
@@ -30171,14 +32189,6 @@
                                         <p:strVal val="visible"/>
                                       </p:to>
                                     </p:set>
-                                    <p:animEffect transition="in" filter="fade">
-                                      <p:cBhvr>
-                                        <p:cTn id="7" dur="500"/>
-                                        <p:tgtEl>
-                                          <p:spTgt spid="4"/>
-                                        </p:tgtEl>
-                                      </p:cBhvr>
-                                    </p:animEffect>
                                   </p:childTnLst>
                                 </p:cTn>
                               </p:par>
@@ -30189,32 +32199,32 @@
                     </p:cTn>
                   </p:par>
                   <p:par>
-                    <p:cTn id="8" fill="hold">
+                    <p:cTn id="7" fill="hold">
                       <p:stCondLst>
                         <p:cond delay="indefinite"/>
                       </p:stCondLst>
                       <p:childTnLst>
                         <p:par>
-                          <p:cTn id="9" fill="hold">
+                          <p:cTn id="8" fill="hold">
                             <p:stCondLst>
                               <p:cond delay="0"/>
                             </p:stCondLst>
                             <p:childTnLst>
                               <p:par>
-                                <p:cTn id="10" presetID="10" presetClass="entr" presetSubtype="0" fill="hold" grpId="0" nodeType="clickEffect">
+                                <p:cTn id="9" presetID="1" presetClass="entr" presetSubtype="0" fill="hold" grpId="0" nodeType="clickEffect">
                                   <p:stCondLst>
                                     <p:cond delay="0"/>
                                   </p:stCondLst>
                                   <p:childTnLst>
                                     <p:set>
                                       <p:cBhvr>
-                                        <p:cTn id="11" dur="1" fill="hold">
+                                        <p:cTn id="10" dur="1" fill="hold">
                                           <p:stCondLst>
                                             <p:cond delay="0"/>
                                           </p:stCondLst>
                                         </p:cTn>
                                         <p:tgtEl>
-                                          <p:spTgt spid="5"/>
+                                          <p:spTgt spid="10"/>
                                         </p:tgtEl>
                                         <p:attrNameLst>
                                           <p:attrName>style.visibility</p:attrName>
@@ -30224,14 +32234,6 @@
                                         <p:strVal val="visible"/>
                                       </p:to>
                                     </p:set>
-                                    <p:animEffect transition="in" filter="fade">
-                                      <p:cBhvr>
-                                        <p:cTn id="12" dur="500"/>
-                                        <p:tgtEl>
-                                          <p:spTgt spid="5"/>
-                                        </p:tgtEl>
-                                      </p:cBhvr>
-                                    </p:animEffect>
                                   </p:childTnLst>
                                 </p:cTn>
                               </p:par>
@@ -30263,8 +32265,8 @@
       </p:par>
     </p:tnLst>
     <p:bldLst>
-      <p:bldP spid="4" grpId="0" animBg="1"/>
-      <p:bldP spid="5" grpId="0" animBg="1"/>
+      <p:bldP spid="9" grpId="0" animBg="1"/>
+      <p:bldP spid="10" grpId="0" animBg="1"/>
     </p:bldLst>
   </p:timing>
 </p:sld>
@@ -30289,6 +32291,94 @@
       </p:grpSpPr>
       <p:sp>
         <p:nvSpPr>
+          <p:cNvPr id="4" name="Content Placeholder 3"/>
+          <p:cNvSpPr>
+            <a:spLocks noGrp="1"/>
+          </p:cNvSpPr>
+          <p:nvPr>
+            <p:ph idx="1"/>
+          </p:nvPr>
+        </p:nvSpPr>
+        <p:spPr/>
+        <p:txBody>
+          <a:bodyPr>
+            <a:normAutofit lnSpcReduction="10000"/>
+          </a:bodyPr>
+          <a:lstStyle/>
+          <a:p>
+            <a:r>
+              <a:rPr lang="en-US" sz="2800" dirty="0"/>
+              <a:t>;; ball-normal-motion : Ball -&gt; Ball</a:t>
+            </a:r>
+          </a:p>
+          <a:p>
+            <a:r>
+              <a:rPr lang="en-US" sz="2800" dirty="0"/>
+              <a:t>;; GIVEN: a Ball</a:t>
+            </a:r>
+          </a:p>
+          <a:p>
+            <a:r>
+              <a:rPr lang="en-US" sz="2800" dirty="0">
+                <a:solidFill>
+                  <a:srgbClr val="FF0000"/>
+                </a:solidFill>
+              </a:rPr>
+              <a:t>;; WHERE: the Ball is not going to</a:t>
+            </a:r>
+          </a:p>
+          <a:p>
+            <a:r>
+              <a:rPr lang="en-US" sz="2800" dirty="0">
+                <a:solidFill>
+                  <a:srgbClr val="FF0000"/>
+                </a:solidFill>
+              </a:rPr>
+              <a:t>;; collide with a wall on this tick</a:t>
+            </a:r>
+          </a:p>
+          <a:p>
+            <a:r>
+              <a:rPr lang="en-US" sz="2800" dirty="0"/>
+              <a:t>;; RETURNS: the state of the ball after a</a:t>
+            </a:r>
+          </a:p>
+          <a:p>
+            <a:r>
+              <a:rPr lang="en-US" sz="2800" dirty="0"/>
+              <a:t>;; tick.</a:t>
+            </a:r>
+          </a:p>
+          <a:p>
+            <a:r>
+              <a:rPr lang="en-US" sz="2800" dirty="0"/>
+              <a:t>(define (ball-normal-motion b)</a:t>
+            </a:r>
+          </a:p>
+          <a:p>
+            <a:r>
+              <a:rPr lang="en-US" sz="2800" dirty="0"/>
+              <a:t>  (make-ball </a:t>
+            </a:r>
+          </a:p>
+          <a:p>
+            <a:r>
+              <a:rPr lang="en-US" sz="2800" dirty="0"/>
+              <a:t>    (+ (ball-x-</a:t>
+            </a:r>
+            <a:r>
+              <a:rPr lang="en-US" sz="2800" dirty="0" err="1"/>
+              <a:t>pos</a:t>
+            </a:r>
+            <a:r>
+              <a:rPr lang="en-US" sz="2800" dirty="0"/>
+              <a:t> b) BALLSPEED)))</a:t>
+            </a:r>
+          </a:p>
+        </p:txBody>
+      </p:sp>
+      <p:sp>
+        <p:nvSpPr>
           <p:cNvPr id="2" name="Title 1"/>
           <p:cNvSpPr>
             <a:spLocks noGrp="1"/>
@@ -30299,206 +32389,21 @@
         </p:nvSpPr>
         <p:spPr/>
         <p:txBody>
-          <a:bodyPr/>
+          <a:bodyPr>
+            <a:normAutofit fontScale="90000"/>
+          </a:bodyPr>
           <a:lstStyle/>
           <a:p>
             <a:r>
               <a:rPr lang="en-US" dirty="0"/>
-              <a:t>Try #2</a:t>
-            </a:r>
-          </a:p>
-        </p:txBody>
-      </p:sp>
-      <p:sp>
-        <p:nvSpPr>
-          <p:cNvPr id="3" name="Content Placeholder 2"/>
-          <p:cNvSpPr>
-            <a:spLocks noGrp="1"/>
-          </p:cNvSpPr>
-          <p:nvPr>
-            <p:ph idx="1"/>
-          </p:nvPr>
-        </p:nvSpPr>
-        <p:spPr/>
-        <p:txBody>
-          <a:bodyPr>
-            <a:noAutofit/>
-          </a:bodyPr>
-          <a:lstStyle/>
-          <a:p>
-            <a:pPr>
-              <a:buNone/>
-            </a:pPr>
-            <a:r>
-              <a:rPr lang="en-US" sz="2400" b="1" dirty="0">
-                <a:latin typeface="Consolas" pitchFamily="49" charset="0"/>
-                <a:cs typeface="Consolas" pitchFamily="49" charset="0"/>
-              </a:rPr>
-              <a:t>(define (number-list </a:t>
-            </a:r>
-            <a:r>
-              <a:rPr lang="en-US" sz="2400" b="1" dirty="0" err="1">
-                <a:latin typeface="Consolas" pitchFamily="49" charset="0"/>
-                <a:cs typeface="Consolas" pitchFamily="49" charset="0"/>
-              </a:rPr>
-              <a:t>lst</a:t>
-            </a:r>
-            <a:r>
-              <a:rPr lang="en-US" sz="2400" b="1" dirty="0">
-                <a:latin typeface="Consolas" pitchFamily="49" charset="0"/>
-                <a:cs typeface="Consolas" pitchFamily="49" charset="0"/>
-              </a:rPr>
-              <a:t>)</a:t>
-            </a:r>
-          </a:p>
-          <a:p>
-            <a:pPr>
-              <a:buNone/>
-            </a:pPr>
-            <a:r>
-              <a:rPr lang="en-US" sz="2400" b="1" dirty="0">
-                <a:latin typeface="Consolas" pitchFamily="49" charset="0"/>
-                <a:cs typeface="Consolas" pitchFamily="49" charset="0"/>
-              </a:rPr>
-              <a:t>  (</a:t>
-            </a:r>
-            <a:r>
-              <a:rPr lang="en-US" sz="2400" b="1" dirty="0" err="1">
-                <a:latin typeface="Consolas" pitchFamily="49" charset="0"/>
-                <a:cs typeface="Consolas" pitchFamily="49" charset="0"/>
-              </a:rPr>
-              <a:t>cond</a:t>
-            </a:r>
-            <a:endParaRPr lang="en-US" sz="2400" b="1" dirty="0">
-              <a:latin typeface="Consolas" pitchFamily="49" charset="0"/>
-              <a:cs typeface="Consolas" pitchFamily="49" charset="0"/>
-            </a:endParaRPr>
-          </a:p>
-          <a:p>
-            <a:pPr>
-              <a:buNone/>
-            </a:pPr>
-            <a:r>
-              <a:rPr lang="en-US" sz="2400" b="1" dirty="0">
-                <a:latin typeface="Consolas" pitchFamily="49" charset="0"/>
-                <a:cs typeface="Consolas" pitchFamily="49" charset="0"/>
-              </a:rPr>
-              <a:t>    [(empty? </a:t>
-            </a:r>
-            <a:r>
-              <a:rPr lang="en-US" sz="2400" b="1" dirty="0" err="1">
-                <a:latin typeface="Consolas" pitchFamily="49" charset="0"/>
-                <a:cs typeface="Consolas" pitchFamily="49" charset="0"/>
-              </a:rPr>
-              <a:t>lst</a:t>
-            </a:r>
-            <a:r>
-              <a:rPr lang="en-US" sz="2400" b="1" dirty="0">
-                <a:latin typeface="Consolas" pitchFamily="49" charset="0"/>
-                <a:cs typeface="Consolas" pitchFamily="49" charset="0"/>
-              </a:rPr>
-              <a:t>) empty]</a:t>
-            </a:r>
-          </a:p>
-          <a:p>
-            <a:pPr>
-              <a:buNone/>
-            </a:pPr>
-            <a:r>
-              <a:rPr lang="en-US" sz="2400" b="1" dirty="0">
-                <a:latin typeface="Consolas" pitchFamily="49" charset="0"/>
-                <a:cs typeface="Consolas" pitchFamily="49" charset="0"/>
-              </a:rPr>
-              <a:t>    [else (cons</a:t>
-            </a:r>
-          </a:p>
-          <a:p>
-            <a:pPr>
-              <a:buNone/>
-            </a:pPr>
-            <a:r>
-              <a:rPr lang="en-US" sz="2400" b="1" dirty="0">
-                <a:latin typeface="Consolas" pitchFamily="49" charset="0"/>
-                <a:cs typeface="Consolas" pitchFamily="49" charset="0"/>
-              </a:rPr>
-              <a:t>            (list 1 (first </a:t>
-            </a:r>
-            <a:r>
-              <a:rPr lang="en-US" sz="2400" b="1" dirty="0" err="1">
-                <a:latin typeface="Consolas" pitchFamily="49" charset="0"/>
-                <a:cs typeface="Consolas" pitchFamily="49" charset="0"/>
-              </a:rPr>
-              <a:t>lst</a:t>
-            </a:r>
-            <a:r>
-              <a:rPr lang="en-US" sz="2400" b="1" dirty="0">
-                <a:latin typeface="Consolas" pitchFamily="49" charset="0"/>
-                <a:cs typeface="Consolas" pitchFamily="49" charset="0"/>
-              </a:rPr>
-              <a:t>))</a:t>
-            </a:r>
-          </a:p>
-          <a:p>
-            <a:pPr>
-              <a:buNone/>
-            </a:pPr>
-            <a:r>
-              <a:rPr lang="en-US" sz="2400" b="1" dirty="0">
-                <a:latin typeface="Consolas" pitchFamily="49" charset="0"/>
-                <a:cs typeface="Consolas" pitchFamily="49" charset="0"/>
-              </a:rPr>
-              <a:t>            (number-list-from-2</a:t>
-            </a:r>
-          </a:p>
-          <a:p>
-            <a:pPr>
-              <a:buNone/>
-            </a:pPr>
-            <a:r>
-              <a:rPr lang="en-US" sz="2400" b="1" dirty="0">
-                <a:latin typeface="Consolas" pitchFamily="49" charset="0"/>
-                <a:cs typeface="Consolas" pitchFamily="49" charset="0"/>
-              </a:rPr>
-              <a:t>              (rest </a:t>
-            </a:r>
-            <a:r>
-              <a:rPr lang="en-US" sz="2400" b="1" dirty="0" err="1">
-                <a:latin typeface="Consolas" pitchFamily="49" charset="0"/>
-                <a:cs typeface="Consolas" pitchFamily="49" charset="0"/>
-              </a:rPr>
-              <a:t>lst</a:t>
-            </a:r>
-            <a:r>
-              <a:rPr lang="en-US" sz="2400" b="1" dirty="0">
-                <a:latin typeface="Consolas" pitchFamily="49" charset="0"/>
-                <a:cs typeface="Consolas" pitchFamily="49" charset="0"/>
-              </a:rPr>
-              <a:t>)))]))</a:t>
-            </a:r>
-          </a:p>
-          <a:p>
-            <a:pPr>
-              <a:buNone/>
-            </a:pPr>
-            <a:endParaRPr lang="en-US" sz="2400" b="1" dirty="0">
-              <a:latin typeface="Courier New" pitchFamily="49" charset="0"/>
-              <a:cs typeface="Courier New" pitchFamily="49" charset="0"/>
-            </a:endParaRPr>
-          </a:p>
-          <a:p>
-            <a:pPr>
-              <a:buNone/>
-            </a:pPr>
-            <a:endParaRPr lang="en-US" sz="2400" b="1" dirty="0">
-              <a:latin typeface="Courier New" pitchFamily="49" charset="0"/>
-              <a:cs typeface="Courier New" pitchFamily="49" charset="0"/>
-            </a:endParaRPr>
-          </a:p>
-        </p:txBody>
-      </p:sp>
-      <p:sp>
-        <p:nvSpPr>
-          <p:cNvPr id="4" name="Slide Number Placeholder 3"/>
+              <a:t>Here’s how we document the assumptions that this function makes  </a:t>
+            </a:r>
+          </a:p>
+        </p:txBody>
+      </p:sp>
+      <p:sp>
+        <p:nvSpPr>
+          <p:cNvPr id="3" name="Slide Number Placeholder 2"/>
           <p:cNvSpPr>
             <a:spLocks noGrp="1"/>
           </p:cNvSpPr>
@@ -30511,7 +32416,7 @@
           <a:bodyPr/>
           <a:lstStyle/>
           <a:p>
-            <a:fld id="{E4A74525-021D-496D-B39D-9668564A137C}" type="slidenum">
+            <a:fld id="{4FF46DE1-096B-4EDD-A00F-DA0292705DA0}" type="slidenum">
               <a:rPr lang="en-US" smtClean="0"/>
               <a:t>8</a:t>
             </a:fld>
@@ -30519,77 +32424,10 @@
           </a:p>
         </p:txBody>
       </p:sp>
-      <p:sp>
-        <p:nvSpPr>
-          <p:cNvPr id="5" name="Rectangle 4"/>
-          <p:cNvSpPr/>
-          <p:nvPr/>
-        </p:nvSpPr>
-        <p:spPr>
-          <a:xfrm>
-            <a:off x="2286000" y="5029200"/>
-            <a:ext cx="5105400" cy="762000"/>
-          </a:xfrm>
-          <a:prstGeom prst="rect">
-            <a:avLst/>
-          </a:prstGeom>
-          <a:solidFill>
-            <a:schemeClr val="accent3">
-              <a:lumMod val="40000"/>
-              <a:lumOff val="60000"/>
-            </a:schemeClr>
-          </a:solidFill>
-          <a:ln>
-            <a:noFill/>
-          </a:ln>
-        </p:spPr>
-        <p:style>
-          <a:lnRef idx="2">
-            <a:schemeClr val="accent1"/>
-          </a:lnRef>
-          <a:fillRef idx="1">
-            <a:schemeClr val="lt1"/>
-          </a:fillRef>
-          <a:effectRef idx="0">
-            <a:schemeClr val="accent1"/>
-          </a:effectRef>
-          <a:fontRef idx="minor">
-            <a:schemeClr val="dk1"/>
-          </a:fontRef>
-        </p:style>
-        <p:txBody>
-          <a:bodyPr rot="0" spcFirstLastPara="0" vertOverflow="overflow" horzOverflow="overflow" vert="horz" wrap="square" lIns="91440" tIns="45720" rIns="91440" bIns="45720" numCol="1" spcCol="0" rtlCol="0" fromWordArt="0" anchor="ctr" anchorCtr="0" forceAA="0" compatLnSpc="1">
-            <a:prstTxWarp prst="textNoShape">
-              <a:avLst/>
-            </a:prstTxWarp>
-            <a:noAutofit/>
-          </a:bodyPr>
-          <a:lstStyle/>
-          <a:p>
-            <a:pPr algn="ctr"/>
-            <a:r>
-              <a:rPr lang="en-US" dirty="0">
-                <a:solidFill>
-                  <a:schemeClr val="tx1"/>
-                </a:solidFill>
-              </a:rPr>
-              <a:t>Well, this looks promising.  All we have to do now is write </a:t>
-            </a:r>
-            <a:r>
-              <a:rPr lang="en-US" b="1" dirty="0">
-                <a:solidFill>
-                  <a:schemeClr val="tx1"/>
-                </a:solidFill>
-              </a:rPr>
-              <a:t>number-list-from-2</a:t>
-            </a:r>
-          </a:p>
-        </p:txBody>
-      </p:sp>
     </p:spTree>
     <p:extLst>
       <p:ext uri="{BB962C8B-B14F-4D97-AF65-F5344CB8AC3E}">
-        <p14:creationId xmlns:p14="http://schemas.microsoft.com/office/powerpoint/2010/main" val="941270927"/>
+        <p14:creationId xmlns:p14="http://schemas.microsoft.com/office/powerpoint/2010/main" val="985352497"/>
       </p:ext>
     </p:extLst>
   </p:cSld>
@@ -30633,7 +32471,7 @@
           <a:p>
             <a:r>
               <a:rPr lang="en-US" dirty="0"/>
-              <a:t>number-list-from-2</a:t>
+              <a:t>The WHERE-clause</a:t>
             </a:r>
           </a:p>
         </p:txBody>
@@ -30650,178 +32488,49 @@
         </p:nvSpPr>
         <p:spPr/>
         <p:txBody>
-          <a:bodyPr>
-            <a:noAutofit/>
-          </a:bodyPr>
-          <a:lstStyle/>
-          <a:p>
-            <a:pPr>
-              <a:buNone/>
-            </a:pPr>
-            <a:r>
-              <a:rPr lang="en-US" sz="2400" b="1" dirty="0">
-                <a:latin typeface="Consolas" pitchFamily="49" charset="0"/>
-                <a:cs typeface="Consolas" pitchFamily="49" charset="0"/>
-              </a:rPr>
-              <a:t>(define (number-list-from-2 </a:t>
-            </a:r>
-            <a:r>
-              <a:rPr lang="en-US" sz="2400" b="1" dirty="0" err="1">
-                <a:latin typeface="Consolas" pitchFamily="49" charset="0"/>
-                <a:cs typeface="Consolas" pitchFamily="49" charset="0"/>
-              </a:rPr>
-              <a:t>lst</a:t>
-            </a:r>
-            <a:r>
-              <a:rPr lang="en-US" sz="2400" b="1" dirty="0">
-                <a:latin typeface="Consolas" pitchFamily="49" charset="0"/>
-                <a:cs typeface="Consolas" pitchFamily="49" charset="0"/>
-              </a:rPr>
-              <a:t>)</a:t>
-            </a:r>
-          </a:p>
-          <a:p>
-            <a:pPr>
-              <a:buNone/>
-            </a:pPr>
-            <a:r>
-              <a:rPr lang="en-US" sz="2400" b="1" dirty="0">
-                <a:latin typeface="Consolas" pitchFamily="49" charset="0"/>
-                <a:cs typeface="Consolas" pitchFamily="49" charset="0"/>
-              </a:rPr>
-              <a:t>  (</a:t>
-            </a:r>
-            <a:r>
-              <a:rPr lang="en-US" sz="2400" b="1" dirty="0" err="1">
-                <a:latin typeface="Consolas" pitchFamily="49" charset="0"/>
-                <a:cs typeface="Consolas" pitchFamily="49" charset="0"/>
-              </a:rPr>
-              <a:t>cond</a:t>
-            </a:r>
-            <a:endParaRPr lang="en-US" sz="2400" b="1" dirty="0">
-              <a:latin typeface="Consolas" pitchFamily="49" charset="0"/>
-              <a:cs typeface="Consolas" pitchFamily="49" charset="0"/>
-            </a:endParaRPr>
-          </a:p>
-          <a:p>
-            <a:pPr>
-              <a:buNone/>
-            </a:pPr>
-            <a:r>
-              <a:rPr lang="en-US" sz="2400" b="1" dirty="0">
-                <a:latin typeface="Consolas" pitchFamily="49" charset="0"/>
-                <a:cs typeface="Consolas" pitchFamily="49" charset="0"/>
-              </a:rPr>
-              <a:t>    [(empty? </a:t>
-            </a:r>
-            <a:r>
-              <a:rPr lang="en-US" sz="2400" b="1" dirty="0" err="1">
-                <a:latin typeface="Consolas" pitchFamily="49" charset="0"/>
-                <a:cs typeface="Consolas" pitchFamily="49" charset="0"/>
-              </a:rPr>
-              <a:t>lst</a:t>
-            </a:r>
-            <a:r>
-              <a:rPr lang="en-US" sz="2400" b="1" dirty="0">
-                <a:latin typeface="Consolas" pitchFamily="49" charset="0"/>
-                <a:cs typeface="Consolas" pitchFamily="49" charset="0"/>
-              </a:rPr>
-              <a:t>) empty]</a:t>
-            </a:r>
-          </a:p>
-          <a:p>
-            <a:pPr>
-              <a:buNone/>
-            </a:pPr>
-            <a:r>
-              <a:rPr lang="en-US" sz="2400" b="1" dirty="0">
-                <a:latin typeface="Consolas" pitchFamily="49" charset="0"/>
-                <a:cs typeface="Consolas" pitchFamily="49" charset="0"/>
-              </a:rPr>
-              <a:t>    [else (cons</a:t>
-            </a:r>
-          </a:p>
-          <a:p>
-            <a:pPr>
-              <a:buNone/>
-            </a:pPr>
-            <a:r>
-              <a:rPr lang="en-US" sz="2400" b="1" dirty="0">
-                <a:latin typeface="Consolas" pitchFamily="49" charset="0"/>
-                <a:cs typeface="Consolas" pitchFamily="49" charset="0"/>
-              </a:rPr>
-              <a:t>            (list 2 (first </a:t>
-            </a:r>
-            <a:r>
-              <a:rPr lang="en-US" sz="2400" b="1" dirty="0" err="1">
-                <a:latin typeface="Consolas" pitchFamily="49" charset="0"/>
-                <a:cs typeface="Consolas" pitchFamily="49" charset="0"/>
-              </a:rPr>
-              <a:t>lst</a:t>
-            </a:r>
-            <a:r>
-              <a:rPr lang="en-US" sz="2400" b="1" dirty="0">
-                <a:latin typeface="Consolas" pitchFamily="49" charset="0"/>
-                <a:cs typeface="Consolas" pitchFamily="49" charset="0"/>
-              </a:rPr>
-              <a:t>))</a:t>
-            </a:r>
-          </a:p>
-          <a:p>
-            <a:pPr>
-              <a:buNone/>
-            </a:pPr>
-            <a:r>
-              <a:rPr lang="en-US" sz="2400" b="1" dirty="0">
-                <a:latin typeface="Consolas" pitchFamily="49" charset="0"/>
-                <a:cs typeface="Consolas" pitchFamily="49" charset="0"/>
-              </a:rPr>
-              <a:t>            (number-list-from-3</a:t>
-            </a:r>
-          </a:p>
-          <a:p>
-            <a:pPr>
-              <a:buNone/>
-            </a:pPr>
-            <a:r>
-              <a:rPr lang="en-US" sz="2400" b="1" dirty="0">
-                <a:latin typeface="Consolas" pitchFamily="49" charset="0"/>
-                <a:cs typeface="Consolas" pitchFamily="49" charset="0"/>
-              </a:rPr>
-              <a:t>              (rest </a:t>
-            </a:r>
-            <a:r>
-              <a:rPr lang="en-US" sz="2400" b="1" dirty="0" err="1">
-                <a:latin typeface="Consolas" pitchFamily="49" charset="0"/>
-                <a:cs typeface="Consolas" pitchFamily="49" charset="0"/>
-              </a:rPr>
-              <a:t>lst</a:t>
-            </a:r>
-            <a:r>
-              <a:rPr lang="en-US" sz="2400" b="1" dirty="0">
-                <a:latin typeface="Consolas" pitchFamily="49" charset="0"/>
-                <a:cs typeface="Consolas" pitchFamily="49" charset="0"/>
-              </a:rPr>
-              <a:t>)))]))</a:t>
-            </a:r>
-          </a:p>
-          <a:p>
-            <a:pPr>
-              <a:buNone/>
-            </a:pPr>
-            <a:endParaRPr lang="en-US" sz="2400" b="1" dirty="0">
-              <a:latin typeface="Courier New" pitchFamily="49" charset="0"/>
-              <a:cs typeface="Courier New" pitchFamily="49" charset="0"/>
-            </a:endParaRPr>
-          </a:p>
-          <a:p>
-            <a:pPr>
-              <a:buNone/>
-            </a:pPr>
-            <a:endParaRPr lang="en-US" sz="2400" b="1" dirty="0">
-              <a:latin typeface="Courier New" pitchFamily="49" charset="0"/>
-              <a:cs typeface="Courier New" pitchFamily="49" charset="0"/>
-            </a:endParaRPr>
+          <a:bodyPr/>
+          <a:lstStyle/>
+          <a:p>
+            <a:r>
+              <a:rPr lang="en-US" dirty="0"/>
+              <a:t>The WHERE-clause is called an </a:t>
+            </a:r>
+            <a:r>
+              <a:rPr lang="en-US" i="1" dirty="0">
+                <a:solidFill>
+                  <a:srgbClr val="FF0000"/>
+                </a:solidFill>
+              </a:rPr>
+              <a:t>invariant</a:t>
+            </a:r>
+            <a:r>
+              <a:rPr lang="en-US" dirty="0"/>
+              <a:t> or </a:t>
+            </a:r>
+            <a:r>
+              <a:rPr lang="en-US" i="1" dirty="0">
+                <a:solidFill>
+                  <a:srgbClr val="FF0000"/>
+                </a:solidFill>
+              </a:rPr>
+              <a:t>precondition</a:t>
+            </a:r>
+            <a:r>
+              <a:rPr lang="en-US" dirty="0"/>
+              <a:t>.  We will use both words interchangeably.</a:t>
+            </a:r>
+          </a:p>
+          <a:p>
+            <a:r>
+              <a:rPr lang="en-US" dirty="0"/>
+              <a:t>It is an additional restriction (beyond the contract) on the inputs to the function.</a:t>
+            </a:r>
+          </a:p>
+          <a:p>
+            <a:r>
+              <a:rPr lang="en-US" dirty="0"/>
+              <a:t>Like the contract, it limits the responsibility of the function to only those inputs that satisfy both the contract and the precondition. </a:t>
+            </a:r>
           </a:p>
         </p:txBody>
       </p:sp>
@@ -30840,7 +32549,7 @@
           <a:bodyPr/>
           <a:lstStyle/>
           <a:p>
-            <a:fld id="{E4A74525-021D-496D-B39D-9668564A137C}" type="slidenum">
+            <a:fld id="{2AF3B5EA-18B6-4040-9F78-6052AF49C681}" type="slidenum">
               <a:rPr lang="en-US" smtClean="0"/>
               <a:t>9</a:t>
             </a:fld>
@@ -30848,77 +32557,10 @@
           </a:p>
         </p:txBody>
       </p:sp>
-      <p:sp>
-        <p:nvSpPr>
-          <p:cNvPr id="5" name="Rectangle 4"/>
-          <p:cNvSpPr/>
-          <p:nvPr/>
-        </p:nvSpPr>
-        <p:spPr>
-          <a:xfrm>
-            <a:off x="2286000" y="5029200"/>
-            <a:ext cx="5105400" cy="762000"/>
-          </a:xfrm>
-          <a:prstGeom prst="rect">
-            <a:avLst/>
-          </a:prstGeom>
-          <a:solidFill>
-            <a:schemeClr val="accent3">
-              <a:lumMod val="40000"/>
-              <a:lumOff val="60000"/>
-            </a:schemeClr>
-          </a:solidFill>
-          <a:ln>
-            <a:noFill/>
-          </a:ln>
-        </p:spPr>
-        <p:style>
-          <a:lnRef idx="2">
-            <a:schemeClr val="accent1"/>
-          </a:lnRef>
-          <a:fillRef idx="1">
-            <a:schemeClr val="lt1"/>
-          </a:fillRef>
-          <a:effectRef idx="0">
-            <a:schemeClr val="accent1"/>
-          </a:effectRef>
-          <a:fontRef idx="minor">
-            <a:schemeClr val="dk1"/>
-          </a:fontRef>
-        </p:style>
-        <p:txBody>
-          <a:bodyPr rot="0" spcFirstLastPara="0" vertOverflow="overflow" horzOverflow="overflow" vert="horz" wrap="square" lIns="91440" tIns="45720" rIns="91440" bIns="45720" numCol="1" spcCol="0" rtlCol="0" fromWordArt="0" anchor="ctr" anchorCtr="0" forceAA="0" compatLnSpc="1">
-            <a:prstTxWarp prst="textNoShape">
-              <a:avLst/>
-            </a:prstTxWarp>
-            <a:noAutofit/>
-          </a:bodyPr>
-          <a:lstStyle/>
-          <a:p>
-            <a:pPr algn="ctr"/>
-            <a:r>
-              <a:rPr lang="en-US" dirty="0">
-                <a:solidFill>
-                  <a:schemeClr val="tx1"/>
-                </a:solidFill>
-              </a:rPr>
-              <a:t>Oh, dear.  Now we have to write </a:t>
-            </a:r>
-            <a:r>
-              <a:rPr lang="en-US" b="1" dirty="0">
-                <a:solidFill>
-                  <a:schemeClr val="tx1"/>
-                </a:solidFill>
-              </a:rPr>
-              <a:t>number-list-from-3</a:t>
-            </a:r>
-          </a:p>
-        </p:txBody>
-      </p:sp>
     </p:spTree>
     <p:extLst>
       <p:ext uri="{BB962C8B-B14F-4D97-AF65-F5344CB8AC3E}">
-        <p14:creationId xmlns:p14="http://schemas.microsoft.com/office/powerpoint/2010/main" val="2799957348"/>
+        <p14:creationId xmlns:p14="http://schemas.microsoft.com/office/powerpoint/2010/main" val="1895606866"/>
       </p:ext>
     </p:extLst>
   </p:cSld>
@@ -31261,6 +32903,24 @@
         </a:fontRef>
       </a:style>
     </a:spDef>
+    <a:txDef>
+      <a:spPr>
+        <a:solidFill>
+          <a:schemeClr val="accent1">
+            <a:lumMod val="20000"/>
+            <a:lumOff val="80000"/>
+          </a:schemeClr>
+        </a:solidFill>
+      </a:spPr>
+      <a:bodyPr wrap="square" rtlCol="0">
+        <a:spAutoFit/>
+      </a:bodyPr>
+      <a:lstStyle>
+        <a:defPPr>
+          <a:defRPr dirty="0" smtClean="0"/>
+        </a:defPPr>
+      </a:lstStyle>
+    </a:txDef>
   </a:objectDefaults>
   <a:extraClrSchemeLst/>
 </a:theme>

--- a/Slides/Lesson 7.1-7.3 Invariants Combined.pptx
+++ b/Slides/Lesson 7.1-7.3 Invariants Combined.pptx
@@ -5,7 +5,7 @@
     <p:sldMasterId id="2147483661" r:id="rId1"/>
   </p:sldMasterIdLst>
   <p:notesMasterIdLst>
-    <p:notesMasterId r:id="rId81"/>
+    <p:notesMasterId r:id="rId85"/>
   </p:notesMasterIdLst>
   <p:sldIdLst>
     <p:sldId id="257" r:id="rId2"/>
@@ -38,60 +38,64 @@
     <p:sldId id="382" r:id="rId29"/>
     <p:sldId id="383" r:id="rId30"/>
     <p:sldId id="384" r:id="rId31"/>
-    <p:sldId id="385" r:id="rId32"/>
-    <p:sldId id="387" r:id="rId33"/>
-    <p:sldId id="388" r:id="rId34"/>
-    <p:sldId id="389" r:id="rId35"/>
-    <p:sldId id="386" r:id="rId36"/>
-    <p:sldId id="311" r:id="rId37"/>
-    <p:sldId id="263" r:id="rId38"/>
-    <p:sldId id="264" r:id="rId39"/>
-    <p:sldId id="272" r:id="rId40"/>
-    <p:sldId id="273" r:id="rId41"/>
-    <p:sldId id="274" r:id="rId42"/>
-    <p:sldId id="268" r:id="rId43"/>
-    <p:sldId id="271" r:id="rId44"/>
-    <p:sldId id="312" r:id="rId45"/>
-    <p:sldId id="313" r:id="rId46"/>
-    <p:sldId id="314" r:id="rId47"/>
-    <p:sldId id="315" r:id="rId48"/>
-    <p:sldId id="318" r:id="rId49"/>
-    <p:sldId id="319" r:id="rId50"/>
-    <p:sldId id="320" r:id="rId51"/>
-    <p:sldId id="317" r:id="rId52"/>
-    <p:sldId id="326" r:id="rId53"/>
-    <p:sldId id="328" r:id="rId54"/>
-    <p:sldId id="330" r:id="rId55"/>
-    <p:sldId id="331" r:id="rId56"/>
-    <p:sldId id="339" r:id="rId57"/>
-    <p:sldId id="340" r:id="rId58"/>
-    <p:sldId id="341" r:id="rId59"/>
-    <p:sldId id="342" r:id="rId60"/>
-    <p:sldId id="343" r:id="rId61"/>
-    <p:sldId id="344" r:id="rId62"/>
-    <p:sldId id="369" r:id="rId63"/>
-    <p:sldId id="345" r:id="rId64"/>
-    <p:sldId id="346" r:id="rId65"/>
-    <p:sldId id="347" r:id="rId66"/>
-    <p:sldId id="348" r:id="rId67"/>
-    <p:sldId id="349" r:id="rId68"/>
-    <p:sldId id="350" r:id="rId69"/>
-    <p:sldId id="351" r:id="rId70"/>
-    <p:sldId id="352" r:id="rId71"/>
-    <p:sldId id="353" r:id="rId72"/>
-    <p:sldId id="354" r:id="rId73"/>
-    <p:sldId id="355" r:id="rId74"/>
-    <p:sldId id="356" r:id="rId75"/>
-    <p:sldId id="357" r:id="rId76"/>
-    <p:sldId id="358" r:id="rId77"/>
-    <p:sldId id="359" r:id="rId78"/>
-    <p:sldId id="360" r:id="rId79"/>
-    <p:sldId id="361" r:id="rId80"/>
+    <p:sldId id="398" r:id="rId32"/>
+    <p:sldId id="399" r:id="rId33"/>
+    <p:sldId id="400" r:id="rId34"/>
+    <p:sldId id="401" r:id="rId35"/>
+    <p:sldId id="402" r:id="rId36"/>
+    <p:sldId id="403" r:id="rId37"/>
+    <p:sldId id="388" r:id="rId38"/>
+    <p:sldId id="389" r:id="rId39"/>
+    <p:sldId id="386" r:id="rId40"/>
+    <p:sldId id="311" r:id="rId41"/>
+    <p:sldId id="263" r:id="rId42"/>
+    <p:sldId id="264" r:id="rId43"/>
+    <p:sldId id="272" r:id="rId44"/>
+    <p:sldId id="273" r:id="rId45"/>
+    <p:sldId id="274" r:id="rId46"/>
+    <p:sldId id="268" r:id="rId47"/>
+    <p:sldId id="271" r:id="rId48"/>
+    <p:sldId id="312" r:id="rId49"/>
+    <p:sldId id="313" r:id="rId50"/>
+    <p:sldId id="314" r:id="rId51"/>
+    <p:sldId id="315" r:id="rId52"/>
+    <p:sldId id="318" r:id="rId53"/>
+    <p:sldId id="319" r:id="rId54"/>
+    <p:sldId id="320" r:id="rId55"/>
+    <p:sldId id="317" r:id="rId56"/>
+    <p:sldId id="326" r:id="rId57"/>
+    <p:sldId id="328" r:id="rId58"/>
+    <p:sldId id="330" r:id="rId59"/>
+    <p:sldId id="331" r:id="rId60"/>
+    <p:sldId id="339" r:id="rId61"/>
+    <p:sldId id="340" r:id="rId62"/>
+    <p:sldId id="341" r:id="rId63"/>
+    <p:sldId id="342" r:id="rId64"/>
+    <p:sldId id="343" r:id="rId65"/>
+    <p:sldId id="344" r:id="rId66"/>
+    <p:sldId id="369" r:id="rId67"/>
+    <p:sldId id="345" r:id="rId68"/>
+    <p:sldId id="346" r:id="rId69"/>
+    <p:sldId id="347" r:id="rId70"/>
+    <p:sldId id="348" r:id="rId71"/>
+    <p:sldId id="349" r:id="rId72"/>
+    <p:sldId id="350" r:id="rId73"/>
+    <p:sldId id="351" r:id="rId74"/>
+    <p:sldId id="352" r:id="rId75"/>
+    <p:sldId id="353" r:id="rId76"/>
+    <p:sldId id="354" r:id="rId77"/>
+    <p:sldId id="355" r:id="rId78"/>
+    <p:sldId id="356" r:id="rId79"/>
+    <p:sldId id="357" r:id="rId80"/>
+    <p:sldId id="358" r:id="rId81"/>
+    <p:sldId id="359" r:id="rId82"/>
+    <p:sldId id="360" r:id="rId83"/>
+    <p:sldId id="361" r:id="rId84"/>
   </p:sldIdLst>
   <p:sldSz cx="9144000" cy="6858000" type="screen4x3"/>
   <p:notesSz cx="6858000" cy="9144000"/>
   <p:custDataLst>
-    <p:tags r:id="rId82"/>
+    <p:tags r:id="rId86"/>
   </p:custDataLst>
   <p:defaultTextStyle>
     <a:defPPr>
@@ -227,8 +231,12 @@
             <p14:sldId id="382"/>
             <p14:sldId id="383"/>
             <p14:sldId id="384"/>
-            <p14:sldId id="385"/>
-            <p14:sldId id="387"/>
+            <p14:sldId id="398"/>
+            <p14:sldId id="399"/>
+            <p14:sldId id="400"/>
+            <p14:sldId id="401"/>
+            <p14:sldId id="402"/>
+            <p14:sldId id="403"/>
             <p14:sldId id="388"/>
             <p14:sldId id="389"/>
           </p14:sldIdLst>
@@ -5921,7 +5929,7 @@
             <a:fld id="{6048B3DE-E9CD-4720-84B6-E24D30E64DE7}" type="slidenum">
               <a:rPr lang="en-US" smtClean="0"/>
               <a:pPr/>
-              <a:t>63</a:t>
+              <a:t>67</a:t>
             </a:fld>
             <a:endParaRPr lang="en-US"/>
           </a:p>
@@ -6005,7 +6013,7 @@
           <a:p>
             <a:fld id="{A28484B4-7F93-45CD-84A0-E7476B171D3B}" type="slidenum">
               <a:rPr lang="en-US" smtClean="0"/>
-              <a:t>66</a:t>
+              <a:t>70</a:t>
             </a:fld>
             <a:endParaRPr lang="en-US"/>
           </a:p>
@@ -6089,7 +6097,7 @@
           <a:p>
             <a:fld id="{A28484B4-7F93-45CD-84A0-E7476B171D3B}" type="slidenum">
               <a:rPr lang="en-US" smtClean="0"/>
-              <a:t>77</a:t>
+              <a:t>81</a:t>
             </a:fld>
             <a:endParaRPr lang="en-US"/>
           </a:p>
@@ -6342,7 +6350,7 @@
           <a:p>
             <a:fld id="{A883872C-8A4C-45D2-AF62-240BF2DAD4C3}" type="slidenum">
               <a:rPr lang="en-US" smtClean="0"/>
-              <a:t>36</a:t>
+              <a:t>40</a:t>
             </a:fld>
             <a:endParaRPr lang="en-US"/>
           </a:p>
@@ -6427,7 +6435,7 @@
             <a:fld id="{85E423A9-C257-460A-A8ED-9083CE03CE3B}" type="slidenum">
               <a:rPr lang="en-US" smtClean="0"/>
               <a:pPr/>
-              <a:t>46</a:t>
+              <a:t>50</a:t>
             </a:fld>
             <a:endParaRPr lang="en-US"/>
           </a:p>
@@ -6511,7 +6519,7 @@
           <a:p>
             <a:fld id="{A883872C-8A4C-45D2-AF62-240BF2DAD4C3}" type="slidenum">
               <a:rPr lang="en-US" smtClean="0"/>
-              <a:t>54</a:t>
+              <a:t>58</a:t>
             </a:fld>
             <a:endParaRPr lang="en-US"/>
           </a:p>
@@ -6596,7 +6604,7 @@
             <a:fld id="{85E423A9-C257-460A-A8ED-9083CE03CE3B}" type="slidenum">
               <a:rPr lang="en-US" smtClean="0"/>
               <a:pPr/>
-              <a:t>57</a:t>
+              <a:t>61</a:t>
             </a:fld>
             <a:endParaRPr lang="en-US"/>
           </a:p>
@@ -6681,7 +6689,7 @@
             <a:fld id="{85E423A9-C257-460A-A8ED-9083CE03CE3B}" type="slidenum">
               <a:rPr lang="en-US" smtClean="0"/>
               <a:pPr/>
-              <a:t>58</a:t>
+              <a:t>62</a:t>
             </a:fld>
             <a:endParaRPr lang="en-US"/>
           </a:p>
@@ -6774,7 +6782,7 @@
             <a:fld id="{85E423A9-C257-460A-A8ED-9083CE03CE3B}" type="slidenum">
               <a:rPr lang="en-US" smtClean="0"/>
               <a:pPr/>
-              <a:t>59</a:t>
+              <a:t>63</a:t>
             </a:fld>
             <a:endParaRPr lang="en-US"/>
           </a:p>
@@ -19022,20 +19030,14 @@
         </p:nvSpPr>
         <p:spPr/>
         <p:txBody>
-          <a:bodyPr/>
+          <a:bodyPr>
+            <a:normAutofit/>
+          </a:bodyPr>
           <a:lstStyle/>
           <a:p>
             <a:r>
               <a:rPr lang="en-US" dirty="0"/>
-              <a:t>Sum of list (</a:t>
-            </a:r>
-            <a:r>
-              <a:rPr lang="en-US" dirty="0" err="1"/>
-              <a:t>foldl</a:t>
-            </a:r>
-            <a:r>
-              <a:rPr lang="en-US" dirty="0"/>
-              <a:t> style)</a:t>
+              <a:t>Let’s do another (simpler) example</a:t>
             </a:r>
           </a:p>
         </p:txBody>
@@ -19057,33 +19059,25 @@
           <a:p>
             <a:r>
               <a:rPr lang="en-US" dirty="0"/>
-              <a:t>Do algebraic “watch this work”</a:t>
+              <a:t>Finding the sum of a list of numbers</a:t>
             </a:r>
           </a:p>
           <a:p>
             <a:r>
               <a:rPr lang="en-US" dirty="0"/>
-              <a:t>Be sure to mention “</a:t>
-            </a:r>
-            <a:r>
-              <a:rPr lang="en-US" dirty="0" err="1"/>
-              <a:t>sublist</a:t>
-            </a:r>
+              <a:t>We’ve done this by a simple recursion, but let’s do it a different.</a:t>
+            </a:r>
+          </a:p>
+          <a:p>
             <a:r>
               <a:rPr lang="en-US" dirty="0"/>
-              <a:t> of </a:t>
-            </a:r>
-            <a:r>
-              <a:rPr lang="en-US" dirty="0">
-                <a:solidFill>
-                  <a:srgbClr val="FF0000"/>
-                </a:solidFill>
-              </a:rPr>
-              <a:t>some</a:t>
-            </a:r>
+              <a:t>In the simple recursion, we did the addition from right to left.</a:t>
+            </a:r>
+          </a:p>
+          <a:p>
             <a:r>
               <a:rPr lang="en-US" dirty="0"/>
-              <a:t> list”</a:t>
+              <a:t>In the new solution, we’ll do it left to right.</a:t>
             </a:r>
           </a:p>
         </p:txBody>
@@ -19143,7 +19137,378 @@
       </p:grpSpPr>
       <p:sp>
         <p:nvSpPr>
-          <p:cNvPr id="6" name="Title 5"/>
+          <p:cNvPr id="17" name="Content Placeholder 2"/>
+          <p:cNvSpPr txBox="1">
+            <a:spLocks/>
+          </p:cNvSpPr>
+          <p:nvPr/>
+        </p:nvSpPr>
+        <p:spPr>
+          <a:xfrm>
+            <a:off x="457200" y="1600200"/>
+            <a:ext cx="8229600" cy="4525963"/>
+          </a:xfrm>
+          <a:prstGeom prst="rect">
+            <a:avLst/>
+          </a:prstGeom>
+        </p:spPr>
+        <p:txBody>
+          <a:bodyPr vert="horz" lIns="91440" tIns="45720" rIns="91440" bIns="45720" rtlCol="0">
+            <a:normAutofit/>
+          </a:bodyPr>
+          <a:lstStyle>
+            <a:lvl1pPr marL="342900" indent="-342900" algn="l" defTabSz="914400" rtl="0" eaLnBrk="1" latinLnBrk="0" hangingPunct="1">
+              <a:spcBef>
+                <a:spcPct val="20000"/>
+              </a:spcBef>
+              <a:buFont typeface="Arial" pitchFamily="34" charset="0"/>
+              <a:buChar char="•"/>
+              <a:defRPr sz="3200" kern="1200">
+                <a:solidFill>
+                  <a:schemeClr val="tx1"/>
+                </a:solidFill>
+                <a:latin typeface="+mn-lt"/>
+                <a:ea typeface="+mn-ea"/>
+                <a:cs typeface="+mn-cs"/>
+              </a:defRPr>
+            </a:lvl1pPr>
+            <a:lvl2pPr marL="742950" indent="-285750" algn="l" defTabSz="914400" rtl="0" eaLnBrk="1" latinLnBrk="0" hangingPunct="1">
+              <a:spcBef>
+                <a:spcPct val="20000"/>
+              </a:spcBef>
+              <a:buFont typeface="Arial" pitchFamily="34" charset="0"/>
+              <a:buChar char="–"/>
+              <a:defRPr sz="2800" kern="1200">
+                <a:solidFill>
+                  <a:schemeClr val="tx1"/>
+                </a:solidFill>
+                <a:latin typeface="+mn-lt"/>
+                <a:ea typeface="+mn-ea"/>
+                <a:cs typeface="+mn-cs"/>
+              </a:defRPr>
+            </a:lvl2pPr>
+            <a:lvl3pPr marL="1143000" indent="-228600" algn="l" defTabSz="914400" rtl="0" eaLnBrk="1" latinLnBrk="0" hangingPunct="1">
+              <a:spcBef>
+                <a:spcPct val="20000"/>
+              </a:spcBef>
+              <a:buFont typeface="Arial" pitchFamily="34" charset="0"/>
+              <a:buChar char="•"/>
+              <a:defRPr sz="2400" kern="1200">
+                <a:solidFill>
+                  <a:schemeClr val="tx1"/>
+                </a:solidFill>
+                <a:latin typeface="+mn-lt"/>
+                <a:ea typeface="+mn-ea"/>
+                <a:cs typeface="+mn-cs"/>
+              </a:defRPr>
+            </a:lvl3pPr>
+            <a:lvl4pPr marL="1600200" indent="-228600" algn="l" defTabSz="914400" rtl="0" eaLnBrk="1" latinLnBrk="0" hangingPunct="1">
+              <a:spcBef>
+                <a:spcPct val="20000"/>
+              </a:spcBef>
+              <a:buFont typeface="Arial" pitchFamily="34" charset="0"/>
+              <a:buChar char="–"/>
+              <a:defRPr sz="2000" kern="1200">
+                <a:solidFill>
+                  <a:schemeClr val="tx1"/>
+                </a:solidFill>
+                <a:latin typeface="+mn-lt"/>
+                <a:ea typeface="+mn-ea"/>
+                <a:cs typeface="+mn-cs"/>
+              </a:defRPr>
+            </a:lvl4pPr>
+            <a:lvl5pPr marL="2057400" indent="-228600" algn="l" defTabSz="914400" rtl="0" eaLnBrk="1" latinLnBrk="0" hangingPunct="1">
+              <a:spcBef>
+                <a:spcPct val="20000"/>
+              </a:spcBef>
+              <a:buFont typeface="Arial" pitchFamily="34" charset="0"/>
+              <a:buChar char="»"/>
+              <a:defRPr sz="2000" kern="1200">
+                <a:solidFill>
+                  <a:schemeClr val="tx1"/>
+                </a:solidFill>
+                <a:latin typeface="+mn-lt"/>
+                <a:ea typeface="+mn-ea"/>
+                <a:cs typeface="+mn-cs"/>
+              </a:defRPr>
+            </a:lvl5pPr>
+            <a:lvl6pPr marL="2514600" indent="-228600" algn="l" defTabSz="914400" rtl="0" eaLnBrk="1" latinLnBrk="0" hangingPunct="1">
+              <a:spcBef>
+                <a:spcPct val="20000"/>
+              </a:spcBef>
+              <a:buFont typeface="Arial" pitchFamily="34" charset="0"/>
+              <a:buChar char="•"/>
+              <a:defRPr sz="2000" kern="1200">
+                <a:solidFill>
+                  <a:schemeClr val="tx1"/>
+                </a:solidFill>
+                <a:latin typeface="+mn-lt"/>
+                <a:ea typeface="+mn-ea"/>
+                <a:cs typeface="+mn-cs"/>
+              </a:defRPr>
+            </a:lvl6pPr>
+            <a:lvl7pPr marL="2971800" indent="-228600" algn="l" defTabSz="914400" rtl="0" eaLnBrk="1" latinLnBrk="0" hangingPunct="1">
+              <a:spcBef>
+                <a:spcPct val="20000"/>
+              </a:spcBef>
+              <a:buFont typeface="Arial" pitchFamily="34" charset="0"/>
+              <a:buChar char="•"/>
+              <a:defRPr sz="2000" kern="1200">
+                <a:solidFill>
+                  <a:schemeClr val="tx1"/>
+                </a:solidFill>
+                <a:latin typeface="+mn-lt"/>
+                <a:ea typeface="+mn-ea"/>
+                <a:cs typeface="+mn-cs"/>
+              </a:defRPr>
+            </a:lvl7pPr>
+            <a:lvl8pPr marL="3429000" indent="-228600" algn="l" defTabSz="914400" rtl="0" eaLnBrk="1" latinLnBrk="0" hangingPunct="1">
+              <a:spcBef>
+                <a:spcPct val="20000"/>
+              </a:spcBef>
+              <a:buFont typeface="Arial" pitchFamily="34" charset="0"/>
+              <a:buChar char="•"/>
+              <a:defRPr sz="2000" kern="1200">
+                <a:solidFill>
+                  <a:schemeClr val="tx1"/>
+                </a:solidFill>
+                <a:latin typeface="+mn-lt"/>
+                <a:ea typeface="+mn-ea"/>
+                <a:cs typeface="+mn-cs"/>
+              </a:defRPr>
+            </a:lvl8pPr>
+            <a:lvl9pPr marL="3886200" indent="-228600" algn="l" defTabSz="914400" rtl="0" eaLnBrk="1" latinLnBrk="0" hangingPunct="1">
+              <a:spcBef>
+                <a:spcPct val="20000"/>
+              </a:spcBef>
+              <a:buFont typeface="Arial" pitchFamily="34" charset="0"/>
+              <a:buChar char="•"/>
+              <a:defRPr sz="2000" kern="1200">
+                <a:solidFill>
+                  <a:schemeClr val="tx1"/>
+                </a:solidFill>
+                <a:latin typeface="+mn-lt"/>
+                <a:ea typeface="+mn-ea"/>
+                <a:cs typeface="+mn-cs"/>
+              </a:defRPr>
+            </a:lvl9pPr>
+          </a:lstStyle>
+          <a:p>
+            <a:pPr>
+              <a:buFont typeface="Arial" pitchFamily="34" charset="0"/>
+              <a:buNone/>
+            </a:pPr>
+            <a:r>
+              <a:rPr lang="en-US" sz="2000" b="1" dirty="0">
+                <a:latin typeface="Consolas" pitchFamily="49" charset="0"/>
+                <a:cs typeface="Consolas" pitchFamily="49" charset="0"/>
+              </a:rPr>
+              <a:t>;; </a:t>
+            </a:r>
+            <a:r>
+              <a:rPr lang="en-US" sz="2000" b="1" dirty="0" err="1">
+                <a:latin typeface="Consolas" pitchFamily="49" charset="0"/>
+                <a:cs typeface="Consolas" pitchFamily="49" charset="0"/>
+              </a:rPr>
+              <a:t>nl</a:t>
+            </a:r>
+            <a:r>
+              <a:rPr lang="en-US" sz="2000" b="1" dirty="0">
+                <a:latin typeface="Consolas" pitchFamily="49" charset="0"/>
+                <a:cs typeface="Consolas" pitchFamily="49" charset="0"/>
+              </a:rPr>
+              <a:t>-sum : </a:t>
+            </a:r>
+            <a:r>
+              <a:rPr lang="en-US" sz="2000" b="1" dirty="0" err="1">
+                <a:latin typeface="Consolas" pitchFamily="49" charset="0"/>
+                <a:cs typeface="Consolas" pitchFamily="49" charset="0"/>
+              </a:rPr>
+              <a:t>NumberList</a:t>
+            </a:r>
+            <a:r>
+              <a:rPr lang="en-US" sz="2000" b="1" dirty="0">
+                <a:latin typeface="Consolas" pitchFamily="49" charset="0"/>
+                <a:cs typeface="Consolas" pitchFamily="49" charset="0"/>
+              </a:rPr>
+              <a:t> -&gt; Number</a:t>
+            </a:r>
+          </a:p>
+          <a:p>
+            <a:pPr>
+              <a:buFont typeface="Arial" pitchFamily="34" charset="0"/>
+              <a:buNone/>
+            </a:pPr>
+            <a:r>
+              <a:rPr lang="en-US" sz="2000" b="1" dirty="0">
+                <a:latin typeface="Consolas" pitchFamily="49" charset="0"/>
+                <a:cs typeface="Consolas" pitchFamily="49" charset="0"/>
+              </a:rPr>
+              <a:t>(define (</a:t>
+            </a:r>
+            <a:r>
+              <a:rPr lang="en-US" sz="2000" b="1" dirty="0" err="1">
+                <a:latin typeface="Consolas" pitchFamily="49" charset="0"/>
+                <a:cs typeface="Consolas" pitchFamily="49" charset="0"/>
+              </a:rPr>
+              <a:t>nl</a:t>
+            </a:r>
+            <a:r>
+              <a:rPr lang="en-US" sz="2000" b="1" dirty="0">
+                <a:latin typeface="Consolas" pitchFamily="49" charset="0"/>
+                <a:cs typeface="Consolas" pitchFamily="49" charset="0"/>
+              </a:rPr>
+              <a:t>-sum </a:t>
+            </a:r>
+            <a:r>
+              <a:rPr lang="en-US" sz="2000" b="1" dirty="0" err="1">
+                <a:latin typeface="Consolas" pitchFamily="49" charset="0"/>
+                <a:cs typeface="Consolas" pitchFamily="49" charset="0"/>
+              </a:rPr>
+              <a:t>lst</a:t>
+            </a:r>
+            <a:r>
+              <a:rPr lang="en-US" sz="2000" b="1" dirty="0">
+                <a:latin typeface="Consolas" pitchFamily="49" charset="0"/>
+                <a:cs typeface="Consolas" pitchFamily="49" charset="0"/>
+              </a:rPr>
+              <a:t>)</a:t>
+            </a:r>
+          </a:p>
+          <a:p>
+            <a:pPr>
+              <a:buFont typeface="Arial" pitchFamily="34" charset="0"/>
+              <a:buNone/>
+            </a:pPr>
+            <a:r>
+              <a:rPr lang="en-US" sz="2000" b="1" dirty="0">
+                <a:latin typeface="Consolas" pitchFamily="49" charset="0"/>
+                <a:cs typeface="Consolas" pitchFamily="49" charset="0"/>
+              </a:rPr>
+              <a:t>  (</a:t>
+            </a:r>
+            <a:r>
+              <a:rPr lang="en-US" sz="2000" b="1" dirty="0" err="1">
+                <a:latin typeface="Consolas" pitchFamily="49" charset="0"/>
+                <a:cs typeface="Consolas" pitchFamily="49" charset="0"/>
+              </a:rPr>
+              <a:t>cond</a:t>
+            </a:r>
+            <a:endParaRPr lang="en-US" sz="2000" b="1" dirty="0">
+              <a:latin typeface="Consolas" pitchFamily="49" charset="0"/>
+              <a:cs typeface="Consolas" pitchFamily="49" charset="0"/>
+            </a:endParaRPr>
+          </a:p>
+          <a:p>
+            <a:pPr>
+              <a:buFont typeface="Arial" pitchFamily="34" charset="0"/>
+              <a:buNone/>
+            </a:pPr>
+            <a:r>
+              <a:rPr lang="en-US" sz="2000" b="1" dirty="0">
+                <a:latin typeface="Consolas" pitchFamily="49" charset="0"/>
+                <a:cs typeface="Consolas" pitchFamily="49" charset="0"/>
+              </a:rPr>
+              <a:t>    [(empty? </a:t>
+            </a:r>
+            <a:r>
+              <a:rPr lang="en-US" sz="2000" b="1" dirty="0" err="1">
+                <a:latin typeface="Consolas" pitchFamily="49" charset="0"/>
+                <a:cs typeface="Consolas" pitchFamily="49" charset="0"/>
+              </a:rPr>
+              <a:t>lst</a:t>
+            </a:r>
+            <a:r>
+              <a:rPr lang="en-US" sz="2000" b="1" dirty="0">
+                <a:latin typeface="Consolas" pitchFamily="49" charset="0"/>
+                <a:cs typeface="Consolas" pitchFamily="49" charset="0"/>
+              </a:rPr>
+              <a:t>) 0]</a:t>
+            </a:r>
+          </a:p>
+          <a:p>
+            <a:pPr>
+              <a:buFont typeface="Arial" pitchFamily="34" charset="0"/>
+              <a:buNone/>
+            </a:pPr>
+            <a:r>
+              <a:rPr lang="en-US" sz="2000" b="1" dirty="0">
+                <a:latin typeface="Consolas" pitchFamily="49" charset="0"/>
+                <a:cs typeface="Consolas" pitchFamily="49" charset="0"/>
+              </a:rPr>
+              <a:t>    [else (+   (first </a:t>
+            </a:r>
+            <a:r>
+              <a:rPr lang="en-US" sz="2000" b="1" dirty="0" err="1">
+                <a:latin typeface="Consolas" pitchFamily="49" charset="0"/>
+                <a:cs typeface="Consolas" pitchFamily="49" charset="0"/>
+              </a:rPr>
+              <a:t>lst</a:t>
+            </a:r>
+            <a:r>
+              <a:rPr lang="en-US" sz="2000" b="1" dirty="0">
+                <a:latin typeface="Consolas" pitchFamily="49" charset="0"/>
+                <a:cs typeface="Consolas" pitchFamily="49" charset="0"/>
+              </a:rPr>
+              <a:t>)</a:t>
+            </a:r>
+          </a:p>
+          <a:p>
+            <a:pPr>
+              <a:buFont typeface="Arial" pitchFamily="34" charset="0"/>
+              <a:buNone/>
+            </a:pPr>
+            <a:r>
+              <a:rPr lang="en-US" sz="2000" b="1" dirty="0">
+                <a:latin typeface="Consolas" pitchFamily="49" charset="0"/>
+                <a:cs typeface="Consolas" pitchFamily="49" charset="0"/>
+              </a:rPr>
+              <a:t>               (</a:t>
+            </a:r>
+            <a:r>
+              <a:rPr lang="en-US" sz="2000" b="1" dirty="0" err="1">
+                <a:latin typeface="Consolas" pitchFamily="49" charset="0"/>
+                <a:cs typeface="Consolas" pitchFamily="49" charset="0"/>
+              </a:rPr>
+              <a:t>nl</a:t>
+            </a:r>
+            <a:r>
+              <a:rPr lang="en-US" sz="2000" b="1" dirty="0">
+                <a:latin typeface="Consolas" pitchFamily="49" charset="0"/>
+                <a:cs typeface="Consolas" pitchFamily="49" charset="0"/>
+              </a:rPr>
+              <a:t>-sum (rest </a:t>
+            </a:r>
+            <a:r>
+              <a:rPr lang="en-US" sz="2000" b="1" dirty="0" err="1">
+                <a:latin typeface="Consolas" pitchFamily="49" charset="0"/>
+                <a:cs typeface="Consolas" pitchFamily="49" charset="0"/>
+              </a:rPr>
+              <a:t>lst</a:t>
+            </a:r>
+            <a:r>
+              <a:rPr lang="en-US" sz="2000" b="1" dirty="0">
+                <a:latin typeface="Consolas" pitchFamily="49" charset="0"/>
+                <a:cs typeface="Consolas" pitchFamily="49" charset="0"/>
+              </a:rPr>
+              <a:t>)))]))</a:t>
+            </a:r>
+          </a:p>
+          <a:p>
+            <a:pPr>
+              <a:buFont typeface="Arial" pitchFamily="34" charset="0"/>
+              <a:buNone/>
+            </a:pPr>
+            <a:endParaRPr lang="en-US" sz="2000" b="1" dirty="0">
+              <a:latin typeface="Courier New" pitchFamily="49" charset="0"/>
+              <a:cs typeface="Courier New" pitchFamily="49" charset="0"/>
+            </a:endParaRPr>
+          </a:p>
+        </p:txBody>
+      </p:sp>
+      <p:sp>
+        <p:nvSpPr>
+          <p:cNvPr id="2" name="Title 1"/>
           <p:cNvSpPr>
             <a:spLocks noGrp="1"/>
           </p:cNvSpPr>
@@ -19153,300 +19518,29 @@
         </p:nvSpPr>
         <p:spPr/>
         <p:txBody>
-          <a:bodyPr/>
+          <a:bodyPr>
+            <a:normAutofit fontScale="90000"/>
+          </a:bodyPr>
           <a:lstStyle/>
           <a:p>
             <a:r>
               <a:rPr lang="en-US" dirty="0"/>
-              <a:t>New Purpose Statement</a:t>
-            </a:r>
-          </a:p>
-        </p:txBody>
-      </p:sp>
-      <p:sp>
-        <p:nvSpPr>
-          <p:cNvPr id="7" name="Content Placeholder 6"/>
-          <p:cNvSpPr>
-            <a:spLocks noGrp="1"/>
-          </p:cNvSpPr>
-          <p:nvPr>
-            <p:ph idx="1"/>
-          </p:nvPr>
-        </p:nvSpPr>
-        <p:spPr>
-          <a:xfrm>
-            <a:off x="457200" y="1600200"/>
-            <a:ext cx="8610600" cy="4724400"/>
-          </a:xfrm>
-        </p:spPr>
-        <p:txBody>
-          <a:bodyPr>
-            <a:normAutofit/>
-          </a:bodyPr>
-          <a:lstStyle/>
-          <a:p>
-            <a:pPr marL="0" indent="0">
-              <a:buNone/>
-            </a:pPr>
-            <a:r>
-              <a:rPr lang="en-US" sz="2000" b="1" dirty="0">
-                <a:latin typeface="Consolas" pitchFamily="49" charset="0"/>
-                <a:cs typeface="Consolas" pitchFamily="49" charset="0"/>
-              </a:rPr>
-              <a:t>;; number-list-from </a:t>
-            </a:r>
-          </a:p>
-          <a:p>
-            <a:pPr marL="0" indent="0">
-              <a:buNone/>
-            </a:pPr>
-            <a:r>
-              <a:rPr lang="en-US" sz="2000" b="1" dirty="0">
-                <a:latin typeface="Consolas" pitchFamily="49" charset="0"/>
-                <a:cs typeface="Consolas" pitchFamily="49" charset="0"/>
-              </a:rPr>
-              <a:t>;;   : XList </a:t>
-            </a:r>
-            <a:r>
-              <a:rPr lang="en-US" sz="2000" b="1" dirty="0" err="1">
-                <a:latin typeface="Consolas" pitchFamily="49" charset="0"/>
-                <a:cs typeface="Consolas" pitchFamily="49" charset="0"/>
-              </a:rPr>
-              <a:t>NonNegInt</a:t>
-            </a:r>
-            <a:r>
-              <a:rPr lang="en-US" sz="2000" b="1" dirty="0">
-                <a:latin typeface="Consolas" pitchFamily="49" charset="0"/>
-                <a:cs typeface="Consolas" pitchFamily="49" charset="0"/>
-              </a:rPr>
-              <a:t> -&gt; </a:t>
-            </a:r>
-            <a:r>
-              <a:rPr lang="en-US" sz="2000" b="1" dirty="0" err="1">
-                <a:latin typeface="Consolas" pitchFamily="49" charset="0"/>
-                <a:cs typeface="Consolas" pitchFamily="49" charset="0"/>
-              </a:rPr>
-              <a:t>NumberedXList</a:t>
-            </a:r>
-            <a:endParaRPr lang="en-US" sz="2000" b="1" dirty="0">
-              <a:latin typeface="Consolas" pitchFamily="49" charset="0"/>
-              <a:cs typeface="Consolas" pitchFamily="49" charset="0"/>
-            </a:endParaRPr>
-          </a:p>
-          <a:p>
-            <a:pPr>
-              <a:buNone/>
-            </a:pPr>
-            <a:r>
-              <a:rPr lang="en-US" sz="2000" b="1" dirty="0">
-                <a:latin typeface="Consolas" pitchFamily="49" charset="0"/>
-                <a:cs typeface="Consolas" pitchFamily="49" charset="0"/>
-              </a:rPr>
-              <a:t>;; GIVEN: a </a:t>
-            </a:r>
-            <a:r>
-              <a:rPr lang="en-US" sz="2000" b="1" dirty="0" err="1">
-                <a:latin typeface="Consolas" pitchFamily="49" charset="0"/>
-                <a:cs typeface="Consolas" pitchFamily="49" charset="0"/>
-              </a:rPr>
-              <a:t>sublist</a:t>
-            </a:r>
-            <a:r>
-              <a:rPr lang="en-US" sz="2000" b="1" dirty="0">
-                <a:latin typeface="Consolas" pitchFamily="49" charset="0"/>
-                <a:cs typeface="Consolas" pitchFamily="49" charset="0"/>
-              </a:rPr>
-              <a:t> </a:t>
-            </a:r>
-            <a:r>
-              <a:rPr lang="en-US" sz="2000" b="1" dirty="0" err="1">
-                <a:latin typeface="Consolas" pitchFamily="49" charset="0"/>
-                <a:cs typeface="Consolas" pitchFamily="49" charset="0"/>
-              </a:rPr>
-              <a:t>slst</a:t>
-            </a:r>
-            <a:r>
-              <a:rPr lang="en-US" sz="2000" b="1" dirty="0">
-                <a:latin typeface="Consolas" pitchFamily="49" charset="0"/>
-                <a:cs typeface="Consolas" pitchFamily="49" charset="0"/>
-              </a:rPr>
-              <a:t> and an integer n</a:t>
-            </a:r>
-          </a:p>
-          <a:p>
-            <a:pPr>
-              <a:buNone/>
-            </a:pPr>
-            <a:r>
-              <a:rPr lang="en-US" sz="2000" b="1" dirty="0">
-                <a:latin typeface="Consolas" pitchFamily="49" charset="0"/>
-                <a:cs typeface="Consolas" pitchFamily="49" charset="0"/>
-              </a:rPr>
-              <a:t>;; </a:t>
-            </a:r>
-            <a:r>
-              <a:rPr lang="en-US" sz="2000" b="1" dirty="0">
-                <a:solidFill>
-                  <a:schemeClr val="accent3">
-                    <a:lumMod val="75000"/>
-                  </a:schemeClr>
-                </a:solidFill>
-                <a:latin typeface="Consolas" pitchFamily="49" charset="0"/>
-                <a:cs typeface="Consolas" pitchFamily="49" charset="0"/>
-              </a:rPr>
-              <a:t>WHERE: </a:t>
-            </a:r>
-            <a:r>
-              <a:rPr lang="en-US" sz="2000" b="1" dirty="0" err="1">
-                <a:solidFill>
-                  <a:schemeClr val="accent3">
-                    <a:lumMod val="75000"/>
-                  </a:schemeClr>
-                </a:solidFill>
-                <a:latin typeface="Consolas" pitchFamily="49" charset="0"/>
-                <a:cs typeface="Consolas" pitchFamily="49" charset="0"/>
-              </a:rPr>
-              <a:t>slst</a:t>
-            </a:r>
-            <a:r>
-              <a:rPr lang="en-US" sz="2000" b="1" dirty="0">
-                <a:solidFill>
-                  <a:schemeClr val="accent3">
-                    <a:lumMod val="75000"/>
-                  </a:schemeClr>
-                </a:solidFill>
-                <a:latin typeface="Consolas" pitchFamily="49" charset="0"/>
-                <a:cs typeface="Consolas" pitchFamily="49" charset="0"/>
-              </a:rPr>
-              <a:t> is the n-</a:t>
-            </a:r>
-            <a:r>
-              <a:rPr lang="en-US" sz="2000" b="1" dirty="0" err="1">
-                <a:solidFill>
-                  <a:schemeClr val="accent3">
-                    <a:lumMod val="75000"/>
-                  </a:schemeClr>
-                </a:solidFill>
-                <a:latin typeface="Consolas" pitchFamily="49" charset="0"/>
-                <a:cs typeface="Consolas" pitchFamily="49" charset="0"/>
-              </a:rPr>
-              <a:t>th</a:t>
-            </a:r>
-            <a:r>
-              <a:rPr lang="en-US" sz="2000" b="1" dirty="0">
-                <a:solidFill>
-                  <a:schemeClr val="accent3">
-                    <a:lumMod val="75000"/>
-                  </a:schemeClr>
-                </a:solidFill>
-                <a:latin typeface="Consolas" pitchFamily="49" charset="0"/>
-                <a:cs typeface="Consolas" pitchFamily="49" charset="0"/>
-              </a:rPr>
-              <a:t> </a:t>
-            </a:r>
-            <a:r>
-              <a:rPr lang="en-US" sz="2000" b="1" dirty="0" err="1">
-                <a:solidFill>
-                  <a:schemeClr val="accent3">
-                    <a:lumMod val="75000"/>
-                  </a:schemeClr>
-                </a:solidFill>
-                <a:latin typeface="Consolas" pitchFamily="49" charset="0"/>
-                <a:cs typeface="Consolas" pitchFamily="49" charset="0"/>
-              </a:rPr>
-              <a:t>sublist</a:t>
-            </a:r>
-            <a:r>
-              <a:rPr lang="en-US" sz="2000" b="1" dirty="0">
-                <a:solidFill>
-                  <a:schemeClr val="accent3">
-                    <a:lumMod val="75000"/>
-                  </a:schemeClr>
-                </a:solidFill>
-                <a:latin typeface="Consolas" pitchFamily="49" charset="0"/>
-                <a:cs typeface="Consolas" pitchFamily="49" charset="0"/>
-              </a:rPr>
-              <a:t> of some list lst0</a:t>
-            </a:r>
-          </a:p>
-          <a:p>
-            <a:pPr>
-              <a:buNone/>
-            </a:pPr>
-            <a:r>
-              <a:rPr lang="en-US" sz="2000" b="1" dirty="0">
-                <a:latin typeface="Consolas" pitchFamily="49" charset="0"/>
-                <a:cs typeface="Consolas" pitchFamily="49" charset="0"/>
-              </a:rPr>
-              <a:t>;; RETURNS: a copy of </a:t>
-            </a:r>
-            <a:r>
-              <a:rPr lang="en-US" sz="2000" b="1" dirty="0" err="1">
-                <a:latin typeface="Consolas" pitchFamily="49" charset="0"/>
-                <a:cs typeface="Consolas" pitchFamily="49" charset="0"/>
-              </a:rPr>
-              <a:t>slst</a:t>
-            </a:r>
-            <a:r>
-              <a:rPr lang="en-US" sz="2000" b="1" dirty="0">
-                <a:latin typeface="Consolas" pitchFamily="49" charset="0"/>
-                <a:cs typeface="Consolas" pitchFamily="49" charset="0"/>
-              </a:rPr>
-              <a:t> numbered according to its</a:t>
-            </a:r>
-          </a:p>
-          <a:p>
-            <a:pPr>
-              <a:buNone/>
-            </a:pPr>
-            <a:r>
-              <a:rPr lang="en-US" sz="2000" b="1" dirty="0">
-                <a:latin typeface="Consolas" pitchFamily="49" charset="0"/>
-                <a:cs typeface="Consolas" pitchFamily="49" charset="0"/>
-              </a:rPr>
-              <a:t>;;  position in lst0.</a:t>
-            </a:r>
-          </a:p>
-          <a:p>
-            <a:pPr>
-              <a:buNone/>
-            </a:pPr>
-            <a:r>
-              <a:rPr lang="en-US" sz="2000" b="1" dirty="0">
-                <a:latin typeface="Consolas" pitchFamily="49" charset="0"/>
-                <a:cs typeface="Consolas" pitchFamily="49" charset="0"/>
-              </a:rPr>
-              <a:t>;; strategy: Use template for XList on </a:t>
-            </a:r>
-            <a:r>
-              <a:rPr lang="en-US" sz="2000" b="1" dirty="0" err="1">
-                <a:latin typeface="Consolas" pitchFamily="49" charset="0"/>
-                <a:cs typeface="Consolas" pitchFamily="49" charset="0"/>
-              </a:rPr>
-              <a:t>slst</a:t>
-            </a:r>
-            <a:r>
-              <a:rPr lang="en-US" sz="2000" b="1" dirty="0">
-                <a:latin typeface="Consolas" pitchFamily="49" charset="0"/>
-                <a:cs typeface="Consolas" pitchFamily="49" charset="0"/>
-              </a:rPr>
-              <a:t> </a:t>
-            </a:r>
-          </a:p>
-          <a:p>
-            <a:pPr>
-              <a:buNone/>
-            </a:pPr>
-            <a:endParaRPr lang="en-US" sz="2000" b="1" dirty="0">
-              <a:latin typeface="Consolas" pitchFamily="49" charset="0"/>
-              <a:cs typeface="Consolas" pitchFamily="49" charset="0"/>
-            </a:endParaRPr>
-          </a:p>
-        </p:txBody>
-      </p:sp>
-      <p:sp>
-        <p:nvSpPr>
-          <p:cNvPr id="2" name="Slide Number Placeholder 1"/>
+              <a:t>The old solution: </a:t>
+            </a:r>
+            <a:r>
+              <a:rPr lang="en-US" dirty="0" err="1"/>
+              <a:t>nl</a:t>
+            </a:r>
+            <a:r>
+              <a:rPr lang="en-US" dirty="0"/>
+              <a:t>-sum (Lesson 4.1)</a:t>
+            </a:r>
+          </a:p>
+        </p:txBody>
+      </p:sp>
+      <p:sp>
+        <p:nvSpPr>
+          <p:cNvPr id="3" name="Slide Number Placeholder 2"/>
           <p:cNvSpPr>
             <a:spLocks noGrp="1"/>
           </p:cNvSpPr>
@@ -19460,462 +19554,10 @@
           <a:lstStyle/>
           <a:p>
             <a:fld id="{9F4492BD-6A9C-48FC-AC76-0B4FE11194A1}" type="slidenum">
-              <a:rPr lang="en-US" smtClean="0">
-                <a:solidFill>
-                  <a:prstClr val="black">
-                    <a:tint val="75000"/>
-                  </a:prstClr>
-                </a:solidFill>
-              </a:rPr>
+              <a:rPr lang="en-US" smtClean="0"/>
               <a:pPr/>
               <a:t>31</a:t>
             </a:fld>
-            <a:endParaRPr lang="en-US">
-              <a:solidFill>
-                <a:prstClr val="black">
-                  <a:tint val="75000"/>
-                </a:prstClr>
-              </a:solidFill>
-            </a:endParaRPr>
-          </a:p>
-        </p:txBody>
-      </p:sp>
-      <p:sp>
-        <p:nvSpPr>
-          <p:cNvPr id="16" name="Rectangle 15"/>
-          <p:cNvSpPr/>
-          <p:nvPr/>
-        </p:nvSpPr>
-        <p:spPr>
-          <a:xfrm>
-            <a:off x="5375148" y="1222248"/>
-            <a:ext cx="3429000" cy="685800"/>
-          </a:xfrm>
-          <a:prstGeom prst="rect">
-            <a:avLst/>
-          </a:prstGeom>
-          <a:solidFill>
-            <a:schemeClr val="accent3">
-              <a:lumMod val="40000"/>
-              <a:lumOff val="60000"/>
-            </a:schemeClr>
-          </a:solidFill>
-          <a:ln>
-            <a:noFill/>
-          </a:ln>
-        </p:spPr>
-        <p:style>
-          <a:lnRef idx="2">
-            <a:schemeClr val="accent1"/>
-          </a:lnRef>
-          <a:fillRef idx="1">
-            <a:schemeClr val="lt1"/>
-          </a:fillRef>
-          <a:effectRef idx="0">
-            <a:schemeClr val="accent1"/>
-          </a:effectRef>
-          <a:fontRef idx="minor">
-            <a:schemeClr val="dk1"/>
-          </a:fontRef>
-        </p:style>
-        <p:txBody>
-          <a:bodyPr rot="0" spcFirstLastPara="0" vertOverflow="overflow" horzOverflow="overflow" vert="horz" wrap="square" lIns="91440" tIns="45720" rIns="91440" bIns="45720" numCol="1" spcCol="0" rtlCol="0" fromWordArt="0" anchor="ctr" anchorCtr="0" forceAA="0" compatLnSpc="1">
-            <a:prstTxWarp prst="textNoShape">
-              <a:avLst/>
-            </a:prstTxWarp>
-            <a:noAutofit/>
-          </a:bodyPr>
-          <a:lstStyle/>
-          <a:p>
-            <a:pPr algn="ctr"/>
-            <a:r>
-              <a:rPr lang="en-US" dirty="0">
-                <a:solidFill>
-                  <a:schemeClr val="tx1"/>
-                </a:solidFill>
-              </a:rPr>
-              <a:t>First, we document that we are looking at a </a:t>
-            </a:r>
-            <a:r>
-              <a:rPr lang="en-US" dirty="0" err="1">
-                <a:solidFill>
-                  <a:schemeClr val="tx1"/>
-                </a:solidFill>
-              </a:rPr>
-              <a:t>sublist</a:t>
-            </a:r>
-            <a:r>
-              <a:rPr lang="en-US" dirty="0">
-                <a:solidFill>
-                  <a:schemeClr val="tx1"/>
-                </a:solidFill>
-              </a:rPr>
-              <a:t> of some list</a:t>
-            </a:r>
-          </a:p>
-        </p:txBody>
-      </p:sp>
-      <p:sp>
-        <p:nvSpPr>
-          <p:cNvPr id="22" name="Rectangle 21"/>
-          <p:cNvSpPr/>
-          <p:nvPr/>
-        </p:nvSpPr>
-        <p:spPr>
-          <a:xfrm>
-            <a:off x="291464" y="5021580"/>
-            <a:ext cx="3124200" cy="1359408"/>
-          </a:xfrm>
-          <a:prstGeom prst="rect">
-            <a:avLst/>
-          </a:prstGeom>
-          <a:solidFill>
-            <a:schemeClr val="accent3">
-              <a:lumMod val="40000"/>
-              <a:lumOff val="60000"/>
-            </a:schemeClr>
-          </a:solidFill>
-          <a:ln>
-            <a:noFill/>
-          </a:ln>
-        </p:spPr>
-        <p:style>
-          <a:lnRef idx="2">
-            <a:schemeClr val="accent1"/>
-          </a:lnRef>
-          <a:fillRef idx="1">
-            <a:schemeClr val="lt1"/>
-          </a:fillRef>
-          <a:effectRef idx="0">
-            <a:schemeClr val="accent1"/>
-          </a:effectRef>
-          <a:fontRef idx="minor">
-            <a:schemeClr val="dk1"/>
-          </a:fontRef>
-        </p:style>
-        <p:txBody>
-          <a:bodyPr rot="0" spcFirstLastPara="0" vertOverflow="overflow" horzOverflow="overflow" vert="horz" wrap="square" lIns="91440" tIns="45720" rIns="91440" bIns="45720" numCol="1" spcCol="0" rtlCol="0" fromWordArt="0" anchor="ctr" anchorCtr="0" forceAA="0" compatLnSpc="1">
-            <a:prstTxWarp prst="textNoShape">
-              <a:avLst/>
-            </a:prstTxWarp>
-            <a:noAutofit/>
-          </a:bodyPr>
-          <a:lstStyle/>
-          <a:p>
-            <a:pPr algn="ctr"/>
-            <a:r>
-              <a:rPr lang="en-US" dirty="0">
-                <a:solidFill>
-                  <a:schemeClr val="tx1"/>
-                </a:solidFill>
-              </a:rPr>
-              <a:t>We don't know what that list was; all we know is that we are looking at its </a:t>
-            </a:r>
-            <a:r>
-              <a:rPr lang="en-US" b="1" dirty="0" err="1">
-                <a:solidFill>
-                  <a:schemeClr val="tx1"/>
-                </a:solidFill>
-              </a:rPr>
-              <a:t>n</a:t>
-            </a:r>
-            <a:r>
-              <a:rPr lang="en-US" dirty="0" err="1">
-                <a:solidFill>
-                  <a:schemeClr val="tx1"/>
-                </a:solidFill>
-              </a:rPr>
-              <a:t>'th</a:t>
-            </a:r>
-            <a:r>
-              <a:rPr lang="en-US" dirty="0">
-                <a:solidFill>
-                  <a:schemeClr val="tx1"/>
-                </a:solidFill>
-              </a:rPr>
-              <a:t> </a:t>
-            </a:r>
-            <a:r>
-              <a:rPr lang="en-US" dirty="0" err="1">
-                <a:solidFill>
-                  <a:schemeClr val="tx1"/>
-                </a:solidFill>
-              </a:rPr>
-              <a:t>sublist</a:t>
-            </a:r>
-            <a:r>
-              <a:rPr lang="en-US" dirty="0">
-                <a:solidFill>
-                  <a:schemeClr val="tx1"/>
-                </a:solidFill>
-              </a:rPr>
-              <a:t>.  We document this knowledge by writing it in a WHERE clause. </a:t>
-            </a:r>
-          </a:p>
-        </p:txBody>
-      </p:sp>
-      <p:cxnSp>
-        <p:nvCxnSpPr>
-          <p:cNvPr id="35" name="Straight Arrow Connector 34"/>
-          <p:cNvCxnSpPr>
-            <a:stCxn id="22" idx="0"/>
-          </p:cNvCxnSpPr>
-          <p:nvPr/>
-        </p:nvCxnSpPr>
-        <p:spPr>
-          <a:xfrm flipH="1" flipV="1">
-            <a:off x="1600200" y="3048000"/>
-            <a:ext cx="253364" cy="1973580"/>
-          </a:xfrm>
-          <a:prstGeom prst="straightConnector1">
-            <a:avLst/>
-          </a:prstGeom>
-          <a:ln w="12700">
-            <a:solidFill>
-              <a:schemeClr val="tx1"/>
-            </a:solidFill>
-            <a:tailEnd type="arrow"/>
-          </a:ln>
-        </p:spPr>
-        <p:style>
-          <a:lnRef idx="1">
-            <a:schemeClr val="accent1"/>
-          </a:lnRef>
-          <a:fillRef idx="0">
-            <a:schemeClr val="accent1"/>
-          </a:fillRef>
-          <a:effectRef idx="0">
-            <a:schemeClr val="accent1"/>
-          </a:effectRef>
-          <a:fontRef idx="minor">
-            <a:schemeClr val="tx1"/>
-          </a:fontRef>
-        </p:style>
-      </p:cxnSp>
-      <p:sp>
-        <p:nvSpPr>
-          <p:cNvPr id="37" name="Rectangle 36"/>
-          <p:cNvSpPr/>
-          <p:nvPr/>
-        </p:nvSpPr>
-        <p:spPr>
-          <a:xfrm>
-            <a:off x="3765232" y="5033772"/>
-            <a:ext cx="2209800" cy="1347216"/>
-          </a:xfrm>
-          <a:prstGeom prst="rect">
-            <a:avLst/>
-          </a:prstGeom>
-          <a:solidFill>
-            <a:schemeClr val="accent3">
-              <a:lumMod val="40000"/>
-              <a:lumOff val="60000"/>
-            </a:schemeClr>
-          </a:solidFill>
-          <a:ln>
-            <a:noFill/>
-          </a:ln>
-        </p:spPr>
-        <p:style>
-          <a:lnRef idx="2">
-            <a:schemeClr val="accent1"/>
-          </a:lnRef>
-          <a:fillRef idx="1">
-            <a:schemeClr val="lt1"/>
-          </a:fillRef>
-          <a:effectRef idx="0">
-            <a:schemeClr val="accent1"/>
-          </a:effectRef>
-          <a:fontRef idx="minor">
-            <a:schemeClr val="dk1"/>
-          </a:fontRef>
-        </p:style>
-        <p:txBody>
-          <a:bodyPr rot="0" spcFirstLastPara="0" vertOverflow="overflow" horzOverflow="overflow" vert="horz" wrap="square" lIns="91440" tIns="45720" rIns="91440" bIns="45720" numCol="1" spcCol="0" rtlCol="0" fromWordArt="0" anchor="ctr" anchorCtr="0" forceAA="0" compatLnSpc="1">
-            <a:prstTxWarp prst="textNoShape">
-              <a:avLst/>
-            </a:prstTxWarp>
-            <a:noAutofit/>
-          </a:bodyPr>
-          <a:lstStyle/>
-          <a:p>
-            <a:pPr algn="ctr"/>
-            <a:r>
-              <a:rPr lang="en-US" dirty="0">
-                <a:solidFill>
-                  <a:schemeClr val="tx1"/>
-                </a:solidFill>
-              </a:rPr>
-              <a:t>This is called the </a:t>
-            </a:r>
-            <a:r>
-              <a:rPr lang="en-US" i="1" dirty="0">
-                <a:solidFill>
-                  <a:srgbClr val="FF0000"/>
-                </a:solidFill>
-              </a:rPr>
-              <a:t>accumulator invariant</a:t>
-            </a:r>
-          </a:p>
-        </p:txBody>
-      </p:sp>
-      <p:sp>
-        <p:nvSpPr>
-          <p:cNvPr id="38" name="Rectangle 37"/>
-          <p:cNvSpPr/>
-          <p:nvPr/>
-        </p:nvSpPr>
-        <p:spPr>
-          <a:xfrm>
-            <a:off x="6324600" y="5021580"/>
-            <a:ext cx="2209800" cy="1359408"/>
-          </a:xfrm>
-          <a:prstGeom prst="rect">
-            <a:avLst/>
-          </a:prstGeom>
-          <a:solidFill>
-            <a:schemeClr val="accent3">
-              <a:lumMod val="40000"/>
-              <a:lumOff val="60000"/>
-            </a:schemeClr>
-          </a:solidFill>
-          <a:ln>
-            <a:noFill/>
-          </a:ln>
-        </p:spPr>
-        <p:style>
-          <a:lnRef idx="2">
-            <a:schemeClr val="accent1"/>
-          </a:lnRef>
-          <a:fillRef idx="1">
-            <a:schemeClr val="lt1"/>
-          </a:fillRef>
-          <a:effectRef idx="0">
-            <a:schemeClr val="accent1"/>
-          </a:effectRef>
-          <a:fontRef idx="minor">
-            <a:schemeClr val="dk1"/>
-          </a:fontRef>
-        </p:style>
-        <p:txBody>
-          <a:bodyPr rot="0" spcFirstLastPara="0" vertOverflow="overflow" horzOverflow="overflow" vert="horz" wrap="square" lIns="91440" tIns="45720" rIns="91440" bIns="45720" numCol="1" spcCol="0" rtlCol="0" fromWordArt="0" anchor="ctr" anchorCtr="0" forceAA="0" compatLnSpc="1">
-            <a:prstTxWarp prst="textNoShape">
-              <a:avLst/>
-            </a:prstTxWarp>
-            <a:noAutofit/>
-          </a:bodyPr>
-          <a:lstStyle/>
-          <a:p>
-            <a:r>
-              <a:rPr lang="en-US" dirty="0">
-                <a:solidFill>
-                  <a:schemeClr val="tx1"/>
-                </a:solidFill>
-              </a:rPr>
-              <a:t>The extra argument n keeps track of the context:  where we are in </a:t>
-            </a:r>
-            <a:r>
-              <a:rPr lang="en-US" b="1" dirty="0">
-                <a:solidFill>
-                  <a:schemeClr val="tx1"/>
-                </a:solidFill>
-              </a:rPr>
-              <a:t>lst0</a:t>
-            </a:r>
-          </a:p>
-        </p:txBody>
-      </p:sp>
-      <p:sp>
-        <p:nvSpPr>
-          <p:cNvPr id="3" name="Freeform 2"/>
-          <p:cNvSpPr/>
-          <p:nvPr/>
-        </p:nvSpPr>
-        <p:spPr>
-          <a:xfrm>
-            <a:off x="3708050" y="1838540"/>
-            <a:ext cx="3578518" cy="747193"/>
-          </a:xfrm>
-          <a:custGeom>
-            <a:avLst/>
-            <a:gdLst>
-              <a:gd name="connsiteX0" fmla="*/ 3468413 w 3578518"/>
-              <a:gd name="connsiteY0" fmla="*/ 59628 h 747193"/>
-              <a:gd name="connsiteX1" fmla="*/ 3260309 w 3578518"/>
-              <a:gd name="connsiteY1" fmla="*/ 747005 h 747193"/>
-              <a:gd name="connsiteX2" fmla="*/ 781969 w 3578518"/>
-              <a:gd name="connsiteY2" fmla="*/ 2872 h 747193"/>
-              <a:gd name="connsiteX3" fmla="*/ 0 w 3578518"/>
-              <a:gd name="connsiteY3" fmla="*/ 538900 h 747193"/>
-            </a:gdLst>
-            <a:ahLst/>
-            <a:cxnLst>
-              <a:cxn ang="0">
-                <a:pos x="connsiteX0" y="connsiteY0"/>
-              </a:cxn>
-              <a:cxn ang="0">
-                <a:pos x="connsiteX1" y="connsiteY1"/>
-              </a:cxn>
-              <a:cxn ang="0">
-                <a:pos x="connsiteX2" y="connsiteY2"/>
-              </a:cxn>
-              <a:cxn ang="0">
-                <a:pos x="connsiteX3" y="connsiteY3"/>
-              </a:cxn>
-            </a:cxnLst>
-            <a:rect l="l" t="t" r="r" b="b"/>
-            <a:pathLst>
-              <a:path w="3578518" h="747193">
-                <a:moveTo>
-                  <a:pt x="3468413" y="59628"/>
-                </a:moveTo>
-                <a:cubicBezTo>
-                  <a:pt x="3588231" y="408046"/>
-                  <a:pt x="3708050" y="756464"/>
-                  <a:pt x="3260309" y="747005"/>
-                </a:cubicBezTo>
-                <a:cubicBezTo>
-                  <a:pt x="2812568" y="737546"/>
-                  <a:pt x="1325354" y="37556"/>
-                  <a:pt x="781969" y="2872"/>
-                </a:cubicBezTo>
-                <a:cubicBezTo>
-                  <a:pt x="238584" y="-31812"/>
-                  <a:pt x="119292" y="253544"/>
-                  <a:pt x="0" y="538900"/>
-                </a:cubicBezTo>
-              </a:path>
-            </a:pathLst>
-          </a:custGeom>
-          <a:ln w="12700" cap="flat" cmpd="sng" algn="ctr">
-            <a:solidFill>
-              <a:schemeClr val="dk1"/>
-            </a:solidFill>
-            <a:prstDash val="solid"/>
-            <a:round/>
-            <a:headEnd type="none" w="med" len="med"/>
-            <a:tailEnd type="arrow" w="med" len="med"/>
-          </a:ln>
-        </p:spPr>
-        <p:style>
-          <a:lnRef idx="0">
-            <a:scrgbClr r="0" g="0" b="0"/>
-          </a:lnRef>
-          <a:fillRef idx="0">
-            <a:scrgbClr r="0" g="0" b="0"/>
-          </a:fillRef>
-          <a:effectRef idx="0">
-            <a:scrgbClr r="0" g="0" b="0"/>
-          </a:effectRef>
-          <a:fontRef idx="minor">
-            <a:schemeClr val="tx1"/>
-          </a:fontRef>
-        </p:style>
-        <p:txBody>
-          <a:bodyPr rtlCol="0" anchor="ctr"/>
-          <a:lstStyle/>
-          <a:p>
-            <a:pPr algn="ctr"/>
             <a:endParaRPr lang="en-US"/>
           </a:p>
         </p:txBody>
@@ -19923,13 +19565,102 @@
     </p:spTree>
     <p:extLst>
       <p:ext uri="{BB962C8B-B14F-4D97-AF65-F5344CB8AC3E}">
-        <p14:creationId xmlns:p14="http://schemas.microsoft.com/office/powerpoint/2010/main" val="1751359552"/>
+        <p14:creationId xmlns:p14="http://schemas.microsoft.com/office/powerpoint/2010/main" val="4207038968"/>
       </p:ext>
     </p:extLst>
   </p:cSld>
   <p:clrMapOvr>
     <a:masterClrMapping/>
   </p:clrMapOvr>
+  <p:timing>
+    <p:tnLst>
+      <p:par>
+        <p:cTn id="1" dur="indefinite" restart="never" nodeType="tmRoot">
+          <p:childTnLst>
+            <p:seq concurrent="1" nextAc="seek">
+              <p:cTn id="2" dur="indefinite" nodeType="mainSeq">
+                <p:childTnLst>
+                  <p:par>
+                    <p:cTn id="3" fill="hold">
+                      <p:stCondLst>
+                        <p:cond delay="indefinite"/>
+                        <p:cond evt="onBegin" delay="0">
+                          <p:tn val="2"/>
+                        </p:cond>
+                      </p:stCondLst>
+                      <p:childTnLst>
+                        <p:par>
+                          <p:cTn id="4" fill="hold">
+                            <p:stCondLst>
+                              <p:cond delay="0"/>
+                            </p:stCondLst>
+                            <p:childTnLst>
+                              <p:par>
+                                <p:cTn id="5" presetID="10" presetClass="entr" presetSubtype="0" fill="hold" grpId="0" nodeType="withEffect">
+                                  <p:stCondLst>
+                                    <p:cond delay="0"/>
+                                  </p:stCondLst>
+                                  <p:childTnLst>
+                                    <p:set>
+                                      <p:cBhvr>
+                                        <p:cTn id="6" dur="1" fill="hold">
+                                          <p:stCondLst>
+                                            <p:cond delay="0"/>
+                                          </p:stCondLst>
+                                        </p:cTn>
+                                        <p:tgtEl>
+                                          <p:spTgt spid="17"/>
+                                        </p:tgtEl>
+                                        <p:attrNameLst>
+                                          <p:attrName>style.visibility</p:attrName>
+                                        </p:attrNameLst>
+                                      </p:cBhvr>
+                                      <p:to>
+                                        <p:strVal val="visible"/>
+                                      </p:to>
+                                    </p:set>
+                                    <p:animEffect transition="in" filter="fade">
+                                      <p:cBhvr>
+                                        <p:cTn id="7" dur="500"/>
+                                        <p:tgtEl>
+                                          <p:spTgt spid="17"/>
+                                        </p:tgtEl>
+                                      </p:cBhvr>
+                                    </p:animEffect>
+                                  </p:childTnLst>
+                                </p:cTn>
+                              </p:par>
+                            </p:childTnLst>
+                          </p:cTn>
+                        </p:par>
+                      </p:childTnLst>
+                    </p:cTn>
+                  </p:par>
+                </p:childTnLst>
+              </p:cTn>
+              <p:prevCondLst>
+                <p:cond evt="onPrev" delay="0">
+                  <p:tgtEl>
+                    <p:sldTgt/>
+                  </p:tgtEl>
+                </p:cond>
+              </p:prevCondLst>
+              <p:nextCondLst>
+                <p:cond evt="onNext" delay="0">
+                  <p:tgtEl>
+                    <p:sldTgt/>
+                  </p:tgtEl>
+                </p:cond>
+              </p:nextCondLst>
+            </p:seq>
+          </p:childTnLst>
+        </p:cTn>
+      </p:par>
+    </p:tnLst>
+    <p:bldLst>
+      <p:bldP spid="17" grpId="0"/>
+    </p:bldLst>
+  </p:timing>
 </p:sld>
 </file>
 
@@ -19952,7 +19683,7 @@
       </p:grpSpPr>
       <p:sp>
         <p:nvSpPr>
-          <p:cNvPr id="4" name="Title 3"/>
+          <p:cNvPr id="2" name="Title 1"/>
           <p:cNvSpPr>
             <a:spLocks noGrp="1"/>
           </p:cNvSpPr>
@@ -19962,21 +19693,27 @@
         </p:nvSpPr>
         <p:spPr/>
         <p:txBody>
-          <a:bodyPr>
-            <a:normAutofit fontScale="90000"/>
-          </a:bodyPr>
-          <a:lstStyle/>
-          <a:p>
+          <a:bodyPr/>
+          <a:lstStyle/>
+          <a:p>
+            <a:r>
+              <a:rPr lang="en-US" b="1" dirty="0" err="1"/>
+              <a:t>nl</a:t>
+            </a:r>
+            <a:r>
+              <a:rPr lang="en-US" b="1" dirty="0"/>
+              <a:t>-sum</a:t>
+            </a:r>
             <a:r>
               <a:rPr lang="en-US" dirty="0"/>
-              <a:t>Context Arguments and Accumulators</a:t>
-            </a:r>
-          </a:p>
-        </p:txBody>
-      </p:sp>
-      <p:sp>
-        <p:nvSpPr>
-          <p:cNvPr id="5" name="Content Placeholder 4"/>
+              <a:t> sums from right to left</a:t>
+            </a:r>
+          </a:p>
+        </p:txBody>
+      </p:sp>
+      <p:sp>
+        <p:nvSpPr>
+          <p:cNvPr id="3" name="Content Placeholder 2"/>
           <p:cNvSpPr>
             <a:spLocks noGrp="1"/>
           </p:cNvSpPr>
@@ -19987,45 +19724,218 @@
         <p:spPr/>
         <p:txBody>
           <a:bodyPr>
-            <a:normAutofit fontScale="92500" lnSpcReduction="20000"/>
+            <a:normAutofit/>
           </a:bodyPr>
           <a:lstStyle/>
           <a:p>
-            <a:r>
-              <a:rPr lang="en-US" dirty="0"/>
-              <a:t>The book calls context arguments "accumulators".</a:t>
-            </a:r>
-          </a:p>
-          <a:p>
-            <a:r>
-              <a:rPr lang="en-US" dirty="0"/>
-              <a:t>For each function you write, you need to be clear on what the structural argument is.</a:t>
-            </a:r>
-          </a:p>
-          <a:p>
-            <a:pPr lvl="1"/>
-            <a:r>
-              <a:rPr lang="en-US" dirty="0"/>
-              <a:t>You've been doing that already in the strategy</a:t>
-            </a:r>
-          </a:p>
-          <a:p>
-            <a:r>
-              <a:rPr lang="en-US" dirty="0"/>
-              <a:t>Unlike the book, we are not going to make a big deal over what is or is not a context argument/accumulator.</a:t>
-            </a:r>
-          </a:p>
-          <a:p>
-            <a:r>
-              <a:rPr lang="en-US" dirty="0"/>
-              <a:t>We are also not going to have "+ accumulator" as a strategy or have templates for "structural decomposition + accumulator". </a:t>
-            </a:r>
-          </a:p>
-        </p:txBody>
-      </p:sp>
-      <p:sp>
-        <p:nvSpPr>
-          <p:cNvPr id="2" name="Slide Number Placeholder 1"/>
+            <a:pPr>
+              <a:buNone/>
+            </a:pPr>
+            <a:r>
+              <a:rPr lang="en-US" sz="2400" b="1" dirty="0">
+                <a:latin typeface="Consolas" pitchFamily="49" charset="0"/>
+                <a:cs typeface="Consolas" pitchFamily="49" charset="0"/>
+              </a:rPr>
+              <a:t>(</a:t>
+            </a:r>
+            <a:r>
+              <a:rPr lang="en-US" sz="2400" b="1" dirty="0" err="1">
+                <a:solidFill>
+                  <a:srgbClr val="FF0000"/>
+                </a:solidFill>
+                <a:latin typeface="Consolas" pitchFamily="49" charset="0"/>
+                <a:cs typeface="Consolas" pitchFamily="49" charset="0"/>
+              </a:rPr>
+              <a:t>nl</a:t>
+            </a:r>
+            <a:r>
+              <a:rPr lang="en-US" sz="2400" b="1" dirty="0">
+                <a:solidFill>
+                  <a:srgbClr val="FF0000"/>
+                </a:solidFill>
+                <a:latin typeface="Consolas" pitchFamily="49" charset="0"/>
+                <a:cs typeface="Consolas" pitchFamily="49" charset="0"/>
+              </a:rPr>
+              <a:t>-sum</a:t>
+            </a:r>
+            <a:r>
+              <a:rPr lang="en-US" sz="2400" b="1" dirty="0">
+                <a:latin typeface="Consolas" pitchFamily="49" charset="0"/>
+                <a:cs typeface="Consolas" pitchFamily="49" charset="0"/>
+              </a:rPr>
+              <a:t> (cons 11 (cons 22 (cons 33 empty))))</a:t>
+            </a:r>
+          </a:p>
+          <a:p>
+            <a:pPr>
+              <a:buNone/>
+            </a:pPr>
+            <a:r>
+              <a:rPr lang="en-US" sz="2400" b="1" dirty="0">
+                <a:latin typeface="Consolas" pitchFamily="49" charset="0"/>
+                <a:cs typeface="Consolas" pitchFamily="49" charset="0"/>
+              </a:rPr>
+              <a:t>= (+ 11  (</a:t>
+            </a:r>
+            <a:r>
+              <a:rPr lang="en-US" sz="2400" b="1" dirty="0" err="1">
+                <a:solidFill>
+                  <a:srgbClr val="FF0000"/>
+                </a:solidFill>
+                <a:latin typeface="Consolas" pitchFamily="49" charset="0"/>
+                <a:cs typeface="Consolas" pitchFamily="49" charset="0"/>
+              </a:rPr>
+              <a:t>nl</a:t>
+            </a:r>
+            <a:r>
+              <a:rPr lang="en-US" sz="2400" b="1" dirty="0">
+                <a:solidFill>
+                  <a:srgbClr val="FF0000"/>
+                </a:solidFill>
+                <a:latin typeface="Consolas" pitchFamily="49" charset="0"/>
+                <a:cs typeface="Consolas" pitchFamily="49" charset="0"/>
+              </a:rPr>
+              <a:t>-sum</a:t>
+            </a:r>
+            <a:r>
+              <a:rPr lang="en-US" sz="2400" b="1" dirty="0">
+                <a:latin typeface="Consolas" pitchFamily="49" charset="0"/>
+                <a:cs typeface="Consolas" pitchFamily="49" charset="0"/>
+              </a:rPr>
+              <a:t> (cons 22 (cons 33 empty))))</a:t>
+            </a:r>
+          </a:p>
+          <a:p>
+            <a:pPr>
+              <a:buNone/>
+            </a:pPr>
+            <a:r>
+              <a:rPr lang="en-US" sz="2400" b="1" dirty="0">
+                <a:latin typeface="Consolas" pitchFamily="49" charset="0"/>
+                <a:cs typeface="Consolas" pitchFamily="49" charset="0"/>
+              </a:rPr>
+              <a:t>= (+ 11  (+ 22    (</a:t>
+            </a:r>
+            <a:r>
+              <a:rPr lang="en-US" sz="2400" b="1" dirty="0" err="1">
+                <a:solidFill>
+                  <a:srgbClr val="FF0000"/>
+                </a:solidFill>
+                <a:latin typeface="Consolas" pitchFamily="49" charset="0"/>
+                <a:cs typeface="Consolas" pitchFamily="49" charset="0"/>
+              </a:rPr>
+              <a:t>nl</a:t>
+            </a:r>
+            <a:r>
+              <a:rPr lang="en-US" sz="2400" b="1" dirty="0">
+                <a:solidFill>
+                  <a:srgbClr val="FF0000"/>
+                </a:solidFill>
+                <a:latin typeface="Consolas" pitchFamily="49" charset="0"/>
+                <a:cs typeface="Consolas" pitchFamily="49" charset="0"/>
+              </a:rPr>
+              <a:t>-sum</a:t>
+            </a:r>
+            <a:r>
+              <a:rPr lang="en-US" sz="2400" b="1" dirty="0">
+                <a:latin typeface="Consolas" pitchFamily="49" charset="0"/>
+                <a:cs typeface="Consolas" pitchFamily="49" charset="0"/>
+              </a:rPr>
+              <a:t> (cons 33 empty))))</a:t>
+            </a:r>
+          </a:p>
+          <a:p>
+            <a:pPr>
+              <a:buNone/>
+            </a:pPr>
+            <a:r>
+              <a:rPr lang="en-US" sz="2400" b="1" dirty="0">
+                <a:latin typeface="Consolas" pitchFamily="49" charset="0"/>
+                <a:cs typeface="Consolas" pitchFamily="49" charset="0"/>
+              </a:rPr>
+              <a:t>= (+ 11  (+ 22    (+ 33    (</a:t>
+            </a:r>
+            <a:r>
+              <a:rPr lang="en-US" sz="2400" b="1" dirty="0" err="1">
+                <a:solidFill>
+                  <a:srgbClr val="FF0000"/>
+                </a:solidFill>
+                <a:latin typeface="Consolas" pitchFamily="49" charset="0"/>
+                <a:cs typeface="Consolas" pitchFamily="49" charset="0"/>
+              </a:rPr>
+              <a:t>nl</a:t>
+            </a:r>
+            <a:r>
+              <a:rPr lang="en-US" sz="2400" b="1" dirty="0">
+                <a:solidFill>
+                  <a:srgbClr val="FF0000"/>
+                </a:solidFill>
+                <a:latin typeface="Consolas" pitchFamily="49" charset="0"/>
+                <a:cs typeface="Consolas" pitchFamily="49" charset="0"/>
+              </a:rPr>
+              <a:t>-sum</a:t>
+            </a:r>
+            <a:r>
+              <a:rPr lang="en-US" sz="2400" b="1" dirty="0">
+                <a:latin typeface="Consolas" pitchFamily="49" charset="0"/>
+                <a:cs typeface="Consolas" pitchFamily="49" charset="0"/>
+              </a:rPr>
+              <a:t> empty))))</a:t>
+            </a:r>
+          </a:p>
+          <a:p>
+            <a:pPr>
+              <a:buNone/>
+            </a:pPr>
+            <a:r>
+              <a:rPr lang="en-US" sz="2400" b="1" dirty="0">
+                <a:latin typeface="Consolas" pitchFamily="49" charset="0"/>
+                <a:cs typeface="Consolas" pitchFamily="49" charset="0"/>
+              </a:rPr>
+              <a:t>= (+ 11  (+ 22    (+ 33    0)))</a:t>
+            </a:r>
+          </a:p>
+          <a:p>
+            <a:pPr>
+              <a:buNone/>
+            </a:pPr>
+            <a:r>
+              <a:rPr lang="en-US" sz="2400" b="1" dirty="0">
+                <a:latin typeface="Consolas" pitchFamily="49" charset="0"/>
+                <a:cs typeface="Consolas" pitchFamily="49" charset="0"/>
+              </a:rPr>
+              <a:t>= (+ 11  (+ 22    33))</a:t>
+            </a:r>
+          </a:p>
+          <a:p>
+            <a:pPr>
+              <a:buNone/>
+            </a:pPr>
+            <a:r>
+              <a:rPr lang="en-US" sz="2400" b="1" dirty="0">
+                <a:latin typeface="Consolas" pitchFamily="49" charset="0"/>
+                <a:cs typeface="Consolas" pitchFamily="49" charset="0"/>
+              </a:rPr>
+              <a:t>= (+ 11  55)</a:t>
+            </a:r>
+          </a:p>
+          <a:p>
+            <a:pPr>
+              <a:buNone/>
+            </a:pPr>
+            <a:r>
+              <a:rPr lang="en-US" sz="2400" b="1" dirty="0">
+                <a:latin typeface="Consolas" pitchFamily="49" charset="0"/>
+                <a:cs typeface="Consolas" pitchFamily="49" charset="0"/>
+              </a:rPr>
+              <a:t>= 66</a:t>
+            </a:r>
+          </a:p>
+        </p:txBody>
+      </p:sp>
+      <p:sp>
+        <p:nvSpPr>
+          <p:cNvPr id="4" name="Slide Number Placeholder 3"/>
           <p:cNvSpPr>
             <a:spLocks noGrp="1"/>
           </p:cNvSpPr>
@@ -20039,95 +19949,397 @@
           <a:lstStyle/>
           <a:p>
             <a:fld id="{9F4492BD-6A9C-48FC-AC76-0B4FE11194A1}" type="slidenum">
-              <a:rPr lang="en-US" smtClean="0">
-                <a:solidFill>
-                  <a:prstClr val="black">
-                    <a:tint val="75000"/>
-                  </a:prstClr>
-                </a:solidFill>
-              </a:rPr>
+              <a:rPr lang="en-US" smtClean="0"/>
               <a:pPr/>
               <a:t>32</a:t>
             </a:fld>
-            <a:endParaRPr lang="en-US">
-              <a:solidFill>
-                <a:prstClr val="black">
-                  <a:tint val="75000"/>
-                </a:prstClr>
-              </a:solidFill>
-            </a:endParaRPr>
-          </a:p>
-        </p:txBody>
-      </p:sp>
-      <p:sp>
-        <p:nvSpPr>
-          <p:cNvPr id="6" name="Rectangle 5"/>
-          <p:cNvSpPr/>
-          <p:nvPr/>
-        </p:nvSpPr>
-        <p:spPr>
-          <a:xfrm>
-            <a:off x="6096000" y="5638800"/>
-            <a:ext cx="2286000" cy="914400"/>
-          </a:xfrm>
-          <a:prstGeom prst="rect">
-            <a:avLst/>
-          </a:prstGeom>
-          <a:solidFill>
-            <a:schemeClr val="accent3">
-              <a:lumMod val="40000"/>
-              <a:lumOff val="60000"/>
-            </a:schemeClr>
-          </a:solidFill>
-          <a:ln>
-            <a:noFill/>
-          </a:ln>
-        </p:spPr>
-        <p:style>
-          <a:lnRef idx="2">
-            <a:schemeClr val="accent1"/>
-          </a:lnRef>
-          <a:fillRef idx="1">
-            <a:schemeClr val="lt1"/>
-          </a:fillRef>
-          <a:effectRef idx="0">
-            <a:schemeClr val="accent1"/>
-          </a:effectRef>
-          <a:fontRef idx="minor">
-            <a:schemeClr val="dk1"/>
-          </a:fontRef>
-        </p:style>
-        <p:txBody>
-          <a:bodyPr rot="0" spcFirstLastPara="0" vertOverflow="overflow" horzOverflow="overflow" vert="horz" wrap="square" lIns="91440" tIns="45720" rIns="91440" bIns="45720" numCol="1" spcCol="0" rtlCol="0" fromWordArt="0" anchor="ctr" anchorCtr="0" forceAA="0" compatLnSpc="1">
-            <a:prstTxWarp prst="textNoShape">
-              <a:avLst/>
-            </a:prstTxWarp>
-            <a:noAutofit/>
-          </a:bodyPr>
-          <a:lstStyle/>
-          <a:p>
-            <a:pPr algn="ctr"/>
-            <a:r>
-              <a:rPr lang="en-US" dirty="0">
-                <a:solidFill>
-                  <a:schemeClr val="tx1"/>
-                </a:solidFill>
-              </a:rPr>
-              <a:t>One fewer thing for you to stress over!</a:t>
-            </a:r>
+            <a:endParaRPr lang="en-US"/>
           </a:p>
         </p:txBody>
       </p:sp>
     </p:spTree>
     <p:extLst>
       <p:ext uri="{BB962C8B-B14F-4D97-AF65-F5344CB8AC3E}">
-        <p14:creationId xmlns:p14="http://schemas.microsoft.com/office/powerpoint/2010/main" val="2523558662"/>
+        <p14:creationId xmlns:p14="http://schemas.microsoft.com/office/powerpoint/2010/main" val="998683466"/>
       </p:ext>
     </p:extLst>
   </p:cSld>
   <p:clrMapOvr>
     <a:masterClrMapping/>
   </p:clrMapOvr>
+  <p:timing>
+    <p:tnLst>
+      <p:par>
+        <p:cTn id="1" dur="indefinite" restart="never" nodeType="tmRoot">
+          <p:childTnLst>
+            <p:seq concurrent="1" nextAc="seek">
+              <p:cTn id="2" dur="indefinite" nodeType="mainSeq">
+                <p:childTnLst>
+                  <p:par>
+                    <p:cTn id="3" fill="hold">
+                      <p:stCondLst>
+                        <p:cond delay="indefinite"/>
+                      </p:stCondLst>
+                      <p:childTnLst>
+                        <p:par>
+                          <p:cTn id="4" fill="hold">
+                            <p:stCondLst>
+                              <p:cond delay="0"/>
+                            </p:stCondLst>
+                            <p:childTnLst>
+                              <p:par>
+                                <p:cTn id="5" presetID="1" presetClass="entr" presetSubtype="0" fill="hold" nodeType="clickEffect">
+                                  <p:stCondLst>
+                                    <p:cond delay="0"/>
+                                  </p:stCondLst>
+                                  <p:childTnLst>
+                                    <p:set>
+                                      <p:cBhvr>
+                                        <p:cTn id="6" dur="1" fill="hold">
+                                          <p:stCondLst>
+                                            <p:cond delay="0"/>
+                                          </p:stCondLst>
+                                        </p:cTn>
+                                        <p:tgtEl>
+                                          <p:spTgt spid="3">
+                                            <p:txEl>
+                                              <p:pRg st="1" end="1"/>
+                                            </p:txEl>
+                                          </p:spTgt>
+                                        </p:tgtEl>
+                                        <p:attrNameLst>
+                                          <p:attrName>style.visibility</p:attrName>
+                                        </p:attrNameLst>
+                                      </p:cBhvr>
+                                      <p:to>
+                                        <p:strVal val="visible"/>
+                                      </p:to>
+                                    </p:set>
+                                  </p:childTnLst>
+                                </p:cTn>
+                              </p:par>
+                            </p:childTnLst>
+                          </p:cTn>
+                        </p:par>
+                      </p:childTnLst>
+                    </p:cTn>
+                  </p:par>
+                  <p:par>
+                    <p:cTn id="7" fill="hold">
+                      <p:stCondLst>
+                        <p:cond delay="indefinite"/>
+                      </p:stCondLst>
+                      <p:childTnLst>
+                        <p:par>
+                          <p:cTn id="8" fill="hold">
+                            <p:stCondLst>
+                              <p:cond delay="0"/>
+                            </p:stCondLst>
+                            <p:childTnLst>
+                              <p:par>
+                                <p:cTn id="9" presetID="1" presetClass="entr" presetSubtype="0" fill="hold" nodeType="clickEffect">
+                                  <p:stCondLst>
+                                    <p:cond delay="0"/>
+                                  </p:stCondLst>
+                                  <p:childTnLst>
+                                    <p:set>
+                                      <p:cBhvr>
+                                        <p:cTn id="10" dur="1" fill="hold">
+                                          <p:stCondLst>
+                                            <p:cond delay="0"/>
+                                          </p:stCondLst>
+                                        </p:cTn>
+                                        <p:tgtEl>
+                                          <p:spTgt spid="3">
+                                            <p:txEl>
+                                              <p:pRg st="2" end="2"/>
+                                            </p:txEl>
+                                          </p:spTgt>
+                                        </p:tgtEl>
+                                        <p:attrNameLst>
+                                          <p:attrName>style.visibility</p:attrName>
+                                        </p:attrNameLst>
+                                      </p:cBhvr>
+                                      <p:to>
+                                        <p:strVal val="visible"/>
+                                      </p:to>
+                                    </p:set>
+                                  </p:childTnLst>
+                                </p:cTn>
+                              </p:par>
+                            </p:childTnLst>
+                          </p:cTn>
+                        </p:par>
+                      </p:childTnLst>
+                    </p:cTn>
+                  </p:par>
+                  <p:par>
+                    <p:cTn id="11" fill="hold">
+                      <p:stCondLst>
+                        <p:cond delay="indefinite"/>
+                      </p:stCondLst>
+                      <p:childTnLst>
+                        <p:par>
+                          <p:cTn id="12" fill="hold">
+                            <p:stCondLst>
+                              <p:cond delay="0"/>
+                            </p:stCondLst>
+                            <p:childTnLst>
+                              <p:par>
+                                <p:cTn id="13" presetID="1" presetClass="entr" presetSubtype="0" fill="hold" nodeType="clickEffect">
+                                  <p:stCondLst>
+                                    <p:cond delay="0"/>
+                                  </p:stCondLst>
+                                  <p:childTnLst>
+                                    <p:set>
+                                      <p:cBhvr>
+                                        <p:cTn id="14" dur="1" fill="hold">
+                                          <p:stCondLst>
+                                            <p:cond delay="0"/>
+                                          </p:stCondLst>
+                                        </p:cTn>
+                                        <p:tgtEl>
+                                          <p:spTgt spid="3">
+                                            <p:txEl>
+                                              <p:pRg st="3" end="3"/>
+                                            </p:txEl>
+                                          </p:spTgt>
+                                        </p:tgtEl>
+                                        <p:attrNameLst>
+                                          <p:attrName>style.visibility</p:attrName>
+                                        </p:attrNameLst>
+                                      </p:cBhvr>
+                                      <p:to>
+                                        <p:strVal val="visible"/>
+                                      </p:to>
+                                    </p:set>
+                                  </p:childTnLst>
+                                </p:cTn>
+                              </p:par>
+                            </p:childTnLst>
+                          </p:cTn>
+                        </p:par>
+                      </p:childTnLst>
+                    </p:cTn>
+                  </p:par>
+                  <p:par>
+                    <p:cTn id="15" fill="hold">
+                      <p:stCondLst>
+                        <p:cond delay="indefinite"/>
+                      </p:stCondLst>
+                      <p:childTnLst>
+                        <p:par>
+                          <p:cTn id="16" fill="hold">
+                            <p:stCondLst>
+                              <p:cond delay="0"/>
+                            </p:stCondLst>
+                            <p:childTnLst>
+                              <p:par>
+                                <p:cTn id="17" presetID="1" presetClass="entr" presetSubtype="0" fill="hold" nodeType="clickEffect">
+                                  <p:stCondLst>
+                                    <p:cond delay="0"/>
+                                  </p:stCondLst>
+                                  <p:childTnLst>
+                                    <p:set>
+                                      <p:cBhvr>
+                                        <p:cTn id="18" dur="1" fill="hold">
+                                          <p:stCondLst>
+                                            <p:cond delay="0"/>
+                                          </p:stCondLst>
+                                        </p:cTn>
+                                        <p:tgtEl>
+                                          <p:spTgt spid="3">
+                                            <p:txEl>
+                                              <p:pRg st="4" end="4"/>
+                                            </p:txEl>
+                                          </p:spTgt>
+                                        </p:tgtEl>
+                                        <p:attrNameLst>
+                                          <p:attrName>style.visibility</p:attrName>
+                                        </p:attrNameLst>
+                                      </p:cBhvr>
+                                      <p:to>
+                                        <p:strVal val="visible"/>
+                                      </p:to>
+                                    </p:set>
+                                  </p:childTnLst>
+                                </p:cTn>
+                              </p:par>
+                            </p:childTnLst>
+                          </p:cTn>
+                        </p:par>
+                      </p:childTnLst>
+                    </p:cTn>
+                  </p:par>
+                  <p:par>
+                    <p:cTn id="19" fill="hold">
+                      <p:stCondLst>
+                        <p:cond delay="indefinite"/>
+                      </p:stCondLst>
+                      <p:childTnLst>
+                        <p:par>
+                          <p:cTn id="20" fill="hold">
+                            <p:stCondLst>
+                              <p:cond delay="0"/>
+                            </p:stCondLst>
+                            <p:childTnLst>
+                              <p:par>
+                                <p:cTn id="21" presetID="1" presetClass="entr" presetSubtype="0" fill="hold" nodeType="clickEffect">
+                                  <p:stCondLst>
+                                    <p:cond delay="0"/>
+                                  </p:stCondLst>
+                                  <p:childTnLst>
+                                    <p:set>
+                                      <p:cBhvr>
+                                        <p:cTn id="22" dur="1" fill="hold">
+                                          <p:stCondLst>
+                                            <p:cond delay="0"/>
+                                          </p:stCondLst>
+                                        </p:cTn>
+                                        <p:tgtEl>
+                                          <p:spTgt spid="3">
+                                            <p:txEl>
+                                              <p:pRg st="5" end="5"/>
+                                            </p:txEl>
+                                          </p:spTgt>
+                                        </p:tgtEl>
+                                        <p:attrNameLst>
+                                          <p:attrName>style.visibility</p:attrName>
+                                        </p:attrNameLst>
+                                      </p:cBhvr>
+                                      <p:to>
+                                        <p:strVal val="visible"/>
+                                      </p:to>
+                                    </p:set>
+                                  </p:childTnLst>
+                                </p:cTn>
+                              </p:par>
+                            </p:childTnLst>
+                          </p:cTn>
+                        </p:par>
+                      </p:childTnLst>
+                    </p:cTn>
+                  </p:par>
+                  <p:par>
+                    <p:cTn id="23" fill="hold">
+                      <p:stCondLst>
+                        <p:cond delay="indefinite"/>
+                      </p:stCondLst>
+                      <p:childTnLst>
+                        <p:par>
+                          <p:cTn id="24" fill="hold">
+                            <p:stCondLst>
+                              <p:cond delay="0"/>
+                            </p:stCondLst>
+                            <p:childTnLst>
+                              <p:par>
+                                <p:cTn id="25" presetID="1" presetClass="entr" presetSubtype="0" fill="hold" nodeType="clickEffect">
+                                  <p:stCondLst>
+                                    <p:cond delay="0"/>
+                                  </p:stCondLst>
+                                  <p:childTnLst>
+                                    <p:set>
+                                      <p:cBhvr>
+                                        <p:cTn id="26" dur="1" fill="hold">
+                                          <p:stCondLst>
+                                            <p:cond delay="0"/>
+                                          </p:stCondLst>
+                                        </p:cTn>
+                                        <p:tgtEl>
+                                          <p:spTgt spid="3">
+                                            <p:txEl>
+                                              <p:pRg st="6" end="6"/>
+                                            </p:txEl>
+                                          </p:spTgt>
+                                        </p:tgtEl>
+                                        <p:attrNameLst>
+                                          <p:attrName>style.visibility</p:attrName>
+                                        </p:attrNameLst>
+                                      </p:cBhvr>
+                                      <p:to>
+                                        <p:strVal val="visible"/>
+                                      </p:to>
+                                    </p:set>
+                                  </p:childTnLst>
+                                </p:cTn>
+                              </p:par>
+                            </p:childTnLst>
+                          </p:cTn>
+                        </p:par>
+                      </p:childTnLst>
+                    </p:cTn>
+                  </p:par>
+                  <p:par>
+                    <p:cTn id="27" fill="hold">
+                      <p:stCondLst>
+                        <p:cond delay="indefinite"/>
+                      </p:stCondLst>
+                      <p:childTnLst>
+                        <p:par>
+                          <p:cTn id="28" fill="hold">
+                            <p:stCondLst>
+                              <p:cond delay="0"/>
+                            </p:stCondLst>
+                            <p:childTnLst>
+                              <p:par>
+                                <p:cTn id="29" presetID="1" presetClass="entr" presetSubtype="0" fill="hold" nodeType="clickEffect">
+                                  <p:stCondLst>
+                                    <p:cond delay="0"/>
+                                  </p:stCondLst>
+                                  <p:childTnLst>
+                                    <p:set>
+                                      <p:cBhvr>
+                                        <p:cTn id="30" dur="1" fill="hold">
+                                          <p:stCondLst>
+                                            <p:cond delay="0"/>
+                                          </p:stCondLst>
+                                        </p:cTn>
+                                        <p:tgtEl>
+                                          <p:spTgt spid="3">
+                                            <p:txEl>
+                                              <p:pRg st="7" end="7"/>
+                                            </p:txEl>
+                                          </p:spTgt>
+                                        </p:tgtEl>
+                                        <p:attrNameLst>
+                                          <p:attrName>style.visibility</p:attrName>
+                                        </p:attrNameLst>
+                                      </p:cBhvr>
+                                      <p:to>
+                                        <p:strVal val="visible"/>
+                                      </p:to>
+                                    </p:set>
+                                  </p:childTnLst>
+                                </p:cTn>
+                              </p:par>
+                            </p:childTnLst>
+                          </p:cTn>
+                        </p:par>
+                      </p:childTnLst>
+                    </p:cTn>
+                  </p:par>
+                </p:childTnLst>
+              </p:cTn>
+              <p:prevCondLst>
+                <p:cond evt="onPrev" delay="0">
+                  <p:tgtEl>
+                    <p:sldTgt/>
+                  </p:tgtEl>
+                </p:cond>
+              </p:prevCondLst>
+              <p:nextCondLst>
+                <p:cond evt="onNext" delay="0">
+                  <p:tgtEl>
+                    <p:sldTgt/>
+                  </p:tgtEl>
+                </p:cond>
+              </p:nextCondLst>
+            </p:seq>
+          </p:childTnLst>
+        </p:cTn>
+      </p:par>
+    </p:tnLst>
+  </p:timing>
 </p:sld>
 </file>
 
@@ -20150,6 +20362,1032 @@
       </p:grpSpPr>
       <p:sp>
         <p:nvSpPr>
+          <p:cNvPr id="2" name="Title 1">
+            <a:extLst>
+              <a:ext uri="{FF2B5EF4-FFF2-40B4-BE49-F238E27FC236}">
+                <a16:creationId xmlns:a16="http://schemas.microsoft.com/office/drawing/2014/main" id="{93DE37A3-CCB8-4DC7-97A0-D45518AD6A2F}"/>
+              </a:ext>
+            </a:extLst>
+          </p:cNvPr>
+          <p:cNvSpPr>
+            <a:spLocks noGrp="1"/>
+          </p:cNvSpPr>
+          <p:nvPr>
+            <p:ph type="title"/>
+          </p:nvPr>
+        </p:nvSpPr>
+        <p:spPr/>
+        <p:txBody>
+          <a:bodyPr/>
+          <a:lstStyle/>
+          <a:p>
+            <a:r>
+              <a:rPr lang="en-US" dirty="0"/>
+              <a:t>A different solution</a:t>
+            </a:r>
+          </a:p>
+        </p:txBody>
+      </p:sp>
+      <p:sp>
+        <p:nvSpPr>
+          <p:cNvPr id="5" name="Content Placeholder 4">
+            <a:extLst>
+              <a:ext uri="{FF2B5EF4-FFF2-40B4-BE49-F238E27FC236}">
+                <a16:creationId xmlns:a16="http://schemas.microsoft.com/office/drawing/2014/main" id="{EE786774-CB9F-4095-A436-0AC2DE514BB7}"/>
+              </a:ext>
+            </a:extLst>
+          </p:cNvPr>
+          <p:cNvSpPr>
+            <a:spLocks noGrp="1"/>
+          </p:cNvSpPr>
+          <p:nvPr>
+            <p:ph idx="1"/>
+          </p:nvPr>
+        </p:nvSpPr>
+        <p:spPr/>
+        <p:txBody>
+          <a:bodyPr>
+            <a:normAutofit/>
+          </a:bodyPr>
+          <a:lstStyle/>
+          <a:p>
+            <a:pPr>
+              <a:spcBef>
+                <a:spcPts val="0"/>
+              </a:spcBef>
+            </a:pPr>
+            <a:r>
+              <a:rPr lang="en-US" sz="2000" dirty="0"/>
+              <a:t>(define (</a:t>
+            </a:r>
+            <a:r>
+              <a:rPr lang="en-US" sz="2000" dirty="0" err="1"/>
+              <a:t>sublist</a:t>
+            </a:r>
+            <a:r>
+              <a:rPr lang="en-US" sz="2000" dirty="0"/>
+              <a:t>-sum so-far unsummed)</a:t>
+            </a:r>
+          </a:p>
+          <a:p>
+            <a:pPr>
+              <a:spcBef>
+                <a:spcPts val="0"/>
+              </a:spcBef>
+            </a:pPr>
+            <a:r>
+              <a:rPr lang="en-US" sz="2000" dirty="0"/>
+              <a:t>  (cond</a:t>
+            </a:r>
+          </a:p>
+          <a:p>
+            <a:pPr>
+              <a:spcBef>
+                <a:spcPts val="0"/>
+              </a:spcBef>
+            </a:pPr>
+            <a:r>
+              <a:rPr lang="en-US" sz="2000" dirty="0"/>
+              <a:t>    [(empty? unsummed) so-far]</a:t>
+            </a:r>
+          </a:p>
+          <a:p>
+            <a:pPr>
+              <a:spcBef>
+                <a:spcPts val="0"/>
+              </a:spcBef>
+            </a:pPr>
+            <a:r>
+              <a:rPr lang="en-US" sz="2000" dirty="0"/>
+              <a:t>    [else (</a:t>
+            </a:r>
+            <a:r>
+              <a:rPr lang="en-US" sz="2000" dirty="0" err="1"/>
+              <a:t>sublist</a:t>
+            </a:r>
+            <a:r>
+              <a:rPr lang="en-US" sz="2000" dirty="0"/>
+              <a:t>-sum (+ so-far (first unsummed))</a:t>
+            </a:r>
+          </a:p>
+          <a:p>
+            <a:pPr>
+              <a:spcBef>
+                <a:spcPts val="0"/>
+              </a:spcBef>
+            </a:pPr>
+            <a:r>
+              <a:rPr lang="en-US" sz="2000" dirty="0"/>
+              <a:t>                       (rest unsummed))]))</a:t>
+            </a:r>
+          </a:p>
+          <a:p>
+            <a:pPr>
+              <a:spcBef>
+                <a:spcPts val="0"/>
+              </a:spcBef>
+            </a:pPr>
+            <a:endParaRPr lang="en-US" sz="2000" dirty="0"/>
+          </a:p>
+          <a:p>
+            <a:pPr>
+              <a:spcBef>
+                <a:spcPts val="0"/>
+              </a:spcBef>
+            </a:pPr>
+            <a:r>
+              <a:rPr lang="en-US" sz="2000" dirty="0"/>
+              <a:t>(define (list-sum l)</a:t>
+            </a:r>
+          </a:p>
+          <a:p>
+            <a:pPr>
+              <a:spcBef>
+                <a:spcPts val="0"/>
+              </a:spcBef>
+            </a:pPr>
+            <a:r>
+              <a:rPr lang="en-US" sz="2000" dirty="0"/>
+              <a:t>  (</a:t>
+            </a:r>
+            <a:r>
+              <a:rPr lang="en-US" sz="2000" dirty="0" err="1"/>
+              <a:t>sublist</a:t>
+            </a:r>
+            <a:r>
+              <a:rPr lang="en-US" sz="2000" dirty="0"/>
+              <a:t>-sum 0 l))</a:t>
+            </a:r>
+          </a:p>
+          <a:p>
+            <a:endParaRPr lang="en-US" dirty="0"/>
+          </a:p>
+        </p:txBody>
+      </p:sp>
+      <p:sp>
+        <p:nvSpPr>
+          <p:cNvPr id="4" name="Slide Number Placeholder 3">
+            <a:extLst>
+              <a:ext uri="{FF2B5EF4-FFF2-40B4-BE49-F238E27FC236}">
+                <a16:creationId xmlns:a16="http://schemas.microsoft.com/office/drawing/2014/main" id="{DB982035-1462-4649-9DB1-185A1D8A1C95}"/>
+              </a:ext>
+            </a:extLst>
+          </p:cNvPr>
+          <p:cNvSpPr>
+            <a:spLocks noGrp="1"/>
+          </p:cNvSpPr>
+          <p:nvPr>
+            <p:ph type="sldNum" sz="quarter" idx="12"/>
+          </p:nvPr>
+        </p:nvSpPr>
+        <p:spPr/>
+        <p:txBody>
+          <a:bodyPr/>
+          <a:lstStyle/>
+          <a:p>
+            <a:fld id="{2AF3B5EA-18B6-4040-9F78-6052AF49C681}" type="slidenum">
+              <a:rPr lang="en-US" smtClean="0"/>
+              <a:t>33</a:t>
+            </a:fld>
+            <a:endParaRPr lang="en-US"/>
+          </a:p>
+        </p:txBody>
+      </p:sp>
+      <p:sp>
+        <p:nvSpPr>
+          <p:cNvPr id="6" name="TextBox 5">
+            <a:extLst>
+              <a:ext uri="{FF2B5EF4-FFF2-40B4-BE49-F238E27FC236}">
+                <a16:creationId xmlns:a16="http://schemas.microsoft.com/office/drawing/2014/main" id="{8F824F14-9B1E-41D9-9932-D62E149E7D2D}"/>
+              </a:ext>
+            </a:extLst>
+          </p:cNvPr>
+          <p:cNvSpPr txBox="1"/>
+          <p:nvPr/>
+        </p:nvSpPr>
+        <p:spPr>
+          <a:xfrm>
+            <a:off x="4569438" y="3429000"/>
+            <a:ext cx="2593362" cy="1938992"/>
+          </a:xfrm>
+          <a:prstGeom prst="rect">
+            <a:avLst/>
+          </a:prstGeom>
+          <a:solidFill>
+            <a:schemeClr val="accent1">
+              <a:lumMod val="20000"/>
+              <a:lumOff val="80000"/>
+            </a:schemeClr>
+          </a:solidFill>
+        </p:spPr>
+        <p:txBody>
+          <a:bodyPr wrap="square" rtlCol="0">
+            <a:spAutoFit/>
+          </a:bodyPr>
+          <a:lstStyle/>
+          <a:p>
+            <a:r>
+              <a:rPr lang="en-US" sz="2400" dirty="0"/>
+              <a:t>Think about this definition for a minute.  Can you figure out how it works?</a:t>
+            </a:r>
+          </a:p>
+        </p:txBody>
+      </p:sp>
+    </p:spTree>
+    <p:extLst>
+      <p:ext uri="{BB962C8B-B14F-4D97-AF65-F5344CB8AC3E}">
+        <p14:creationId xmlns:p14="http://schemas.microsoft.com/office/powerpoint/2010/main" val="473982483"/>
+      </p:ext>
+    </p:extLst>
+  </p:cSld>
+  <p:clrMapOvr>
+    <a:masterClrMapping/>
+  </p:clrMapOvr>
+</p:sld>
+</file>
+
+<file path=ppt/slides/slide34.xml><?xml version="1.0" encoding="utf-8"?>
+<p:sld xmlns:a="http://schemas.openxmlformats.org/drawingml/2006/main" xmlns:r="http://schemas.openxmlformats.org/officeDocument/2006/relationships" xmlns:p="http://schemas.openxmlformats.org/presentationml/2006/main">
+  <p:cSld>
+    <p:spTree>
+      <p:nvGrpSpPr>
+        <p:cNvPr id="1" name=""/>
+        <p:cNvGrpSpPr/>
+        <p:nvPr/>
+      </p:nvGrpSpPr>
+      <p:grpSpPr>
+        <a:xfrm>
+          <a:off x="0" y="0"/>
+          <a:ext cx="0" cy="0"/>
+          <a:chOff x="0" y="0"/>
+          <a:chExt cx="0" cy="0"/>
+        </a:xfrm>
+      </p:grpSpPr>
+      <p:sp>
+        <p:nvSpPr>
+          <p:cNvPr id="2" name="Title 1">
+            <a:extLst>
+              <a:ext uri="{FF2B5EF4-FFF2-40B4-BE49-F238E27FC236}">
+                <a16:creationId xmlns:a16="http://schemas.microsoft.com/office/drawing/2014/main" id="{7CF9DC25-A1B9-4B6D-8132-3173C7B29FCC}"/>
+              </a:ext>
+            </a:extLst>
+          </p:cNvPr>
+          <p:cNvSpPr>
+            <a:spLocks noGrp="1"/>
+          </p:cNvSpPr>
+          <p:nvPr>
+            <p:ph type="title"/>
+          </p:nvPr>
+        </p:nvSpPr>
+        <p:spPr/>
+        <p:txBody>
+          <a:bodyPr/>
+          <a:lstStyle/>
+          <a:p>
+            <a:r>
+              <a:rPr lang="en-US" dirty="0"/>
+              <a:t>Let’s watch this one work</a:t>
+            </a:r>
+          </a:p>
+        </p:txBody>
+      </p:sp>
+      <p:sp>
+        <p:nvSpPr>
+          <p:cNvPr id="3" name="Content Placeholder 2">
+            <a:extLst>
+              <a:ext uri="{FF2B5EF4-FFF2-40B4-BE49-F238E27FC236}">
+                <a16:creationId xmlns:a16="http://schemas.microsoft.com/office/drawing/2014/main" id="{0EB7C8A7-98EF-4113-B1C4-5B7B5F87EF15}"/>
+              </a:ext>
+            </a:extLst>
+          </p:cNvPr>
+          <p:cNvSpPr>
+            <a:spLocks noGrp="1"/>
+          </p:cNvSpPr>
+          <p:nvPr>
+            <p:ph idx="1"/>
+          </p:nvPr>
+        </p:nvSpPr>
+        <p:spPr>
+          <a:xfrm>
+            <a:off x="457200" y="1600200"/>
+            <a:ext cx="8534400" cy="4525963"/>
+          </a:xfrm>
+        </p:spPr>
+        <p:txBody>
+          <a:bodyPr>
+            <a:normAutofit/>
+          </a:bodyPr>
+          <a:lstStyle/>
+          <a:p>
+            <a:r>
+              <a:rPr lang="en-US" sz="2200" dirty="0"/>
+              <a:t>  (</a:t>
+            </a:r>
+            <a:r>
+              <a:rPr lang="en-US" sz="2200" dirty="0">
+                <a:solidFill>
+                  <a:srgbClr val="FF0000"/>
+                </a:solidFill>
+              </a:rPr>
+              <a:t>list-sum</a:t>
+            </a:r>
+            <a:r>
+              <a:rPr lang="en-US" sz="2200" dirty="0"/>
+              <a:t>      (cons 11 (cons 22 (cons 33 empty))))</a:t>
+            </a:r>
+          </a:p>
+          <a:p>
+            <a:r>
+              <a:rPr lang="en-US" sz="2200" dirty="0"/>
+              <a:t>= (</a:t>
+            </a:r>
+            <a:r>
+              <a:rPr lang="en-US" sz="2200" dirty="0" err="1">
+                <a:solidFill>
+                  <a:srgbClr val="FF0000"/>
+                </a:solidFill>
+              </a:rPr>
+              <a:t>sublist</a:t>
+            </a:r>
+            <a:r>
+              <a:rPr lang="en-US" sz="2200" dirty="0">
+                <a:solidFill>
+                  <a:srgbClr val="FF0000"/>
+                </a:solidFill>
+              </a:rPr>
+              <a:t>-sum</a:t>
+            </a:r>
+            <a:r>
+              <a:rPr lang="en-US" sz="2200" dirty="0"/>
+              <a:t> </a:t>
+            </a:r>
+            <a:r>
+              <a:rPr lang="en-US" sz="2200" dirty="0">
+                <a:solidFill>
+                  <a:srgbClr val="0070C0"/>
+                </a:solidFill>
+              </a:rPr>
+              <a:t>0</a:t>
+            </a:r>
+            <a:r>
+              <a:rPr lang="en-US" sz="2200" dirty="0"/>
+              <a:t> (cons 11 (cons 22 (cons 33 empty))))</a:t>
+            </a:r>
+          </a:p>
+          <a:p>
+            <a:r>
+              <a:rPr lang="en-US" sz="2200" dirty="0"/>
+              <a:t>= (</a:t>
+            </a:r>
+            <a:r>
+              <a:rPr lang="en-US" sz="2200" dirty="0" err="1">
+                <a:solidFill>
+                  <a:srgbClr val="FF0000"/>
+                </a:solidFill>
+              </a:rPr>
+              <a:t>sublist</a:t>
+            </a:r>
+            <a:r>
+              <a:rPr lang="en-US" sz="2200" dirty="0">
+                <a:solidFill>
+                  <a:srgbClr val="FF0000"/>
+                </a:solidFill>
+              </a:rPr>
+              <a:t>-sum</a:t>
+            </a:r>
+            <a:r>
+              <a:rPr lang="en-US" sz="2200" dirty="0"/>
+              <a:t> </a:t>
+            </a:r>
+            <a:r>
+              <a:rPr lang="en-US" sz="2200" dirty="0">
+                <a:solidFill>
+                  <a:srgbClr val="0070C0"/>
+                </a:solidFill>
+              </a:rPr>
+              <a:t>11</a:t>
+            </a:r>
+            <a:r>
+              <a:rPr lang="en-US" sz="2200" dirty="0"/>
+              <a:t>         (cons 22 (cons 33 empty)))</a:t>
+            </a:r>
+          </a:p>
+          <a:p>
+            <a:r>
+              <a:rPr lang="en-US" sz="2200" dirty="0"/>
+              <a:t>= (</a:t>
+            </a:r>
+            <a:r>
+              <a:rPr lang="en-US" sz="2200" dirty="0" err="1">
+                <a:solidFill>
+                  <a:srgbClr val="FF0000"/>
+                </a:solidFill>
+              </a:rPr>
+              <a:t>sublist</a:t>
+            </a:r>
+            <a:r>
+              <a:rPr lang="en-US" sz="2200" dirty="0">
+                <a:solidFill>
+                  <a:srgbClr val="FF0000"/>
+                </a:solidFill>
+              </a:rPr>
+              <a:t>-sum</a:t>
+            </a:r>
+            <a:r>
+              <a:rPr lang="en-US" sz="2200" dirty="0"/>
+              <a:t> </a:t>
+            </a:r>
+            <a:r>
+              <a:rPr lang="en-US" sz="2200" dirty="0">
+                <a:solidFill>
+                  <a:srgbClr val="0070C0"/>
+                </a:solidFill>
+              </a:rPr>
+              <a:t>33</a:t>
+            </a:r>
+            <a:r>
+              <a:rPr lang="en-US" sz="2200" dirty="0"/>
+              <a:t>                  (cons 33 empty))</a:t>
+            </a:r>
+          </a:p>
+          <a:p>
+            <a:r>
+              <a:rPr lang="en-US" sz="2200" dirty="0"/>
+              <a:t>= (</a:t>
+            </a:r>
+            <a:r>
+              <a:rPr lang="en-US" sz="2200" dirty="0" err="1">
+                <a:solidFill>
+                  <a:srgbClr val="FF0000"/>
+                </a:solidFill>
+              </a:rPr>
+              <a:t>sublist</a:t>
+            </a:r>
+            <a:r>
+              <a:rPr lang="en-US" sz="2200" dirty="0">
+                <a:solidFill>
+                  <a:srgbClr val="FF0000"/>
+                </a:solidFill>
+              </a:rPr>
+              <a:t>-sum</a:t>
+            </a:r>
+            <a:r>
+              <a:rPr lang="en-US" sz="2200" dirty="0"/>
+              <a:t> </a:t>
+            </a:r>
+            <a:r>
+              <a:rPr lang="en-US" sz="2200" dirty="0">
+                <a:solidFill>
+                  <a:srgbClr val="0070C0"/>
+                </a:solidFill>
+              </a:rPr>
+              <a:t>66</a:t>
+            </a:r>
+            <a:r>
+              <a:rPr lang="en-US" sz="2200" dirty="0"/>
+              <a:t>                           empty)</a:t>
+            </a:r>
+          </a:p>
+          <a:p>
+            <a:r>
+              <a:rPr lang="en-US" sz="2200" dirty="0"/>
+              <a:t>= </a:t>
+            </a:r>
+            <a:r>
+              <a:rPr lang="en-US" sz="2200" dirty="0">
+                <a:solidFill>
+                  <a:srgbClr val="0070C0"/>
+                </a:solidFill>
+              </a:rPr>
+              <a:t>66</a:t>
+            </a:r>
+            <a:endParaRPr lang="en-US" sz="2200" dirty="0"/>
+          </a:p>
+          <a:p>
+            <a:endParaRPr lang="en-US" sz="2200" dirty="0"/>
+          </a:p>
+          <a:p>
+            <a:endParaRPr lang="en-US" sz="2200" dirty="0"/>
+          </a:p>
+        </p:txBody>
+      </p:sp>
+      <p:sp>
+        <p:nvSpPr>
+          <p:cNvPr id="4" name="Slide Number Placeholder 3">
+            <a:extLst>
+              <a:ext uri="{FF2B5EF4-FFF2-40B4-BE49-F238E27FC236}">
+                <a16:creationId xmlns:a16="http://schemas.microsoft.com/office/drawing/2014/main" id="{06BB6CC7-20CF-4F25-90F9-45495EAE1B6D}"/>
+              </a:ext>
+            </a:extLst>
+          </p:cNvPr>
+          <p:cNvSpPr>
+            <a:spLocks noGrp="1"/>
+          </p:cNvSpPr>
+          <p:nvPr>
+            <p:ph type="sldNum" sz="quarter" idx="12"/>
+          </p:nvPr>
+        </p:nvSpPr>
+        <p:spPr/>
+        <p:txBody>
+          <a:bodyPr/>
+          <a:lstStyle/>
+          <a:p>
+            <a:fld id="{2AF3B5EA-18B6-4040-9F78-6052AF49C681}" type="slidenum">
+              <a:rPr lang="en-US" smtClean="0"/>
+              <a:t>34</a:t>
+            </a:fld>
+            <a:endParaRPr lang="en-US"/>
+          </a:p>
+        </p:txBody>
+      </p:sp>
+    </p:spTree>
+    <p:extLst>
+      <p:ext uri="{BB962C8B-B14F-4D97-AF65-F5344CB8AC3E}">
+        <p14:creationId xmlns:p14="http://schemas.microsoft.com/office/powerpoint/2010/main" val="144664993"/>
+      </p:ext>
+    </p:extLst>
+  </p:cSld>
+  <p:clrMapOvr>
+    <a:masterClrMapping/>
+  </p:clrMapOvr>
+</p:sld>
+</file>
+
+<file path=ppt/slides/slide35.xml><?xml version="1.0" encoding="utf-8"?>
+<p:sld xmlns:a="http://schemas.openxmlformats.org/drawingml/2006/main" xmlns:r="http://schemas.openxmlformats.org/officeDocument/2006/relationships" xmlns:p="http://schemas.openxmlformats.org/presentationml/2006/main">
+  <p:cSld>
+    <p:spTree>
+      <p:nvGrpSpPr>
+        <p:cNvPr id="1" name=""/>
+        <p:cNvGrpSpPr/>
+        <p:nvPr/>
+      </p:nvGrpSpPr>
+      <p:grpSpPr>
+        <a:xfrm>
+          <a:off x="0" y="0"/>
+          <a:ext cx="0" cy="0"/>
+          <a:chOff x="0" y="0"/>
+          <a:chExt cx="0" cy="0"/>
+        </a:xfrm>
+      </p:grpSpPr>
+      <p:sp>
+        <p:nvSpPr>
+          <p:cNvPr id="5" name="Title 4">
+            <a:extLst>
+              <a:ext uri="{FF2B5EF4-FFF2-40B4-BE49-F238E27FC236}">
+                <a16:creationId xmlns:a16="http://schemas.microsoft.com/office/drawing/2014/main" id="{31A7AAD6-6D0C-45DB-8E10-FB3CA16F6C04}"/>
+              </a:ext>
+            </a:extLst>
+          </p:cNvPr>
+          <p:cNvSpPr>
+            <a:spLocks noGrp="1"/>
+          </p:cNvSpPr>
+          <p:nvPr>
+            <p:ph type="title"/>
+          </p:nvPr>
+        </p:nvSpPr>
+        <p:spPr/>
+        <p:txBody>
+          <a:bodyPr>
+            <a:normAutofit fontScale="90000"/>
+          </a:bodyPr>
+          <a:lstStyle/>
+          <a:p>
+            <a:r>
+              <a:rPr lang="en-US" dirty="0"/>
+              <a:t>This function works from left to right</a:t>
+            </a:r>
+          </a:p>
+        </p:txBody>
+      </p:sp>
+      <p:sp>
+        <p:nvSpPr>
+          <p:cNvPr id="6" name="Content Placeholder 5">
+            <a:extLst>
+              <a:ext uri="{FF2B5EF4-FFF2-40B4-BE49-F238E27FC236}">
+                <a16:creationId xmlns:a16="http://schemas.microsoft.com/office/drawing/2014/main" id="{0F895AAB-4611-448A-AE42-172E0A35ADB7}"/>
+              </a:ext>
+            </a:extLst>
+          </p:cNvPr>
+          <p:cNvSpPr>
+            <a:spLocks noGrp="1"/>
+          </p:cNvSpPr>
+          <p:nvPr>
+            <p:ph idx="1"/>
+          </p:nvPr>
+        </p:nvSpPr>
+        <p:spPr/>
+        <p:txBody>
+          <a:bodyPr>
+            <a:normAutofit fontScale="92500" lnSpcReduction="10000"/>
+          </a:bodyPr>
+          <a:lstStyle/>
+          <a:p>
+            <a:r>
+              <a:rPr lang="en-US" dirty="0"/>
+              <a:t>The first argument to </a:t>
+            </a:r>
+            <a:r>
+              <a:rPr lang="en-US" dirty="0" err="1"/>
+              <a:t>sublist</a:t>
+            </a:r>
+            <a:r>
+              <a:rPr lang="en-US" dirty="0"/>
+              <a:t>-sum is the sum of all the elements we’ve looked at “so far”.</a:t>
+            </a:r>
+          </a:p>
+          <a:p>
+            <a:r>
+              <a:rPr lang="en-US" dirty="0"/>
+              <a:t>This is a context argument: at each recursive call, represents the context in which </a:t>
+            </a:r>
+            <a:r>
+              <a:rPr lang="en-US" dirty="0" err="1"/>
+              <a:t>sublist</a:t>
+            </a:r>
+            <a:r>
+              <a:rPr lang="en-US" dirty="0"/>
+              <a:t>-sum is called.</a:t>
+            </a:r>
+          </a:p>
+          <a:p>
+            <a:r>
+              <a:rPr lang="en-US" dirty="0"/>
+              <a:t>We say that it </a:t>
+            </a:r>
+            <a:r>
+              <a:rPr lang="en-US" i="1" dirty="0">
+                <a:solidFill>
+                  <a:srgbClr val="FF0000"/>
+                </a:solidFill>
+              </a:rPr>
+              <a:t>abstracts</a:t>
+            </a:r>
+            <a:r>
+              <a:rPr lang="en-US" dirty="0"/>
+              <a:t> the context:  it keeps only as much information about the context as the function needs.</a:t>
+            </a:r>
+          </a:p>
+          <a:p>
+            <a:r>
+              <a:rPr lang="en-US" dirty="0"/>
+              <a:t>Let’s write down a proper invariant to document this:</a:t>
+            </a:r>
+          </a:p>
+        </p:txBody>
+      </p:sp>
+      <p:sp>
+        <p:nvSpPr>
+          <p:cNvPr id="4" name="Slide Number Placeholder 3">
+            <a:extLst>
+              <a:ext uri="{FF2B5EF4-FFF2-40B4-BE49-F238E27FC236}">
+                <a16:creationId xmlns:a16="http://schemas.microsoft.com/office/drawing/2014/main" id="{098648C7-4950-4830-BA21-F5F7BD96601F}"/>
+              </a:ext>
+            </a:extLst>
+          </p:cNvPr>
+          <p:cNvSpPr>
+            <a:spLocks noGrp="1"/>
+          </p:cNvSpPr>
+          <p:nvPr>
+            <p:ph type="sldNum" sz="quarter" idx="12"/>
+          </p:nvPr>
+        </p:nvSpPr>
+        <p:spPr/>
+        <p:txBody>
+          <a:bodyPr/>
+          <a:lstStyle/>
+          <a:p>
+            <a:fld id="{2AF3B5EA-18B6-4040-9F78-6052AF49C681}" type="slidenum">
+              <a:rPr lang="en-US" smtClean="0"/>
+              <a:t>35</a:t>
+            </a:fld>
+            <a:endParaRPr lang="en-US"/>
+          </a:p>
+        </p:txBody>
+      </p:sp>
+    </p:spTree>
+    <p:extLst>
+      <p:ext uri="{BB962C8B-B14F-4D97-AF65-F5344CB8AC3E}">
+        <p14:creationId xmlns:p14="http://schemas.microsoft.com/office/powerpoint/2010/main" val="3605650082"/>
+      </p:ext>
+    </p:extLst>
+  </p:cSld>
+  <p:clrMapOvr>
+    <a:masterClrMapping/>
+  </p:clrMapOvr>
+</p:sld>
+</file>
+
+<file path=ppt/slides/slide36.xml><?xml version="1.0" encoding="utf-8"?>
+<p:sld xmlns:a="http://schemas.openxmlformats.org/drawingml/2006/main" xmlns:r="http://schemas.openxmlformats.org/officeDocument/2006/relationships" xmlns:p="http://schemas.openxmlformats.org/presentationml/2006/main">
+  <p:cSld>
+    <p:spTree>
+      <p:nvGrpSpPr>
+        <p:cNvPr id="1" name=""/>
+        <p:cNvGrpSpPr/>
+        <p:nvPr/>
+      </p:nvGrpSpPr>
+      <p:grpSpPr>
+        <a:xfrm>
+          <a:off x="0" y="0"/>
+          <a:ext cx="0" cy="0"/>
+          <a:chOff x="0" y="0"/>
+          <a:chExt cx="0" cy="0"/>
+        </a:xfrm>
+      </p:grpSpPr>
+      <p:sp>
+        <p:nvSpPr>
+          <p:cNvPr id="5" name="Title 4">
+            <a:extLst>
+              <a:ext uri="{FF2B5EF4-FFF2-40B4-BE49-F238E27FC236}">
+                <a16:creationId xmlns:a16="http://schemas.microsoft.com/office/drawing/2014/main" id="{6E2B782A-CC25-4CF5-9D87-791655A5750D}"/>
+              </a:ext>
+            </a:extLst>
+          </p:cNvPr>
+          <p:cNvSpPr>
+            <a:spLocks noGrp="1"/>
+          </p:cNvSpPr>
+          <p:nvPr>
+            <p:ph type="title"/>
+          </p:nvPr>
+        </p:nvSpPr>
+        <p:spPr/>
+        <p:txBody>
+          <a:bodyPr/>
+          <a:lstStyle/>
+          <a:p>
+            <a:r>
+              <a:rPr lang="en-US" dirty="0"/>
+              <a:t>Invariant for </a:t>
+            </a:r>
+            <a:r>
+              <a:rPr lang="en-US" dirty="0" err="1"/>
+              <a:t>sublist</a:t>
+            </a:r>
+            <a:r>
+              <a:rPr lang="en-US" dirty="0"/>
+              <a:t>-sum</a:t>
+            </a:r>
+          </a:p>
+        </p:txBody>
+      </p:sp>
+      <p:sp>
+        <p:nvSpPr>
+          <p:cNvPr id="6" name="Content Placeholder 5">
+            <a:extLst>
+              <a:ext uri="{FF2B5EF4-FFF2-40B4-BE49-F238E27FC236}">
+                <a16:creationId xmlns:a16="http://schemas.microsoft.com/office/drawing/2014/main" id="{5A1113E9-1C87-433F-AEE0-330E53420CA8}"/>
+              </a:ext>
+            </a:extLst>
+          </p:cNvPr>
+          <p:cNvSpPr>
+            <a:spLocks noGrp="1"/>
+          </p:cNvSpPr>
+          <p:nvPr>
+            <p:ph idx="1"/>
+          </p:nvPr>
+        </p:nvSpPr>
+        <p:spPr/>
+        <p:txBody>
+          <a:bodyPr>
+            <a:normAutofit fontScale="47500" lnSpcReduction="20000"/>
+          </a:bodyPr>
+          <a:lstStyle/>
+          <a:p>
+            <a:r>
+              <a:rPr lang="en-US" dirty="0"/>
+              <a:t>;; </a:t>
+            </a:r>
+            <a:r>
+              <a:rPr lang="en-US" dirty="0" err="1"/>
+              <a:t>sublist</a:t>
+            </a:r>
+            <a:r>
+              <a:rPr lang="en-US" dirty="0"/>
+              <a:t>-sum : Number </a:t>
+            </a:r>
+            <a:r>
+              <a:rPr lang="en-US" dirty="0" err="1"/>
+              <a:t>NumberList</a:t>
+            </a:r>
+            <a:r>
+              <a:rPr lang="en-US" dirty="0"/>
+              <a:t> -&gt; Number</a:t>
+            </a:r>
+          </a:p>
+          <a:p>
+            <a:r>
+              <a:rPr lang="en-US" dirty="0"/>
+              <a:t>;; GIVEN: a number 'so-far' and a list of numbers 'unsummed'</a:t>
+            </a:r>
+          </a:p>
+          <a:p>
+            <a:r>
+              <a:rPr lang="en-US" dirty="0"/>
+              <a:t>;; WHERE: 'unsummed' is a </a:t>
+            </a:r>
+            <a:r>
+              <a:rPr lang="en-US" dirty="0" err="1"/>
+              <a:t>sublist</a:t>
+            </a:r>
+            <a:r>
+              <a:rPr lang="en-US" dirty="0"/>
+              <a:t> of some list 'whole-list'</a:t>
+            </a:r>
+          </a:p>
+          <a:p>
+            <a:r>
+              <a:rPr lang="en-US" dirty="0"/>
+              <a:t>;; AND:   so-far is the sum of all the elements to the left of</a:t>
+            </a:r>
+          </a:p>
+          <a:p>
+            <a:r>
+              <a:rPr lang="en-US" dirty="0"/>
+              <a:t>;;        unsummed in whole-list</a:t>
+            </a:r>
+          </a:p>
+          <a:p>
+            <a:r>
+              <a:rPr lang="en-US" dirty="0"/>
+              <a:t>;; EXAMPLE:</a:t>
+            </a:r>
+          </a:p>
+          <a:p>
+            <a:r>
+              <a:rPr lang="en-US" dirty="0"/>
+              <a:t>;; (</a:t>
+            </a:r>
+            <a:r>
+              <a:rPr lang="en-US" dirty="0" err="1"/>
+              <a:t>sublist</a:t>
+            </a:r>
+            <a:r>
+              <a:rPr lang="en-US" dirty="0"/>
+              <a:t>-sum 5 (list 2 3 4)) = 14  [whole-list was (3 2 2 3 4)]</a:t>
+            </a:r>
+          </a:p>
+          <a:p>
+            <a:r>
+              <a:rPr lang="en-US" dirty="0"/>
+              <a:t>;; (</a:t>
+            </a:r>
+            <a:r>
+              <a:rPr lang="en-US" dirty="0" err="1"/>
+              <a:t>sublist</a:t>
+            </a:r>
+            <a:r>
+              <a:rPr lang="en-US" dirty="0"/>
+              <a:t>-sum 5 (list 2 3 4)) = 14  [whole-list was (3 1 1 2 3 4)]</a:t>
+            </a:r>
+          </a:p>
+          <a:p>
+            <a:r>
+              <a:rPr lang="en-US" dirty="0"/>
+              <a:t>;; note that a given set of arguments might correspond to different</a:t>
+            </a:r>
+          </a:p>
+          <a:p>
+            <a:r>
+              <a:rPr lang="en-US" dirty="0"/>
+              <a:t>;; values of 'whole-list'.  All we care about whole-list is that the</a:t>
+            </a:r>
+          </a:p>
+          <a:p>
+            <a:r>
+              <a:rPr lang="en-US" dirty="0"/>
+              <a:t>;; sum of its elements before the (list 2 3 4) is exactly 5.</a:t>
+            </a:r>
+          </a:p>
+          <a:p>
+            <a:r>
+              <a:rPr lang="en-US" dirty="0"/>
+              <a:t>;; STRATEGY:</a:t>
+            </a:r>
+          </a:p>
+          <a:p>
+            <a:r>
+              <a:rPr lang="en-US" dirty="0"/>
+              <a:t>;; observer pattern for </a:t>
+            </a:r>
+            <a:r>
+              <a:rPr lang="en-US" dirty="0" err="1"/>
+              <a:t>NumberList</a:t>
+            </a:r>
+            <a:r>
+              <a:rPr lang="en-US" dirty="0"/>
+              <a:t> on 'unsummed'</a:t>
+            </a:r>
+          </a:p>
+          <a:p>
+            <a:r>
+              <a:rPr lang="en-US" dirty="0"/>
+              <a:t>(define (</a:t>
+            </a:r>
+            <a:r>
+              <a:rPr lang="en-US" dirty="0" err="1"/>
+              <a:t>sublist</a:t>
+            </a:r>
+            <a:r>
+              <a:rPr lang="en-US" dirty="0"/>
+              <a:t>-sum so-far unsummed)</a:t>
+            </a:r>
+          </a:p>
+          <a:p>
+            <a:r>
+              <a:rPr lang="en-US" dirty="0"/>
+              <a:t>  (cond</a:t>
+            </a:r>
+          </a:p>
+          <a:p>
+            <a:r>
+              <a:rPr lang="en-US" dirty="0"/>
+              <a:t>    [(empty? unsummed) so-far]</a:t>
+            </a:r>
+          </a:p>
+          <a:p>
+            <a:r>
+              <a:rPr lang="en-US" dirty="0"/>
+              <a:t>    [else (</a:t>
+            </a:r>
+            <a:r>
+              <a:rPr lang="en-US" dirty="0" err="1"/>
+              <a:t>sublist</a:t>
+            </a:r>
+            <a:r>
+              <a:rPr lang="en-US" dirty="0"/>
+              <a:t>-sum (+ so-far (first unsummed))</a:t>
+            </a:r>
+          </a:p>
+          <a:p>
+            <a:r>
+              <a:rPr lang="en-US" dirty="0"/>
+              <a:t>                       (rest unsummed))]))</a:t>
+            </a:r>
+          </a:p>
+        </p:txBody>
+      </p:sp>
+      <p:sp>
+        <p:nvSpPr>
+          <p:cNvPr id="4" name="Slide Number Placeholder 3">
+            <a:extLst>
+              <a:ext uri="{FF2B5EF4-FFF2-40B4-BE49-F238E27FC236}">
+                <a16:creationId xmlns:a16="http://schemas.microsoft.com/office/drawing/2014/main" id="{D82CD564-0565-4045-9472-A885619EF8CE}"/>
+              </a:ext>
+            </a:extLst>
+          </p:cNvPr>
+          <p:cNvSpPr>
+            <a:spLocks noGrp="1"/>
+          </p:cNvSpPr>
+          <p:nvPr>
+            <p:ph type="sldNum" sz="quarter" idx="12"/>
+          </p:nvPr>
+        </p:nvSpPr>
+        <p:spPr/>
+        <p:txBody>
+          <a:bodyPr/>
+          <a:lstStyle/>
+          <a:p>
+            <a:fld id="{2AF3B5EA-18B6-4040-9F78-6052AF49C681}" type="slidenum">
+              <a:rPr lang="en-US" smtClean="0"/>
+              <a:t>36</a:t>
+            </a:fld>
+            <a:endParaRPr lang="en-US"/>
+          </a:p>
+        </p:txBody>
+      </p:sp>
+    </p:spTree>
+    <p:extLst>
+      <p:ext uri="{BB962C8B-B14F-4D97-AF65-F5344CB8AC3E}">
+        <p14:creationId xmlns:p14="http://schemas.microsoft.com/office/powerpoint/2010/main" val="2979421480"/>
+      </p:ext>
+    </p:extLst>
+  </p:cSld>
+  <p:clrMapOvr>
+    <a:masterClrMapping/>
+  </p:clrMapOvr>
+</p:sld>
+</file>
+
+<file path=ppt/slides/slide37.xml><?xml version="1.0" encoding="utf-8"?>
+<p:sld xmlns:a="http://schemas.openxmlformats.org/drawingml/2006/main" xmlns:r="http://schemas.openxmlformats.org/officeDocument/2006/relationships" xmlns:p="http://schemas.openxmlformats.org/presentationml/2006/main">
+  <p:cSld>
+    <p:spTree>
+      <p:nvGrpSpPr>
+        <p:cNvPr id="1" name=""/>
+        <p:cNvGrpSpPr/>
+        <p:nvPr/>
+      </p:nvGrpSpPr>
+      <p:grpSpPr>
+        <a:xfrm>
+          <a:off x="0" y="0"/>
+          <a:ext cx="0" cy="0"/>
+          <a:chOff x="0" y="0"/>
+          <a:chExt cx="0" cy="0"/>
+        </a:xfrm>
+      </p:grpSpPr>
+      <p:sp>
+        <p:nvSpPr>
           <p:cNvPr id="2" name="Title 1"/>
           <p:cNvSpPr>
             <a:spLocks noGrp="1"/>
@@ -20196,7 +21434,7 @@
                 </a:solidFill>
               </a:rPr>
               <a:pPr/>
-              <a:t>33</a:t>
+              <a:t>37</a:t>
             </a:fld>
             <a:endParaRPr lang="en-US">
               <a:solidFill>
@@ -20398,7 +21636,7 @@
 </p:sld>
 </file>
 
-<file path=ppt/slides/slide34.xml><?xml version="1.0" encoding="utf-8"?>
+<file path=ppt/slides/slide38.xml><?xml version="1.0" encoding="utf-8"?>
 <p:sld xmlns:a="http://schemas.openxmlformats.org/drawingml/2006/main" xmlns:r="http://schemas.openxmlformats.org/officeDocument/2006/relationships" xmlns:p="http://schemas.openxmlformats.org/presentationml/2006/main">
   <p:cSld>
     <p:spTree>
@@ -20463,7 +21701,7 @@
                 </a:solidFill>
               </a:rPr>
               <a:pPr/>
-              <a:t>34</a:t>
+              <a:t>38</a:t>
             </a:fld>
             <a:endParaRPr lang="en-US">
               <a:solidFill>
@@ -21820,7 +23058,7 @@
 </p:sld>
 </file>
 
-<file path=ppt/slides/slide35.xml><?xml version="1.0" encoding="utf-8"?>
+<file path=ppt/slides/slide39.xml><?xml version="1.0" encoding="utf-8"?>
 <p:sld xmlns:a="http://schemas.openxmlformats.org/drawingml/2006/main" xmlns:r="http://schemas.openxmlformats.org/officeDocument/2006/relationships" xmlns:p="http://schemas.openxmlformats.org/presentationml/2006/main">
   <p:cSld>
     <p:spTree>
@@ -21895,7 +23133,7 @@
           <a:p>
             <a:fld id="{2AF3B5EA-18B6-4040-9F78-6052AF49C681}" type="slidenum">
               <a:rPr lang="en-US" smtClean="0"/>
-              <a:t>35</a:t>
+              <a:t>39</a:t>
             </a:fld>
             <a:endParaRPr lang="en-US"/>
           </a:p>
@@ -21914,7 +23152,7 @@
 </p:sld>
 </file>
 
-<file path=ppt/slides/slide36.xml><?xml version="1.0" encoding="utf-8"?>
+<file path=ppt/slides/slide4.xml><?xml version="1.0" encoding="utf-8"?>
 <p:sld xmlns:a="http://schemas.openxmlformats.org/drawingml/2006/main" xmlns:r="http://schemas.openxmlformats.org/officeDocument/2006/relationships" xmlns:p="http://schemas.openxmlformats.org/presentationml/2006/main">
   <p:cSld>
     <p:spTree>
@@ -21948,6 +23186,103 @@
           <a:p>
             <a:r>
               <a:rPr lang="en-US" dirty="0"/>
+              <a:t>Module 07</a:t>
+            </a:r>
+          </a:p>
+        </p:txBody>
+      </p:sp>
+      <p:sp>
+        <p:nvSpPr>
+          <p:cNvPr id="3" name="Slide Number Placeholder 2"/>
+          <p:cNvSpPr>
+            <a:spLocks noGrp="1"/>
+          </p:cNvSpPr>
+          <p:nvPr>
+            <p:ph type="sldNum" sz="quarter" idx="12"/>
+          </p:nvPr>
+        </p:nvSpPr>
+        <p:spPr/>
+        <p:txBody>
+          <a:bodyPr/>
+          <a:lstStyle/>
+          <a:p>
+            <a:fld id="{2AF3B5EA-18B6-4040-9F78-6052AF49C681}" type="slidenum">
+              <a:rPr lang="en-US" smtClean="0"/>
+              <a:t>4</a:t>
+            </a:fld>
+            <a:endParaRPr lang="en-US"/>
+          </a:p>
+        </p:txBody>
+      </p:sp>
+      <p:graphicFrame>
+        <p:nvGraphicFramePr>
+          <p:cNvPr id="6" name="Diagram 5"/>
+          <p:cNvGraphicFramePr/>
+          <p:nvPr>
+            <p:extLst>
+              <p:ext uri="{D42A27DB-BD31-4B8C-83A1-F6EECF244321}">
+                <p14:modId xmlns:p14="http://schemas.microsoft.com/office/powerpoint/2010/main" val="3957966568"/>
+              </p:ext>
+            </p:extLst>
+          </p:nvPr>
+        </p:nvGraphicFramePr>
+        <p:xfrm>
+          <a:off x="1524000" y="1727994"/>
+          <a:ext cx="6096000" cy="4520406"/>
+        </p:xfrm>
+        <a:graphic>
+          <a:graphicData uri="http://schemas.openxmlformats.org/drawingml/2006/diagram">
+            <dgm:relIds xmlns:dgm="http://schemas.openxmlformats.org/drawingml/2006/diagram" xmlns:r="http://schemas.openxmlformats.org/officeDocument/2006/relationships" r:dm="rId2" r:lo="rId3" r:qs="rId4" r:cs="rId5"/>
+          </a:graphicData>
+        </a:graphic>
+      </p:graphicFrame>
+    </p:spTree>
+    <p:extLst>
+      <p:ext uri="{BB962C8B-B14F-4D97-AF65-F5344CB8AC3E}">
+        <p14:creationId xmlns:p14="http://schemas.microsoft.com/office/powerpoint/2010/main" val="1123379836"/>
+      </p:ext>
+    </p:extLst>
+  </p:cSld>
+  <p:clrMapOvr>
+    <a:masterClrMapping/>
+  </p:clrMapOvr>
+</p:sld>
+</file>
+
+<file path=ppt/slides/slide40.xml><?xml version="1.0" encoding="utf-8"?>
+<p:sld xmlns:a="http://schemas.openxmlformats.org/drawingml/2006/main" xmlns:r="http://schemas.openxmlformats.org/officeDocument/2006/relationships" xmlns:p="http://schemas.openxmlformats.org/presentationml/2006/main">
+  <p:cSld>
+    <p:spTree>
+      <p:nvGrpSpPr>
+        <p:cNvPr id="1" name=""/>
+        <p:cNvGrpSpPr/>
+        <p:nvPr/>
+      </p:nvGrpSpPr>
+      <p:grpSpPr>
+        <a:xfrm>
+          <a:off x="0" y="0"/>
+          <a:ext cx="0" cy="0"/>
+          <a:chOff x="0" y="0"/>
+          <a:chExt cx="0" cy="0"/>
+        </a:xfrm>
+      </p:grpSpPr>
+      <p:sp>
+        <p:nvSpPr>
+          <p:cNvPr id="2" name="Title 1"/>
+          <p:cNvSpPr>
+            <a:spLocks noGrp="1"/>
+          </p:cNvSpPr>
+          <p:nvPr>
+            <p:ph type="title"/>
+          </p:nvPr>
+        </p:nvSpPr>
+        <p:spPr/>
+        <p:txBody>
+          <a:bodyPr/>
+          <a:lstStyle/>
+          <a:p>
+            <a:r>
+              <a:rPr lang="en-US" dirty="0"/>
               <a:t>Example 1: number-list</a:t>
             </a:r>
           </a:p>
@@ -22116,7 +23451,7 @@
           <a:p>
             <a:fld id="{E4A74525-021D-496D-B39D-9668564A137C}" type="slidenum">
               <a:rPr lang="en-US" smtClean="0"/>
-              <a:t>36</a:t>
+              <a:t>40</a:t>
             </a:fld>
             <a:endParaRPr lang="en-US"/>
           </a:p>
@@ -22196,7 +23531,7 @@
 </p:sld>
 </file>
 
-<file path=ppt/slides/slide37.xml><?xml version="1.0" encoding="utf-8"?>
+<file path=ppt/slides/slide41.xml><?xml version="1.0" encoding="utf-8"?>
 <p:sld xmlns:a="http://schemas.openxmlformats.org/drawingml/2006/main" xmlns:r="http://schemas.openxmlformats.org/officeDocument/2006/relationships" xmlns:p="http://schemas.openxmlformats.org/presentationml/2006/main">
   <p:cSld>
     <p:spTree>
@@ -22515,7 +23850,7 @@
           <a:p>
             <a:fld id="{E4A74525-021D-496D-B39D-9668564A137C}" type="slidenum">
               <a:rPr lang="en-US" smtClean="0"/>
-              <a:t>37</a:t>
+              <a:t>41</a:t>
             </a:fld>
             <a:endParaRPr lang="en-US"/>
           </a:p>
@@ -22593,7 +23928,7 @@
 </p:sld>
 </file>
 
-<file path=ppt/slides/slide38.xml><?xml version="1.0" encoding="utf-8"?>
+<file path=ppt/slides/slide42.xml><?xml version="1.0" encoding="utf-8"?>
 <p:sld xmlns:a="http://schemas.openxmlformats.org/drawingml/2006/main" xmlns:r="http://schemas.openxmlformats.org/officeDocument/2006/relationships" xmlns:p="http://schemas.openxmlformats.org/presentationml/2006/main">
   <p:cSld>
     <p:spTree>
@@ -22826,7 +24161,7 @@
           <a:p>
             <a:fld id="{E4A74525-021D-496D-B39D-9668564A137C}" type="slidenum">
               <a:rPr lang="en-US" smtClean="0"/>
-              <a:t>38</a:t>
+              <a:t>42</a:t>
             </a:fld>
             <a:endParaRPr lang="en-US"/>
           </a:p>
@@ -23103,7 +24438,7 @@
 </p:sld>
 </file>
 
-<file path=ppt/slides/slide39.xml><?xml version="1.0" encoding="utf-8"?>
+<file path=ppt/slides/slide43.xml><?xml version="1.0" encoding="utf-8"?>
 <p:sld xmlns:a="http://schemas.openxmlformats.org/drawingml/2006/main" xmlns:r="http://schemas.openxmlformats.org/officeDocument/2006/relationships" xmlns:p="http://schemas.openxmlformats.org/presentationml/2006/main">
   <p:cSld>
     <p:spTree>
@@ -23346,7 +24681,7 @@
           <a:p>
             <a:fld id="{E4A74525-021D-496D-B39D-9668564A137C}" type="slidenum">
               <a:rPr lang="en-US" smtClean="0"/>
-              <a:t>39</a:t>
+              <a:t>43</a:t>
             </a:fld>
             <a:endParaRPr lang="en-US"/>
           </a:p>
@@ -23432,7 +24767,7 @@
 </p:sld>
 </file>
 
-<file path=ppt/slides/slide4.xml><?xml version="1.0" encoding="utf-8"?>
+<file path=ppt/slides/slide44.xml><?xml version="1.0" encoding="utf-8"?>
 <p:sld xmlns:a="http://schemas.openxmlformats.org/drawingml/2006/main" xmlns:r="http://schemas.openxmlformats.org/officeDocument/2006/relationships" xmlns:p="http://schemas.openxmlformats.org/presentationml/2006/main">
   <p:cSld>
     <p:spTree>
@@ -23466,103 +24801,6 @@
           <a:p>
             <a:r>
               <a:rPr lang="en-US" dirty="0"/>
-              <a:t>Module 07</a:t>
-            </a:r>
-          </a:p>
-        </p:txBody>
-      </p:sp>
-      <p:sp>
-        <p:nvSpPr>
-          <p:cNvPr id="3" name="Slide Number Placeholder 2"/>
-          <p:cNvSpPr>
-            <a:spLocks noGrp="1"/>
-          </p:cNvSpPr>
-          <p:nvPr>
-            <p:ph type="sldNum" sz="quarter" idx="12"/>
-          </p:nvPr>
-        </p:nvSpPr>
-        <p:spPr/>
-        <p:txBody>
-          <a:bodyPr/>
-          <a:lstStyle/>
-          <a:p>
-            <a:fld id="{2AF3B5EA-18B6-4040-9F78-6052AF49C681}" type="slidenum">
-              <a:rPr lang="en-US" smtClean="0"/>
-              <a:t>4</a:t>
-            </a:fld>
-            <a:endParaRPr lang="en-US"/>
-          </a:p>
-        </p:txBody>
-      </p:sp>
-      <p:graphicFrame>
-        <p:nvGraphicFramePr>
-          <p:cNvPr id="6" name="Diagram 5"/>
-          <p:cNvGraphicFramePr/>
-          <p:nvPr>
-            <p:extLst>
-              <p:ext uri="{D42A27DB-BD31-4B8C-83A1-F6EECF244321}">
-                <p14:modId xmlns:p14="http://schemas.microsoft.com/office/powerpoint/2010/main" val="3957966568"/>
-              </p:ext>
-            </p:extLst>
-          </p:nvPr>
-        </p:nvGraphicFramePr>
-        <p:xfrm>
-          <a:off x="1524000" y="1727994"/>
-          <a:ext cx="6096000" cy="4520406"/>
-        </p:xfrm>
-        <a:graphic>
-          <a:graphicData uri="http://schemas.openxmlformats.org/drawingml/2006/diagram">
-            <dgm:relIds xmlns:dgm="http://schemas.openxmlformats.org/drawingml/2006/diagram" xmlns:r="http://schemas.openxmlformats.org/officeDocument/2006/relationships" r:dm="rId2" r:lo="rId3" r:qs="rId4" r:cs="rId5"/>
-          </a:graphicData>
-        </a:graphic>
-      </p:graphicFrame>
-    </p:spTree>
-    <p:extLst>
-      <p:ext uri="{BB962C8B-B14F-4D97-AF65-F5344CB8AC3E}">
-        <p14:creationId xmlns:p14="http://schemas.microsoft.com/office/powerpoint/2010/main" val="1123379836"/>
-      </p:ext>
-    </p:extLst>
-  </p:cSld>
-  <p:clrMapOvr>
-    <a:masterClrMapping/>
-  </p:clrMapOvr>
-</p:sld>
-</file>
-
-<file path=ppt/slides/slide40.xml><?xml version="1.0" encoding="utf-8"?>
-<p:sld xmlns:a="http://schemas.openxmlformats.org/drawingml/2006/main" xmlns:r="http://schemas.openxmlformats.org/officeDocument/2006/relationships" xmlns:p="http://schemas.openxmlformats.org/presentationml/2006/main">
-  <p:cSld>
-    <p:spTree>
-      <p:nvGrpSpPr>
-        <p:cNvPr id="1" name=""/>
-        <p:cNvGrpSpPr/>
-        <p:nvPr/>
-      </p:nvGrpSpPr>
-      <p:grpSpPr>
-        <a:xfrm>
-          <a:off x="0" y="0"/>
-          <a:ext cx="0" cy="0"/>
-          <a:chOff x="0" y="0"/>
-          <a:chExt cx="0" cy="0"/>
-        </a:xfrm>
-      </p:grpSpPr>
-      <p:sp>
-        <p:nvSpPr>
-          <p:cNvPr id="2" name="Title 1"/>
-          <p:cNvSpPr>
-            <a:spLocks noGrp="1"/>
-          </p:cNvSpPr>
-          <p:nvPr>
-            <p:ph type="title"/>
-          </p:nvPr>
-        </p:nvSpPr>
-        <p:spPr/>
-        <p:txBody>
-          <a:bodyPr/>
-          <a:lstStyle/>
-          <a:p>
-            <a:r>
-              <a:rPr lang="en-US" dirty="0"/>
               <a:t>number-list-from-2</a:t>
             </a:r>
           </a:p>
@@ -23772,7 +25010,7 @@
           <a:p>
             <a:fld id="{E4A74525-021D-496D-B39D-9668564A137C}" type="slidenum">
               <a:rPr lang="en-US" smtClean="0"/>
-              <a:t>40</a:t>
+              <a:t>44</a:t>
             </a:fld>
             <a:endParaRPr lang="en-US"/>
           </a:p>
@@ -23858,7 +25096,7 @@
 </p:sld>
 </file>
 
-<file path=ppt/slides/slide41.xml><?xml version="1.0" encoding="utf-8"?>
+<file path=ppt/slides/slide45.xml><?xml version="1.0" encoding="utf-8"?>
 <p:sld xmlns:a="http://schemas.openxmlformats.org/drawingml/2006/main" xmlns:r="http://schemas.openxmlformats.org/officeDocument/2006/relationships" xmlns:p="http://schemas.openxmlformats.org/presentationml/2006/main">
   <p:cSld>
     <p:spTree>
@@ -24101,7 +25339,7 @@
           <a:p>
             <a:fld id="{E4A74525-021D-496D-B39D-9668564A137C}" type="slidenum">
               <a:rPr lang="en-US" smtClean="0"/>
-              <a:t>41</a:t>
+              <a:t>45</a:t>
             </a:fld>
             <a:endParaRPr lang="en-US"/>
           </a:p>
@@ -24184,7 +25422,7 @@
 </p:sld>
 </file>
 
-<file path=ppt/slides/slide42.xml><?xml version="1.0" encoding="utf-8"?>
+<file path=ppt/slides/slide46.xml><?xml version="1.0" encoding="utf-8"?>
 <p:sld xmlns:a="http://schemas.openxmlformats.org/drawingml/2006/main" xmlns:r="http://schemas.openxmlformats.org/officeDocument/2006/relationships" xmlns:p="http://schemas.openxmlformats.org/presentationml/2006/main">
   <p:cSld>
     <p:spTree>
@@ -24529,7 +25767,7 @@
           <a:p>
             <a:fld id="{E4A74525-021D-496D-B39D-9668564A137C}" type="slidenum">
               <a:rPr lang="en-US" smtClean="0"/>
-              <a:t>42</a:t>
+              <a:t>46</a:t>
             </a:fld>
             <a:endParaRPr lang="en-US"/>
           </a:p>
@@ -24548,7 +25786,7 @@
 </p:sld>
 </file>
 
-<file path=ppt/slides/slide43.xml><?xml version="1.0" encoding="utf-8"?>
+<file path=ppt/slides/slide47.xml><?xml version="1.0" encoding="utf-8"?>
 <p:sld xmlns:a="http://schemas.openxmlformats.org/drawingml/2006/main" xmlns:r="http://schemas.openxmlformats.org/officeDocument/2006/relationships" xmlns:p="http://schemas.openxmlformats.org/presentationml/2006/main">
   <p:cSld>
     <p:spTree>
@@ -24721,7 +25959,7 @@
           <a:p>
             <a:fld id="{E4A74525-021D-496D-B39D-9668564A137C}" type="slidenum">
               <a:rPr lang="en-US" smtClean="0"/>
-              <a:t>43</a:t>
+              <a:t>47</a:t>
             </a:fld>
             <a:endParaRPr lang="en-US"/>
           </a:p>
@@ -24740,7 +25978,7 @@
 </p:sld>
 </file>
 
-<file path=ppt/slides/slide44.xml><?xml version="1.0" encoding="utf-8"?>
+<file path=ppt/slides/slide48.xml><?xml version="1.0" encoding="utf-8"?>
 <p:sld xmlns:a="http://schemas.openxmlformats.org/drawingml/2006/main" xmlns:r="http://schemas.openxmlformats.org/officeDocument/2006/relationships" xmlns:p="http://schemas.openxmlformats.org/presentationml/2006/main">
   <p:cSld>
     <p:spTree>
@@ -24835,7 +26073,7 @@
                 </a:solidFill>
               </a:rPr>
               <a:pPr/>
-              <a:t>44</a:t>
+              <a:t>48</a:t>
             </a:fld>
             <a:endParaRPr lang="en-US">
               <a:solidFill>
@@ -24860,7 +26098,7 @@
 </p:sld>
 </file>
 
-<file path=ppt/slides/slide45.xml><?xml version="1.0" encoding="utf-8"?>
+<file path=ppt/slides/slide49.xml><?xml version="1.0" encoding="utf-8"?>
 <p:sld xmlns:a="http://schemas.openxmlformats.org/drawingml/2006/main" xmlns:r="http://schemas.openxmlformats.org/officeDocument/2006/relationships" xmlns:p="http://schemas.openxmlformats.org/presentationml/2006/main">
   <p:cSld>
     <p:spTree>
@@ -25194,7 +26432,7 @@
                 </a:solidFill>
               </a:rPr>
               <a:pPr/>
-              <a:t>45</a:t>
+              <a:t>49</a:t>
             </a:fld>
             <a:endParaRPr lang="en-US">
               <a:solidFill>
@@ -25328,7 +26566,7 @@
 </p:sld>
 </file>
 
-<file path=ppt/slides/slide46.xml><?xml version="1.0" encoding="utf-8"?>
+<file path=ppt/slides/slide5.xml><?xml version="1.0" encoding="utf-8"?>
 <p:sld xmlns:a="http://schemas.openxmlformats.org/drawingml/2006/main" xmlns:r="http://schemas.openxmlformats.org/officeDocument/2006/relationships" xmlns:p="http://schemas.openxmlformats.org/presentationml/2006/main">
   <p:cSld>
     <p:spTree>
@@ -25357,12 +26595,14 @@
         </p:nvSpPr>
         <p:spPr/>
         <p:txBody>
-          <a:bodyPr/>
+          <a:bodyPr>
+            <a:normAutofit fontScale="90000"/>
+          </a:bodyPr>
           <a:lstStyle/>
           <a:p>
             <a:r>
               <a:rPr lang="en-US" dirty="0"/>
-              <a:t>What's going on here?</a:t>
+              <a:t>Review: What does a contract mean?</a:t>
             </a:r>
           </a:p>
         </p:txBody>
@@ -25383,99 +26623,21 @@
           <a:lstStyle/>
           <a:p>
             <a:r>
-              <a:rPr lang="en-US" b="1" dirty="0">
-                <a:latin typeface="Consolas" pitchFamily="49" charset="0"/>
-                <a:cs typeface="Consolas" pitchFamily="49" charset="0"/>
-              </a:rPr>
-              <a:t>(number-list-from </a:t>
-            </a:r>
-            <a:r>
-              <a:rPr lang="en-US" b="1" dirty="0" err="1">
-                <a:latin typeface="Consolas" pitchFamily="49" charset="0"/>
-                <a:cs typeface="Consolas" pitchFamily="49" charset="0"/>
-              </a:rPr>
-              <a:t>lst</a:t>
-            </a:r>
-            <a:r>
-              <a:rPr lang="en-US" b="1" dirty="0">
-                <a:latin typeface="Consolas" pitchFamily="49" charset="0"/>
-                <a:cs typeface="Consolas" pitchFamily="49" charset="0"/>
-              </a:rPr>
-              <a:t> n) </a:t>
-            </a:r>
-            <a:r>
               <a:rPr lang="en-US" dirty="0"/>
-              <a:t>is called on the </a:t>
-            </a:r>
-            <a:r>
-              <a:rPr lang="en-US" b="1" dirty="0">
-                <a:latin typeface="Consolas" pitchFamily="49" charset="0"/>
-                <a:cs typeface="Consolas" pitchFamily="49" charset="0"/>
-              </a:rPr>
-              <a:t>n</a:t>
-            </a:r>
+              <a:t>A function always gets to assume that its arguments satisfy its contract.</a:t>
+            </a:r>
+          </a:p>
+          <a:p>
             <a:r>
               <a:rPr lang="en-US" dirty="0"/>
-              <a:t>-</a:t>
-            </a:r>
-            <a:r>
-              <a:rPr lang="en-US" dirty="0" err="1"/>
-              <a:t>th</a:t>
-            </a:r>
-            <a:r>
-              <a:rPr lang="en-US" dirty="0"/>
-              <a:t> </a:t>
-            </a:r>
-            <a:r>
-              <a:rPr lang="en-US" dirty="0" err="1"/>
-              <a:t>sublist</a:t>
-            </a:r>
-            <a:r>
-              <a:rPr lang="en-US" dirty="0"/>
-              <a:t> of the original.</a:t>
-            </a:r>
-          </a:p>
-          <a:p>
-            <a:r>
-              <a:rPr lang="en-US" dirty="0"/>
-              <a:t>So </a:t>
-            </a:r>
-            <a:r>
-              <a:rPr lang="en-US" b="1" dirty="0">
-                <a:latin typeface="Consolas" pitchFamily="49" charset="0"/>
-                <a:cs typeface="Consolas" pitchFamily="49" charset="0"/>
-              </a:rPr>
-              <a:t>n</a:t>
-            </a:r>
-            <a:r>
-              <a:rPr lang="en-US" dirty="0"/>
-              <a:t> is the number of elements in the original that are above </a:t>
-            </a:r>
-            <a:r>
-              <a:rPr lang="en-US" b="1" dirty="0" err="1">
-                <a:latin typeface="Consolas" pitchFamily="49" charset="0"/>
-                <a:cs typeface="Consolas" pitchFamily="49" charset="0"/>
-              </a:rPr>
-              <a:t>lst</a:t>
-            </a:r>
-            <a:endParaRPr lang="en-US" b="1" dirty="0">
-              <a:latin typeface="Consolas" pitchFamily="49" charset="0"/>
-              <a:cs typeface="Consolas" pitchFamily="49" charset="0"/>
-            </a:endParaRPr>
-          </a:p>
-          <a:p>
-            <a:r>
-              <a:rPr lang="en-US" dirty="0">
-                <a:cs typeface="Consolas" pitchFamily="49" charset="0"/>
-              </a:rPr>
-              <a:t>This is deep knowledge about this function, which we need to capture and document if we are going to explain this code to anybody</a:t>
-            </a:r>
-          </a:p>
-        </p:txBody>
-      </p:sp>
-      <p:sp>
-        <p:nvSpPr>
-          <p:cNvPr id="2" name="Slide Number Placeholder 1"/>
+              <a:t>It’s up to the callers of the function to guarantee that the function’s contract is satisfied at every call.</a:t>
+            </a:r>
+          </a:p>
+        </p:txBody>
+      </p:sp>
+      <p:sp>
+        <p:nvSpPr>
+          <p:cNvPr id="3" name="Slide Number Placeholder 2"/>
           <p:cNvSpPr>
             <a:spLocks noGrp="1"/>
           </p:cNvSpPr>
@@ -25488,31 +26650,18 @@
           <a:bodyPr/>
           <a:lstStyle/>
           <a:p>
-            <a:fld id="{9F4492BD-6A9C-48FC-AC76-0B4FE11194A1}" type="slidenum">
-              <a:rPr lang="en-US" smtClean="0">
-                <a:solidFill>
-                  <a:prstClr val="black">
-                    <a:tint val="75000"/>
-                  </a:prstClr>
-                </a:solidFill>
-              </a:rPr>
-              <a:pPr/>
-              <a:t>46</a:t>
+            <a:fld id="{2AF3B5EA-18B6-4040-9F78-6052AF49C681}" type="slidenum">
+              <a:rPr lang="en-US" smtClean="0"/>
+              <a:t>5</a:t>
             </a:fld>
-            <a:endParaRPr lang="en-US">
-              <a:solidFill>
-                <a:prstClr val="black">
-                  <a:tint val="75000"/>
-                </a:prstClr>
-              </a:solidFill>
-            </a:endParaRPr>
+            <a:endParaRPr lang="en-US"/>
           </a:p>
         </p:txBody>
       </p:sp>
     </p:spTree>
     <p:extLst>
       <p:ext uri="{BB962C8B-B14F-4D97-AF65-F5344CB8AC3E}">
-        <p14:creationId xmlns:p14="http://schemas.microsoft.com/office/powerpoint/2010/main" val="522202925"/>
+        <p14:creationId xmlns:p14="http://schemas.microsoft.com/office/powerpoint/2010/main" val="1312168348"/>
       </p:ext>
     </p:extLst>
   </p:cSld>
@@ -25522,7 +26671,7 @@
 </p:sld>
 </file>
 
-<file path=ppt/slides/slide47.xml><?xml version="1.0" encoding="utf-8"?>
+<file path=ppt/slides/slide50.xml><?xml version="1.0" encoding="utf-8"?>
 <p:sld xmlns:a="http://schemas.openxmlformats.org/drawingml/2006/main" xmlns:r="http://schemas.openxmlformats.org/officeDocument/2006/relationships" xmlns:p="http://schemas.openxmlformats.org/presentationml/2006/main">
   <p:cSld>
     <p:spTree>
@@ -25541,6 +26690,200 @@
       </p:grpSpPr>
       <p:sp>
         <p:nvSpPr>
+          <p:cNvPr id="4" name="Title 3"/>
+          <p:cNvSpPr>
+            <a:spLocks noGrp="1"/>
+          </p:cNvSpPr>
+          <p:nvPr>
+            <p:ph type="title"/>
+          </p:nvPr>
+        </p:nvSpPr>
+        <p:spPr/>
+        <p:txBody>
+          <a:bodyPr/>
+          <a:lstStyle/>
+          <a:p>
+            <a:r>
+              <a:rPr lang="en-US" dirty="0"/>
+              <a:t>What's going on here?</a:t>
+            </a:r>
+          </a:p>
+        </p:txBody>
+      </p:sp>
+      <p:sp>
+        <p:nvSpPr>
+          <p:cNvPr id="5" name="Content Placeholder 4"/>
+          <p:cNvSpPr>
+            <a:spLocks noGrp="1"/>
+          </p:cNvSpPr>
+          <p:nvPr>
+            <p:ph idx="1"/>
+          </p:nvPr>
+        </p:nvSpPr>
+        <p:spPr/>
+        <p:txBody>
+          <a:bodyPr/>
+          <a:lstStyle/>
+          <a:p>
+            <a:r>
+              <a:rPr lang="en-US" b="1" dirty="0">
+                <a:latin typeface="Consolas" pitchFamily="49" charset="0"/>
+                <a:cs typeface="Consolas" pitchFamily="49" charset="0"/>
+              </a:rPr>
+              <a:t>(number-list-from </a:t>
+            </a:r>
+            <a:r>
+              <a:rPr lang="en-US" b="1" dirty="0" err="1">
+                <a:latin typeface="Consolas" pitchFamily="49" charset="0"/>
+                <a:cs typeface="Consolas" pitchFamily="49" charset="0"/>
+              </a:rPr>
+              <a:t>lst</a:t>
+            </a:r>
+            <a:r>
+              <a:rPr lang="en-US" b="1" dirty="0">
+                <a:latin typeface="Consolas" pitchFamily="49" charset="0"/>
+                <a:cs typeface="Consolas" pitchFamily="49" charset="0"/>
+              </a:rPr>
+              <a:t> n) </a:t>
+            </a:r>
+            <a:r>
+              <a:rPr lang="en-US" dirty="0"/>
+              <a:t>is called on the </a:t>
+            </a:r>
+            <a:r>
+              <a:rPr lang="en-US" b="1" dirty="0">
+                <a:latin typeface="Consolas" pitchFamily="49" charset="0"/>
+                <a:cs typeface="Consolas" pitchFamily="49" charset="0"/>
+              </a:rPr>
+              <a:t>n</a:t>
+            </a:r>
+            <a:r>
+              <a:rPr lang="en-US" dirty="0"/>
+              <a:t>-</a:t>
+            </a:r>
+            <a:r>
+              <a:rPr lang="en-US" dirty="0" err="1"/>
+              <a:t>th</a:t>
+            </a:r>
+            <a:r>
+              <a:rPr lang="en-US" dirty="0"/>
+              <a:t> </a:t>
+            </a:r>
+            <a:r>
+              <a:rPr lang="en-US" dirty="0" err="1"/>
+              <a:t>sublist</a:t>
+            </a:r>
+            <a:r>
+              <a:rPr lang="en-US" dirty="0"/>
+              <a:t> of the original.</a:t>
+            </a:r>
+          </a:p>
+          <a:p>
+            <a:r>
+              <a:rPr lang="en-US" dirty="0"/>
+              <a:t>So </a:t>
+            </a:r>
+            <a:r>
+              <a:rPr lang="en-US" b="1" dirty="0">
+                <a:latin typeface="Consolas" pitchFamily="49" charset="0"/>
+                <a:cs typeface="Consolas" pitchFamily="49" charset="0"/>
+              </a:rPr>
+              <a:t>n</a:t>
+            </a:r>
+            <a:r>
+              <a:rPr lang="en-US" dirty="0"/>
+              <a:t> is the number of elements in the original that are above </a:t>
+            </a:r>
+            <a:r>
+              <a:rPr lang="en-US" b="1" dirty="0" err="1">
+                <a:latin typeface="Consolas" pitchFamily="49" charset="0"/>
+                <a:cs typeface="Consolas" pitchFamily="49" charset="0"/>
+              </a:rPr>
+              <a:t>lst</a:t>
+            </a:r>
+            <a:endParaRPr lang="en-US" b="1" dirty="0">
+              <a:latin typeface="Consolas" pitchFamily="49" charset="0"/>
+              <a:cs typeface="Consolas" pitchFamily="49" charset="0"/>
+            </a:endParaRPr>
+          </a:p>
+          <a:p>
+            <a:r>
+              <a:rPr lang="en-US" dirty="0">
+                <a:cs typeface="Consolas" pitchFamily="49" charset="0"/>
+              </a:rPr>
+              <a:t>This is deep knowledge about this function, which we need to capture and document if we are going to explain this code to anybody</a:t>
+            </a:r>
+          </a:p>
+        </p:txBody>
+      </p:sp>
+      <p:sp>
+        <p:nvSpPr>
+          <p:cNvPr id="2" name="Slide Number Placeholder 1"/>
+          <p:cNvSpPr>
+            <a:spLocks noGrp="1"/>
+          </p:cNvSpPr>
+          <p:nvPr>
+            <p:ph type="sldNum" sz="quarter" idx="12"/>
+          </p:nvPr>
+        </p:nvSpPr>
+        <p:spPr/>
+        <p:txBody>
+          <a:bodyPr/>
+          <a:lstStyle/>
+          <a:p>
+            <a:fld id="{9F4492BD-6A9C-48FC-AC76-0B4FE11194A1}" type="slidenum">
+              <a:rPr lang="en-US" smtClean="0">
+                <a:solidFill>
+                  <a:prstClr val="black">
+                    <a:tint val="75000"/>
+                  </a:prstClr>
+                </a:solidFill>
+              </a:rPr>
+              <a:pPr/>
+              <a:t>50</a:t>
+            </a:fld>
+            <a:endParaRPr lang="en-US">
+              <a:solidFill>
+                <a:prstClr val="black">
+                  <a:tint val="75000"/>
+                </a:prstClr>
+              </a:solidFill>
+            </a:endParaRPr>
+          </a:p>
+        </p:txBody>
+      </p:sp>
+    </p:spTree>
+    <p:extLst>
+      <p:ext uri="{BB962C8B-B14F-4D97-AF65-F5344CB8AC3E}">
+        <p14:creationId xmlns:p14="http://schemas.microsoft.com/office/powerpoint/2010/main" val="522202925"/>
+      </p:ext>
+    </p:extLst>
+  </p:cSld>
+  <p:clrMapOvr>
+    <a:masterClrMapping/>
+  </p:clrMapOvr>
+</p:sld>
+</file>
+
+<file path=ppt/slides/slide51.xml><?xml version="1.0" encoding="utf-8"?>
+<p:sld xmlns:a="http://schemas.openxmlformats.org/drawingml/2006/main" xmlns:r="http://schemas.openxmlformats.org/officeDocument/2006/relationships" xmlns:p="http://schemas.openxmlformats.org/presentationml/2006/main">
+  <p:cSld>
+    <p:spTree>
+      <p:nvGrpSpPr>
+        <p:cNvPr id="1" name=""/>
+        <p:cNvGrpSpPr/>
+        <p:nvPr/>
+      </p:nvGrpSpPr>
+      <p:grpSpPr>
+        <a:xfrm>
+          <a:off x="0" y="0"/>
+          <a:ext cx="0" cy="0"/>
+          <a:chOff x="0" y="0"/>
+          <a:chExt cx="0" cy="0"/>
+        </a:xfrm>
+      </p:grpSpPr>
+      <p:sp>
+        <p:nvSpPr>
           <p:cNvPr id="5" name="Title 4"/>
           <p:cNvSpPr>
             <a:spLocks noGrp="1"/>
@@ -25725,7 +27068,7 @@
             <a:fld id="{9F4492BD-6A9C-48FC-AC76-0B4FE11194A1}" type="slidenum">
               <a:rPr lang="en-US" smtClean="0"/>
               <a:pPr/>
-              <a:t>47</a:t>
+              <a:t>51</a:t>
             </a:fld>
             <a:endParaRPr lang="en-US"/>
           </a:p>
@@ -25993,7 +27336,7 @@
 </p:sld>
 </file>
 
-<file path=ppt/slides/slide48.xml><?xml version="1.0" encoding="utf-8"?>
+<file path=ppt/slides/slide52.xml><?xml version="1.0" encoding="utf-8"?>
 <p:sld xmlns:a="http://schemas.openxmlformats.org/drawingml/2006/main" xmlns:r="http://schemas.openxmlformats.org/officeDocument/2006/relationships" xmlns:p="http://schemas.openxmlformats.org/presentationml/2006/main">
   <p:cSld>
     <p:spTree>
@@ -26092,7 +27435,7 @@
                 </a:solidFill>
               </a:rPr>
               <a:pPr/>
-              <a:t>48</a:t>
+              <a:t>52</a:t>
             </a:fld>
             <a:endParaRPr lang="en-US">
               <a:solidFill>
@@ -26117,7 +27460,7 @@
 </p:sld>
 </file>
 
-<file path=ppt/slides/slide49.xml><?xml version="1.0" encoding="utf-8"?>
+<file path=ppt/slides/slide53.xml><?xml version="1.0" encoding="utf-8"?>
 <p:sld xmlns:a="http://schemas.openxmlformats.org/drawingml/2006/main" xmlns:r="http://schemas.openxmlformats.org/officeDocument/2006/relationships" xmlns:p="http://schemas.openxmlformats.org/presentationml/2006/main">
   <p:cSld>
     <p:spTree>
@@ -26461,7 +27804,7 @@
                 </a:solidFill>
               </a:rPr>
               <a:pPr/>
-              <a:t>49</a:t>
+              <a:t>53</a:t>
             </a:fld>
             <a:endParaRPr lang="en-US">
               <a:solidFill>
@@ -26926,7 +28269,7 @@
 </p:sld>
 </file>
 
-<file path=ppt/slides/slide5.xml><?xml version="1.0" encoding="utf-8"?>
+<file path=ppt/slides/slide54.xml><?xml version="1.0" encoding="utf-8"?>
 <p:sld xmlns:a="http://schemas.openxmlformats.org/drawingml/2006/main" xmlns:r="http://schemas.openxmlformats.org/officeDocument/2006/relationships" xmlns:p="http://schemas.openxmlformats.org/presentationml/2006/main">
   <p:cSld>
     <p:spTree>
@@ -26962,7 +28305,7 @@
           <a:p>
             <a:r>
               <a:rPr lang="en-US" dirty="0"/>
-              <a:t>Review: What does a contract mean?</a:t>
+              <a:t>Structural Arguments and Context Arguments</a:t>
             </a:r>
           </a:p>
         </p:txBody>
@@ -26979,25 +28322,97 @@
         </p:nvSpPr>
         <p:spPr/>
         <p:txBody>
-          <a:bodyPr/>
+          <a:bodyPr>
+            <a:normAutofit fontScale="92500" lnSpcReduction="10000"/>
+          </a:bodyPr>
           <a:lstStyle/>
           <a:p>
             <a:r>
               <a:rPr lang="en-US" dirty="0"/>
-              <a:t>A function always gets to assume that its arguments satisfy its contract.</a:t>
-            </a:r>
-          </a:p>
-          <a:p>
+              <a:t>In this example, </a:t>
+            </a:r>
+            <a:r>
+              <a:rPr lang="en-US" b="1" dirty="0" err="1"/>
+              <a:t>slst</a:t>
+            </a:r>
             <a:r>
               <a:rPr lang="en-US" dirty="0"/>
-              <a:t>It’s up to the callers of the function to guarantee that the function’s contract is satisfied at every call.</a:t>
-            </a:r>
-          </a:p>
-        </p:txBody>
-      </p:sp>
-      <p:sp>
-        <p:nvSpPr>
-          <p:cNvPr id="3" name="Slide Number Placeholder 2"/>
+              <a:t> is a </a:t>
+            </a:r>
+            <a:r>
+              <a:rPr lang="en-US" i="1" dirty="0">
+                <a:solidFill>
+                  <a:srgbClr val="FF0000"/>
+                </a:solidFill>
+              </a:rPr>
+              <a:t>structural argument</a:t>
+            </a:r>
+            <a:r>
+              <a:rPr lang="en-US" dirty="0"/>
+              <a:t>: it is the argument that we are doing structural decomposition on.</a:t>
+            </a:r>
+          </a:p>
+          <a:p>
+            <a:r>
+              <a:rPr lang="en-US" b="1" dirty="0"/>
+              <a:t>n</a:t>
+            </a:r>
+            <a:r>
+              <a:rPr lang="en-US" dirty="0"/>
+              <a:t> is a </a:t>
+            </a:r>
+            <a:r>
+              <a:rPr lang="en-US" i="1" dirty="0">
+                <a:solidFill>
+                  <a:srgbClr val="FF0000"/>
+                </a:solidFill>
+              </a:rPr>
+              <a:t>context argument</a:t>
+            </a:r>
+            <a:r>
+              <a:rPr lang="en-US" dirty="0"/>
+              <a:t>: it tells us something about the context in which we are working.  It generally changes at each recursive call, because the recursive call is solving the problem in a new or bigger context.</a:t>
+            </a:r>
+          </a:p>
+          <a:p>
+            <a:r>
+              <a:rPr lang="en-US" dirty="0"/>
+              <a:t>The </a:t>
+            </a:r>
+            <a:r>
+              <a:rPr lang="en-US" b="1" dirty="0"/>
+              <a:t>WHERE</a:t>
+            </a:r>
+            <a:r>
+              <a:rPr lang="en-US" dirty="0"/>
+              <a:t> clause tells us how to </a:t>
+            </a:r>
+            <a:r>
+              <a:rPr lang="en-US" i="1" dirty="0">
+                <a:solidFill>
+                  <a:srgbClr val="FF0000"/>
+                </a:solidFill>
+              </a:rPr>
+              <a:t>interpret</a:t>
+            </a:r>
+            <a:r>
+              <a:rPr lang="en-US" dirty="0">
+                <a:solidFill>
+                  <a:srgbClr val="FF0000"/>
+                </a:solidFill>
+              </a:rPr>
+              <a:t> </a:t>
+            </a:r>
+            <a:r>
+              <a:rPr lang="en-US" dirty="0"/>
+              <a:t>the context argument as a context.</a:t>
+            </a:r>
+          </a:p>
+        </p:txBody>
+      </p:sp>
+      <p:sp>
+        <p:nvSpPr>
+          <p:cNvPr id="2" name="Slide Number Placeholder 1"/>
           <p:cNvSpPr>
             <a:spLocks noGrp="1"/>
           </p:cNvSpPr>
@@ -27010,18 +28425,31 @@
           <a:bodyPr/>
           <a:lstStyle/>
           <a:p>
-            <a:fld id="{2AF3B5EA-18B6-4040-9F78-6052AF49C681}" type="slidenum">
-              <a:rPr lang="en-US" smtClean="0"/>
-              <a:t>5</a:t>
+            <a:fld id="{9F4492BD-6A9C-48FC-AC76-0B4FE11194A1}" type="slidenum">
+              <a:rPr lang="en-US" smtClean="0">
+                <a:solidFill>
+                  <a:prstClr val="black">
+                    <a:tint val="75000"/>
+                  </a:prstClr>
+                </a:solidFill>
+              </a:rPr>
+              <a:pPr/>
+              <a:t>54</a:t>
             </a:fld>
-            <a:endParaRPr lang="en-US"/>
+            <a:endParaRPr lang="en-US">
+              <a:solidFill>
+                <a:prstClr val="black">
+                  <a:tint val="75000"/>
+                </a:prstClr>
+              </a:solidFill>
+            </a:endParaRPr>
           </a:p>
         </p:txBody>
       </p:sp>
     </p:spTree>
     <p:extLst>
       <p:ext uri="{BB962C8B-B14F-4D97-AF65-F5344CB8AC3E}">
-        <p14:creationId xmlns:p14="http://schemas.microsoft.com/office/powerpoint/2010/main" val="1312168348"/>
+        <p14:creationId xmlns:p14="http://schemas.microsoft.com/office/powerpoint/2010/main" val="2682221677"/>
       </p:ext>
     </p:extLst>
   </p:cSld>
@@ -27031,7 +28459,7 @@
 </p:sld>
 </file>
 
-<file path=ppt/slides/slide50.xml><?xml version="1.0" encoding="utf-8"?>
+<file path=ppt/slides/slide55.xml><?xml version="1.0" encoding="utf-8"?>
 <p:sld xmlns:a="http://schemas.openxmlformats.org/drawingml/2006/main" xmlns:r="http://schemas.openxmlformats.org/officeDocument/2006/relationships" xmlns:p="http://schemas.openxmlformats.org/presentationml/2006/main">
   <p:cSld>
     <p:spTree>
@@ -27050,7 +28478,7 @@
       </p:grpSpPr>
       <p:sp>
         <p:nvSpPr>
-          <p:cNvPr id="4" name="Title 3"/>
+          <p:cNvPr id="6" name="Title 5"/>
           <p:cNvSpPr>
             <a:spLocks noGrp="1"/>
           </p:cNvSpPr>
@@ -27067,14 +28495,14 @@
           <a:p>
             <a:r>
               <a:rPr lang="en-US" dirty="0"/>
-              <a:t>Structural Arguments and Context Arguments</a:t>
-            </a:r>
-          </a:p>
-        </p:txBody>
-      </p:sp>
-      <p:sp>
-        <p:nvSpPr>
-          <p:cNvPr id="5" name="Content Placeholder 4"/>
+              <a:t>Is the invariant satisfied at the recursive call?</a:t>
+            </a:r>
+          </a:p>
+        </p:txBody>
+      </p:sp>
+      <p:sp>
+        <p:nvSpPr>
+          <p:cNvPr id="7" name="Content Placeholder 6"/>
           <p:cNvSpPr>
             <a:spLocks noGrp="1"/>
           </p:cNvSpPr>
@@ -27085,90 +28513,97 @@
         <p:spPr/>
         <p:txBody>
           <a:bodyPr>
-            <a:normAutofit fontScale="92500" lnSpcReduction="10000"/>
+            <a:normAutofit/>
           </a:bodyPr>
           <a:lstStyle/>
           <a:p>
-            <a:r>
-              <a:rPr lang="en-US" dirty="0"/>
-              <a:t>In this example, </a:t>
-            </a:r>
-            <a:r>
-              <a:rPr lang="en-US" b="1" dirty="0" err="1"/>
-              <a:t>slst</a:t>
-            </a:r>
-            <a:r>
-              <a:rPr lang="en-US" dirty="0"/>
-              <a:t> is a </a:t>
-            </a:r>
-            <a:r>
-              <a:rPr lang="en-US" i="1" dirty="0">
-                <a:solidFill>
-                  <a:srgbClr val="FF0000"/>
-                </a:solidFill>
-              </a:rPr>
-              <a:t>structural argument</a:t>
-            </a:r>
-            <a:r>
-              <a:rPr lang="en-US" dirty="0"/>
-              <a:t>: it is the argument that we are doing structural decomposition on.</a:t>
-            </a:r>
-          </a:p>
-          <a:p>
-            <a:r>
-              <a:rPr lang="en-US" b="1" dirty="0"/>
-              <a:t>n</a:t>
-            </a:r>
-            <a:r>
-              <a:rPr lang="en-US" dirty="0"/>
-              <a:t> is a </a:t>
-            </a:r>
-            <a:r>
-              <a:rPr lang="en-US" i="1" dirty="0">
-                <a:solidFill>
-                  <a:srgbClr val="FF0000"/>
-                </a:solidFill>
-              </a:rPr>
-              <a:t>context argument</a:t>
-            </a:r>
-            <a:r>
-              <a:rPr lang="en-US" dirty="0"/>
-              <a:t>: it tells us something about the context in which we are working.  It generally changes at each recursive call, because the recursive call is solving the problem in a new or bigger context.</a:t>
-            </a:r>
-          </a:p>
-          <a:p>
-            <a:r>
-              <a:rPr lang="en-US" dirty="0"/>
-              <a:t>The </a:t>
-            </a:r>
-            <a:r>
-              <a:rPr lang="en-US" b="1" dirty="0"/>
-              <a:t>WHERE</a:t>
-            </a:r>
-            <a:r>
-              <a:rPr lang="en-US" dirty="0"/>
-              <a:t> clause tells us how to </a:t>
-            </a:r>
-            <a:r>
-              <a:rPr lang="en-US" i="1" dirty="0">
-                <a:solidFill>
-                  <a:srgbClr val="FF0000"/>
-                </a:solidFill>
-              </a:rPr>
-              <a:t>interpret</a:t>
-            </a:r>
-            <a:r>
-              <a:rPr lang="en-US" dirty="0">
-                <a:solidFill>
-                  <a:srgbClr val="FF0000"/>
-                </a:solidFill>
-              </a:rPr>
-              <a:t> </a:t>
-            </a:r>
-            <a:r>
-              <a:rPr lang="en-US" dirty="0"/>
-              <a:t>the context argument as a context.</a:t>
-            </a:r>
+            <a:pPr marL="0" indent="0"/>
+            <a:r>
+              <a:rPr lang="en-US" sz="2000" dirty="0"/>
+              <a:t>(define (number-list-from </a:t>
+            </a:r>
+            <a:r>
+              <a:rPr lang="en-US" sz="2000" dirty="0" err="1"/>
+              <a:t>lst</a:t>
+            </a:r>
+            <a:r>
+              <a:rPr lang="en-US" sz="2000" dirty="0"/>
+              <a:t> n)</a:t>
+            </a:r>
+          </a:p>
+          <a:p>
+            <a:pPr marL="0" indent="0"/>
+            <a:r>
+              <a:rPr lang="en-US" sz="2000" dirty="0"/>
+              <a:t>  (</a:t>
+            </a:r>
+            <a:r>
+              <a:rPr lang="en-US" sz="2000" dirty="0" err="1"/>
+              <a:t>cond</a:t>
+            </a:r>
+            <a:endParaRPr lang="en-US" sz="2000" dirty="0"/>
+          </a:p>
+          <a:p>
+            <a:pPr marL="0" indent="0"/>
+            <a:r>
+              <a:rPr lang="en-US" sz="2000" dirty="0"/>
+              <a:t>    [(empty? </a:t>
+            </a:r>
+            <a:r>
+              <a:rPr lang="en-US" sz="2000" dirty="0" err="1"/>
+              <a:t>lst</a:t>
+            </a:r>
+            <a:r>
+              <a:rPr lang="en-US" sz="2000" dirty="0"/>
+              <a:t>) empty]</a:t>
+            </a:r>
+          </a:p>
+          <a:p>
+            <a:pPr marL="0" indent="0"/>
+            <a:r>
+              <a:rPr lang="en-US" sz="2000" dirty="0"/>
+              <a:t>    [else</a:t>
+            </a:r>
+          </a:p>
+          <a:p>
+            <a:pPr marL="0" indent="0"/>
+            <a:r>
+              <a:rPr lang="en-US" sz="2000" dirty="0"/>
+              <a:t>      (cons</a:t>
+            </a:r>
+          </a:p>
+          <a:p>
+            <a:pPr marL="0" indent="0"/>
+            <a:r>
+              <a:rPr lang="en-US" sz="2000" dirty="0"/>
+              <a:t>        (list n (first </a:t>
+            </a:r>
+            <a:r>
+              <a:rPr lang="en-US" sz="2000" dirty="0" err="1"/>
+              <a:t>lst</a:t>
+            </a:r>
+            <a:r>
+              <a:rPr lang="en-US" sz="2000" dirty="0"/>
+              <a:t>))</a:t>
+            </a:r>
+          </a:p>
+          <a:p>
+            <a:pPr marL="0" indent="0"/>
+            <a:r>
+              <a:rPr lang="en-US" sz="2000" dirty="0"/>
+              <a:t>        (number-list-from (rest </a:t>
+            </a:r>
+            <a:r>
+              <a:rPr lang="en-US" sz="2000" dirty="0" err="1"/>
+              <a:t>lst</a:t>
+            </a:r>
+            <a:r>
+              <a:rPr lang="en-US" sz="2000" dirty="0"/>
+              <a:t>) (+ n 1)))]))</a:t>
+            </a:r>
+          </a:p>
+          <a:p>
+            <a:endParaRPr lang="en-US" dirty="0"/>
           </a:p>
         </p:txBody>
       </p:sp>
@@ -27196,204 +28631,7 @@
                 </a:solidFill>
               </a:rPr>
               <a:pPr/>
-              <a:t>50</a:t>
-            </a:fld>
-            <a:endParaRPr lang="en-US">
-              <a:solidFill>
-                <a:prstClr val="black">
-                  <a:tint val="75000"/>
-                </a:prstClr>
-              </a:solidFill>
-            </a:endParaRPr>
-          </a:p>
-        </p:txBody>
-      </p:sp>
-    </p:spTree>
-    <p:extLst>
-      <p:ext uri="{BB962C8B-B14F-4D97-AF65-F5344CB8AC3E}">
-        <p14:creationId xmlns:p14="http://schemas.microsoft.com/office/powerpoint/2010/main" val="2682221677"/>
-      </p:ext>
-    </p:extLst>
-  </p:cSld>
-  <p:clrMapOvr>
-    <a:masterClrMapping/>
-  </p:clrMapOvr>
-</p:sld>
-</file>
-
-<file path=ppt/slides/slide51.xml><?xml version="1.0" encoding="utf-8"?>
-<p:sld xmlns:a="http://schemas.openxmlformats.org/drawingml/2006/main" xmlns:r="http://schemas.openxmlformats.org/officeDocument/2006/relationships" xmlns:p="http://schemas.openxmlformats.org/presentationml/2006/main">
-  <p:cSld>
-    <p:spTree>
-      <p:nvGrpSpPr>
-        <p:cNvPr id="1" name=""/>
-        <p:cNvGrpSpPr/>
-        <p:nvPr/>
-      </p:nvGrpSpPr>
-      <p:grpSpPr>
-        <a:xfrm>
-          <a:off x="0" y="0"/>
-          <a:ext cx="0" cy="0"/>
-          <a:chOff x="0" y="0"/>
-          <a:chExt cx="0" cy="0"/>
-        </a:xfrm>
-      </p:grpSpPr>
-      <p:sp>
-        <p:nvSpPr>
-          <p:cNvPr id="6" name="Title 5"/>
-          <p:cNvSpPr>
-            <a:spLocks noGrp="1"/>
-          </p:cNvSpPr>
-          <p:nvPr>
-            <p:ph type="title"/>
-          </p:nvPr>
-        </p:nvSpPr>
-        <p:spPr/>
-        <p:txBody>
-          <a:bodyPr>
-            <a:normAutofit fontScale="90000"/>
-          </a:bodyPr>
-          <a:lstStyle/>
-          <a:p>
-            <a:r>
-              <a:rPr lang="en-US" dirty="0"/>
-              <a:t>Is the invariant satisfied at the recursive call?</a:t>
-            </a:r>
-          </a:p>
-        </p:txBody>
-      </p:sp>
-      <p:sp>
-        <p:nvSpPr>
-          <p:cNvPr id="7" name="Content Placeholder 6"/>
-          <p:cNvSpPr>
-            <a:spLocks noGrp="1"/>
-          </p:cNvSpPr>
-          <p:nvPr>
-            <p:ph idx="1"/>
-          </p:nvPr>
-        </p:nvSpPr>
-        <p:spPr/>
-        <p:txBody>
-          <a:bodyPr>
-            <a:normAutofit/>
-          </a:bodyPr>
-          <a:lstStyle/>
-          <a:p>
-            <a:pPr marL="0" indent="0"/>
-            <a:r>
-              <a:rPr lang="en-US" sz="2000" dirty="0"/>
-              <a:t>(define (number-list-from </a:t>
-            </a:r>
-            <a:r>
-              <a:rPr lang="en-US" sz="2000" dirty="0" err="1"/>
-              <a:t>lst</a:t>
-            </a:r>
-            <a:r>
-              <a:rPr lang="en-US" sz="2000" dirty="0"/>
-              <a:t> n)</a:t>
-            </a:r>
-          </a:p>
-          <a:p>
-            <a:pPr marL="0" indent="0"/>
-            <a:r>
-              <a:rPr lang="en-US" sz="2000" dirty="0"/>
-              <a:t>  (</a:t>
-            </a:r>
-            <a:r>
-              <a:rPr lang="en-US" sz="2000" dirty="0" err="1"/>
-              <a:t>cond</a:t>
-            </a:r>
-            <a:endParaRPr lang="en-US" sz="2000" dirty="0"/>
-          </a:p>
-          <a:p>
-            <a:pPr marL="0" indent="0"/>
-            <a:r>
-              <a:rPr lang="en-US" sz="2000" dirty="0"/>
-              <a:t>    [(empty? </a:t>
-            </a:r>
-            <a:r>
-              <a:rPr lang="en-US" sz="2000" dirty="0" err="1"/>
-              <a:t>lst</a:t>
-            </a:r>
-            <a:r>
-              <a:rPr lang="en-US" sz="2000" dirty="0"/>
-              <a:t>) empty]</a:t>
-            </a:r>
-          </a:p>
-          <a:p>
-            <a:pPr marL="0" indent="0"/>
-            <a:r>
-              <a:rPr lang="en-US" sz="2000" dirty="0"/>
-              <a:t>    [else</a:t>
-            </a:r>
-          </a:p>
-          <a:p>
-            <a:pPr marL="0" indent="0"/>
-            <a:r>
-              <a:rPr lang="en-US" sz="2000" dirty="0"/>
-              <a:t>      (cons</a:t>
-            </a:r>
-          </a:p>
-          <a:p>
-            <a:pPr marL="0" indent="0"/>
-            <a:r>
-              <a:rPr lang="en-US" sz="2000" dirty="0"/>
-              <a:t>        (list n (first </a:t>
-            </a:r>
-            <a:r>
-              <a:rPr lang="en-US" sz="2000" dirty="0" err="1"/>
-              <a:t>lst</a:t>
-            </a:r>
-            <a:r>
-              <a:rPr lang="en-US" sz="2000" dirty="0"/>
-              <a:t>))</a:t>
-            </a:r>
-          </a:p>
-          <a:p>
-            <a:pPr marL="0" indent="0"/>
-            <a:r>
-              <a:rPr lang="en-US" sz="2000" dirty="0"/>
-              <a:t>        (number-list-from (rest </a:t>
-            </a:r>
-            <a:r>
-              <a:rPr lang="en-US" sz="2000" dirty="0" err="1"/>
-              <a:t>lst</a:t>
-            </a:r>
-            <a:r>
-              <a:rPr lang="en-US" sz="2000" dirty="0"/>
-              <a:t>) (+ n 1)))]))</a:t>
-            </a:r>
-          </a:p>
-          <a:p>
-            <a:endParaRPr lang="en-US" dirty="0"/>
-          </a:p>
-        </p:txBody>
-      </p:sp>
-      <p:sp>
-        <p:nvSpPr>
-          <p:cNvPr id="2" name="Slide Number Placeholder 1"/>
-          <p:cNvSpPr>
-            <a:spLocks noGrp="1"/>
-          </p:cNvSpPr>
-          <p:nvPr>
-            <p:ph type="sldNum" sz="quarter" idx="12"/>
-          </p:nvPr>
-        </p:nvSpPr>
-        <p:spPr/>
-        <p:txBody>
-          <a:bodyPr/>
-          <a:lstStyle/>
-          <a:p>
-            <a:fld id="{9F4492BD-6A9C-48FC-AC76-0B4FE11194A1}" type="slidenum">
-              <a:rPr lang="en-US" smtClean="0">
-                <a:solidFill>
-                  <a:prstClr val="black">
-                    <a:tint val="75000"/>
-                  </a:prstClr>
-                </a:solidFill>
-              </a:rPr>
-              <a:pPr/>
-              <a:t>51</a:t>
+              <a:t>55</a:t>
             </a:fld>
             <a:endParaRPr lang="en-US">
               <a:solidFill>
@@ -27786,7 +29024,7 @@
 </p:sld>
 </file>
 
-<file path=ppt/slides/slide52.xml><?xml version="1.0" encoding="utf-8"?>
+<file path=ppt/slides/slide56.xml><?xml version="1.0" encoding="utf-8"?>
 <p:sld xmlns:a="http://schemas.openxmlformats.org/drawingml/2006/main" xmlns:r="http://schemas.openxmlformats.org/officeDocument/2006/relationships" xmlns:p="http://schemas.openxmlformats.org/presentationml/2006/main">
   <p:cSld>
     <p:spTree>
@@ -27884,7 +29122,7 @@
           <a:p>
             <a:fld id="{E4A74525-021D-496D-B39D-9668564A137C}" type="slidenum">
               <a:rPr lang="en-US" smtClean="0"/>
-              <a:t>52</a:t>
+              <a:t>56</a:t>
             </a:fld>
             <a:endParaRPr lang="en-US"/>
           </a:p>
@@ -27903,7 +29141,7 @@
 </p:sld>
 </file>
 
-<file path=ppt/slides/slide53.xml><?xml version="1.0" encoding="utf-8"?>
+<file path=ppt/slides/slide57.xml><?xml version="1.0" encoding="utf-8"?>
 <p:sld xmlns:a="http://schemas.openxmlformats.org/drawingml/2006/main" xmlns:r="http://schemas.openxmlformats.org/officeDocument/2006/relationships" xmlns:p="http://schemas.openxmlformats.org/presentationml/2006/main">
   <p:cSld>
     <p:spTree>
@@ -27991,7 +29229,7 @@
           <a:p>
             <a:fld id="{E4A74525-021D-496D-B39D-9668564A137C}" type="slidenum">
               <a:rPr lang="en-US" smtClean="0"/>
-              <a:t>53</a:t>
+              <a:t>57</a:t>
             </a:fld>
             <a:endParaRPr lang="en-US"/>
           </a:p>
@@ -28010,7 +29248,7 @@
 </p:sld>
 </file>
 
-<file path=ppt/slides/slide54.xml><?xml version="1.0" encoding="utf-8"?>
+<file path=ppt/slides/slide58.xml><?xml version="1.0" encoding="utf-8"?>
 <p:sld xmlns:a="http://schemas.openxmlformats.org/drawingml/2006/main" xmlns:r="http://schemas.openxmlformats.org/officeDocument/2006/relationships" xmlns:p="http://schemas.openxmlformats.org/presentationml/2006/main">
   <p:cSld>
     <p:spTree>
@@ -28105,7 +29343,7 @@
           <a:p>
             <a:fld id="{E4A74525-021D-496D-B39D-9668564A137C}" type="slidenum">
               <a:rPr lang="en-US" smtClean="0"/>
-              <a:t>54</a:t>
+              <a:t>58</a:t>
             </a:fld>
             <a:endParaRPr lang="en-US"/>
           </a:p>
@@ -28332,7 +29570,7 @@
 </p:sld>
 </file>
 
-<file path=ppt/slides/slide55.xml><?xml version="1.0" encoding="utf-8"?>
+<file path=ppt/slides/slide59.xml><?xml version="1.0" encoding="utf-8"?>
 <p:sld xmlns:a="http://schemas.openxmlformats.org/drawingml/2006/main" xmlns:r="http://schemas.openxmlformats.org/officeDocument/2006/relationships" xmlns:p="http://schemas.openxmlformats.org/presentationml/2006/main">
   <p:cSld>
     <p:spTree>
@@ -28421,7 +29659,7 @@
           <a:p>
             <a:fld id="{E4A74525-021D-496D-B39D-9668564A137C}" type="slidenum">
               <a:rPr lang="en-US" smtClean="0"/>
-              <a:t>55</a:t>
+              <a:t>59</a:t>
             </a:fld>
             <a:endParaRPr lang="en-US"/>
           </a:p>
@@ -28440,7 +29678,7 @@
 </p:sld>
 </file>
 
-<file path=ppt/slides/slide56.xml><?xml version="1.0" encoding="utf-8"?>
+<file path=ppt/slides/slide6.xml><?xml version="1.0" encoding="utf-8"?>
 <p:sld xmlns:a="http://schemas.openxmlformats.org/drawingml/2006/main" xmlns:r="http://schemas.openxmlformats.org/officeDocument/2006/relationships" xmlns:p="http://schemas.openxmlformats.org/presentationml/2006/main">
   <p:cSld>
     <p:spTree>
@@ -28459,7 +29697,35 @@
       </p:grpSpPr>
       <p:sp>
         <p:nvSpPr>
-          <p:cNvPr id="2" name="Title 1"/>
+          <p:cNvPr id="6" name="Content Placeholder 5"/>
+          <p:cNvSpPr>
+            <a:spLocks noGrp="1"/>
+          </p:cNvSpPr>
+          <p:nvPr>
+            <p:ph idx="1"/>
+          </p:nvPr>
+        </p:nvSpPr>
+        <p:spPr/>
+        <p:txBody>
+          <a:bodyPr/>
+          <a:lstStyle/>
+          <a:p>
+            <a:r>
+              <a:rPr lang="en-US" dirty="0"/>
+              <a:t>Sometimes a function needs more information than is available in a contract.</a:t>
+            </a:r>
+          </a:p>
+          <a:p>
+            <a:r>
+              <a:rPr lang="en-US" dirty="0"/>
+              <a:t>We need to write down the additional information that the function needs.</a:t>
+            </a:r>
+          </a:p>
+        </p:txBody>
+      </p:sp>
+      <p:sp>
+        <p:nvSpPr>
+          <p:cNvPr id="5" name="Title 4"/>
           <p:cNvSpPr>
             <a:spLocks noGrp="1"/>
           </p:cNvSpPr>
@@ -28476,55 +29742,8 @@
           <a:p>
             <a:r>
               <a:rPr lang="en-US" dirty="0"/>
-              <a:t>What about mutually recursive data definitions?</a:t>
-            </a:r>
-          </a:p>
-        </p:txBody>
-      </p:sp>
-      <p:sp>
-        <p:nvSpPr>
-          <p:cNvPr id="3" name="Content Placeholder 2"/>
-          <p:cNvSpPr>
-            <a:spLocks noGrp="1"/>
-          </p:cNvSpPr>
-          <p:nvPr>
-            <p:ph idx="1"/>
-          </p:nvPr>
-        </p:nvSpPr>
-        <p:spPr/>
-        <p:txBody>
-          <a:bodyPr/>
-          <a:lstStyle/>
-          <a:p>
-            <a:r>
-              <a:rPr lang="en-US" dirty="0"/>
-              <a:t>You’ll have two mutually recursive functions to handle the sub-</a:t>
-            </a:r>
-            <a:r>
-              <a:rPr lang="en-US" dirty="0" err="1"/>
-              <a:t>Sos</a:t>
-            </a:r>
-            <a:r>
-              <a:rPr lang="en-US" dirty="0"/>
-              <a:t> and sub-Loss– nothing else changes.</a:t>
-            </a:r>
-          </a:p>
-          <a:p>
-            <a:r>
-              <a:rPr lang="en-US" dirty="0"/>
-              <a:t>Let's write this out by writing down the </a:t>
-            </a:r>
-            <a:r>
-              <a:rPr lang="en-US" dirty="0" err="1"/>
-              <a:t>Sos</a:t>
-            </a:r>
-            <a:r>
-              <a:rPr lang="en-US" dirty="0"/>
-              <a:t> and Loss templates and adding a context argument.</a:t>
-            </a:r>
-          </a:p>
-          <a:p>
-            <a:endParaRPr lang="en-US" dirty="0"/>
+              <a:t>Sometimes the contract isn’t enough</a:t>
+            </a:r>
           </a:p>
         </p:txBody>
       </p:sp>
@@ -28543,31 +29762,52 @@
           <a:bodyPr/>
           <a:lstStyle/>
           <a:p>
-            <a:fld id="{9F4492BD-6A9C-48FC-AC76-0B4FE11194A1}" type="slidenum">
-              <a:rPr lang="en-US" smtClean="0">
-                <a:solidFill>
-                  <a:prstClr val="black">
-                    <a:tint val="75000"/>
-                  </a:prstClr>
-                </a:solidFill>
-              </a:rPr>
-              <a:pPr/>
-              <a:t>56</a:t>
+            <a:fld id="{2AF3B5EA-18B6-4040-9F78-6052AF49C681}" type="slidenum">
+              <a:rPr lang="en-US" smtClean="0"/>
+              <a:t>6</a:t>
             </a:fld>
-            <a:endParaRPr lang="en-US">
-              <a:solidFill>
-                <a:prstClr val="black">
-                  <a:tint val="75000"/>
-                </a:prstClr>
-              </a:solidFill>
-            </a:endParaRPr>
+            <a:endParaRPr lang="en-US"/>
+          </a:p>
+        </p:txBody>
+      </p:sp>
+      <p:sp>
+        <p:nvSpPr>
+          <p:cNvPr id="7" name="TextBox 6"/>
+          <p:cNvSpPr txBox="1"/>
+          <p:nvPr/>
+        </p:nvSpPr>
+        <p:spPr>
+          <a:xfrm>
+            <a:off x="4824292" y="3962400"/>
+            <a:ext cx="3886200" cy="1200329"/>
+          </a:xfrm>
+          <a:prstGeom prst="rect">
+            <a:avLst/>
+          </a:prstGeom>
+          <a:solidFill>
+            <a:schemeClr val="accent1">
+              <a:lumMod val="20000"/>
+              <a:lumOff val="80000"/>
+            </a:schemeClr>
+          </a:solidFill>
+        </p:spPr>
+        <p:txBody>
+          <a:bodyPr wrap="square" rtlCol="0">
+            <a:spAutoFit/>
+          </a:bodyPr>
+          <a:lstStyle/>
+          <a:p>
+            <a:r>
+              <a:rPr lang="en-US" sz="2400" dirty="0"/>
+              <a:t>Remember: one of our goals is to get information out of your head and onto the page.</a:t>
+            </a:r>
           </a:p>
         </p:txBody>
       </p:sp>
     </p:spTree>
     <p:extLst>
       <p:ext uri="{BB962C8B-B14F-4D97-AF65-F5344CB8AC3E}">
-        <p14:creationId xmlns:p14="http://schemas.microsoft.com/office/powerpoint/2010/main" val="2846984969"/>
+        <p14:creationId xmlns:p14="http://schemas.microsoft.com/office/powerpoint/2010/main" val="3650027029"/>
       </p:ext>
     </p:extLst>
   </p:cSld>
@@ -28577,7 +29817,7 @@
 </p:sld>
 </file>
 
-<file path=ppt/slides/slide57.xml><?xml version="1.0" encoding="utf-8"?>
+<file path=ppt/slides/slide60.xml><?xml version="1.0" encoding="utf-8"?>
 <p:sld xmlns:a="http://schemas.openxmlformats.org/drawingml/2006/main" xmlns:r="http://schemas.openxmlformats.org/officeDocument/2006/relationships" xmlns:p="http://schemas.openxmlformats.org/presentationml/2006/main">
   <p:cSld>
     <p:spTree>
@@ -28613,23 +29853,7 @@
           <a:p>
             <a:r>
               <a:rPr lang="en-US" dirty="0"/>
-              <a:t>Template for </a:t>
-            </a:r>
-            <a:r>
-              <a:rPr lang="en-US" dirty="0" err="1"/>
-              <a:t>SoS</a:t>
-            </a:r>
-            <a:r>
-              <a:rPr lang="en-US" dirty="0"/>
-              <a:t> and </a:t>
-            </a:r>
-            <a:r>
-              <a:rPr lang="en-US" dirty="0" err="1"/>
-              <a:t>LoSS</a:t>
-            </a:r>
-            <a:r>
-              <a:rPr lang="en-US" dirty="0"/>
-              <a:t>, with context argument (part 1)</a:t>
+              <a:t>What about mutually recursive data definitions?</a:t>
             </a:r>
           </a:p>
         </p:txBody>
@@ -28646,6 +29870,159 @@
         </p:nvSpPr>
         <p:spPr/>
         <p:txBody>
+          <a:bodyPr/>
+          <a:lstStyle/>
+          <a:p>
+            <a:r>
+              <a:rPr lang="en-US" dirty="0"/>
+              <a:t>You’ll have two mutually recursive functions to handle the sub-</a:t>
+            </a:r>
+            <a:r>
+              <a:rPr lang="en-US" dirty="0" err="1"/>
+              <a:t>Sos</a:t>
+            </a:r>
+            <a:r>
+              <a:rPr lang="en-US" dirty="0"/>
+              <a:t> and sub-Loss– nothing else changes.</a:t>
+            </a:r>
+          </a:p>
+          <a:p>
+            <a:r>
+              <a:rPr lang="en-US" dirty="0"/>
+              <a:t>Let's write this out by writing down the </a:t>
+            </a:r>
+            <a:r>
+              <a:rPr lang="en-US" dirty="0" err="1"/>
+              <a:t>Sos</a:t>
+            </a:r>
+            <a:r>
+              <a:rPr lang="en-US" dirty="0"/>
+              <a:t> and Loss templates and adding a context argument.</a:t>
+            </a:r>
+          </a:p>
+          <a:p>
+            <a:endParaRPr lang="en-US" dirty="0"/>
+          </a:p>
+        </p:txBody>
+      </p:sp>
+      <p:sp>
+        <p:nvSpPr>
+          <p:cNvPr id="4" name="Slide Number Placeholder 3"/>
+          <p:cNvSpPr>
+            <a:spLocks noGrp="1"/>
+          </p:cNvSpPr>
+          <p:nvPr>
+            <p:ph type="sldNum" sz="quarter" idx="12"/>
+          </p:nvPr>
+        </p:nvSpPr>
+        <p:spPr/>
+        <p:txBody>
+          <a:bodyPr/>
+          <a:lstStyle/>
+          <a:p>
+            <a:fld id="{9F4492BD-6A9C-48FC-AC76-0B4FE11194A1}" type="slidenum">
+              <a:rPr lang="en-US" smtClean="0">
+                <a:solidFill>
+                  <a:prstClr val="black">
+                    <a:tint val="75000"/>
+                  </a:prstClr>
+                </a:solidFill>
+              </a:rPr>
+              <a:pPr/>
+              <a:t>60</a:t>
+            </a:fld>
+            <a:endParaRPr lang="en-US">
+              <a:solidFill>
+                <a:prstClr val="black">
+                  <a:tint val="75000"/>
+                </a:prstClr>
+              </a:solidFill>
+            </a:endParaRPr>
+          </a:p>
+        </p:txBody>
+      </p:sp>
+    </p:spTree>
+    <p:extLst>
+      <p:ext uri="{BB962C8B-B14F-4D97-AF65-F5344CB8AC3E}">
+        <p14:creationId xmlns:p14="http://schemas.microsoft.com/office/powerpoint/2010/main" val="2846984969"/>
+      </p:ext>
+    </p:extLst>
+  </p:cSld>
+  <p:clrMapOvr>
+    <a:masterClrMapping/>
+  </p:clrMapOvr>
+</p:sld>
+</file>
+
+<file path=ppt/slides/slide61.xml><?xml version="1.0" encoding="utf-8"?>
+<p:sld xmlns:a="http://schemas.openxmlformats.org/drawingml/2006/main" xmlns:r="http://schemas.openxmlformats.org/officeDocument/2006/relationships" xmlns:p="http://schemas.openxmlformats.org/presentationml/2006/main">
+  <p:cSld>
+    <p:spTree>
+      <p:nvGrpSpPr>
+        <p:cNvPr id="1" name=""/>
+        <p:cNvGrpSpPr/>
+        <p:nvPr/>
+      </p:nvGrpSpPr>
+      <p:grpSpPr>
+        <a:xfrm>
+          <a:off x="0" y="0"/>
+          <a:ext cx="0" cy="0"/>
+          <a:chOff x="0" y="0"/>
+          <a:chExt cx="0" cy="0"/>
+        </a:xfrm>
+      </p:grpSpPr>
+      <p:sp>
+        <p:nvSpPr>
+          <p:cNvPr id="2" name="Title 1"/>
+          <p:cNvSpPr>
+            <a:spLocks noGrp="1"/>
+          </p:cNvSpPr>
+          <p:nvPr>
+            <p:ph type="title"/>
+          </p:nvPr>
+        </p:nvSpPr>
+        <p:spPr/>
+        <p:txBody>
+          <a:bodyPr>
+            <a:normAutofit fontScale="90000"/>
+          </a:bodyPr>
+          <a:lstStyle/>
+          <a:p>
+            <a:r>
+              <a:rPr lang="en-US" dirty="0"/>
+              <a:t>Template for </a:t>
+            </a:r>
+            <a:r>
+              <a:rPr lang="en-US" dirty="0" err="1"/>
+              <a:t>SoS</a:t>
+            </a:r>
+            <a:r>
+              <a:rPr lang="en-US" dirty="0"/>
+              <a:t> and </a:t>
+            </a:r>
+            <a:r>
+              <a:rPr lang="en-US" dirty="0" err="1"/>
+              <a:t>LoSS</a:t>
+            </a:r>
+            <a:r>
+              <a:rPr lang="en-US" dirty="0"/>
+              <a:t>, with context argument (part 1)</a:t>
+            </a:r>
+          </a:p>
+        </p:txBody>
+      </p:sp>
+      <p:sp>
+        <p:nvSpPr>
+          <p:cNvPr id="3" name="Content Placeholder 2"/>
+          <p:cNvSpPr>
+            <a:spLocks noGrp="1"/>
+          </p:cNvSpPr>
+          <p:nvPr>
+            <p:ph idx="1"/>
+          </p:nvPr>
+        </p:nvSpPr>
+        <p:spPr/>
+        <p:txBody>
           <a:bodyPr>
             <a:normAutofit fontScale="70000" lnSpcReduction="20000"/>
           </a:bodyPr>
@@ -29100,7 +30477,7 @@
                 </a:solidFill>
               </a:rPr>
               <a:pPr/>
-              <a:t>57</a:t>
+              <a:t>61</a:t>
             </a:fld>
             <a:endParaRPr lang="en-US">
               <a:solidFill>
@@ -29489,7 +30866,7 @@
 </p:sld>
 </file>
 
-<file path=ppt/slides/slide58.xml><?xml version="1.0" encoding="utf-8"?>
+<file path=ppt/slides/slide62.xml><?xml version="1.0" encoding="utf-8"?>
 <p:sld xmlns:a="http://schemas.openxmlformats.org/drawingml/2006/main" xmlns:r="http://schemas.openxmlformats.org/officeDocument/2006/relationships" xmlns:p="http://schemas.openxmlformats.org/presentationml/2006/main">
   <p:cSld>
     <p:spTree>
@@ -29996,7 +31373,7 @@
                 </a:solidFill>
               </a:rPr>
               <a:pPr/>
-              <a:t>58</a:t>
+              <a:t>62</a:t>
             </a:fld>
             <a:endParaRPr lang="en-US">
               <a:solidFill>
@@ -30290,7 +31667,7 @@
 </p:sld>
 </file>
 
-<file path=ppt/slides/slide59.xml><?xml version="1.0" encoding="utf-8"?>
+<file path=ppt/slides/slide63.xml><?xml version="1.0" encoding="utf-8"?>
 <p:sld xmlns:a="http://schemas.openxmlformats.org/drawingml/2006/main" xmlns:r="http://schemas.openxmlformats.org/officeDocument/2006/relationships" xmlns:p="http://schemas.openxmlformats.org/presentationml/2006/main">
   <p:cSld>
     <p:spTree>
@@ -30524,7 +31901,7 @@
                 </a:solidFill>
               </a:rPr>
               <a:pPr/>
-              <a:t>59</a:t>
+              <a:t>63</a:t>
             </a:fld>
             <a:endParaRPr lang="en-US">
               <a:solidFill>
@@ -30749,7 +32126,7 @@
 </p:sld>
 </file>
 
-<file path=ppt/slides/slide6.xml><?xml version="1.0" encoding="utf-8"?>
+<file path=ppt/slides/slide64.xml><?xml version="1.0" encoding="utf-8"?>
 <p:sld xmlns:a="http://schemas.openxmlformats.org/drawingml/2006/main" xmlns:r="http://schemas.openxmlformats.org/officeDocument/2006/relationships" xmlns:p="http://schemas.openxmlformats.org/presentationml/2006/main">
   <p:cSld>
     <p:spTree>
@@ -30768,7 +32145,29 @@
       </p:grpSpPr>
       <p:sp>
         <p:nvSpPr>
-          <p:cNvPr id="6" name="Content Placeholder 5"/>
+          <p:cNvPr id="2" name="Title 1"/>
+          <p:cNvSpPr>
+            <a:spLocks noGrp="1"/>
+          </p:cNvSpPr>
+          <p:nvPr>
+            <p:ph type="title"/>
+          </p:nvPr>
+        </p:nvSpPr>
+        <p:spPr/>
+        <p:txBody>
+          <a:bodyPr/>
+          <a:lstStyle/>
+          <a:p>
+            <a:r>
+              <a:rPr lang="en-US" dirty="0"/>
+              <a:t>Summary</a:t>
+            </a:r>
+          </a:p>
+        </p:txBody>
+      </p:sp>
+      <p:sp>
+        <p:nvSpPr>
+          <p:cNvPr id="3" name="Content Placeholder 2"/>
           <p:cNvSpPr>
             <a:spLocks noGrp="1"/>
           </p:cNvSpPr>
@@ -30778,43 +32177,55 @@
         </p:nvSpPr>
         <p:spPr/>
         <p:txBody>
-          <a:bodyPr/>
+          <a:bodyPr>
+            <a:normAutofit/>
+          </a:bodyPr>
           <a:lstStyle/>
           <a:p>
             <a:r>
               <a:rPr lang="en-US" dirty="0"/>
-              <a:t>Sometimes a function needs more information than is available in a contract.</a:t>
-            </a:r>
-          </a:p>
-          <a:p>
+              <a:t>You should now be able to:</a:t>
+            </a:r>
+          </a:p>
+          <a:p>
+            <a:pPr lvl="1"/>
             <a:r>
               <a:rPr lang="en-US" dirty="0"/>
-              <a:t>We need to write down the additional information that the function needs.</a:t>
-            </a:r>
-          </a:p>
-        </p:txBody>
-      </p:sp>
-      <p:sp>
-        <p:nvSpPr>
-          <p:cNvPr id="5" name="Title 4"/>
-          <p:cNvSpPr>
-            <a:spLocks noGrp="1"/>
-          </p:cNvSpPr>
-          <p:nvPr>
-            <p:ph type="title"/>
-          </p:nvPr>
-        </p:nvSpPr>
-        <p:spPr/>
-        <p:txBody>
-          <a:bodyPr>
-            <a:normAutofit fontScale="90000"/>
-          </a:bodyPr>
-          <a:lstStyle/>
-          <a:p>
+              <a:t>explain the difference between structural arguments and context arguments</a:t>
+            </a:r>
+          </a:p>
+          <a:p>
+            <a:pPr lvl="1"/>
             <a:r>
               <a:rPr lang="en-US" dirty="0"/>
-              <a:t>Sometimes the contract isn’t enough</a:t>
-            </a:r>
+              <a:t>understand how context arguments represent contexts</a:t>
+            </a:r>
+          </a:p>
+          <a:p>
+            <a:pPr lvl="1"/>
+            <a:r>
+              <a:rPr lang="en-US" dirty="0"/>
+              <a:t>document this representation as an invariant in the purpose statement</a:t>
+            </a:r>
+          </a:p>
+          <a:p>
+            <a:pPr lvl="1"/>
+            <a:r>
+              <a:rPr lang="en-US" dirty="0"/>
+              <a:t>use these ideas to solve problems for lists, trees, and mutually-recursive data definitions.</a:t>
+            </a:r>
+          </a:p>
+          <a:p>
+            <a:pPr lvl="1"/>
+            <a:endParaRPr lang="en-US" dirty="0"/>
+          </a:p>
+          <a:p>
+            <a:pPr lvl="1"/>
+            <a:endParaRPr lang="en-US" dirty="0"/>
+          </a:p>
+          <a:p>
+            <a:pPr lvl="1"/>
+            <a:endParaRPr lang="en-US" dirty="0"/>
           </a:p>
         </p:txBody>
       </p:sp>
@@ -30833,52 +32244,31 @@
           <a:bodyPr/>
           <a:lstStyle/>
           <a:p>
-            <a:fld id="{2AF3B5EA-18B6-4040-9F78-6052AF49C681}" type="slidenum">
-              <a:rPr lang="en-US" smtClean="0"/>
-              <a:t>6</a:t>
+            <a:fld id="{9F4492BD-6A9C-48FC-AC76-0B4FE11194A1}" type="slidenum">
+              <a:rPr lang="en-US" smtClean="0">
+                <a:solidFill>
+                  <a:prstClr val="black">
+                    <a:tint val="75000"/>
+                  </a:prstClr>
+                </a:solidFill>
+              </a:rPr>
+              <a:pPr/>
+              <a:t>64</a:t>
             </a:fld>
-            <a:endParaRPr lang="en-US"/>
-          </a:p>
-        </p:txBody>
-      </p:sp>
-      <p:sp>
-        <p:nvSpPr>
-          <p:cNvPr id="7" name="TextBox 6"/>
-          <p:cNvSpPr txBox="1"/>
-          <p:nvPr/>
-        </p:nvSpPr>
-        <p:spPr>
-          <a:xfrm>
-            <a:off x="4824292" y="3962400"/>
-            <a:ext cx="3886200" cy="1200329"/>
-          </a:xfrm>
-          <a:prstGeom prst="rect">
-            <a:avLst/>
-          </a:prstGeom>
-          <a:solidFill>
-            <a:schemeClr val="accent1">
-              <a:lumMod val="20000"/>
-              <a:lumOff val="80000"/>
-            </a:schemeClr>
-          </a:solidFill>
-        </p:spPr>
-        <p:txBody>
-          <a:bodyPr wrap="square" rtlCol="0">
-            <a:spAutoFit/>
-          </a:bodyPr>
-          <a:lstStyle/>
-          <a:p>
-            <a:r>
-              <a:rPr lang="en-US" sz="2400" dirty="0"/>
-              <a:t>Remember: one of our goals is to get information out of your head and onto the page.</a:t>
-            </a:r>
+            <a:endParaRPr lang="en-US">
+              <a:solidFill>
+                <a:prstClr val="black">
+                  <a:tint val="75000"/>
+                </a:prstClr>
+              </a:solidFill>
+            </a:endParaRPr>
           </a:p>
         </p:txBody>
       </p:sp>
     </p:spTree>
     <p:extLst>
       <p:ext uri="{BB962C8B-B14F-4D97-AF65-F5344CB8AC3E}">
-        <p14:creationId xmlns:p14="http://schemas.microsoft.com/office/powerpoint/2010/main" val="3650027029"/>
+        <p14:creationId xmlns:p14="http://schemas.microsoft.com/office/powerpoint/2010/main" val="1674660491"/>
       </p:ext>
     </p:extLst>
   </p:cSld>
@@ -30888,7 +32278,7 @@
 </p:sld>
 </file>
 
-<file path=ppt/slides/slide60.xml><?xml version="1.0" encoding="utf-8"?>
+<file path=ppt/slides/slide65.xml><?xml version="1.0" encoding="utf-8"?>
 <p:sld xmlns:a="http://schemas.openxmlformats.org/drawingml/2006/main" xmlns:r="http://schemas.openxmlformats.org/officeDocument/2006/relationships" xmlns:p="http://schemas.openxmlformats.org/presentationml/2006/main">
   <p:cSld>
     <p:spTree>
@@ -30922,7 +32312,7 @@
           <a:p>
             <a:r>
               <a:rPr lang="en-US" dirty="0"/>
-              <a:t>Summary</a:t>
+              <a:t>Next Steps</a:t>
             </a:r>
           </a:p>
         </p:txBody>
@@ -30939,55 +32329,30 @@
         </p:nvSpPr>
         <p:spPr/>
         <p:txBody>
-          <a:bodyPr>
-            <a:normAutofit/>
-          </a:bodyPr>
+          <a:bodyPr/>
           <a:lstStyle/>
           <a:p>
             <a:r>
               <a:rPr lang="en-US" dirty="0"/>
-              <a:t>You should now be able to:</a:t>
-            </a:r>
-          </a:p>
-          <a:p>
-            <a:pPr lvl="1"/>
+              <a:t>If you have questions about this lesson, ask them on the Discussion Board</a:t>
+            </a:r>
+          </a:p>
+          <a:p>
             <a:r>
               <a:rPr lang="en-US" dirty="0"/>
-              <a:t>explain the difference between structural arguments and context arguments</a:t>
-            </a:r>
-          </a:p>
-          <a:p>
-            <a:pPr lvl="1"/>
+              <a:t>Do Guided </a:t>
+            </a:r>
+            <a:r>
+              <a:rPr lang="en-US"/>
+              <a:t>Practice 7.1</a:t>
+            </a:r>
+            <a:endParaRPr lang="en-US" dirty="0"/>
+          </a:p>
+          <a:p>
             <a:r>
               <a:rPr lang="en-US" dirty="0"/>
-              <a:t>understand how context arguments represent contexts</a:t>
-            </a:r>
-          </a:p>
-          <a:p>
-            <a:pPr lvl="1"/>
-            <a:r>
-              <a:rPr lang="en-US" dirty="0"/>
-              <a:t>document this representation as an invariant in the purpose statement</a:t>
-            </a:r>
-          </a:p>
-          <a:p>
-            <a:pPr lvl="1"/>
-            <a:r>
-              <a:rPr lang="en-US" dirty="0"/>
-              <a:t>use these ideas to solve problems for lists, trees, and mutually-recursive data definitions.</a:t>
-            </a:r>
-          </a:p>
-          <a:p>
-            <a:pPr lvl="1"/>
-            <a:endParaRPr lang="en-US" dirty="0"/>
-          </a:p>
-          <a:p>
-            <a:pPr lvl="1"/>
-            <a:endParaRPr lang="en-US" dirty="0"/>
-          </a:p>
-          <a:p>
-            <a:pPr lvl="1"/>
-            <a:endParaRPr lang="en-US" dirty="0"/>
+              <a:t>Go on to the next lesson</a:t>
+            </a:r>
           </a:p>
         </p:txBody>
       </p:sp>
@@ -31015,7 +32380,7 @@
                 </a:solidFill>
               </a:rPr>
               <a:pPr/>
-              <a:t>60</a:t>
+              <a:t>65</a:t>
             </a:fld>
             <a:endParaRPr lang="en-US">
               <a:solidFill>
@@ -31030,7 +32395,7 @@
     </p:spTree>
     <p:extLst>
       <p:ext uri="{BB962C8B-B14F-4D97-AF65-F5344CB8AC3E}">
-        <p14:creationId xmlns:p14="http://schemas.microsoft.com/office/powerpoint/2010/main" val="1674660491"/>
+        <p14:creationId xmlns:p14="http://schemas.microsoft.com/office/powerpoint/2010/main" val="2150838613"/>
       </p:ext>
     </p:extLst>
   </p:cSld>
@@ -31040,7 +32405,7 @@
 </p:sld>
 </file>
 
-<file path=ppt/slides/slide61.xml><?xml version="1.0" encoding="utf-8"?>
+<file path=ppt/slides/slide66.xml><?xml version="1.0" encoding="utf-8"?>
 <p:sld xmlns:a="http://schemas.openxmlformats.org/drawingml/2006/main" xmlns:r="http://schemas.openxmlformats.org/officeDocument/2006/relationships" xmlns:p="http://schemas.openxmlformats.org/presentationml/2006/main">
   <p:cSld>
     <p:spTree>
@@ -31059,7 +32424,72 @@
       </p:grpSpPr>
       <p:sp>
         <p:nvSpPr>
-          <p:cNvPr id="2" name="Title 1"/>
+          <p:cNvPr id="6" name="Content Placeholder 5"/>
+          <p:cNvSpPr>
+            <a:spLocks noGrp="1"/>
+          </p:cNvSpPr>
+          <p:nvPr>
+            <p:ph idx="1"/>
+          </p:nvPr>
+        </p:nvSpPr>
+        <p:spPr/>
+        <p:txBody>
+          <a:bodyPr/>
+          <a:lstStyle/>
+          <a:p>
+            <a:r>
+              <a:rPr lang="en-US" dirty="0"/>
+              <a:t>;; fact : </a:t>
+            </a:r>
+            <a:r>
+              <a:rPr lang="en-US" dirty="0" err="1"/>
+              <a:t>NonNegInt</a:t>
+            </a:r>
+            <a:r>
+              <a:rPr lang="en-US" dirty="0"/>
+              <a:t> -&gt; </a:t>
+            </a:r>
+            <a:r>
+              <a:rPr lang="en-US" dirty="0" err="1"/>
+              <a:t>NonNegInt</a:t>
+            </a:r>
+            <a:endParaRPr lang="en-US" dirty="0"/>
+          </a:p>
+          <a:p>
+            <a:r>
+              <a:rPr lang="en-US" dirty="0"/>
+              <a:t>;; GIVEN: a value n</a:t>
+            </a:r>
+          </a:p>
+          <a:p>
+            <a:r>
+              <a:rPr lang="en-US" dirty="0"/>
+              <a:t>;; RETURNS: the factorial of n</a:t>
+            </a:r>
+          </a:p>
+          <a:p>
+            <a:r>
+              <a:rPr lang="en-US" dirty="0"/>
+              <a:t>(define (fact n)</a:t>
+            </a:r>
+          </a:p>
+          <a:p>
+            <a:r>
+              <a:rPr lang="en-US" dirty="0"/>
+              <a:t>  (if (zero? n) 1</a:t>
+            </a:r>
+          </a:p>
+          <a:p>
+            <a:r>
+              <a:rPr lang="en-US" dirty="0"/>
+              <a:t>      (* n (fact (- n 1)))))</a:t>
+            </a:r>
+          </a:p>
+        </p:txBody>
+      </p:sp>
+      <p:sp>
+        <p:nvSpPr>
+          <p:cNvPr id="5" name="Title 4"/>
           <p:cNvSpPr>
             <a:spLocks noGrp="1"/>
           </p:cNvSpPr>
@@ -31074,46 +32504,7 @@
           <a:p>
             <a:r>
               <a:rPr lang="en-US" dirty="0"/>
-              <a:t>Next Steps</a:t>
-            </a:r>
-          </a:p>
-        </p:txBody>
-      </p:sp>
-      <p:sp>
-        <p:nvSpPr>
-          <p:cNvPr id="3" name="Content Placeholder 2"/>
-          <p:cNvSpPr>
-            <a:spLocks noGrp="1"/>
-          </p:cNvSpPr>
-          <p:nvPr>
-            <p:ph idx="1"/>
-          </p:nvPr>
-        </p:nvSpPr>
-        <p:spPr/>
-        <p:txBody>
-          <a:bodyPr/>
-          <a:lstStyle/>
-          <a:p>
-            <a:r>
-              <a:rPr lang="en-US" dirty="0"/>
-              <a:t>If you have questions about this lesson, ask them on the Discussion Board</a:t>
-            </a:r>
-          </a:p>
-          <a:p>
-            <a:r>
-              <a:rPr lang="en-US" dirty="0"/>
-              <a:t>Do Guided </a:t>
-            </a:r>
-            <a:r>
-              <a:rPr lang="en-US"/>
-              <a:t>Practice 7.1</a:t>
-            </a:r>
-            <a:endParaRPr lang="en-US" dirty="0"/>
-          </a:p>
-          <a:p>
-            <a:r>
-              <a:rPr lang="en-US" dirty="0"/>
-              <a:t>Go on to the next lesson</a:t>
+              <a:t>Example</a:t>
             </a:r>
           </a:p>
         </p:txBody>
@@ -31133,162 +32524,9 @@
           <a:bodyPr/>
           <a:lstStyle/>
           <a:p>
-            <a:fld id="{9F4492BD-6A9C-48FC-AC76-0B4FE11194A1}" type="slidenum">
-              <a:rPr lang="en-US" smtClean="0">
-                <a:solidFill>
-                  <a:prstClr val="black">
-                    <a:tint val="75000"/>
-                  </a:prstClr>
-                </a:solidFill>
-              </a:rPr>
-              <a:pPr/>
-              <a:t>61</a:t>
-            </a:fld>
-            <a:endParaRPr lang="en-US">
-              <a:solidFill>
-                <a:prstClr val="black">
-                  <a:tint val="75000"/>
-                </a:prstClr>
-              </a:solidFill>
-            </a:endParaRPr>
-          </a:p>
-        </p:txBody>
-      </p:sp>
-    </p:spTree>
-    <p:extLst>
-      <p:ext uri="{BB962C8B-B14F-4D97-AF65-F5344CB8AC3E}">
-        <p14:creationId xmlns:p14="http://schemas.microsoft.com/office/powerpoint/2010/main" val="2150838613"/>
-      </p:ext>
-    </p:extLst>
-  </p:cSld>
-  <p:clrMapOvr>
-    <a:masterClrMapping/>
-  </p:clrMapOvr>
-</p:sld>
-</file>
-
-<file path=ppt/slides/slide62.xml><?xml version="1.0" encoding="utf-8"?>
-<p:sld xmlns:a="http://schemas.openxmlformats.org/drawingml/2006/main" xmlns:r="http://schemas.openxmlformats.org/officeDocument/2006/relationships" xmlns:p="http://schemas.openxmlformats.org/presentationml/2006/main">
-  <p:cSld>
-    <p:spTree>
-      <p:nvGrpSpPr>
-        <p:cNvPr id="1" name=""/>
-        <p:cNvGrpSpPr/>
-        <p:nvPr/>
-      </p:nvGrpSpPr>
-      <p:grpSpPr>
-        <a:xfrm>
-          <a:off x="0" y="0"/>
-          <a:ext cx="0" cy="0"/>
-          <a:chOff x="0" y="0"/>
-          <a:chExt cx="0" cy="0"/>
-        </a:xfrm>
-      </p:grpSpPr>
-      <p:sp>
-        <p:nvSpPr>
-          <p:cNvPr id="6" name="Content Placeholder 5"/>
-          <p:cNvSpPr>
-            <a:spLocks noGrp="1"/>
-          </p:cNvSpPr>
-          <p:nvPr>
-            <p:ph idx="1"/>
-          </p:nvPr>
-        </p:nvSpPr>
-        <p:spPr/>
-        <p:txBody>
-          <a:bodyPr/>
-          <a:lstStyle/>
-          <a:p>
-            <a:r>
-              <a:rPr lang="en-US" dirty="0"/>
-              <a:t>;; fact : </a:t>
-            </a:r>
-            <a:r>
-              <a:rPr lang="en-US" dirty="0" err="1"/>
-              <a:t>NonNegInt</a:t>
-            </a:r>
-            <a:r>
-              <a:rPr lang="en-US" dirty="0"/>
-              <a:t> -&gt; </a:t>
-            </a:r>
-            <a:r>
-              <a:rPr lang="en-US" dirty="0" err="1"/>
-              <a:t>NonNegInt</a:t>
-            </a:r>
-            <a:endParaRPr lang="en-US" dirty="0"/>
-          </a:p>
-          <a:p>
-            <a:r>
-              <a:rPr lang="en-US" dirty="0"/>
-              <a:t>;; GIVEN: a value n</a:t>
-            </a:r>
-          </a:p>
-          <a:p>
-            <a:r>
-              <a:rPr lang="en-US" dirty="0"/>
-              <a:t>;; RETURNS: the factorial of n</a:t>
-            </a:r>
-          </a:p>
-          <a:p>
-            <a:r>
-              <a:rPr lang="en-US" dirty="0"/>
-              <a:t>(define (fact n)</a:t>
-            </a:r>
-          </a:p>
-          <a:p>
-            <a:r>
-              <a:rPr lang="en-US" dirty="0"/>
-              <a:t>  (if (zero? n) 1</a:t>
-            </a:r>
-          </a:p>
-          <a:p>
-            <a:r>
-              <a:rPr lang="en-US" dirty="0"/>
-              <a:t>      (* n (fact (- n 1)))))</a:t>
-            </a:r>
-          </a:p>
-        </p:txBody>
-      </p:sp>
-      <p:sp>
-        <p:nvSpPr>
-          <p:cNvPr id="5" name="Title 4"/>
-          <p:cNvSpPr>
-            <a:spLocks noGrp="1"/>
-          </p:cNvSpPr>
-          <p:nvPr>
-            <p:ph type="title"/>
-          </p:nvPr>
-        </p:nvSpPr>
-        <p:spPr/>
-        <p:txBody>
-          <a:bodyPr/>
-          <a:lstStyle/>
-          <a:p>
-            <a:r>
-              <a:rPr lang="en-US" dirty="0"/>
-              <a:t>Example</a:t>
-            </a:r>
-          </a:p>
-        </p:txBody>
-      </p:sp>
-      <p:sp>
-        <p:nvSpPr>
-          <p:cNvPr id="4" name="Slide Number Placeholder 3"/>
-          <p:cNvSpPr>
-            <a:spLocks noGrp="1"/>
-          </p:cNvSpPr>
-          <p:nvPr>
-            <p:ph type="sldNum" sz="quarter" idx="12"/>
-          </p:nvPr>
-        </p:nvSpPr>
-        <p:spPr/>
-        <p:txBody>
-          <a:bodyPr/>
-          <a:lstStyle/>
-          <a:p>
             <a:fld id="{2AF3B5EA-18B6-4040-9F78-6052AF49C681}" type="slidenum">
               <a:rPr lang="en-US" smtClean="0"/>
-              <a:t>62</a:t>
+              <a:t>66</a:t>
             </a:fld>
             <a:endParaRPr lang="en-US"/>
           </a:p>
@@ -31663,7 +32901,7 @@
 </p:sld>
 </file>
 
-<file path=ppt/slides/slide63.xml><?xml version="1.0" encoding="utf-8"?>
+<file path=ppt/slides/slide67.xml><?xml version="1.0" encoding="utf-8"?>
 <p:sld xmlns:a="http://schemas.openxmlformats.org/drawingml/2006/main" xmlns:r="http://schemas.openxmlformats.org/officeDocument/2006/relationships" xmlns:p="http://schemas.openxmlformats.org/presentationml/2006/main">
   <p:cSld>
     <p:spTree>
@@ -31755,7 +32993,7 @@
           <a:p>
             <a:fld id="{4FF46DE1-096B-4EDD-A00F-DA0292705DA0}" type="slidenum">
               <a:rPr lang="en-US" smtClean="0"/>
-              <a:t>63</a:t>
+              <a:t>67</a:t>
             </a:fld>
             <a:endParaRPr lang="en-US"/>
           </a:p>
@@ -31946,7 +33184,7 @@
 </p:sld>
 </file>
 
-<file path=ppt/slides/slide64.xml><?xml version="1.0" encoding="utf-8"?>
+<file path=ppt/slides/slide68.xml><?xml version="1.0" encoding="utf-8"?>
 <p:sld xmlns:a="http://schemas.openxmlformats.org/drawingml/2006/main" xmlns:r="http://schemas.openxmlformats.org/officeDocument/2006/relationships" xmlns:p="http://schemas.openxmlformats.org/presentationml/2006/main">
   <p:cSld>
     <p:spTree>
@@ -32031,7 +33269,7 @@
           <a:p>
             <a:fld id="{4FF46DE1-096B-4EDD-A00F-DA0292705DA0}" type="slidenum">
               <a:rPr lang="en-US" smtClean="0"/>
-              <a:t>64</a:t>
+              <a:t>68</a:t>
             </a:fld>
             <a:endParaRPr lang="en-US"/>
           </a:p>
@@ -32050,7 +33288,7 @@
 </p:sld>
 </file>
 
-<file path=ppt/slides/slide65.xml><?xml version="1.0" encoding="utf-8"?>
+<file path=ppt/slides/slide69.xml><?xml version="1.0" encoding="utf-8"?>
 <p:sld xmlns:a="http://schemas.openxmlformats.org/drawingml/2006/main" xmlns:r="http://schemas.openxmlformats.org/officeDocument/2006/relationships" xmlns:p="http://schemas.openxmlformats.org/presentationml/2006/main">
   <p:cSld>
     <p:spTree>
@@ -32145,7 +33383,7 @@
           <a:p>
             <a:fld id="{4FF46DE1-096B-4EDD-A00F-DA0292705DA0}" type="slidenum">
               <a:rPr lang="en-US" smtClean="0"/>
-              <a:t>65</a:t>
+              <a:t>69</a:t>
             </a:fld>
             <a:endParaRPr lang="en-US"/>
           </a:p>
@@ -32164,7 +33402,7 @@
 </p:sld>
 </file>
 
-<file path=ppt/slides/slide66.xml><?xml version="1.0" encoding="utf-8"?>
+<file path=ppt/slides/slide7.xml><?xml version="1.0" encoding="utf-8"?>
 <p:sld xmlns:a="http://schemas.openxmlformats.org/drawingml/2006/main" xmlns:r="http://schemas.openxmlformats.org/officeDocument/2006/relationships" xmlns:p="http://schemas.openxmlformats.org/presentationml/2006/main">
   <p:cSld>
     <p:spTree>
@@ -32183,6 +33421,99 @@
       </p:grpSpPr>
       <p:sp>
         <p:nvSpPr>
+          <p:cNvPr id="4" name="Content Placeholder 3"/>
+          <p:cNvSpPr>
+            <a:spLocks noGrp="1"/>
+          </p:cNvSpPr>
+          <p:nvPr>
+            <p:ph idx="1"/>
+          </p:nvPr>
+        </p:nvSpPr>
+        <p:spPr>
+          <a:xfrm>
+            <a:off x="457200" y="1600200"/>
+            <a:ext cx="8229600" cy="4525963"/>
+          </a:xfrm>
+        </p:spPr>
+        <p:txBody>
+          <a:bodyPr>
+            <a:normAutofit lnSpcReduction="10000"/>
+          </a:bodyPr>
+          <a:lstStyle/>
+          <a:p>
+            <a:r>
+              <a:rPr lang="en-US" sz="2800" dirty="0"/>
+              <a:t>;; ball-normal-motion : Ball -&gt; Ball</a:t>
+            </a:r>
+          </a:p>
+          <a:p>
+            <a:r>
+              <a:rPr lang="en-US" sz="2800" dirty="0"/>
+              <a:t>;; GIVEN: a Ball</a:t>
+            </a:r>
+          </a:p>
+          <a:p>
+            <a:r>
+              <a:rPr lang="en-US" sz="2800" dirty="0">
+                <a:solidFill>
+                  <a:srgbClr val="FF0000"/>
+                </a:solidFill>
+              </a:rPr>
+              <a:t> </a:t>
+            </a:r>
+          </a:p>
+          <a:p>
+            <a:r>
+              <a:rPr lang="en-US" sz="2800" dirty="0">
+                <a:solidFill>
+                  <a:srgbClr val="FF0000"/>
+                </a:solidFill>
+              </a:rPr>
+              <a:t> </a:t>
+            </a:r>
+          </a:p>
+          <a:p>
+            <a:r>
+              <a:rPr lang="en-US" sz="2800" dirty="0"/>
+              <a:t>;; RETURNS: the state of the ball after a</a:t>
+            </a:r>
+          </a:p>
+          <a:p>
+            <a:r>
+              <a:rPr lang="en-US" sz="2800" dirty="0"/>
+              <a:t>;; tick.</a:t>
+            </a:r>
+          </a:p>
+          <a:p>
+            <a:r>
+              <a:rPr lang="en-US" sz="2800" dirty="0"/>
+              <a:t>(define (ball-normal-motion b)</a:t>
+            </a:r>
+          </a:p>
+          <a:p>
+            <a:r>
+              <a:rPr lang="en-US" sz="2800" dirty="0"/>
+              <a:t>  (make-ball </a:t>
+            </a:r>
+          </a:p>
+          <a:p>
+            <a:r>
+              <a:rPr lang="en-US" sz="2800" dirty="0"/>
+              <a:t>    (+ (ball-x-</a:t>
+            </a:r>
+            <a:r>
+              <a:rPr lang="en-US" sz="2800" dirty="0" err="1"/>
+              <a:t>pos</a:t>
+            </a:r>
+            <a:r>
+              <a:rPr lang="en-US" sz="2800" dirty="0"/>
+              <a:t> b) BALLSPEED)))</a:t>
+            </a:r>
+          </a:p>
+        </p:txBody>
+      </p:sp>
+      <p:sp>
+        <p:nvSpPr>
           <p:cNvPr id="2" name="Title 1"/>
           <p:cNvSpPr>
             <a:spLocks noGrp="1"/>
@@ -32193,76 +33524,19 @@
         </p:nvSpPr>
         <p:spPr/>
         <p:txBody>
-          <a:bodyPr>
-            <a:normAutofit fontScale="90000"/>
-          </a:bodyPr>
+          <a:bodyPr/>
           <a:lstStyle/>
           <a:p>
             <a:r>
               <a:rPr lang="en-US" dirty="0"/>
-              <a:t>What kind of things belong in an invariant?</a:t>
-            </a:r>
-          </a:p>
-        </p:txBody>
-      </p:sp>
-      <p:sp>
-        <p:nvSpPr>
-          <p:cNvPr id="3" name="Content Placeholder 2"/>
-          <p:cNvSpPr>
-            <a:spLocks noGrp="1"/>
-          </p:cNvSpPr>
-          <p:nvPr>
-            <p:ph idx="1"/>
-          </p:nvPr>
-        </p:nvSpPr>
-        <p:spPr/>
-        <p:txBody>
-          <a:bodyPr>
-            <a:normAutofit/>
-          </a:bodyPr>
-          <a:lstStyle/>
-          <a:p>
-            <a:r>
-              <a:rPr lang="en-US" dirty="0"/>
-              <a:t>If the function needs additional information that is not in the arguments, then you need an invariant to document the needed information</a:t>
-            </a:r>
-          </a:p>
-          <a:p>
-            <a:r>
-              <a:rPr lang="en-US" dirty="0"/>
-              <a:t>What kind of information might you want?</a:t>
-            </a:r>
-          </a:p>
-          <a:p>
-            <a:pPr lvl="1"/>
-            <a:r>
-              <a:rPr lang="en-US" dirty="0"/>
-              <a:t>context information (e.g. we are position </a:t>
-            </a:r>
-            <a:r>
-              <a:rPr lang="en-US" b="1" dirty="0"/>
-              <a:t>n</a:t>
-            </a:r>
-            <a:r>
-              <a:rPr lang="en-US" dirty="0"/>
-              <a:t> in the list)</a:t>
-            </a:r>
-          </a:p>
-          <a:p>
-            <a:pPr lvl="1"/>
-            <a:r>
-              <a:rPr lang="en-US" dirty="0"/>
-              <a:t>other knowledge that isn't expressed in the contract (e.g. we've figured out the ball isn't going to bounce).</a:t>
-            </a:r>
-          </a:p>
-          <a:p>
-            <a:endParaRPr lang="en-US" dirty="0"/>
-          </a:p>
-        </p:txBody>
-      </p:sp>
-      <p:sp>
-        <p:nvSpPr>
-          <p:cNvPr id="4" name="Slide Number Placeholder 3"/>
+              <a:t>Example </a:t>
+            </a:r>
+          </a:p>
+        </p:txBody>
+      </p:sp>
+      <p:sp>
+        <p:nvSpPr>
+          <p:cNvPr id="3" name="Slide Number Placeholder 2"/>
           <p:cNvSpPr>
             <a:spLocks noGrp="1"/>
           </p:cNvSpPr>
@@ -32277,26 +33551,252 @@
           <a:p>
             <a:fld id="{4FF46DE1-096B-4EDD-A00F-DA0292705DA0}" type="slidenum">
               <a:rPr lang="en-US" smtClean="0"/>
-              <a:t>66</a:t>
+              <a:t>7</a:t>
             </a:fld>
             <a:endParaRPr lang="en-US"/>
+          </a:p>
+        </p:txBody>
+      </p:sp>
+      <p:sp>
+        <p:nvSpPr>
+          <p:cNvPr id="8" name="TextBox 7"/>
+          <p:cNvSpPr txBox="1"/>
+          <p:nvPr/>
+        </p:nvSpPr>
+        <p:spPr>
+          <a:xfrm>
+            <a:off x="5638800" y="384473"/>
+            <a:ext cx="3352800" cy="1200329"/>
+          </a:xfrm>
+          <a:prstGeom prst="rect">
+            <a:avLst/>
+          </a:prstGeom>
+          <a:solidFill>
+            <a:schemeClr val="accent1">
+              <a:lumMod val="20000"/>
+              <a:lumOff val="80000"/>
+            </a:schemeClr>
+          </a:solidFill>
+        </p:spPr>
+        <p:txBody>
+          <a:bodyPr wrap="square" rtlCol="0">
+            <a:spAutoFit/>
+          </a:bodyPr>
+          <a:lstStyle/>
+          <a:p>
+            <a:r>
+              <a:rPr lang="en-US" dirty="0"/>
+              <a:t>Imagine a ball bouncing back and forth in a closed box in the x direction. We might write something like this: </a:t>
+            </a:r>
+          </a:p>
+        </p:txBody>
+      </p:sp>
+      <p:sp>
+        <p:nvSpPr>
+          <p:cNvPr id="9" name="TextBox 8"/>
+          <p:cNvSpPr txBox="1"/>
+          <p:nvPr/>
+        </p:nvSpPr>
+        <p:spPr>
+          <a:xfrm>
+            <a:off x="4267200" y="2133600"/>
+            <a:ext cx="4724400" cy="1200329"/>
+          </a:xfrm>
+          <a:prstGeom prst="rect">
+            <a:avLst/>
+          </a:prstGeom>
+          <a:solidFill>
+            <a:schemeClr val="accent1">
+              <a:lumMod val="20000"/>
+              <a:lumOff val="80000"/>
+            </a:schemeClr>
+          </a:solidFill>
+        </p:spPr>
+        <p:txBody>
+          <a:bodyPr wrap="square" rtlCol="0">
+            <a:spAutoFit/>
+          </a:bodyPr>
+          <a:lstStyle/>
+          <a:p>
+            <a:r>
+              <a:rPr lang="en-US" dirty="0"/>
+              <a:t>But if the ball is about to bounce off the wall, this code does NOT return the correct state of the ball after the next tick– it doesn’t account for the bouncing.</a:t>
+            </a:r>
+          </a:p>
+        </p:txBody>
+      </p:sp>
+      <p:sp>
+        <p:nvSpPr>
+          <p:cNvPr id="10" name="TextBox 9"/>
+          <p:cNvSpPr txBox="1"/>
+          <p:nvPr/>
+        </p:nvSpPr>
+        <p:spPr>
+          <a:xfrm>
+            <a:off x="4343400" y="5847060"/>
+            <a:ext cx="4064854" cy="923330"/>
+          </a:xfrm>
+          <a:prstGeom prst="rect">
+            <a:avLst/>
+          </a:prstGeom>
+          <a:solidFill>
+            <a:schemeClr val="accent1">
+              <a:lumMod val="20000"/>
+              <a:lumOff val="80000"/>
+            </a:schemeClr>
+          </a:solidFill>
+        </p:spPr>
+        <p:txBody>
+          <a:bodyPr wrap="square" rtlCol="0">
+            <a:spAutoFit/>
+          </a:bodyPr>
+          <a:lstStyle/>
+          <a:p>
+            <a:r>
+              <a:rPr lang="en-US" dirty="0"/>
+              <a:t>This function only fulfills its purpose statement if it is given a ball that doesn’t bounce on the next tick.</a:t>
+            </a:r>
           </a:p>
         </p:txBody>
       </p:sp>
     </p:spTree>
     <p:extLst>
       <p:ext uri="{BB962C8B-B14F-4D97-AF65-F5344CB8AC3E}">
-        <p14:creationId xmlns:p14="http://schemas.microsoft.com/office/powerpoint/2010/main" val="2181867868"/>
+        <p14:creationId xmlns:p14="http://schemas.microsoft.com/office/powerpoint/2010/main" val="2080827926"/>
       </p:ext>
     </p:extLst>
   </p:cSld>
   <p:clrMapOvr>
     <a:masterClrMapping/>
   </p:clrMapOvr>
+  <p:timing>
+    <p:tnLst>
+      <p:par>
+        <p:cTn id="1" dur="indefinite" restart="never" nodeType="tmRoot">
+          <p:childTnLst>
+            <p:seq concurrent="1" nextAc="seek">
+              <p:cTn id="2" dur="indefinite" nodeType="mainSeq">
+                <p:childTnLst>
+                  <p:par>
+                    <p:cTn id="3" fill="hold">
+                      <p:stCondLst>
+                        <p:cond delay="indefinite"/>
+                      </p:stCondLst>
+                      <p:childTnLst>
+                        <p:par>
+                          <p:cTn id="4" fill="hold">
+                            <p:stCondLst>
+                              <p:cond delay="0"/>
+                            </p:stCondLst>
+                            <p:childTnLst>
+                              <p:par>
+                                <p:cTn id="5" presetID="1" presetClass="entr" presetSubtype="0" fill="hold" grpId="0" nodeType="clickEffect">
+                                  <p:stCondLst>
+                                    <p:cond delay="0"/>
+                                  </p:stCondLst>
+                                  <p:childTnLst>
+                                    <p:set>
+                                      <p:cBhvr>
+                                        <p:cTn id="6" dur="1" fill="hold">
+                                          <p:stCondLst>
+                                            <p:cond delay="0"/>
+                                          </p:stCondLst>
+                                        </p:cTn>
+                                        <p:tgtEl>
+                                          <p:spTgt spid="9"/>
+                                        </p:tgtEl>
+                                        <p:attrNameLst>
+                                          <p:attrName>style.visibility</p:attrName>
+                                        </p:attrNameLst>
+                                      </p:cBhvr>
+                                      <p:to>
+                                        <p:strVal val="visible"/>
+                                      </p:to>
+                                    </p:set>
+                                  </p:childTnLst>
+                                </p:cTn>
+                              </p:par>
+                            </p:childTnLst>
+                          </p:cTn>
+                        </p:par>
+                      </p:childTnLst>
+                    </p:cTn>
+                  </p:par>
+                  <p:par>
+                    <p:cTn id="7" fill="hold">
+                      <p:stCondLst>
+                        <p:cond delay="indefinite"/>
+                      </p:stCondLst>
+                      <p:childTnLst>
+                        <p:par>
+                          <p:cTn id="8" fill="hold">
+                            <p:stCondLst>
+                              <p:cond delay="0"/>
+                            </p:stCondLst>
+                            <p:childTnLst>
+                              <p:par>
+                                <p:cTn id="9" presetID="1" presetClass="entr" presetSubtype="0" fill="hold" grpId="0" nodeType="clickEffect">
+                                  <p:stCondLst>
+                                    <p:cond delay="0"/>
+                                  </p:stCondLst>
+                                  <p:childTnLst>
+                                    <p:set>
+                                      <p:cBhvr>
+                                        <p:cTn id="10" dur="1" fill="hold">
+                                          <p:stCondLst>
+                                            <p:cond delay="0"/>
+                                          </p:stCondLst>
+                                        </p:cTn>
+                                        <p:tgtEl>
+                                          <p:spTgt spid="10"/>
+                                        </p:tgtEl>
+                                        <p:attrNameLst>
+                                          <p:attrName>style.visibility</p:attrName>
+                                        </p:attrNameLst>
+                                      </p:cBhvr>
+                                      <p:to>
+                                        <p:strVal val="visible"/>
+                                      </p:to>
+                                    </p:set>
+                                  </p:childTnLst>
+                                </p:cTn>
+                              </p:par>
+                            </p:childTnLst>
+                          </p:cTn>
+                        </p:par>
+                      </p:childTnLst>
+                    </p:cTn>
+                  </p:par>
+                </p:childTnLst>
+              </p:cTn>
+              <p:prevCondLst>
+                <p:cond evt="onPrev" delay="0">
+                  <p:tgtEl>
+                    <p:sldTgt/>
+                  </p:tgtEl>
+                </p:cond>
+              </p:prevCondLst>
+              <p:nextCondLst>
+                <p:cond evt="onNext" delay="0">
+                  <p:tgtEl>
+                    <p:sldTgt/>
+                  </p:tgtEl>
+                </p:cond>
+              </p:nextCondLst>
+            </p:seq>
+          </p:childTnLst>
+        </p:cTn>
+      </p:par>
+    </p:tnLst>
+    <p:bldLst>
+      <p:bldP spid="9" grpId="0" animBg="1"/>
+      <p:bldP spid="10" grpId="0" animBg="1"/>
+    </p:bldLst>
+  </p:timing>
 </p:sld>
 </file>
 
-<file path=ppt/slides/slide67.xml><?xml version="1.0" encoding="utf-8"?>
+<file path=ppt/slides/slide70.xml><?xml version="1.0" encoding="utf-8"?>
 <p:sld xmlns:a="http://schemas.openxmlformats.org/drawingml/2006/main" xmlns:r="http://schemas.openxmlformats.org/officeDocument/2006/relationships" xmlns:p="http://schemas.openxmlformats.org/presentationml/2006/main">
   <p:cSld>
     <p:spTree>
@@ -32325,12 +33825,14 @@
         </p:nvSpPr>
         <p:spPr/>
         <p:txBody>
-          <a:bodyPr/>
+          <a:bodyPr>
+            <a:normAutofit fontScale="90000"/>
+          </a:bodyPr>
           <a:lstStyle/>
           <a:p>
             <a:r>
               <a:rPr lang="en-US" dirty="0"/>
-              <a:t>Whose responsibility is it?</a:t>
+              <a:t>What kind of things belong in an invariant?</a:t>
             </a:r>
           </a:p>
         </p:txBody>
@@ -32347,24 +33849,42 @@
         </p:nvSpPr>
         <p:spPr/>
         <p:txBody>
-          <a:bodyPr/>
+          <a:bodyPr>
+            <a:normAutofit/>
+          </a:bodyPr>
           <a:lstStyle/>
           <a:p>
             <a:r>
               <a:rPr lang="en-US" dirty="0"/>
-              <a:t>The invariant, along with the contract, sets down the assumptions that each function makes about the arguments that it processes</a:t>
+              <a:t>If the function needs additional information that is not in the arguments, then you need an invariant to document the needed information</a:t>
             </a:r>
           </a:p>
           <a:p>
             <a:r>
               <a:rPr lang="en-US" dirty="0"/>
-              <a:t>It is up to each caller of the function to make sure that the invariant is true at every call.</a:t>
-            </a:r>
-          </a:p>
-          <a:p>
+              <a:t>What kind of information might you want?</a:t>
+            </a:r>
+          </a:p>
+          <a:p>
+            <a:pPr lvl="1"/>
             <a:r>
               <a:rPr lang="en-US" dirty="0"/>
-              <a:t>The function gets to assume that the invariant is true.</a:t>
+              <a:t>context information (e.g. we are position </a:t>
+            </a:r>
+            <a:r>
+              <a:rPr lang="en-US" b="1" dirty="0"/>
+              <a:t>n</a:t>
+            </a:r>
+            <a:r>
+              <a:rPr lang="en-US" dirty="0"/>
+              <a:t> in the list)</a:t>
+            </a:r>
+          </a:p>
+          <a:p>
+            <a:pPr lvl="1"/>
+            <a:r>
+              <a:rPr lang="en-US" dirty="0"/>
+              <a:t>other knowledge that isn't expressed in the contract (e.g. we've figured out the ball isn't going to bounce).</a:t>
             </a:r>
           </a:p>
           <a:p>
@@ -32389,7 +33909,119 @@
           <a:p>
             <a:fld id="{4FF46DE1-096B-4EDD-A00F-DA0292705DA0}" type="slidenum">
               <a:rPr lang="en-US" smtClean="0"/>
-              <a:t>67</a:t>
+              <a:t>70</a:t>
+            </a:fld>
+            <a:endParaRPr lang="en-US"/>
+          </a:p>
+        </p:txBody>
+      </p:sp>
+    </p:spTree>
+    <p:extLst>
+      <p:ext uri="{BB962C8B-B14F-4D97-AF65-F5344CB8AC3E}">
+        <p14:creationId xmlns:p14="http://schemas.microsoft.com/office/powerpoint/2010/main" val="2181867868"/>
+      </p:ext>
+    </p:extLst>
+  </p:cSld>
+  <p:clrMapOvr>
+    <a:masterClrMapping/>
+  </p:clrMapOvr>
+</p:sld>
+</file>
+
+<file path=ppt/slides/slide71.xml><?xml version="1.0" encoding="utf-8"?>
+<p:sld xmlns:a="http://schemas.openxmlformats.org/drawingml/2006/main" xmlns:r="http://schemas.openxmlformats.org/officeDocument/2006/relationships" xmlns:p="http://schemas.openxmlformats.org/presentationml/2006/main">
+  <p:cSld>
+    <p:spTree>
+      <p:nvGrpSpPr>
+        <p:cNvPr id="1" name=""/>
+        <p:cNvGrpSpPr/>
+        <p:nvPr/>
+      </p:nvGrpSpPr>
+      <p:grpSpPr>
+        <a:xfrm>
+          <a:off x="0" y="0"/>
+          <a:ext cx="0" cy="0"/>
+          <a:chOff x="0" y="0"/>
+          <a:chExt cx="0" cy="0"/>
+        </a:xfrm>
+      </p:grpSpPr>
+      <p:sp>
+        <p:nvSpPr>
+          <p:cNvPr id="2" name="Title 1"/>
+          <p:cNvSpPr>
+            <a:spLocks noGrp="1"/>
+          </p:cNvSpPr>
+          <p:nvPr>
+            <p:ph type="title"/>
+          </p:nvPr>
+        </p:nvSpPr>
+        <p:spPr/>
+        <p:txBody>
+          <a:bodyPr/>
+          <a:lstStyle/>
+          <a:p>
+            <a:r>
+              <a:rPr lang="en-US" dirty="0"/>
+              <a:t>Whose responsibility is it?</a:t>
+            </a:r>
+          </a:p>
+        </p:txBody>
+      </p:sp>
+      <p:sp>
+        <p:nvSpPr>
+          <p:cNvPr id="3" name="Content Placeholder 2"/>
+          <p:cNvSpPr>
+            <a:spLocks noGrp="1"/>
+          </p:cNvSpPr>
+          <p:nvPr>
+            <p:ph idx="1"/>
+          </p:nvPr>
+        </p:nvSpPr>
+        <p:spPr/>
+        <p:txBody>
+          <a:bodyPr/>
+          <a:lstStyle/>
+          <a:p>
+            <a:r>
+              <a:rPr lang="en-US" dirty="0"/>
+              <a:t>The invariant, along with the contract, sets down the assumptions that each function makes about the arguments that it processes</a:t>
+            </a:r>
+          </a:p>
+          <a:p>
+            <a:r>
+              <a:rPr lang="en-US" dirty="0"/>
+              <a:t>It is up to each caller of the function to make sure that the invariant is true at every call.</a:t>
+            </a:r>
+          </a:p>
+          <a:p>
+            <a:r>
+              <a:rPr lang="en-US" dirty="0"/>
+              <a:t>The function gets to assume that the invariant is true.</a:t>
+            </a:r>
+          </a:p>
+          <a:p>
+            <a:endParaRPr lang="en-US" dirty="0"/>
+          </a:p>
+        </p:txBody>
+      </p:sp>
+      <p:sp>
+        <p:nvSpPr>
+          <p:cNvPr id="4" name="Slide Number Placeholder 3"/>
+          <p:cNvSpPr>
+            <a:spLocks noGrp="1"/>
+          </p:cNvSpPr>
+          <p:nvPr>
+            <p:ph type="sldNum" sz="quarter" idx="12"/>
+          </p:nvPr>
+        </p:nvSpPr>
+        <p:spPr/>
+        <p:txBody>
+          <a:bodyPr/>
+          <a:lstStyle/>
+          <a:p>
+            <a:fld id="{4FF46DE1-096B-4EDD-A00F-DA0292705DA0}" type="slidenum">
+              <a:rPr lang="en-US" smtClean="0"/>
+              <a:t>71</a:t>
             </a:fld>
             <a:endParaRPr lang="en-US"/>
           </a:p>
@@ -32408,7 +34040,7 @@
 </p:sld>
 </file>
 
-<file path=ppt/slides/slide68.xml><?xml version="1.0" encoding="utf-8"?>
+<file path=ppt/slides/slide72.xml><?xml version="1.0" encoding="utf-8"?>
 <p:sld xmlns:a="http://schemas.openxmlformats.org/drawingml/2006/main" xmlns:r="http://schemas.openxmlformats.org/officeDocument/2006/relationships" xmlns:p="http://schemas.openxmlformats.org/presentationml/2006/main">
   <p:cSld>
     <p:spTree>
@@ -32600,7 +34232,7 @@
           <a:p>
             <a:fld id="{4FF46DE1-096B-4EDD-A00F-DA0292705DA0}" type="slidenum">
               <a:rPr lang="en-US" smtClean="0"/>
-              <a:t>68</a:t>
+              <a:t>72</a:t>
             </a:fld>
             <a:endParaRPr lang="en-US"/>
           </a:p>
@@ -32938,7 +34570,7 @@
 </p:sld>
 </file>
 
-<file path=ppt/slides/slide69.xml><?xml version="1.0" encoding="utf-8"?>
+<file path=ppt/slides/slide73.xml><?xml version="1.0" encoding="utf-8"?>
 <p:sld xmlns:a="http://schemas.openxmlformats.org/drawingml/2006/main" xmlns:r="http://schemas.openxmlformats.org/officeDocument/2006/relationships" xmlns:p="http://schemas.openxmlformats.org/presentationml/2006/main">
   <p:cSld>
     <p:spTree>
@@ -33153,7 +34785,7 @@
           <a:p>
             <a:fld id="{4FF46DE1-096B-4EDD-A00F-DA0292705DA0}" type="slidenum">
               <a:rPr lang="en-US" smtClean="0"/>
-              <a:t>69</a:t>
+              <a:t>73</a:t>
             </a:fld>
             <a:endParaRPr lang="en-US"/>
           </a:p>
@@ -33305,7 +34937,7 @@
 </p:sld>
 </file>
 
-<file path=ppt/slides/slide7.xml><?xml version="1.0" encoding="utf-8"?>
+<file path=ppt/slides/slide74.xml><?xml version="1.0" encoding="utf-8"?>
 <p:sld xmlns:a="http://schemas.openxmlformats.org/drawingml/2006/main" xmlns:r="http://schemas.openxmlformats.org/officeDocument/2006/relationships" xmlns:p="http://schemas.openxmlformats.org/presentationml/2006/main">
   <p:cSld>
     <p:spTree>
@@ -33324,400 +34956,6 @@
       </p:grpSpPr>
       <p:sp>
         <p:nvSpPr>
-          <p:cNvPr id="4" name="Content Placeholder 3"/>
-          <p:cNvSpPr>
-            <a:spLocks noGrp="1"/>
-          </p:cNvSpPr>
-          <p:nvPr>
-            <p:ph idx="1"/>
-          </p:nvPr>
-        </p:nvSpPr>
-        <p:spPr>
-          <a:xfrm>
-            <a:off x="457200" y="1600200"/>
-            <a:ext cx="8229600" cy="4525963"/>
-          </a:xfrm>
-        </p:spPr>
-        <p:txBody>
-          <a:bodyPr>
-            <a:normAutofit lnSpcReduction="10000"/>
-          </a:bodyPr>
-          <a:lstStyle/>
-          <a:p>
-            <a:r>
-              <a:rPr lang="en-US" sz="2800" dirty="0"/>
-              <a:t>;; ball-normal-motion : Ball -&gt; Ball</a:t>
-            </a:r>
-          </a:p>
-          <a:p>
-            <a:r>
-              <a:rPr lang="en-US" sz="2800" dirty="0"/>
-              <a:t>;; GIVEN: a Ball</a:t>
-            </a:r>
-          </a:p>
-          <a:p>
-            <a:r>
-              <a:rPr lang="en-US" sz="2800" dirty="0">
-                <a:solidFill>
-                  <a:srgbClr val="FF0000"/>
-                </a:solidFill>
-              </a:rPr>
-              <a:t> </a:t>
-            </a:r>
-          </a:p>
-          <a:p>
-            <a:r>
-              <a:rPr lang="en-US" sz="2800" dirty="0">
-                <a:solidFill>
-                  <a:srgbClr val="FF0000"/>
-                </a:solidFill>
-              </a:rPr>
-              <a:t> </a:t>
-            </a:r>
-          </a:p>
-          <a:p>
-            <a:r>
-              <a:rPr lang="en-US" sz="2800" dirty="0"/>
-              <a:t>;; RETURNS: the state of the ball after a</a:t>
-            </a:r>
-          </a:p>
-          <a:p>
-            <a:r>
-              <a:rPr lang="en-US" sz="2800" dirty="0"/>
-              <a:t>;; tick.</a:t>
-            </a:r>
-          </a:p>
-          <a:p>
-            <a:r>
-              <a:rPr lang="en-US" sz="2800" dirty="0"/>
-              <a:t>(define (ball-normal-motion b)</a:t>
-            </a:r>
-          </a:p>
-          <a:p>
-            <a:r>
-              <a:rPr lang="en-US" sz="2800" dirty="0"/>
-              <a:t>  (make-ball </a:t>
-            </a:r>
-          </a:p>
-          <a:p>
-            <a:r>
-              <a:rPr lang="en-US" sz="2800" dirty="0"/>
-              <a:t>    (+ (ball-x-</a:t>
-            </a:r>
-            <a:r>
-              <a:rPr lang="en-US" sz="2800" dirty="0" err="1"/>
-              <a:t>pos</a:t>
-            </a:r>
-            <a:r>
-              <a:rPr lang="en-US" sz="2800" dirty="0"/>
-              <a:t> b) BALLSPEED)))</a:t>
-            </a:r>
-          </a:p>
-        </p:txBody>
-      </p:sp>
-      <p:sp>
-        <p:nvSpPr>
-          <p:cNvPr id="2" name="Title 1"/>
-          <p:cNvSpPr>
-            <a:spLocks noGrp="1"/>
-          </p:cNvSpPr>
-          <p:nvPr>
-            <p:ph type="title"/>
-          </p:nvPr>
-        </p:nvSpPr>
-        <p:spPr/>
-        <p:txBody>
-          <a:bodyPr/>
-          <a:lstStyle/>
-          <a:p>
-            <a:r>
-              <a:rPr lang="en-US" dirty="0"/>
-              <a:t>Example </a:t>
-            </a:r>
-          </a:p>
-        </p:txBody>
-      </p:sp>
-      <p:sp>
-        <p:nvSpPr>
-          <p:cNvPr id="3" name="Slide Number Placeholder 2"/>
-          <p:cNvSpPr>
-            <a:spLocks noGrp="1"/>
-          </p:cNvSpPr>
-          <p:nvPr>
-            <p:ph type="sldNum" sz="quarter" idx="12"/>
-          </p:nvPr>
-        </p:nvSpPr>
-        <p:spPr/>
-        <p:txBody>
-          <a:bodyPr/>
-          <a:lstStyle/>
-          <a:p>
-            <a:fld id="{4FF46DE1-096B-4EDD-A00F-DA0292705DA0}" type="slidenum">
-              <a:rPr lang="en-US" smtClean="0"/>
-              <a:t>7</a:t>
-            </a:fld>
-            <a:endParaRPr lang="en-US"/>
-          </a:p>
-        </p:txBody>
-      </p:sp>
-      <p:sp>
-        <p:nvSpPr>
-          <p:cNvPr id="8" name="TextBox 7"/>
-          <p:cNvSpPr txBox="1"/>
-          <p:nvPr/>
-        </p:nvSpPr>
-        <p:spPr>
-          <a:xfrm>
-            <a:off x="5638800" y="384473"/>
-            <a:ext cx="3352800" cy="1200329"/>
-          </a:xfrm>
-          <a:prstGeom prst="rect">
-            <a:avLst/>
-          </a:prstGeom>
-          <a:solidFill>
-            <a:schemeClr val="accent1">
-              <a:lumMod val="20000"/>
-              <a:lumOff val="80000"/>
-            </a:schemeClr>
-          </a:solidFill>
-        </p:spPr>
-        <p:txBody>
-          <a:bodyPr wrap="square" rtlCol="0">
-            <a:spAutoFit/>
-          </a:bodyPr>
-          <a:lstStyle/>
-          <a:p>
-            <a:r>
-              <a:rPr lang="en-US" dirty="0"/>
-              <a:t>Imagine a ball bouncing back and forth in a closed box in the x direction. We might write something like this: </a:t>
-            </a:r>
-          </a:p>
-        </p:txBody>
-      </p:sp>
-      <p:sp>
-        <p:nvSpPr>
-          <p:cNvPr id="9" name="TextBox 8"/>
-          <p:cNvSpPr txBox="1"/>
-          <p:nvPr/>
-        </p:nvSpPr>
-        <p:spPr>
-          <a:xfrm>
-            <a:off x="4267200" y="2133600"/>
-            <a:ext cx="4724400" cy="1200329"/>
-          </a:xfrm>
-          <a:prstGeom prst="rect">
-            <a:avLst/>
-          </a:prstGeom>
-          <a:solidFill>
-            <a:schemeClr val="accent1">
-              <a:lumMod val="20000"/>
-              <a:lumOff val="80000"/>
-            </a:schemeClr>
-          </a:solidFill>
-        </p:spPr>
-        <p:txBody>
-          <a:bodyPr wrap="square" rtlCol="0">
-            <a:spAutoFit/>
-          </a:bodyPr>
-          <a:lstStyle/>
-          <a:p>
-            <a:r>
-              <a:rPr lang="en-US" dirty="0"/>
-              <a:t>But if the ball is about to bounce off the wall, this code does NOT return the correct state of the ball after the next tick– it doesn’t account for the bouncing.</a:t>
-            </a:r>
-          </a:p>
-        </p:txBody>
-      </p:sp>
-      <p:sp>
-        <p:nvSpPr>
-          <p:cNvPr id="10" name="TextBox 9"/>
-          <p:cNvSpPr txBox="1"/>
-          <p:nvPr/>
-        </p:nvSpPr>
-        <p:spPr>
-          <a:xfrm>
-            <a:off x="4343400" y="5847060"/>
-            <a:ext cx="4064854" cy="923330"/>
-          </a:xfrm>
-          <a:prstGeom prst="rect">
-            <a:avLst/>
-          </a:prstGeom>
-          <a:solidFill>
-            <a:schemeClr val="accent1">
-              <a:lumMod val="20000"/>
-              <a:lumOff val="80000"/>
-            </a:schemeClr>
-          </a:solidFill>
-        </p:spPr>
-        <p:txBody>
-          <a:bodyPr wrap="square" rtlCol="0">
-            <a:spAutoFit/>
-          </a:bodyPr>
-          <a:lstStyle/>
-          <a:p>
-            <a:r>
-              <a:rPr lang="en-US" dirty="0"/>
-              <a:t>This function only fulfills its purpose statement if it is given a ball that doesn’t bounce on the next tick.</a:t>
-            </a:r>
-          </a:p>
-        </p:txBody>
-      </p:sp>
-    </p:spTree>
-    <p:extLst>
-      <p:ext uri="{BB962C8B-B14F-4D97-AF65-F5344CB8AC3E}">
-        <p14:creationId xmlns:p14="http://schemas.microsoft.com/office/powerpoint/2010/main" val="2080827926"/>
-      </p:ext>
-    </p:extLst>
-  </p:cSld>
-  <p:clrMapOvr>
-    <a:masterClrMapping/>
-  </p:clrMapOvr>
-  <p:timing>
-    <p:tnLst>
-      <p:par>
-        <p:cTn id="1" dur="indefinite" restart="never" nodeType="tmRoot">
-          <p:childTnLst>
-            <p:seq concurrent="1" nextAc="seek">
-              <p:cTn id="2" dur="indefinite" nodeType="mainSeq">
-                <p:childTnLst>
-                  <p:par>
-                    <p:cTn id="3" fill="hold">
-                      <p:stCondLst>
-                        <p:cond delay="indefinite"/>
-                      </p:stCondLst>
-                      <p:childTnLst>
-                        <p:par>
-                          <p:cTn id="4" fill="hold">
-                            <p:stCondLst>
-                              <p:cond delay="0"/>
-                            </p:stCondLst>
-                            <p:childTnLst>
-                              <p:par>
-                                <p:cTn id="5" presetID="1" presetClass="entr" presetSubtype="0" fill="hold" grpId="0" nodeType="clickEffect">
-                                  <p:stCondLst>
-                                    <p:cond delay="0"/>
-                                  </p:stCondLst>
-                                  <p:childTnLst>
-                                    <p:set>
-                                      <p:cBhvr>
-                                        <p:cTn id="6" dur="1" fill="hold">
-                                          <p:stCondLst>
-                                            <p:cond delay="0"/>
-                                          </p:stCondLst>
-                                        </p:cTn>
-                                        <p:tgtEl>
-                                          <p:spTgt spid="9"/>
-                                        </p:tgtEl>
-                                        <p:attrNameLst>
-                                          <p:attrName>style.visibility</p:attrName>
-                                        </p:attrNameLst>
-                                      </p:cBhvr>
-                                      <p:to>
-                                        <p:strVal val="visible"/>
-                                      </p:to>
-                                    </p:set>
-                                  </p:childTnLst>
-                                </p:cTn>
-                              </p:par>
-                            </p:childTnLst>
-                          </p:cTn>
-                        </p:par>
-                      </p:childTnLst>
-                    </p:cTn>
-                  </p:par>
-                  <p:par>
-                    <p:cTn id="7" fill="hold">
-                      <p:stCondLst>
-                        <p:cond delay="indefinite"/>
-                      </p:stCondLst>
-                      <p:childTnLst>
-                        <p:par>
-                          <p:cTn id="8" fill="hold">
-                            <p:stCondLst>
-                              <p:cond delay="0"/>
-                            </p:stCondLst>
-                            <p:childTnLst>
-                              <p:par>
-                                <p:cTn id="9" presetID="1" presetClass="entr" presetSubtype="0" fill="hold" grpId="0" nodeType="clickEffect">
-                                  <p:stCondLst>
-                                    <p:cond delay="0"/>
-                                  </p:stCondLst>
-                                  <p:childTnLst>
-                                    <p:set>
-                                      <p:cBhvr>
-                                        <p:cTn id="10" dur="1" fill="hold">
-                                          <p:stCondLst>
-                                            <p:cond delay="0"/>
-                                          </p:stCondLst>
-                                        </p:cTn>
-                                        <p:tgtEl>
-                                          <p:spTgt spid="10"/>
-                                        </p:tgtEl>
-                                        <p:attrNameLst>
-                                          <p:attrName>style.visibility</p:attrName>
-                                        </p:attrNameLst>
-                                      </p:cBhvr>
-                                      <p:to>
-                                        <p:strVal val="visible"/>
-                                      </p:to>
-                                    </p:set>
-                                  </p:childTnLst>
-                                </p:cTn>
-                              </p:par>
-                            </p:childTnLst>
-                          </p:cTn>
-                        </p:par>
-                      </p:childTnLst>
-                    </p:cTn>
-                  </p:par>
-                </p:childTnLst>
-              </p:cTn>
-              <p:prevCondLst>
-                <p:cond evt="onPrev" delay="0">
-                  <p:tgtEl>
-                    <p:sldTgt/>
-                  </p:tgtEl>
-                </p:cond>
-              </p:prevCondLst>
-              <p:nextCondLst>
-                <p:cond evt="onNext" delay="0">
-                  <p:tgtEl>
-                    <p:sldTgt/>
-                  </p:tgtEl>
-                </p:cond>
-              </p:nextCondLst>
-            </p:seq>
-          </p:childTnLst>
-        </p:cTn>
-      </p:par>
-    </p:tnLst>
-    <p:bldLst>
-      <p:bldP spid="9" grpId="0" animBg="1"/>
-      <p:bldP spid="10" grpId="0" animBg="1"/>
-    </p:bldLst>
-  </p:timing>
-</p:sld>
-</file>
-
-<file path=ppt/slides/slide70.xml><?xml version="1.0" encoding="utf-8"?>
-<p:sld xmlns:a="http://schemas.openxmlformats.org/drawingml/2006/main" xmlns:r="http://schemas.openxmlformats.org/officeDocument/2006/relationships" xmlns:p="http://schemas.openxmlformats.org/presentationml/2006/main">
-  <p:cSld>
-    <p:spTree>
-      <p:nvGrpSpPr>
-        <p:cNvPr id="1" name=""/>
-        <p:cNvGrpSpPr/>
-        <p:nvPr/>
-      </p:nvGrpSpPr>
-      <p:grpSpPr>
-        <a:xfrm>
-          <a:off x="0" y="0"/>
-          <a:ext cx="0" cy="0"/>
-          <a:chOff x="0" y="0"/>
-          <a:chExt cx="0" cy="0"/>
-        </a:xfrm>
-      </p:grpSpPr>
-      <p:sp>
-        <p:nvSpPr>
           <p:cNvPr id="6" name="Title 5"/>
           <p:cNvSpPr>
             <a:spLocks noGrp="1"/>
@@ -34200,7 +35438,7 @@
           <a:p>
             <a:fld id="{4FF46DE1-096B-4EDD-A00F-DA0292705DA0}" type="slidenum">
               <a:rPr lang="en-US" smtClean="0"/>
-              <a:t>70</a:t>
+              <a:t>74</a:t>
             </a:fld>
             <a:endParaRPr lang="en-US"/>
           </a:p>
@@ -34542,7 +35780,7 @@
 </p:sld>
 </file>
 
-<file path=ppt/slides/slide71.xml><?xml version="1.0" encoding="utf-8"?>
+<file path=ppt/slides/slide75.xml><?xml version="1.0" encoding="utf-8"?>
 <p:sld xmlns:a="http://schemas.openxmlformats.org/drawingml/2006/main" xmlns:r="http://schemas.openxmlformats.org/officeDocument/2006/relationships" xmlns:p="http://schemas.openxmlformats.org/presentationml/2006/main">
   <p:cSld>
     <p:spTree>
@@ -34628,7 +35866,7 @@
           <a:p>
             <a:fld id="{4FF46DE1-096B-4EDD-A00F-DA0292705DA0}" type="slidenum">
               <a:rPr lang="en-US" smtClean="0"/>
-              <a:t>71</a:t>
+              <a:t>75</a:t>
             </a:fld>
             <a:endParaRPr lang="en-US"/>
           </a:p>
@@ -34647,7 +35885,7 @@
 </p:sld>
 </file>
 
-<file path=ppt/slides/slide72.xml><?xml version="1.0" encoding="utf-8"?>
+<file path=ppt/slides/slide76.xml><?xml version="1.0" encoding="utf-8"?>
 <p:sld xmlns:a="http://schemas.openxmlformats.org/drawingml/2006/main" xmlns:r="http://schemas.openxmlformats.org/officeDocument/2006/relationships" xmlns:p="http://schemas.openxmlformats.org/presentationml/2006/main">
   <p:cSld>
     <p:spTree>
@@ -34736,7 +35974,7 @@
           <a:p>
             <a:fld id="{4FF46DE1-096B-4EDD-A00F-DA0292705DA0}" type="slidenum">
               <a:rPr lang="en-US" smtClean="0"/>
-              <a:t>72</a:t>
+              <a:t>76</a:t>
             </a:fld>
             <a:endParaRPr lang="en-US"/>
           </a:p>
@@ -34755,7 +35993,7 @@
 </p:sld>
 </file>
 
-<file path=ppt/slides/slide73.xml><?xml version="1.0" encoding="utf-8"?>
+<file path=ppt/slides/slide77.xml><?xml version="1.0" encoding="utf-8"?>
 <p:sld xmlns:a="http://schemas.openxmlformats.org/drawingml/2006/main" xmlns:r="http://schemas.openxmlformats.org/officeDocument/2006/relationships" xmlns:p="http://schemas.openxmlformats.org/presentationml/2006/main">
   <p:cSld>
     <p:spTree>
@@ -34862,7 +36100,7 @@
           <a:p>
             <a:fld id="{4FF46DE1-096B-4EDD-A00F-DA0292705DA0}" type="slidenum">
               <a:rPr lang="en-US" smtClean="0"/>
-              <a:t>73</a:t>
+              <a:t>77</a:t>
             </a:fld>
             <a:endParaRPr lang="en-US"/>
           </a:p>
@@ -34881,7 +36119,7 @@
 </p:sld>
 </file>
 
-<file path=ppt/slides/slide74.xml><?xml version="1.0" encoding="utf-8"?>
+<file path=ppt/slides/slide78.xml><?xml version="1.0" encoding="utf-8"?>
 <p:sld xmlns:a="http://schemas.openxmlformats.org/drawingml/2006/main" xmlns:r="http://schemas.openxmlformats.org/officeDocument/2006/relationships" xmlns:p="http://schemas.openxmlformats.org/presentationml/2006/main">
   <p:cSld>
     <p:spTree>
@@ -35112,7 +36350,7 @@
           <a:p>
             <a:fld id="{4FF46DE1-096B-4EDD-A00F-DA0292705DA0}" type="slidenum">
               <a:rPr lang="en-US" smtClean="0"/>
-              <a:t>74</a:t>
+              <a:t>78</a:t>
             </a:fld>
             <a:endParaRPr lang="en-US"/>
           </a:p>
@@ -35283,7 +36521,7 @@
 </p:sld>
 </file>
 
-<file path=ppt/slides/slide75.xml><?xml version="1.0" encoding="utf-8"?>
+<file path=ppt/slides/slide79.xml><?xml version="1.0" encoding="utf-8"?>
 <p:sld xmlns:a="http://schemas.openxmlformats.org/drawingml/2006/main" xmlns:r="http://schemas.openxmlformats.org/officeDocument/2006/relationships" xmlns:p="http://schemas.openxmlformats.org/presentationml/2006/main">
   <p:cSld>
     <p:spTree>
@@ -35557,7 +36795,7 @@
           <a:p>
             <a:fld id="{4FF46DE1-096B-4EDD-A00F-DA0292705DA0}" type="slidenum">
               <a:rPr lang="en-US" smtClean="0"/>
-              <a:t>75</a:t>
+              <a:t>79</a:t>
             </a:fld>
             <a:endParaRPr lang="en-US"/>
           </a:p>
@@ -35632,555 +36870,6 @@
 </p:sld>
 </file>
 
-<file path=ppt/slides/slide76.xml><?xml version="1.0" encoding="utf-8"?>
-<p:sld xmlns:a="http://schemas.openxmlformats.org/drawingml/2006/main" xmlns:r="http://schemas.openxmlformats.org/officeDocument/2006/relationships" xmlns:p="http://schemas.openxmlformats.org/presentationml/2006/main">
-  <p:cSld>
-    <p:spTree>
-      <p:nvGrpSpPr>
-        <p:cNvPr id="1" name=""/>
-        <p:cNvGrpSpPr/>
-        <p:nvPr/>
-      </p:nvGrpSpPr>
-      <p:grpSpPr>
-        <a:xfrm>
-          <a:off x="0" y="0"/>
-          <a:ext cx="0" cy="0"/>
-          <a:chOff x="0" y="0"/>
-          <a:chExt cx="0" cy="0"/>
-        </a:xfrm>
-      </p:grpSpPr>
-      <p:sp>
-        <p:nvSpPr>
-          <p:cNvPr id="2" name="Title 1"/>
-          <p:cNvSpPr>
-            <a:spLocks noGrp="1"/>
-          </p:cNvSpPr>
-          <p:nvPr>
-            <p:ph type="title"/>
-          </p:nvPr>
-        </p:nvSpPr>
-        <p:spPr/>
-        <p:txBody>
-          <a:bodyPr>
-            <a:normAutofit fontScale="90000"/>
-          </a:bodyPr>
-          <a:lstStyle/>
-          <a:p>
-            <a:r>
-              <a:rPr lang="en-US" dirty="0"/>
-              <a:t>Recapture the original function by initializing the invariant</a:t>
-            </a:r>
-          </a:p>
-        </p:txBody>
-      </p:sp>
-      <p:sp>
-        <p:nvSpPr>
-          <p:cNvPr id="3" name="Content Placeholder 2"/>
-          <p:cNvSpPr>
-            <a:spLocks noGrp="1"/>
-          </p:cNvSpPr>
-          <p:nvPr>
-            <p:ph idx="1"/>
-          </p:nvPr>
-        </p:nvSpPr>
-        <p:spPr/>
-        <p:txBody>
-          <a:bodyPr>
-            <a:normAutofit fontScale="77500" lnSpcReduction="20000"/>
-          </a:bodyPr>
-          <a:lstStyle/>
-          <a:p>
-            <a:r>
-              <a:rPr lang="en-US" dirty="0"/>
-              <a:t>;; add-remaining-length-version-2 : </a:t>
-            </a:r>
-            <a:r>
-              <a:rPr lang="en-US" dirty="0" err="1"/>
-              <a:t>LoN</a:t>
-            </a:r>
-            <a:r>
-              <a:rPr lang="en-US" dirty="0"/>
-              <a:t> -&gt; </a:t>
-            </a:r>
-            <a:r>
-              <a:rPr lang="en-US" dirty="0" err="1"/>
-              <a:t>LoN</a:t>
-            </a:r>
-            <a:endParaRPr lang="en-US" dirty="0"/>
-          </a:p>
-          <a:p>
-            <a:r>
-              <a:rPr lang="en-US" dirty="0"/>
-              <a:t>;; GIVEN: a Lon </a:t>
-            </a:r>
-            <a:r>
-              <a:rPr lang="en-US" dirty="0" err="1"/>
-              <a:t>lst</a:t>
-            </a:r>
-            <a:endParaRPr lang="en-US" dirty="0"/>
-          </a:p>
-          <a:p>
-            <a:r>
-              <a:rPr lang="en-US" dirty="0"/>
-              <a:t>;; RETURNS: a list like the original, </a:t>
-            </a:r>
-          </a:p>
-          <a:p>
-            <a:r>
-              <a:rPr lang="en-US" dirty="0"/>
-              <a:t>;;  but with each element increased by the</a:t>
-            </a:r>
-          </a:p>
-          <a:p>
-            <a:r>
-              <a:rPr lang="en-US" dirty="0"/>
-              <a:t>;;  length of the </a:t>
-            </a:r>
-            <a:r>
-              <a:rPr lang="en-US" dirty="0" err="1"/>
-              <a:t>sublist</a:t>
-            </a:r>
-            <a:r>
-              <a:rPr lang="en-US" dirty="0"/>
-              <a:t> starting at that</a:t>
-            </a:r>
-          </a:p>
-          <a:p>
-            <a:r>
-              <a:rPr lang="en-US" dirty="0"/>
-              <a:t>;;  element.</a:t>
-            </a:r>
-          </a:p>
-          <a:p>
-            <a:r>
-              <a:rPr lang="en-US" dirty="0"/>
-              <a:t>;; (100 300 500) =&gt; (103 302 501)</a:t>
-            </a:r>
-          </a:p>
-          <a:p>
-            <a:r>
-              <a:rPr lang="en-US" dirty="0"/>
-              <a:t>;; STRATEGY: Initialize the invariant </a:t>
-            </a:r>
-          </a:p>
-          <a:p>
-            <a:r>
-              <a:rPr lang="en-US" dirty="0"/>
-              <a:t>;;           of add-remaining-length-1</a:t>
-            </a:r>
-          </a:p>
-          <a:p>
-            <a:r>
-              <a:rPr lang="en-US" dirty="0"/>
-              <a:t>(define (add-remaining-length-version-2 </a:t>
-            </a:r>
-            <a:r>
-              <a:rPr lang="en-US" dirty="0" err="1"/>
-              <a:t>lst</a:t>
-            </a:r>
-            <a:r>
-              <a:rPr lang="en-US" dirty="0"/>
-              <a:t>)</a:t>
-            </a:r>
-          </a:p>
-          <a:p>
-            <a:r>
-              <a:rPr lang="en-US" dirty="0"/>
-              <a:t>  (add-remaining-length-1 </a:t>
-            </a:r>
-            <a:r>
-              <a:rPr lang="en-US" dirty="0" err="1"/>
-              <a:t>lst</a:t>
-            </a:r>
-            <a:r>
-              <a:rPr lang="en-US" dirty="0"/>
-              <a:t> (length </a:t>
-            </a:r>
-            <a:r>
-              <a:rPr lang="en-US" dirty="0" err="1"/>
-              <a:t>lst</a:t>
-            </a:r>
-            <a:r>
-              <a:rPr lang="en-US" dirty="0"/>
-              <a:t>)))</a:t>
-            </a:r>
-          </a:p>
-        </p:txBody>
-      </p:sp>
-      <p:sp>
-        <p:nvSpPr>
-          <p:cNvPr id="4" name="Slide Number Placeholder 3"/>
-          <p:cNvSpPr>
-            <a:spLocks noGrp="1"/>
-          </p:cNvSpPr>
-          <p:nvPr>
-            <p:ph type="sldNum" sz="quarter" idx="12"/>
-          </p:nvPr>
-        </p:nvSpPr>
-        <p:spPr/>
-        <p:txBody>
-          <a:bodyPr/>
-          <a:lstStyle/>
-          <a:p>
-            <a:fld id="{2AF3B5EA-18B6-4040-9F78-6052AF49C681}" type="slidenum">
-              <a:rPr lang="en-US" smtClean="0"/>
-              <a:t>76</a:t>
-            </a:fld>
-            <a:endParaRPr lang="en-US"/>
-          </a:p>
-        </p:txBody>
-      </p:sp>
-    </p:spTree>
-    <p:extLst>
-      <p:ext uri="{BB962C8B-B14F-4D97-AF65-F5344CB8AC3E}">
-        <p14:creationId xmlns:p14="http://schemas.microsoft.com/office/powerpoint/2010/main" val="2985539736"/>
-      </p:ext>
-    </p:extLst>
-  </p:cSld>
-  <p:clrMapOvr>
-    <a:masterClrMapping/>
-  </p:clrMapOvr>
-</p:sld>
-</file>
-
-<file path=ppt/slides/slide77.xml><?xml version="1.0" encoding="utf-8"?>
-<p:sld xmlns:a="http://schemas.openxmlformats.org/drawingml/2006/main" xmlns:r="http://schemas.openxmlformats.org/officeDocument/2006/relationships" xmlns:p="http://schemas.openxmlformats.org/presentationml/2006/main">
-  <p:cSld>
-    <p:spTree>
-      <p:nvGrpSpPr>
-        <p:cNvPr id="1" name=""/>
-        <p:cNvGrpSpPr/>
-        <p:nvPr/>
-      </p:nvGrpSpPr>
-      <p:grpSpPr>
-        <a:xfrm>
-          <a:off x="0" y="0"/>
-          <a:ext cx="0" cy="0"/>
-          <a:chOff x="0" y="0"/>
-          <a:chExt cx="0" cy="0"/>
-        </a:xfrm>
-      </p:grpSpPr>
-      <p:sp>
-        <p:nvSpPr>
-          <p:cNvPr id="2" name="Title 1"/>
-          <p:cNvSpPr>
-            <a:spLocks noGrp="1"/>
-          </p:cNvSpPr>
-          <p:nvPr>
-            <p:ph type="title"/>
-          </p:nvPr>
-        </p:nvSpPr>
-        <p:spPr/>
-        <p:txBody>
-          <a:bodyPr>
-            <a:normAutofit fontScale="90000"/>
-          </a:bodyPr>
-          <a:lstStyle/>
-          <a:p>
-            <a:r>
-              <a:rPr lang="en-US" dirty="0"/>
-              <a:t>Summary: When do I need an invariant? </a:t>
-            </a:r>
-          </a:p>
-        </p:txBody>
-      </p:sp>
-      <p:sp>
-        <p:nvSpPr>
-          <p:cNvPr id="3" name="Content Placeholder 2"/>
-          <p:cNvSpPr>
-            <a:spLocks noGrp="1"/>
-          </p:cNvSpPr>
-          <p:nvPr>
-            <p:ph idx="1"/>
-          </p:nvPr>
-        </p:nvSpPr>
-        <p:spPr/>
-        <p:txBody>
-          <a:bodyPr/>
-          <a:lstStyle/>
-          <a:p>
-            <a:r>
-              <a:rPr lang="en-US" dirty="0"/>
-              <a:t>It all depends on your purpose statement!</a:t>
-            </a:r>
-          </a:p>
-          <a:p>
-            <a:r>
-              <a:rPr lang="en-US" dirty="0"/>
-              <a:t>If the function needs additional information to fulfill its stated purpose, and that information is not in the arguments, then you need an invariant to document the needed information.</a:t>
-            </a:r>
-          </a:p>
-          <a:p>
-            <a:r>
-              <a:rPr lang="en-US" dirty="0"/>
-              <a:t>It is up to each caller of the function to make sure that the invariant is true at every call.</a:t>
-            </a:r>
-          </a:p>
-          <a:p>
-            <a:endParaRPr lang="en-US" dirty="0"/>
-          </a:p>
-        </p:txBody>
-      </p:sp>
-      <p:sp>
-        <p:nvSpPr>
-          <p:cNvPr id="4" name="Slide Number Placeholder 3"/>
-          <p:cNvSpPr>
-            <a:spLocks noGrp="1"/>
-          </p:cNvSpPr>
-          <p:nvPr>
-            <p:ph type="sldNum" sz="quarter" idx="12"/>
-          </p:nvPr>
-        </p:nvSpPr>
-        <p:spPr/>
-        <p:txBody>
-          <a:bodyPr/>
-          <a:lstStyle/>
-          <a:p>
-            <a:fld id="{4FF46DE1-096B-4EDD-A00F-DA0292705DA0}" type="slidenum">
-              <a:rPr lang="en-US" smtClean="0"/>
-              <a:t>77</a:t>
-            </a:fld>
-            <a:endParaRPr lang="en-US"/>
-          </a:p>
-        </p:txBody>
-      </p:sp>
-    </p:spTree>
-    <p:extLst>
-      <p:ext uri="{BB962C8B-B14F-4D97-AF65-F5344CB8AC3E}">
-        <p14:creationId xmlns:p14="http://schemas.microsoft.com/office/powerpoint/2010/main" val="2810350204"/>
-      </p:ext>
-    </p:extLst>
-  </p:cSld>
-  <p:clrMapOvr>
-    <a:masterClrMapping/>
-  </p:clrMapOvr>
-</p:sld>
-</file>
-
-<file path=ppt/slides/slide78.xml><?xml version="1.0" encoding="utf-8"?>
-<p:sld xmlns:a="http://schemas.openxmlformats.org/drawingml/2006/main" xmlns:r="http://schemas.openxmlformats.org/officeDocument/2006/relationships" xmlns:p="http://schemas.openxmlformats.org/presentationml/2006/main">
-  <p:cSld>
-    <p:spTree>
-      <p:nvGrpSpPr>
-        <p:cNvPr id="1" name=""/>
-        <p:cNvGrpSpPr/>
-        <p:nvPr/>
-      </p:nvGrpSpPr>
-      <p:grpSpPr>
-        <a:xfrm>
-          <a:off x="0" y="0"/>
-          <a:ext cx="0" cy="0"/>
-          <a:chOff x="0" y="0"/>
-          <a:chExt cx="0" cy="0"/>
-        </a:xfrm>
-      </p:grpSpPr>
-      <p:sp>
-        <p:nvSpPr>
-          <p:cNvPr id="2" name="Title 1"/>
-          <p:cNvSpPr>
-            <a:spLocks noGrp="1"/>
-          </p:cNvSpPr>
-          <p:nvPr>
-            <p:ph type="title"/>
-          </p:nvPr>
-        </p:nvSpPr>
-        <p:spPr/>
-        <p:txBody>
-          <a:bodyPr/>
-          <a:lstStyle/>
-          <a:p>
-            <a:r>
-              <a:rPr lang="en-US" dirty="0"/>
-              <a:t>Summary</a:t>
-            </a:r>
-          </a:p>
-        </p:txBody>
-      </p:sp>
-      <p:sp>
-        <p:nvSpPr>
-          <p:cNvPr id="3" name="Content Placeholder 2"/>
-          <p:cNvSpPr>
-            <a:spLocks noGrp="1"/>
-          </p:cNvSpPr>
-          <p:nvPr>
-            <p:ph idx="1"/>
-          </p:nvPr>
-        </p:nvSpPr>
-        <p:spPr/>
-        <p:txBody>
-          <a:bodyPr/>
-          <a:lstStyle/>
-          <a:p>
-            <a:r>
-              <a:rPr lang="en-US" dirty="0"/>
-              <a:t>The student should now be able to</a:t>
-            </a:r>
-          </a:p>
-          <a:p>
-            <a:pPr lvl="1"/>
-            <a:r>
-              <a:rPr lang="en-US" dirty="0"/>
-              <a:t>decide whether a purpose statement needs an invariant or not.</a:t>
-            </a:r>
-          </a:p>
-          <a:p>
-            <a:endParaRPr lang="en-US" dirty="0"/>
-          </a:p>
-        </p:txBody>
-      </p:sp>
-      <p:sp>
-        <p:nvSpPr>
-          <p:cNvPr id="4" name="Slide Number Placeholder 3"/>
-          <p:cNvSpPr>
-            <a:spLocks noGrp="1"/>
-          </p:cNvSpPr>
-          <p:nvPr>
-            <p:ph type="sldNum" sz="quarter" idx="12"/>
-          </p:nvPr>
-        </p:nvSpPr>
-        <p:spPr/>
-        <p:txBody>
-          <a:bodyPr/>
-          <a:lstStyle/>
-          <a:p>
-            <a:fld id="{4FF46DE1-096B-4EDD-A00F-DA0292705DA0}" type="slidenum">
-              <a:rPr lang="en-US" smtClean="0"/>
-              <a:t>78</a:t>
-            </a:fld>
-            <a:endParaRPr lang="en-US"/>
-          </a:p>
-        </p:txBody>
-      </p:sp>
-    </p:spTree>
-    <p:extLst>
-      <p:ext uri="{BB962C8B-B14F-4D97-AF65-F5344CB8AC3E}">
-        <p14:creationId xmlns:p14="http://schemas.microsoft.com/office/powerpoint/2010/main" val="1310055986"/>
-      </p:ext>
-    </p:extLst>
-  </p:cSld>
-  <p:clrMapOvr>
-    <a:masterClrMapping/>
-  </p:clrMapOvr>
-</p:sld>
-</file>
-
-<file path=ppt/slides/slide79.xml><?xml version="1.0" encoding="utf-8"?>
-<p:sld xmlns:a="http://schemas.openxmlformats.org/drawingml/2006/main" xmlns:r="http://schemas.openxmlformats.org/officeDocument/2006/relationships" xmlns:p="http://schemas.openxmlformats.org/presentationml/2006/main">
-  <p:cSld>
-    <p:spTree>
-      <p:nvGrpSpPr>
-        <p:cNvPr id="1" name=""/>
-        <p:cNvGrpSpPr/>
-        <p:nvPr/>
-      </p:nvGrpSpPr>
-      <p:grpSpPr>
-        <a:xfrm>
-          <a:off x="0" y="0"/>
-          <a:ext cx="0" cy="0"/>
-          <a:chOff x="0" y="0"/>
-          <a:chExt cx="0" cy="0"/>
-        </a:xfrm>
-      </p:grpSpPr>
-      <p:sp>
-        <p:nvSpPr>
-          <p:cNvPr id="2" name="Title 1"/>
-          <p:cNvSpPr>
-            <a:spLocks noGrp="1"/>
-          </p:cNvSpPr>
-          <p:nvPr>
-            <p:ph type="title"/>
-          </p:nvPr>
-        </p:nvSpPr>
-        <p:spPr/>
-        <p:txBody>
-          <a:bodyPr/>
-          <a:lstStyle/>
-          <a:p>
-            <a:r>
-              <a:rPr lang="en-US" dirty="0"/>
-              <a:t>Next Steps</a:t>
-            </a:r>
-          </a:p>
-        </p:txBody>
-      </p:sp>
-      <p:sp>
-        <p:nvSpPr>
-          <p:cNvPr id="3" name="Content Placeholder 2"/>
-          <p:cNvSpPr>
-            <a:spLocks noGrp="1"/>
-          </p:cNvSpPr>
-          <p:nvPr>
-            <p:ph idx="1"/>
-          </p:nvPr>
-        </p:nvSpPr>
-        <p:spPr/>
-        <p:txBody>
-          <a:bodyPr/>
-          <a:lstStyle/>
-          <a:p>
-            <a:r>
-              <a:rPr lang="en-US" dirty="0"/>
-              <a:t>If you have questions about this lesson, ask them on the Discussion Board</a:t>
-            </a:r>
-          </a:p>
-          <a:p>
-            <a:r>
-              <a:rPr lang="en-US" dirty="0"/>
-              <a:t>Look </a:t>
-            </a:r>
-            <a:r>
-              <a:rPr lang="en-US"/>
-              <a:t>at 07-3-invariants.rkt </a:t>
-            </a:r>
-            <a:r>
-              <a:rPr lang="en-US" dirty="0"/>
-              <a:t>in the Exam</a:t>
-            </a:r>
-          </a:p>
-          <a:p>
-            <a:r>
-              <a:rPr lang="en-US" dirty="0"/>
-              <a:t>Go on to the next lesson</a:t>
-            </a:r>
-          </a:p>
-        </p:txBody>
-      </p:sp>
-      <p:sp>
-        <p:nvSpPr>
-          <p:cNvPr id="4" name="Slide Number Placeholder 3"/>
-          <p:cNvSpPr>
-            <a:spLocks noGrp="1"/>
-          </p:cNvSpPr>
-          <p:nvPr>
-            <p:ph type="sldNum" sz="quarter" idx="12"/>
-          </p:nvPr>
-        </p:nvSpPr>
-        <p:spPr/>
-        <p:txBody>
-          <a:bodyPr/>
-          <a:lstStyle/>
-          <a:p>
-            <a:fld id="{4FF46DE1-096B-4EDD-A00F-DA0292705DA0}" type="slidenum">
-              <a:rPr lang="en-US" smtClean="0"/>
-              <a:t>79</a:t>
-            </a:fld>
-            <a:endParaRPr lang="en-US"/>
-          </a:p>
-        </p:txBody>
-      </p:sp>
-    </p:spTree>
-    <p:extLst>
-      <p:ext uri="{BB962C8B-B14F-4D97-AF65-F5344CB8AC3E}">
-        <p14:creationId xmlns:p14="http://schemas.microsoft.com/office/powerpoint/2010/main" val="1675089784"/>
-      </p:ext>
-    </p:extLst>
-  </p:cSld>
-  <p:clrMapOvr>
-    <a:masterClrMapping/>
-  </p:clrMapOvr>
-</p:sld>
-</file>
-
 <file path=ppt/slides/slide8.xml><?xml version="1.0" encoding="utf-8"?>
 <p:sld xmlns:a="http://schemas.openxmlformats.org/drawingml/2006/main" xmlns:r="http://schemas.openxmlformats.org/officeDocument/2006/relationships" xmlns:p="http://schemas.openxmlformats.org/presentationml/2006/main">
   <p:cSld>
@@ -36337,6 +37026,555 @@
     <p:extLst>
       <p:ext uri="{BB962C8B-B14F-4D97-AF65-F5344CB8AC3E}">
         <p14:creationId xmlns:p14="http://schemas.microsoft.com/office/powerpoint/2010/main" val="985352497"/>
+      </p:ext>
+    </p:extLst>
+  </p:cSld>
+  <p:clrMapOvr>
+    <a:masterClrMapping/>
+  </p:clrMapOvr>
+</p:sld>
+</file>
+
+<file path=ppt/slides/slide80.xml><?xml version="1.0" encoding="utf-8"?>
+<p:sld xmlns:a="http://schemas.openxmlformats.org/drawingml/2006/main" xmlns:r="http://schemas.openxmlformats.org/officeDocument/2006/relationships" xmlns:p="http://schemas.openxmlformats.org/presentationml/2006/main">
+  <p:cSld>
+    <p:spTree>
+      <p:nvGrpSpPr>
+        <p:cNvPr id="1" name=""/>
+        <p:cNvGrpSpPr/>
+        <p:nvPr/>
+      </p:nvGrpSpPr>
+      <p:grpSpPr>
+        <a:xfrm>
+          <a:off x="0" y="0"/>
+          <a:ext cx="0" cy="0"/>
+          <a:chOff x="0" y="0"/>
+          <a:chExt cx="0" cy="0"/>
+        </a:xfrm>
+      </p:grpSpPr>
+      <p:sp>
+        <p:nvSpPr>
+          <p:cNvPr id="2" name="Title 1"/>
+          <p:cNvSpPr>
+            <a:spLocks noGrp="1"/>
+          </p:cNvSpPr>
+          <p:nvPr>
+            <p:ph type="title"/>
+          </p:nvPr>
+        </p:nvSpPr>
+        <p:spPr/>
+        <p:txBody>
+          <a:bodyPr>
+            <a:normAutofit fontScale="90000"/>
+          </a:bodyPr>
+          <a:lstStyle/>
+          <a:p>
+            <a:r>
+              <a:rPr lang="en-US" dirty="0"/>
+              <a:t>Recapture the original function by initializing the invariant</a:t>
+            </a:r>
+          </a:p>
+        </p:txBody>
+      </p:sp>
+      <p:sp>
+        <p:nvSpPr>
+          <p:cNvPr id="3" name="Content Placeholder 2"/>
+          <p:cNvSpPr>
+            <a:spLocks noGrp="1"/>
+          </p:cNvSpPr>
+          <p:nvPr>
+            <p:ph idx="1"/>
+          </p:nvPr>
+        </p:nvSpPr>
+        <p:spPr/>
+        <p:txBody>
+          <a:bodyPr>
+            <a:normAutofit fontScale="77500" lnSpcReduction="20000"/>
+          </a:bodyPr>
+          <a:lstStyle/>
+          <a:p>
+            <a:r>
+              <a:rPr lang="en-US" dirty="0"/>
+              <a:t>;; add-remaining-length-version-2 : </a:t>
+            </a:r>
+            <a:r>
+              <a:rPr lang="en-US" dirty="0" err="1"/>
+              <a:t>LoN</a:t>
+            </a:r>
+            <a:r>
+              <a:rPr lang="en-US" dirty="0"/>
+              <a:t> -&gt; </a:t>
+            </a:r>
+            <a:r>
+              <a:rPr lang="en-US" dirty="0" err="1"/>
+              <a:t>LoN</a:t>
+            </a:r>
+            <a:endParaRPr lang="en-US" dirty="0"/>
+          </a:p>
+          <a:p>
+            <a:r>
+              <a:rPr lang="en-US" dirty="0"/>
+              <a:t>;; GIVEN: a Lon </a:t>
+            </a:r>
+            <a:r>
+              <a:rPr lang="en-US" dirty="0" err="1"/>
+              <a:t>lst</a:t>
+            </a:r>
+            <a:endParaRPr lang="en-US" dirty="0"/>
+          </a:p>
+          <a:p>
+            <a:r>
+              <a:rPr lang="en-US" dirty="0"/>
+              <a:t>;; RETURNS: a list like the original, </a:t>
+            </a:r>
+          </a:p>
+          <a:p>
+            <a:r>
+              <a:rPr lang="en-US" dirty="0"/>
+              <a:t>;;  but with each element increased by the</a:t>
+            </a:r>
+          </a:p>
+          <a:p>
+            <a:r>
+              <a:rPr lang="en-US" dirty="0"/>
+              <a:t>;;  length of the </a:t>
+            </a:r>
+            <a:r>
+              <a:rPr lang="en-US" dirty="0" err="1"/>
+              <a:t>sublist</a:t>
+            </a:r>
+            <a:r>
+              <a:rPr lang="en-US" dirty="0"/>
+              <a:t> starting at that</a:t>
+            </a:r>
+          </a:p>
+          <a:p>
+            <a:r>
+              <a:rPr lang="en-US" dirty="0"/>
+              <a:t>;;  element.</a:t>
+            </a:r>
+          </a:p>
+          <a:p>
+            <a:r>
+              <a:rPr lang="en-US" dirty="0"/>
+              <a:t>;; (100 300 500) =&gt; (103 302 501)</a:t>
+            </a:r>
+          </a:p>
+          <a:p>
+            <a:r>
+              <a:rPr lang="en-US" dirty="0"/>
+              <a:t>;; STRATEGY: Initialize the invariant </a:t>
+            </a:r>
+          </a:p>
+          <a:p>
+            <a:r>
+              <a:rPr lang="en-US" dirty="0"/>
+              <a:t>;;           of add-remaining-length-1</a:t>
+            </a:r>
+          </a:p>
+          <a:p>
+            <a:r>
+              <a:rPr lang="en-US" dirty="0"/>
+              <a:t>(define (add-remaining-length-version-2 </a:t>
+            </a:r>
+            <a:r>
+              <a:rPr lang="en-US" dirty="0" err="1"/>
+              <a:t>lst</a:t>
+            </a:r>
+            <a:r>
+              <a:rPr lang="en-US" dirty="0"/>
+              <a:t>)</a:t>
+            </a:r>
+          </a:p>
+          <a:p>
+            <a:r>
+              <a:rPr lang="en-US" dirty="0"/>
+              <a:t>  (add-remaining-length-1 </a:t>
+            </a:r>
+            <a:r>
+              <a:rPr lang="en-US" dirty="0" err="1"/>
+              <a:t>lst</a:t>
+            </a:r>
+            <a:r>
+              <a:rPr lang="en-US" dirty="0"/>
+              <a:t> (length </a:t>
+            </a:r>
+            <a:r>
+              <a:rPr lang="en-US" dirty="0" err="1"/>
+              <a:t>lst</a:t>
+            </a:r>
+            <a:r>
+              <a:rPr lang="en-US" dirty="0"/>
+              <a:t>)))</a:t>
+            </a:r>
+          </a:p>
+        </p:txBody>
+      </p:sp>
+      <p:sp>
+        <p:nvSpPr>
+          <p:cNvPr id="4" name="Slide Number Placeholder 3"/>
+          <p:cNvSpPr>
+            <a:spLocks noGrp="1"/>
+          </p:cNvSpPr>
+          <p:nvPr>
+            <p:ph type="sldNum" sz="quarter" idx="12"/>
+          </p:nvPr>
+        </p:nvSpPr>
+        <p:spPr/>
+        <p:txBody>
+          <a:bodyPr/>
+          <a:lstStyle/>
+          <a:p>
+            <a:fld id="{2AF3B5EA-18B6-4040-9F78-6052AF49C681}" type="slidenum">
+              <a:rPr lang="en-US" smtClean="0"/>
+              <a:t>80</a:t>
+            </a:fld>
+            <a:endParaRPr lang="en-US"/>
+          </a:p>
+        </p:txBody>
+      </p:sp>
+    </p:spTree>
+    <p:extLst>
+      <p:ext uri="{BB962C8B-B14F-4D97-AF65-F5344CB8AC3E}">
+        <p14:creationId xmlns:p14="http://schemas.microsoft.com/office/powerpoint/2010/main" val="2985539736"/>
+      </p:ext>
+    </p:extLst>
+  </p:cSld>
+  <p:clrMapOvr>
+    <a:masterClrMapping/>
+  </p:clrMapOvr>
+</p:sld>
+</file>
+
+<file path=ppt/slides/slide81.xml><?xml version="1.0" encoding="utf-8"?>
+<p:sld xmlns:a="http://schemas.openxmlformats.org/drawingml/2006/main" xmlns:r="http://schemas.openxmlformats.org/officeDocument/2006/relationships" xmlns:p="http://schemas.openxmlformats.org/presentationml/2006/main">
+  <p:cSld>
+    <p:spTree>
+      <p:nvGrpSpPr>
+        <p:cNvPr id="1" name=""/>
+        <p:cNvGrpSpPr/>
+        <p:nvPr/>
+      </p:nvGrpSpPr>
+      <p:grpSpPr>
+        <a:xfrm>
+          <a:off x="0" y="0"/>
+          <a:ext cx="0" cy="0"/>
+          <a:chOff x="0" y="0"/>
+          <a:chExt cx="0" cy="0"/>
+        </a:xfrm>
+      </p:grpSpPr>
+      <p:sp>
+        <p:nvSpPr>
+          <p:cNvPr id="2" name="Title 1"/>
+          <p:cNvSpPr>
+            <a:spLocks noGrp="1"/>
+          </p:cNvSpPr>
+          <p:nvPr>
+            <p:ph type="title"/>
+          </p:nvPr>
+        </p:nvSpPr>
+        <p:spPr/>
+        <p:txBody>
+          <a:bodyPr>
+            <a:normAutofit fontScale="90000"/>
+          </a:bodyPr>
+          <a:lstStyle/>
+          <a:p>
+            <a:r>
+              <a:rPr lang="en-US" dirty="0"/>
+              <a:t>Summary: When do I need an invariant? </a:t>
+            </a:r>
+          </a:p>
+        </p:txBody>
+      </p:sp>
+      <p:sp>
+        <p:nvSpPr>
+          <p:cNvPr id="3" name="Content Placeholder 2"/>
+          <p:cNvSpPr>
+            <a:spLocks noGrp="1"/>
+          </p:cNvSpPr>
+          <p:nvPr>
+            <p:ph idx="1"/>
+          </p:nvPr>
+        </p:nvSpPr>
+        <p:spPr/>
+        <p:txBody>
+          <a:bodyPr/>
+          <a:lstStyle/>
+          <a:p>
+            <a:r>
+              <a:rPr lang="en-US" dirty="0"/>
+              <a:t>It all depends on your purpose statement!</a:t>
+            </a:r>
+          </a:p>
+          <a:p>
+            <a:r>
+              <a:rPr lang="en-US" dirty="0"/>
+              <a:t>If the function needs additional information to fulfill its stated purpose, and that information is not in the arguments, then you need an invariant to document the needed information.</a:t>
+            </a:r>
+          </a:p>
+          <a:p>
+            <a:r>
+              <a:rPr lang="en-US" dirty="0"/>
+              <a:t>It is up to each caller of the function to make sure that the invariant is true at every call.</a:t>
+            </a:r>
+          </a:p>
+          <a:p>
+            <a:endParaRPr lang="en-US" dirty="0"/>
+          </a:p>
+        </p:txBody>
+      </p:sp>
+      <p:sp>
+        <p:nvSpPr>
+          <p:cNvPr id="4" name="Slide Number Placeholder 3"/>
+          <p:cNvSpPr>
+            <a:spLocks noGrp="1"/>
+          </p:cNvSpPr>
+          <p:nvPr>
+            <p:ph type="sldNum" sz="quarter" idx="12"/>
+          </p:nvPr>
+        </p:nvSpPr>
+        <p:spPr/>
+        <p:txBody>
+          <a:bodyPr/>
+          <a:lstStyle/>
+          <a:p>
+            <a:fld id="{4FF46DE1-096B-4EDD-A00F-DA0292705DA0}" type="slidenum">
+              <a:rPr lang="en-US" smtClean="0"/>
+              <a:t>81</a:t>
+            </a:fld>
+            <a:endParaRPr lang="en-US"/>
+          </a:p>
+        </p:txBody>
+      </p:sp>
+    </p:spTree>
+    <p:extLst>
+      <p:ext uri="{BB962C8B-B14F-4D97-AF65-F5344CB8AC3E}">
+        <p14:creationId xmlns:p14="http://schemas.microsoft.com/office/powerpoint/2010/main" val="2810350204"/>
+      </p:ext>
+    </p:extLst>
+  </p:cSld>
+  <p:clrMapOvr>
+    <a:masterClrMapping/>
+  </p:clrMapOvr>
+</p:sld>
+</file>
+
+<file path=ppt/slides/slide82.xml><?xml version="1.0" encoding="utf-8"?>
+<p:sld xmlns:a="http://schemas.openxmlformats.org/drawingml/2006/main" xmlns:r="http://schemas.openxmlformats.org/officeDocument/2006/relationships" xmlns:p="http://schemas.openxmlformats.org/presentationml/2006/main">
+  <p:cSld>
+    <p:spTree>
+      <p:nvGrpSpPr>
+        <p:cNvPr id="1" name=""/>
+        <p:cNvGrpSpPr/>
+        <p:nvPr/>
+      </p:nvGrpSpPr>
+      <p:grpSpPr>
+        <a:xfrm>
+          <a:off x="0" y="0"/>
+          <a:ext cx="0" cy="0"/>
+          <a:chOff x="0" y="0"/>
+          <a:chExt cx="0" cy="0"/>
+        </a:xfrm>
+      </p:grpSpPr>
+      <p:sp>
+        <p:nvSpPr>
+          <p:cNvPr id="2" name="Title 1"/>
+          <p:cNvSpPr>
+            <a:spLocks noGrp="1"/>
+          </p:cNvSpPr>
+          <p:nvPr>
+            <p:ph type="title"/>
+          </p:nvPr>
+        </p:nvSpPr>
+        <p:spPr/>
+        <p:txBody>
+          <a:bodyPr/>
+          <a:lstStyle/>
+          <a:p>
+            <a:r>
+              <a:rPr lang="en-US" dirty="0"/>
+              <a:t>Summary</a:t>
+            </a:r>
+          </a:p>
+        </p:txBody>
+      </p:sp>
+      <p:sp>
+        <p:nvSpPr>
+          <p:cNvPr id="3" name="Content Placeholder 2"/>
+          <p:cNvSpPr>
+            <a:spLocks noGrp="1"/>
+          </p:cNvSpPr>
+          <p:nvPr>
+            <p:ph idx="1"/>
+          </p:nvPr>
+        </p:nvSpPr>
+        <p:spPr/>
+        <p:txBody>
+          <a:bodyPr/>
+          <a:lstStyle/>
+          <a:p>
+            <a:r>
+              <a:rPr lang="en-US" dirty="0"/>
+              <a:t>The student should now be able to</a:t>
+            </a:r>
+          </a:p>
+          <a:p>
+            <a:pPr lvl="1"/>
+            <a:r>
+              <a:rPr lang="en-US" dirty="0"/>
+              <a:t>decide whether a purpose statement needs an invariant or not.</a:t>
+            </a:r>
+          </a:p>
+          <a:p>
+            <a:endParaRPr lang="en-US" dirty="0"/>
+          </a:p>
+        </p:txBody>
+      </p:sp>
+      <p:sp>
+        <p:nvSpPr>
+          <p:cNvPr id="4" name="Slide Number Placeholder 3"/>
+          <p:cNvSpPr>
+            <a:spLocks noGrp="1"/>
+          </p:cNvSpPr>
+          <p:nvPr>
+            <p:ph type="sldNum" sz="quarter" idx="12"/>
+          </p:nvPr>
+        </p:nvSpPr>
+        <p:spPr/>
+        <p:txBody>
+          <a:bodyPr/>
+          <a:lstStyle/>
+          <a:p>
+            <a:fld id="{4FF46DE1-096B-4EDD-A00F-DA0292705DA0}" type="slidenum">
+              <a:rPr lang="en-US" smtClean="0"/>
+              <a:t>82</a:t>
+            </a:fld>
+            <a:endParaRPr lang="en-US"/>
+          </a:p>
+        </p:txBody>
+      </p:sp>
+    </p:spTree>
+    <p:extLst>
+      <p:ext uri="{BB962C8B-B14F-4D97-AF65-F5344CB8AC3E}">
+        <p14:creationId xmlns:p14="http://schemas.microsoft.com/office/powerpoint/2010/main" val="1310055986"/>
+      </p:ext>
+    </p:extLst>
+  </p:cSld>
+  <p:clrMapOvr>
+    <a:masterClrMapping/>
+  </p:clrMapOvr>
+</p:sld>
+</file>
+
+<file path=ppt/slides/slide83.xml><?xml version="1.0" encoding="utf-8"?>
+<p:sld xmlns:a="http://schemas.openxmlformats.org/drawingml/2006/main" xmlns:r="http://schemas.openxmlformats.org/officeDocument/2006/relationships" xmlns:p="http://schemas.openxmlformats.org/presentationml/2006/main">
+  <p:cSld>
+    <p:spTree>
+      <p:nvGrpSpPr>
+        <p:cNvPr id="1" name=""/>
+        <p:cNvGrpSpPr/>
+        <p:nvPr/>
+      </p:nvGrpSpPr>
+      <p:grpSpPr>
+        <a:xfrm>
+          <a:off x="0" y="0"/>
+          <a:ext cx="0" cy="0"/>
+          <a:chOff x="0" y="0"/>
+          <a:chExt cx="0" cy="0"/>
+        </a:xfrm>
+      </p:grpSpPr>
+      <p:sp>
+        <p:nvSpPr>
+          <p:cNvPr id="2" name="Title 1"/>
+          <p:cNvSpPr>
+            <a:spLocks noGrp="1"/>
+          </p:cNvSpPr>
+          <p:nvPr>
+            <p:ph type="title"/>
+          </p:nvPr>
+        </p:nvSpPr>
+        <p:spPr/>
+        <p:txBody>
+          <a:bodyPr/>
+          <a:lstStyle/>
+          <a:p>
+            <a:r>
+              <a:rPr lang="en-US" dirty="0"/>
+              <a:t>Next Steps</a:t>
+            </a:r>
+          </a:p>
+        </p:txBody>
+      </p:sp>
+      <p:sp>
+        <p:nvSpPr>
+          <p:cNvPr id="3" name="Content Placeholder 2"/>
+          <p:cNvSpPr>
+            <a:spLocks noGrp="1"/>
+          </p:cNvSpPr>
+          <p:nvPr>
+            <p:ph idx="1"/>
+          </p:nvPr>
+        </p:nvSpPr>
+        <p:spPr/>
+        <p:txBody>
+          <a:bodyPr/>
+          <a:lstStyle/>
+          <a:p>
+            <a:r>
+              <a:rPr lang="en-US" dirty="0"/>
+              <a:t>If you have questions about this lesson, ask them on the Discussion Board</a:t>
+            </a:r>
+          </a:p>
+          <a:p>
+            <a:r>
+              <a:rPr lang="en-US" dirty="0"/>
+              <a:t>Look </a:t>
+            </a:r>
+            <a:r>
+              <a:rPr lang="en-US"/>
+              <a:t>at 07-3-invariants.rkt </a:t>
+            </a:r>
+            <a:r>
+              <a:rPr lang="en-US" dirty="0"/>
+              <a:t>in the Exam</a:t>
+            </a:r>
+          </a:p>
+          <a:p>
+            <a:r>
+              <a:rPr lang="en-US" dirty="0"/>
+              <a:t>Go on to the next lesson</a:t>
+            </a:r>
+          </a:p>
+        </p:txBody>
+      </p:sp>
+      <p:sp>
+        <p:nvSpPr>
+          <p:cNvPr id="4" name="Slide Number Placeholder 3"/>
+          <p:cNvSpPr>
+            <a:spLocks noGrp="1"/>
+          </p:cNvSpPr>
+          <p:nvPr>
+            <p:ph type="sldNum" sz="quarter" idx="12"/>
+          </p:nvPr>
+        </p:nvSpPr>
+        <p:spPr/>
+        <p:txBody>
+          <a:bodyPr/>
+          <a:lstStyle/>
+          <a:p>
+            <a:fld id="{4FF46DE1-096B-4EDD-A00F-DA0292705DA0}" type="slidenum">
+              <a:rPr lang="en-US" smtClean="0"/>
+              <a:t>83</a:t>
+            </a:fld>
+            <a:endParaRPr lang="en-US"/>
+          </a:p>
+        </p:txBody>
+      </p:sp>
+    </p:spTree>
+    <p:extLst>
+      <p:ext uri="{BB962C8B-B14F-4D97-AF65-F5344CB8AC3E}">
+        <p14:creationId xmlns:p14="http://schemas.microsoft.com/office/powerpoint/2010/main" val="1675089784"/>
       </p:ext>
     </p:extLst>
   </p:cSld>
